--- a/document/design/MYMALL(쇼핑리스트)_스토리보드.pptx
+++ b/document/design/MYMALL(쇼핑리스트)_스토리보드.pptx
@@ -5,7 +5,7 @@
     <p:sldMasterId id="2147483648" r:id="rId1"/>
   </p:sldMasterIdLst>
   <p:notesMasterIdLst>
-    <p:notesMasterId r:id="rId21"/>
+    <p:notesMasterId r:id="rId22"/>
   </p:notesMasterIdLst>
   <p:sldIdLst>
     <p:sldId id="256" r:id="rId2"/>
@@ -27,6 +27,7 @@
     <p:sldId id="274" r:id="rId18"/>
     <p:sldId id="275" r:id="rId19"/>
     <p:sldId id="276" r:id="rId20"/>
+    <p:sldId id="277" r:id="rId21"/>
   </p:sldIdLst>
   <p:sldSz cx="12192000" cy="6858000"/>
   <p:notesSz cx="6858000" cy="9144000"/>
@@ -125,6 +126,14 @@
       </a:defRPr>
     </a:lvl9pPr>
   </p:defaultTextStyle>
+  <p:extLst>
+    <p:ext uri="{EFAFB233-063F-42B5-8137-9DF3F51BA10A}">
+      <p15:sldGuideLst xmlns:p15="http://schemas.microsoft.com/office/powerpoint/2012/main"/>
+    </p:ext>
+    <p:ext uri="{2D200454-40CA-4A62-9FC3-DE9A4176ACB9}">
+      <p15:notesGuideLst xmlns:p15="http://schemas.microsoft.com/office/powerpoint/2012/main"/>
+    </p:ext>
+  </p:extLst>
 </p:presentation>
 </file>
 
@@ -210,7 +219,7 @@
           <a:p>
             <a:fld id="{587D0301-635D-4096-ABF6-39FF8143A84C}" type="datetimeFigureOut">
               <a:rPr lang="ko-KR" altLang="en-US" smtClean="0"/>
-              <a:t>2022-09-29</a:t>
+              <a:t>2022. 9. 30.</a:t>
             </a:fld>
             <a:endParaRPr lang="ko-KR" altLang="en-US"/>
           </a:p>
@@ -274,38 +283,37 @@
           <a:p>
             <a:pPr lvl="0"/>
             <a:r>
-              <a:rPr lang="ko-KR" altLang="en-US" smtClean="0"/>
+              <a:rPr lang="ko-KR" altLang="en-US"/>
               <a:t>마스터 텍스트 스타일 편집</a:t>
             </a:r>
           </a:p>
           <a:p>
             <a:pPr lvl="1"/>
             <a:r>
-              <a:rPr lang="ko-KR" altLang="en-US" smtClean="0"/>
+              <a:rPr lang="ko-KR" altLang="en-US"/>
               <a:t>둘째 수준</a:t>
             </a:r>
           </a:p>
           <a:p>
             <a:pPr lvl="2"/>
             <a:r>
-              <a:rPr lang="ko-KR" altLang="en-US" smtClean="0"/>
+              <a:rPr lang="ko-KR" altLang="en-US"/>
               <a:t>셋째 수준</a:t>
             </a:r>
           </a:p>
           <a:p>
             <a:pPr lvl="3"/>
             <a:r>
-              <a:rPr lang="ko-KR" altLang="en-US" smtClean="0"/>
+              <a:rPr lang="ko-KR" altLang="en-US"/>
               <a:t>넷째 수준</a:t>
             </a:r>
           </a:p>
           <a:p>
             <a:pPr lvl="4"/>
             <a:r>
-              <a:rPr lang="ko-KR" altLang="en-US" smtClean="0"/>
+              <a:rPr lang="ko-KR" altLang="en-US"/>
               <a:t>다섯째 수준</a:t>
             </a:r>
-            <a:endParaRPr lang="ko-KR" altLang="en-US"/>
           </a:p>
         </p:txBody>
       </p:sp>
@@ -478,6 +486,90 @@
 </p:notesMaster>
 </file>
 
+<file path=ppt/notesSlides/notesSlide1.xml><?xml version="1.0" encoding="utf-8"?>
+<p:notes xmlns:a="http://schemas.openxmlformats.org/drawingml/2006/main" xmlns:r="http://schemas.openxmlformats.org/officeDocument/2006/relationships" xmlns:p="http://schemas.openxmlformats.org/presentationml/2006/main">
+  <p:cSld>
+    <p:spTree>
+      <p:nvGrpSpPr>
+        <p:cNvPr id="1" name=""/>
+        <p:cNvGrpSpPr/>
+        <p:nvPr/>
+      </p:nvGrpSpPr>
+      <p:grpSpPr>
+        <a:xfrm>
+          <a:off x="0" y="0"/>
+          <a:ext cx="0" cy="0"/>
+          <a:chOff x="0" y="0"/>
+          <a:chExt cx="0" cy="0"/>
+        </a:xfrm>
+      </p:grpSpPr>
+      <p:sp>
+        <p:nvSpPr>
+          <p:cNvPr id="2" name="슬라이드 이미지 개체 틀 1"/>
+          <p:cNvSpPr>
+            <a:spLocks noGrp="1" noRot="1" noChangeAspect="1"/>
+          </p:cNvSpPr>
+          <p:nvPr>
+            <p:ph type="sldImg"/>
+          </p:nvPr>
+        </p:nvSpPr>
+        <p:spPr/>
+      </p:sp>
+      <p:sp>
+        <p:nvSpPr>
+          <p:cNvPr id="3" name="슬라이드 노트 개체 틀 2"/>
+          <p:cNvSpPr>
+            <a:spLocks noGrp="1"/>
+          </p:cNvSpPr>
+          <p:nvPr>
+            <p:ph type="body" idx="1"/>
+          </p:nvPr>
+        </p:nvSpPr>
+        <p:spPr/>
+        <p:txBody>
+          <a:bodyPr/>
+          <a:lstStyle/>
+          <a:p>
+            <a:endParaRPr kumimoji="1" lang="ko-Kore-KR" altLang="en-US" dirty="0"/>
+          </a:p>
+        </p:txBody>
+      </p:sp>
+      <p:sp>
+        <p:nvSpPr>
+          <p:cNvPr id="4" name="슬라이드 번호 개체 틀 3"/>
+          <p:cNvSpPr>
+            <a:spLocks noGrp="1"/>
+          </p:cNvSpPr>
+          <p:nvPr>
+            <p:ph type="sldNum" sz="quarter" idx="5"/>
+          </p:nvPr>
+        </p:nvSpPr>
+        <p:spPr/>
+        <p:txBody>
+          <a:bodyPr/>
+          <a:lstStyle/>
+          <a:p>
+            <a:fld id="{2049EB98-BFEA-4A9E-A1A7-70AEB8A92B0D}" type="slidenum">
+              <a:rPr lang="ko-KR" altLang="en-US" smtClean="0"/>
+              <a:t>3</a:t>
+            </a:fld>
+            <a:endParaRPr lang="ko-KR" altLang="en-US"/>
+          </a:p>
+        </p:txBody>
+      </p:sp>
+    </p:spTree>
+    <p:extLst>
+      <p:ext uri="{BB962C8B-B14F-4D97-AF65-F5344CB8AC3E}">
+        <p14:creationId xmlns:p14="http://schemas.microsoft.com/office/powerpoint/2010/main" val="317153642"/>
+      </p:ext>
+    </p:extLst>
+  </p:cSld>
+  <p:clrMapOvr>
+    <a:masterClrMapping/>
+  </p:clrMapOvr>
+</p:notes>
+</file>
+
 <file path=ppt/slideLayouts/slideLayout1.xml><?xml version="1.0" encoding="utf-8"?>
 <p:sldLayout xmlns:a="http://schemas.openxmlformats.org/drawingml/2006/main" xmlns:r="http://schemas.openxmlformats.org/officeDocument/2006/relationships" xmlns:p="http://schemas.openxmlformats.org/presentationml/2006/main" type="title" preserve="1">
   <p:cSld name="제목 슬라이드">
@@ -520,10 +612,9 @@
           </a:lstStyle>
           <a:p>
             <a:r>
-              <a:rPr lang="ko-KR" altLang="en-US" smtClean="0"/>
+              <a:rPr lang="ko-KR" altLang="en-US"/>
               <a:t>마스터 제목 스타일 편집</a:t>
             </a:r>
-            <a:endParaRPr lang="ko-KR" altLang="en-US"/>
           </a:p>
         </p:txBody>
       </p:sp>
@@ -585,10 +676,9 @@
           </a:lstStyle>
           <a:p>
             <a:r>
-              <a:rPr lang="ko-KR" altLang="en-US" smtClean="0"/>
+              <a:rPr lang="ko-KR" altLang="en-US"/>
               <a:t>클릭하여 마스터 부제목 스타일 편집</a:t>
             </a:r>
-            <a:endParaRPr lang="ko-KR" altLang="en-US"/>
           </a:p>
         </p:txBody>
       </p:sp>
@@ -609,7 +699,7 @@
           <a:p>
             <a:fld id="{2073FAFA-3C5F-46E4-9CCD-AE5CC7679C70}" type="datetimeFigureOut">
               <a:rPr lang="ko-KR" altLang="en-US" smtClean="0"/>
-              <a:t>2022-09-29</a:t>
+              <a:t>2022. 9. 30.</a:t>
             </a:fld>
             <a:endParaRPr lang="ko-KR" altLang="en-US"/>
           </a:p>
@@ -703,10 +793,9 @@
           <a:lstStyle/>
           <a:p>
             <a:r>
-              <a:rPr lang="ko-KR" altLang="en-US" smtClean="0"/>
+              <a:rPr lang="ko-KR" altLang="en-US"/>
               <a:t>마스터 제목 스타일 편집</a:t>
             </a:r>
-            <a:endParaRPr lang="ko-KR" altLang="en-US"/>
           </a:p>
         </p:txBody>
       </p:sp>
@@ -727,38 +816,37 @@
           <a:p>
             <a:pPr lvl="0"/>
             <a:r>
-              <a:rPr lang="ko-KR" altLang="en-US" smtClean="0"/>
+              <a:rPr lang="ko-KR" altLang="en-US"/>
               <a:t>마스터 텍스트 스타일 편집</a:t>
             </a:r>
           </a:p>
           <a:p>
             <a:pPr lvl="1"/>
             <a:r>
-              <a:rPr lang="ko-KR" altLang="en-US" smtClean="0"/>
+              <a:rPr lang="ko-KR" altLang="en-US"/>
               <a:t>둘째 수준</a:t>
             </a:r>
           </a:p>
           <a:p>
             <a:pPr lvl="2"/>
             <a:r>
-              <a:rPr lang="ko-KR" altLang="en-US" smtClean="0"/>
+              <a:rPr lang="ko-KR" altLang="en-US"/>
               <a:t>셋째 수준</a:t>
             </a:r>
           </a:p>
           <a:p>
             <a:pPr lvl="3"/>
             <a:r>
-              <a:rPr lang="ko-KR" altLang="en-US" smtClean="0"/>
+              <a:rPr lang="ko-KR" altLang="en-US"/>
               <a:t>넷째 수준</a:t>
             </a:r>
           </a:p>
           <a:p>
             <a:pPr lvl="4"/>
             <a:r>
-              <a:rPr lang="ko-KR" altLang="en-US" smtClean="0"/>
+              <a:rPr lang="ko-KR" altLang="en-US"/>
               <a:t>다섯째 수준</a:t>
             </a:r>
-            <a:endParaRPr lang="ko-KR" altLang="en-US"/>
           </a:p>
         </p:txBody>
       </p:sp>
@@ -779,7 +867,7 @@
           <a:p>
             <a:fld id="{2073FAFA-3C5F-46E4-9CCD-AE5CC7679C70}" type="datetimeFigureOut">
               <a:rPr lang="ko-KR" altLang="en-US" smtClean="0"/>
-              <a:t>2022-09-29</a:t>
+              <a:t>2022. 9. 30.</a:t>
             </a:fld>
             <a:endParaRPr lang="ko-KR" altLang="en-US"/>
           </a:p>
@@ -878,10 +966,9 @@
           <a:lstStyle/>
           <a:p>
             <a:r>
-              <a:rPr lang="ko-KR" altLang="en-US" smtClean="0"/>
+              <a:rPr lang="ko-KR" altLang="en-US"/>
               <a:t>마스터 제목 스타일 편집</a:t>
             </a:r>
-            <a:endParaRPr lang="ko-KR" altLang="en-US"/>
           </a:p>
         </p:txBody>
       </p:sp>
@@ -907,38 +994,37 @@
           <a:p>
             <a:pPr lvl="0"/>
             <a:r>
-              <a:rPr lang="ko-KR" altLang="en-US" smtClean="0"/>
+              <a:rPr lang="ko-KR" altLang="en-US"/>
               <a:t>마스터 텍스트 스타일 편집</a:t>
             </a:r>
           </a:p>
           <a:p>
             <a:pPr lvl="1"/>
             <a:r>
-              <a:rPr lang="ko-KR" altLang="en-US" smtClean="0"/>
+              <a:rPr lang="ko-KR" altLang="en-US"/>
               <a:t>둘째 수준</a:t>
             </a:r>
           </a:p>
           <a:p>
             <a:pPr lvl="2"/>
             <a:r>
-              <a:rPr lang="ko-KR" altLang="en-US" smtClean="0"/>
+              <a:rPr lang="ko-KR" altLang="en-US"/>
               <a:t>셋째 수준</a:t>
             </a:r>
           </a:p>
           <a:p>
             <a:pPr lvl="3"/>
             <a:r>
-              <a:rPr lang="ko-KR" altLang="en-US" smtClean="0"/>
+              <a:rPr lang="ko-KR" altLang="en-US"/>
               <a:t>넷째 수준</a:t>
             </a:r>
           </a:p>
           <a:p>
             <a:pPr lvl="4"/>
             <a:r>
-              <a:rPr lang="ko-KR" altLang="en-US" smtClean="0"/>
+              <a:rPr lang="ko-KR" altLang="en-US"/>
               <a:t>다섯째 수준</a:t>
             </a:r>
-            <a:endParaRPr lang="ko-KR" altLang="en-US"/>
           </a:p>
         </p:txBody>
       </p:sp>
@@ -959,7 +1045,7 @@
           <a:p>
             <a:fld id="{2073FAFA-3C5F-46E4-9CCD-AE5CC7679C70}" type="datetimeFigureOut">
               <a:rPr lang="ko-KR" altLang="en-US" smtClean="0"/>
-              <a:t>2022-09-29</a:t>
+              <a:t>2022. 9. 30.</a:t>
             </a:fld>
             <a:endParaRPr lang="ko-KR" altLang="en-US"/>
           </a:p>
@@ -1053,10 +1139,9 @@
           <a:lstStyle/>
           <a:p>
             <a:r>
-              <a:rPr lang="ko-KR" altLang="en-US" smtClean="0"/>
+              <a:rPr lang="ko-KR" altLang="en-US"/>
               <a:t>마스터 제목 스타일 편집</a:t>
             </a:r>
-            <a:endParaRPr lang="ko-KR" altLang="en-US"/>
           </a:p>
         </p:txBody>
       </p:sp>
@@ -1077,38 +1162,37 @@
           <a:p>
             <a:pPr lvl="0"/>
             <a:r>
-              <a:rPr lang="ko-KR" altLang="en-US" smtClean="0"/>
+              <a:rPr lang="ko-KR" altLang="en-US"/>
               <a:t>마스터 텍스트 스타일 편집</a:t>
             </a:r>
           </a:p>
           <a:p>
             <a:pPr lvl="1"/>
             <a:r>
-              <a:rPr lang="ko-KR" altLang="en-US" smtClean="0"/>
+              <a:rPr lang="ko-KR" altLang="en-US"/>
               <a:t>둘째 수준</a:t>
             </a:r>
           </a:p>
           <a:p>
             <a:pPr lvl="2"/>
             <a:r>
-              <a:rPr lang="ko-KR" altLang="en-US" smtClean="0"/>
+              <a:rPr lang="ko-KR" altLang="en-US"/>
               <a:t>셋째 수준</a:t>
             </a:r>
           </a:p>
           <a:p>
             <a:pPr lvl="3"/>
             <a:r>
-              <a:rPr lang="ko-KR" altLang="en-US" smtClean="0"/>
+              <a:rPr lang="ko-KR" altLang="en-US"/>
               <a:t>넷째 수준</a:t>
             </a:r>
           </a:p>
           <a:p>
             <a:pPr lvl="4"/>
             <a:r>
-              <a:rPr lang="ko-KR" altLang="en-US" smtClean="0"/>
+              <a:rPr lang="ko-KR" altLang="en-US"/>
               <a:t>다섯째 수준</a:t>
             </a:r>
-            <a:endParaRPr lang="ko-KR" altLang="en-US"/>
           </a:p>
         </p:txBody>
       </p:sp>
@@ -1129,7 +1213,7 @@
           <a:p>
             <a:fld id="{2073FAFA-3C5F-46E4-9CCD-AE5CC7679C70}" type="datetimeFigureOut">
               <a:rPr lang="ko-KR" altLang="en-US" smtClean="0"/>
-              <a:t>2022-09-29</a:t>
+              <a:t>2022. 9. 30.</a:t>
             </a:fld>
             <a:endParaRPr lang="ko-KR" altLang="en-US"/>
           </a:p>
@@ -1185,7 +1269,7 @@
         </p:nvCxnSpPr>
         <p:spPr>
           <a:xfrm>
-            <a:off x="10181968" y="0"/>
+            <a:off x="9814323" y="0"/>
             <a:ext cx="0" cy="6858000"/>
           </a:xfrm>
           <a:prstGeom prst="line">
@@ -1217,13 +1301,6 @@
   <p:clrMapOvr>
     <a:masterClrMapping/>
   </p:clrMapOvr>
-  <p:timing>
-    <p:tnLst>
-      <p:par>
-        <p:cTn id="1" dur="indefinite" restart="never" nodeType="tmRoot"/>
-      </p:par>
-    </p:tnLst>
-  </p:timing>
 </p:sldLayout>
 </file>
 
@@ -1269,10 +1346,9 @@
           </a:lstStyle>
           <a:p>
             <a:r>
-              <a:rPr lang="ko-KR" altLang="en-US" smtClean="0"/>
+              <a:rPr lang="ko-KR" altLang="en-US"/>
               <a:t>마스터 제목 스타일 편집</a:t>
             </a:r>
-            <a:endParaRPr lang="ko-KR" altLang="en-US"/>
           </a:p>
         </p:txBody>
       </p:sp>
@@ -1389,7 +1465,7 @@
           <a:p>
             <a:pPr lvl="0"/>
             <a:r>
-              <a:rPr lang="ko-KR" altLang="en-US" smtClean="0"/>
+              <a:rPr lang="ko-KR" altLang="en-US"/>
               <a:t>마스터 텍스트 스타일 편집</a:t>
             </a:r>
           </a:p>
@@ -1412,7 +1488,7 @@
           <a:p>
             <a:fld id="{2073FAFA-3C5F-46E4-9CCD-AE5CC7679C70}" type="datetimeFigureOut">
               <a:rPr lang="ko-KR" altLang="en-US" smtClean="0"/>
-              <a:t>2022-09-29</a:t>
+              <a:t>2022. 9. 30.</a:t>
             </a:fld>
             <a:endParaRPr lang="ko-KR" altLang="en-US"/>
           </a:p>
@@ -1506,10 +1582,9 @@
           <a:lstStyle/>
           <a:p>
             <a:r>
-              <a:rPr lang="ko-KR" altLang="en-US" smtClean="0"/>
+              <a:rPr lang="ko-KR" altLang="en-US"/>
               <a:t>마스터 제목 스타일 편집</a:t>
             </a:r>
-            <a:endParaRPr lang="ko-KR" altLang="en-US"/>
           </a:p>
         </p:txBody>
       </p:sp>
@@ -1535,38 +1610,37 @@
           <a:p>
             <a:pPr lvl="0"/>
             <a:r>
-              <a:rPr lang="ko-KR" altLang="en-US" smtClean="0"/>
+              <a:rPr lang="ko-KR" altLang="en-US"/>
               <a:t>마스터 텍스트 스타일 편집</a:t>
             </a:r>
           </a:p>
           <a:p>
             <a:pPr lvl="1"/>
             <a:r>
-              <a:rPr lang="ko-KR" altLang="en-US" smtClean="0"/>
+              <a:rPr lang="ko-KR" altLang="en-US"/>
               <a:t>둘째 수준</a:t>
             </a:r>
           </a:p>
           <a:p>
             <a:pPr lvl="2"/>
             <a:r>
-              <a:rPr lang="ko-KR" altLang="en-US" smtClean="0"/>
+              <a:rPr lang="ko-KR" altLang="en-US"/>
               <a:t>셋째 수준</a:t>
             </a:r>
           </a:p>
           <a:p>
             <a:pPr lvl="3"/>
             <a:r>
-              <a:rPr lang="ko-KR" altLang="en-US" smtClean="0"/>
+              <a:rPr lang="ko-KR" altLang="en-US"/>
               <a:t>넷째 수준</a:t>
             </a:r>
           </a:p>
           <a:p>
             <a:pPr lvl="4"/>
             <a:r>
-              <a:rPr lang="ko-KR" altLang="en-US" smtClean="0"/>
+              <a:rPr lang="ko-KR" altLang="en-US"/>
               <a:t>다섯째 수준</a:t>
             </a:r>
-            <a:endParaRPr lang="ko-KR" altLang="en-US"/>
           </a:p>
         </p:txBody>
       </p:sp>
@@ -1592,38 +1666,37 @@
           <a:p>
             <a:pPr lvl="0"/>
             <a:r>
-              <a:rPr lang="ko-KR" altLang="en-US" smtClean="0"/>
+              <a:rPr lang="ko-KR" altLang="en-US"/>
               <a:t>마스터 텍스트 스타일 편집</a:t>
             </a:r>
           </a:p>
           <a:p>
             <a:pPr lvl="1"/>
             <a:r>
-              <a:rPr lang="ko-KR" altLang="en-US" smtClean="0"/>
+              <a:rPr lang="ko-KR" altLang="en-US"/>
               <a:t>둘째 수준</a:t>
             </a:r>
           </a:p>
           <a:p>
             <a:pPr lvl="2"/>
             <a:r>
-              <a:rPr lang="ko-KR" altLang="en-US" smtClean="0"/>
+              <a:rPr lang="ko-KR" altLang="en-US"/>
               <a:t>셋째 수준</a:t>
             </a:r>
           </a:p>
           <a:p>
             <a:pPr lvl="3"/>
             <a:r>
-              <a:rPr lang="ko-KR" altLang="en-US" smtClean="0"/>
+              <a:rPr lang="ko-KR" altLang="en-US"/>
               <a:t>넷째 수준</a:t>
             </a:r>
           </a:p>
           <a:p>
             <a:pPr lvl="4"/>
             <a:r>
-              <a:rPr lang="ko-KR" altLang="en-US" smtClean="0"/>
+              <a:rPr lang="ko-KR" altLang="en-US"/>
               <a:t>다섯째 수준</a:t>
             </a:r>
-            <a:endParaRPr lang="ko-KR" altLang="en-US"/>
           </a:p>
         </p:txBody>
       </p:sp>
@@ -1644,7 +1717,7 @@
           <a:p>
             <a:fld id="{2073FAFA-3C5F-46E4-9CCD-AE5CC7679C70}" type="datetimeFigureOut">
               <a:rPr lang="ko-KR" altLang="en-US" smtClean="0"/>
-              <a:t>2022-09-29</a:t>
+              <a:t>2022. 9. 30.</a:t>
             </a:fld>
             <a:endParaRPr lang="ko-KR" altLang="en-US"/>
           </a:p>
@@ -1743,10 +1816,9 @@
           <a:lstStyle/>
           <a:p>
             <a:r>
-              <a:rPr lang="ko-KR" altLang="en-US" smtClean="0"/>
+              <a:rPr lang="ko-KR" altLang="en-US"/>
               <a:t>마스터 제목 스타일 편집</a:t>
             </a:r>
-            <a:endParaRPr lang="ko-KR" altLang="en-US"/>
           </a:p>
         </p:txBody>
       </p:sp>
@@ -1809,7 +1881,7 @@
           <a:p>
             <a:pPr lvl="0"/>
             <a:r>
-              <a:rPr lang="ko-KR" altLang="en-US" smtClean="0"/>
+              <a:rPr lang="ko-KR" altLang="en-US"/>
               <a:t>마스터 텍스트 스타일 편집</a:t>
             </a:r>
           </a:p>
@@ -1837,38 +1909,37 @@
           <a:p>
             <a:pPr lvl="0"/>
             <a:r>
-              <a:rPr lang="ko-KR" altLang="en-US" smtClean="0"/>
+              <a:rPr lang="ko-KR" altLang="en-US"/>
               <a:t>마스터 텍스트 스타일 편집</a:t>
             </a:r>
           </a:p>
           <a:p>
             <a:pPr lvl="1"/>
             <a:r>
-              <a:rPr lang="ko-KR" altLang="en-US" smtClean="0"/>
+              <a:rPr lang="ko-KR" altLang="en-US"/>
               <a:t>둘째 수준</a:t>
             </a:r>
           </a:p>
           <a:p>
             <a:pPr lvl="2"/>
             <a:r>
-              <a:rPr lang="ko-KR" altLang="en-US" smtClean="0"/>
+              <a:rPr lang="ko-KR" altLang="en-US"/>
               <a:t>셋째 수준</a:t>
             </a:r>
           </a:p>
           <a:p>
             <a:pPr lvl="3"/>
             <a:r>
-              <a:rPr lang="ko-KR" altLang="en-US" smtClean="0"/>
+              <a:rPr lang="ko-KR" altLang="en-US"/>
               <a:t>넷째 수준</a:t>
             </a:r>
           </a:p>
           <a:p>
             <a:pPr lvl="4"/>
             <a:r>
-              <a:rPr lang="ko-KR" altLang="en-US" smtClean="0"/>
+              <a:rPr lang="ko-KR" altLang="en-US"/>
               <a:t>다섯째 수준</a:t>
             </a:r>
-            <a:endParaRPr lang="ko-KR" altLang="en-US"/>
           </a:p>
         </p:txBody>
       </p:sp>
@@ -1931,7 +2002,7 @@
           <a:p>
             <a:pPr lvl="0"/>
             <a:r>
-              <a:rPr lang="ko-KR" altLang="en-US" smtClean="0"/>
+              <a:rPr lang="ko-KR" altLang="en-US"/>
               <a:t>마스터 텍스트 스타일 편집</a:t>
             </a:r>
           </a:p>
@@ -1959,38 +2030,37 @@
           <a:p>
             <a:pPr lvl="0"/>
             <a:r>
-              <a:rPr lang="ko-KR" altLang="en-US" smtClean="0"/>
+              <a:rPr lang="ko-KR" altLang="en-US"/>
               <a:t>마스터 텍스트 스타일 편집</a:t>
             </a:r>
           </a:p>
           <a:p>
             <a:pPr lvl="1"/>
             <a:r>
-              <a:rPr lang="ko-KR" altLang="en-US" smtClean="0"/>
+              <a:rPr lang="ko-KR" altLang="en-US"/>
               <a:t>둘째 수준</a:t>
             </a:r>
           </a:p>
           <a:p>
             <a:pPr lvl="2"/>
             <a:r>
-              <a:rPr lang="ko-KR" altLang="en-US" smtClean="0"/>
+              <a:rPr lang="ko-KR" altLang="en-US"/>
               <a:t>셋째 수준</a:t>
             </a:r>
           </a:p>
           <a:p>
             <a:pPr lvl="3"/>
             <a:r>
-              <a:rPr lang="ko-KR" altLang="en-US" smtClean="0"/>
+              <a:rPr lang="ko-KR" altLang="en-US"/>
               <a:t>넷째 수준</a:t>
             </a:r>
           </a:p>
           <a:p>
             <a:pPr lvl="4"/>
             <a:r>
-              <a:rPr lang="ko-KR" altLang="en-US" smtClean="0"/>
+              <a:rPr lang="ko-KR" altLang="en-US"/>
               <a:t>다섯째 수준</a:t>
             </a:r>
-            <a:endParaRPr lang="ko-KR" altLang="en-US"/>
           </a:p>
         </p:txBody>
       </p:sp>
@@ -2011,7 +2081,7 @@
           <a:p>
             <a:fld id="{2073FAFA-3C5F-46E4-9CCD-AE5CC7679C70}" type="datetimeFigureOut">
               <a:rPr lang="ko-KR" altLang="en-US" smtClean="0"/>
-              <a:t>2022-09-29</a:t>
+              <a:t>2022. 9. 30.</a:t>
             </a:fld>
             <a:endParaRPr lang="ko-KR" altLang="en-US"/>
           </a:p>
@@ -2105,10 +2175,9 @@
           <a:lstStyle/>
           <a:p>
             <a:r>
-              <a:rPr lang="ko-KR" altLang="en-US" smtClean="0"/>
+              <a:rPr lang="ko-KR" altLang="en-US"/>
               <a:t>마스터 제목 스타일 편집</a:t>
             </a:r>
-            <a:endParaRPr lang="ko-KR" altLang="en-US"/>
           </a:p>
         </p:txBody>
       </p:sp>
@@ -2129,7 +2198,7 @@
           <a:p>
             <a:fld id="{2073FAFA-3C5F-46E4-9CCD-AE5CC7679C70}" type="datetimeFigureOut">
               <a:rPr lang="ko-KR" altLang="en-US" smtClean="0"/>
-              <a:t>2022-09-29</a:t>
+              <a:t>2022. 9. 30.</a:t>
             </a:fld>
             <a:endParaRPr lang="ko-KR" altLang="en-US"/>
           </a:p>
@@ -2224,7 +2293,7 @@
           <a:p>
             <a:fld id="{2073FAFA-3C5F-46E4-9CCD-AE5CC7679C70}" type="datetimeFigureOut">
               <a:rPr lang="ko-KR" altLang="en-US" smtClean="0"/>
-              <a:t>2022-09-29</a:t>
+              <a:t>2022. 9. 30.</a:t>
             </a:fld>
             <a:endParaRPr lang="ko-KR" altLang="en-US"/>
           </a:p>
@@ -2327,10 +2396,9 @@
           </a:lstStyle>
           <a:p>
             <a:r>
-              <a:rPr lang="ko-KR" altLang="en-US" smtClean="0"/>
+              <a:rPr lang="ko-KR" altLang="en-US"/>
               <a:t>마스터 제목 스타일 편집</a:t>
             </a:r>
-            <a:endParaRPr lang="ko-KR" altLang="en-US"/>
           </a:p>
         </p:txBody>
       </p:sp>
@@ -2384,38 +2452,37 @@
           <a:p>
             <a:pPr lvl="0"/>
             <a:r>
-              <a:rPr lang="ko-KR" altLang="en-US" smtClean="0"/>
+              <a:rPr lang="ko-KR" altLang="en-US"/>
               <a:t>마스터 텍스트 스타일 편집</a:t>
             </a:r>
           </a:p>
           <a:p>
             <a:pPr lvl="1"/>
             <a:r>
-              <a:rPr lang="ko-KR" altLang="en-US" smtClean="0"/>
+              <a:rPr lang="ko-KR" altLang="en-US"/>
               <a:t>둘째 수준</a:t>
             </a:r>
           </a:p>
           <a:p>
             <a:pPr lvl="2"/>
             <a:r>
-              <a:rPr lang="ko-KR" altLang="en-US" smtClean="0"/>
+              <a:rPr lang="ko-KR" altLang="en-US"/>
               <a:t>셋째 수준</a:t>
             </a:r>
           </a:p>
           <a:p>
             <a:pPr lvl="3"/>
             <a:r>
-              <a:rPr lang="ko-KR" altLang="en-US" smtClean="0"/>
+              <a:rPr lang="ko-KR" altLang="en-US"/>
               <a:t>넷째 수준</a:t>
             </a:r>
           </a:p>
           <a:p>
             <a:pPr lvl="4"/>
             <a:r>
-              <a:rPr lang="ko-KR" altLang="en-US" smtClean="0"/>
+              <a:rPr lang="ko-KR" altLang="en-US"/>
               <a:t>다섯째 수준</a:t>
             </a:r>
-            <a:endParaRPr lang="ko-KR" altLang="en-US"/>
           </a:p>
         </p:txBody>
       </p:sp>
@@ -2478,7 +2545,7 @@
           <a:p>
             <a:pPr lvl="0"/>
             <a:r>
-              <a:rPr lang="ko-KR" altLang="en-US" smtClean="0"/>
+              <a:rPr lang="ko-KR" altLang="en-US"/>
               <a:t>마스터 텍스트 스타일 편집</a:t>
             </a:r>
           </a:p>
@@ -2501,7 +2568,7 @@
           <a:p>
             <a:fld id="{2073FAFA-3C5F-46E4-9CCD-AE5CC7679C70}" type="datetimeFigureOut">
               <a:rPr lang="ko-KR" altLang="en-US" smtClean="0"/>
-              <a:t>2022-09-29</a:t>
+              <a:t>2022. 9. 30.</a:t>
             </a:fld>
             <a:endParaRPr lang="ko-KR" altLang="en-US"/>
           </a:p>
@@ -2604,10 +2671,9 @@
           </a:lstStyle>
           <a:p>
             <a:r>
-              <a:rPr lang="ko-KR" altLang="en-US" smtClean="0"/>
+              <a:rPr lang="ko-KR" altLang="en-US"/>
               <a:t>마스터 제목 스타일 편집</a:t>
             </a:r>
-            <a:endParaRPr lang="ko-KR" altLang="en-US"/>
           </a:p>
         </p:txBody>
       </p:sp>
@@ -2731,7 +2797,7 @@
           <a:p>
             <a:pPr lvl="0"/>
             <a:r>
-              <a:rPr lang="ko-KR" altLang="en-US" smtClean="0"/>
+              <a:rPr lang="ko-KR" altLang="en-US"/>
               <a:t>마스터 텍스트 스타일 편집</a:t>
             </a:r>
           </a:p>
@@ -2754,7 +2820,7 @@
           <a:p>
             <a:fld id="{2073FAFA-3C5F-46E4-9CCD-AE5CC7679C70}" type="datetimeFigureOut">
               <a:rPr lang="ko-KR" altLang="en-US" smtClean="0"/>
-              <a:t>2022-09-29</a:t>
+              <a:t>2022. 9. 30.</a:t>
             </a:fld>
             <a:endParaRPr lang="ko-KR" altLang="en-US"/>
           </a:p>
@@ -2863,10 +2929,9 @@
           <a:lstStyle/>
           <a:p>
             <a:r>
-              <a:rPr lang="ko-KR" altLang="en-US" smtClean="0"/>
+              <a:rPr lang="ko-KR" altLang="en-US"/>
               <a:t>마스터 제목 스타일 편집</a:t>
             </a:r>
-            <a:endParaRPr lang="ko-KR" altLang="en-US"/>
           </a:p>
         </p:txBody>
       </p:sp>
@@ -2897,38 +2962,37 @@
           <a:p>
             <a:pPr lvl="0"/>
             <a:r>
-              <a:rPr lang="ko-KR" altLang="en-US" smtClean="0"/>
+              <a:rPr lang="ko-KR" altLang="en-US"/>
               <a:t>마스터 텍스트 스타일 편집</a:t>
             </a:r>
           </a:p>
           <a:p>
             <a:pPr lvl="1"/>
             <a:r>
-              <a:rPr lang="ko-KR" altLang="en-US" smtClean="0"/>
+              <a:rPr lang="ko-KR" altLang="en-US"/>
               <a:t>둘째 수준</a:t>
             </a:r>
           </a:p>
           <a:p>
             <a:pPr lvl="2"/>
             <a:r>
-              <a:rPr lang="ko-KR" altLang="en-US" smtClean="0"/>
+              <a:rPr lang="ko-KR" altLang="en-US"/>
               <a:t>셋째 수준</a:t>
             </a:r>
           </a:p>
           <a:p>
             <a:pPr lvl="3"/>
             <a:r>
-              <a:rPr lang="ko-KR" altLang="en-US" smtClean="0"/>
+              <a:rPr lang="ko-KR" altLang="en-US"/>
               <a:t>넷째 수준</a:t>
             </a:r>
           </a:p>
           <a:p>
             <a:pPr lvl="4"/>
             <a:r>
-              <a:rPr lang="ko-KR" altLang="en-US" smtClean="0"/>
+              <a:rPr lang="ko-KR" altLang="en-US"/>
               <a:t>다섯째 수준</a:t>
             </a:r>
-            <a:endParaRPr lang="ko-KR" altLang="en-US"/>
           </a:p>
         </p:txBody>
       </p:sp>
@@ -2967,7 +3031,7 @@
           <a:p>
             <a:fld id="{2073FAFA-3C5F-46E4-9CCD-AE5CC7679C70}" type="datetimeFigureOut">
               <a:rPr lang="ko-KR" altLang="en-US" smtClean="0"/>
-              <a:t>2022-09-29</a:t>
+              <a:t>2022. 9. 30.</a:t>
             </a:fld>
             <a:endParaRPr lang="ko-KR" altLang="en-US"/>
           </a:p>
@@ -3388,11 +3452,11 @@
           <a:lstStyle/>
           <a:p>
             <a:r>
-              <a:rPr lang="en-US" altLang="ko-KR" dirty="0" smtClean="0"/>
+              <a:rPr lang="en-US" altLang="ko-KR" dirty="0"/>
               <a:t>MYMALL(</a:t>
             </a:r>
             <a:r>
-              <a:rPr lang="ko-KR" altLang="en-US" dirty="0" err="1" smtClean="0"/>
+              <a:rPr lang="ko-KR" altLang="en-US" dirty="0" err="1"/>
               <a:t>쇼핑리스트</a:t>
             </a:r>
             <a:r>
@@ -3432,13 +3496,6 @@
   <p:clrMapOvr>
     <a:masterClrMapping/>
   </p:clrMapOvr>
-  <p:timing>
-    <p:tnLst>
-      <p:par>
-        <p:cTn id="1" dur="indefinite" restart="never" nodeType="tmRoot"/>
-      </p:par>
-    </p:tnLst>
-  </p:timing>
 </p:sld>
 </file>
 
@@ -3496,10 +3553,9 @@
           <a:p>
             <a:pPr algn="ctr"/>
             <a:r>
-              <a:rPr lang="ko-KR" altLang="en-US" sz="4000" dirty="0" smtClean="0"/>
+              <a:rPr lang="ko-KR" altLang="en-US" sz="4000" dirty="0"/>
               <a:t>로그인</a:t>
             </a:r>
-            <a:endParaRPr lang="ko-KR" altLang="en-US" sz="4000" dirty="0"/>
           </a:p>
         </p:txBody>
       </p:sp>
@@ -3513,13 +3569,6 @@
   <p:clrMapOvr>
     <a:masterClrMapping/>
   </p:clrMapOvr>
-  <p:timing>
-    <p:tnLst>
-      <p:par>
-        <p:cTn id="1" dur="indefinite" restart="never" nodeType="tmRoot"/>
-      </p:par>
-    </p:tnLst>
-  </p:timing>
 </p:sld>
 </file>
 
@@ -3611,7 +3660,7 @@
           <a:lstStyle/>
           <a:p>
             <a:r>
-              <a:rPr lang="en-US" altLang="ko-KR" sz="3000" dirty="0" smtClean="0"/>
+              <a:rPr lang="en-US" altLang="ko-KR" sz="3000" dirty="0"/>
               <a:t>login</a:t>
             </a:r>
             <a:endParaRPr lang="ko-KR" altLang="en-US" sz="3000" dirty="0"/>
@@ -3755,10 +3804,9 @@
           <a:p>
             <a:pPr algn="ctr"/>
             <a:r>
-              <a:rPr lang="ko-KR" altLang="en-US" sz="1200" dirty="0" smtClean="0"/>
+              <a:rPr lang="ko-KR" altLang="en-US" sz="1200" dirty="0"/>
               <a:t>로그인</a:t>
             </a:r>
-            <a:endParaRPr lang="ko-KR" altLang="en-US" sz="1200" dirty="0"/>
           </a:p>
         </p:txBody>
       </p:sp>
@@ -3785,7 +3833,7 @@
           <a:lstStyle/>
           <a:p>
             <a:r>
-              <a:rPr lang="ko-KR" altLang="en-US" sz="800" dirty="0" smtClean="0">
+              <a:rPr lang="ko-KR" altLang="en-US" sz="800" dirty="0">
                 <a:solidFill>
                   <a:schemeClr val="bg1">
                     <a:lumMod val="65000"/>
@@ -3794,13 +3842,6 @@
               </a:rPr>
               <a:t>회원가입</a:t>
             </a:r>
-            <a:endParaRPr lang="ko-KR" altLang="en-US" sz="800" dirty="0">
-              <a:solidFill>
-                <a:schemeClr val="bg1">
-                  <a:lumMod val="65000"/>
-                </a:schemeClr>
-              </a:solidFill>
-            </a:endParaRPr>
           </a:p>
         </p:txBody>
       </p:sp>
@@ -3827,7 +3868,7 @@
           <a:lstStyle/>
           <a:p>
             <a:r>
-              <a:rPr lang="ko-KR" altLang="en-US" sz="800" smtClean="0">
+              <a:rPr lang="ko-KR" altLang="en-US" sz="800">
                 <a:solidFill>
                   <a:schemeClr val="bg1">
                     <a:lumMod val="65000"/>
@@ -3837,7 +3878,7 @@
               <a:t>아이디</a:t>
             </a:r>
             <a:r>
-              <a:rPr lang="en-US" altLang="ko-KR" sz="800" dirty="0" smtClean="0">
+              <a:rPr lang="en-US" altLang="ko-KR" sz="800" dirty="0">
                 <a:solidFill>
                   <a:schemeClr val="bg1">
                     <a:lumMod val="65000"/>
@@ -3847,7 +3888,7 @@
               <a:t>/</a:t>
             </a:r>
             <a:r>
-              <a:rPr lang="ko-KR" altLang="en-US" sz="800" dirty="0" smtClean="0">
+              <a:rPr lang="ko-KR" altLang="en-US" sz="800" dirty="0">
                 <a:solidFill>
                   <a:schemeClr val="bg1">
                     <a:lumMod val="65000"/>
@@ -3856,13 +3897,6 @@
               </a:rPr>
               <a:t>비밀번호찾기</a:t>
             </a:r>
-            <a:endParaRPr lang="ko-KR" altLang="en-US" sz="800" dirty="0">
-              <a:solidFill>
-                <a:schemeClr val="bg1">
-                  <a:lumMod val="65000"/>
-                </a:schemeClr>
-              </a:solidFill>
-            </a:endParaRPr>
           </a:p>
         </p:txBody>
       </p:sp>
@@ -3919,10 +3953,214 @@
           <a:lstStyle/>
           <a:p>
             <a:r>
-              <a:rPr lang="en-US" altLang="ko-KR" dirty="0" smtClean="0"/>
+              <a:rPr lang="en-US" altLang="ko-KR" dirty="0"/>
               <a:t>MYMALL</a:t>
             </a:r>
             <a:endParaRPr lang="ko-KR" altLang="en-US" dirty="0"/>
+          </a:p>
+        </p:txBody>
+      </p:sp>
+      <p:sp>
+        <p:nvSpPr>
+          <p:cNvPr id="2" name="타원 1">
+            <a:extLst>
+              <a:ext uri="{FF2B5EF4-FFF2-40B4-BE49-F238E27FC236}">
+                <a16:creationId xmlns:a16="http://schemas.microsoft.com/office/drawing/2014/main" id="{7A338EC4-6CF1-4702-AA46-CDC026F5954F}"/>
+              </a:ext>
+            </a:extLst>
+          </p:cNvPr>
+          <p:cNvSpPr/>
+          <p:nvPr/>
+        </p:nvSpPr>
+        <p:spPr>
+          <a:xfrm>
+            <a:off x="4492869" y="4165484"/>
+            <a:ext cx="216000" cy="216000"/>
+          </a:xfrm>
+          <a:prstGeom prst="ellipse">
+            <a:avLst/>
+          </a:prstGeom>
+          <a:solidFill>
+            <a:srgbClr val="FF0000"/>
+          </a:solidFill>
+          <a:ln>
+            <a:noFill/>
+          </a:ln>
+        </p:spPr>
+        <p:style>
+          <a:lnRef idx="2">
+            <a:schemeClr val="accent1">
+              <a:shade val="50000"/>
+            </a:schemeClr>
+          </a:lnRef>
+          <a:fillRef idx="1">
+            <a:schemeClr val="accent1"/>
+          </a:fillRef>
+          <a:effectRef idx="0">
+            <a:schemeClr val="accent1"/>
+          </a:effectRef>
+          <a:fontRef idx="minor">
+            <a:schemeClr val="lt1"/>
+          </a:fontRef>
+        </p:style>
+        <p:txBody>
+          <a:bodyPr wrap="none" lIns="0" tIns="0" rIns="0" bIns="0" rtlCol="0" anchor="ctr"/>
+          <a:lstStyle/>
+          <a:p>
+            <a:pPr algn="ctr"/>
+            <a:r>
+              <a:rPr lang="en-US" altLang="ko-KR" sz="1100" dirty="0">
+                <a:solidFill>
+                  <a:schemeClr val="bg1"/>
+                </a:solidFill>
+                <a:latin typeface="타이포_씨고딕 140" panose="02020503020101020101" pitchFamily="18" charset="-127"/>
+                <a:ea typeface="타이포_씨고딕 140" panose="02020503020101020101" pitchFamily="18" charset="-127"/>
+              </a:rPr>
+              <a:t>1</a:t>
+            </a:r>
+            <a:endParaRPr lang="ko-KR" altLang="en-US" sz="1100" dirty="0">
+              <a:solidFill>
+                <a:schemeClr val="bg1"/>
+              </a:solidFill>
+              <a:latin typeface="타이포_씨고딕 140" panose="02020503020101020101" pitchFamily="18" charset="-127"/>
+              <a:ea typeface="타이포_씨고딕 140" panose="02020503020101020101" pitchFamily="18" charset="-127"/>
+            </a:endParaRPr>
+          </a:p>
+        </p:txBody>
+      </p:sp>
+      <p:sp>
+        <p:nvSpPr>
+          <p:cNvPr id="3" name="타원 2">
+            <a:extLst>
+              <a:ext uri="{FF2B5EF4-FFF2-40B4-BE49-F238E27FC236}">
+                <a16:creationId xmlns:a16="http://schemas.microsoft.com/office/drawing/2014/main" id="{08C39721-B29E-8D84-AF86-E913A1051DFF}"/>
+              </a:ext>
+            </a:extLst>
+          </p:cNvPr>
+          <p:cNvSpPr/>
+          <p:nvPr/>
+        </p:nvSpPr>
+        <p:spPr>
+          <a:xfrm>
+            <a:off x="4323822" y="4401189"/>
+            <a:ext cx="216000" cy="216000"/>
+          </a:xfrm>
+          <a:prstGeom prst="ellipse">
+            <a:avLst/>
+          </a:prstGeom>
+          <a:solidFill>
+            <a:srgbClr val="FF0000"/>
+          </a:solidFill>
+          <a:ln>
+            <a:noFill/>
+          </a:ln>
+        </p:spPr>
+        <p:style>
+          <a:lnRef idx="2">
+            <a:schemeClr val="accent1">
+              <a:shade val="50000"/>
+            </a:schemeClr>
+          </a:lnRef>
+          <a:fillRef idx="1">
+            <a:schemeClr val="accent1"/>
+          </a:fillRef>
+          <a:effectRef idx="0">
+            <a:schemeClr val="accent1"/>
+          </a:effectRef>
+          <a:fontRef idx="minor">
+            <a:schemeClr val="lt1"/>
+          </a:fontRef>
+        </p:style>
+        <p:txBody>
+          <a:bodyPr wrap="none" lIns="0" tIns="0" rIns="0" bIns="0" rtlCol="0" anchor="ctr"/>
+          <a:lstStyle/>
+          <a:p>
+            <a:pPr algn="ctr"/>
+            <a:r>
+              <a:rPr lang="en-US" altLang="ko-KR" sz="1100" dirty="0">
+                <a:solidFill>
+                  <a:schemeClr val="bg1"/>
+                </a:solidFill>
+                <a:latin typeface="타이포_씨고딕 140" panose="02020503020101020101" pitchFamily="18" charset="-127"/>
+                <a:ea typeface="타이포_씨고딕 140" panose="02020503020101020101" pitchFamily="18" charset="-127"/>
+              </a:rPr>
+              <a:t>1</a:t>
+            </a:r>
+            <a:endParaRPr lang="ko-KR" altLang="en-US" sz="1100" dirty="0">
+              <a:solidFill>
+                <a:schemeClr val="bg1"/>
+              </a:solidFill>
+              <a:latin typeface="타이포_씨고딕 140" panose="02020503020101020101" pitchFamily="18" charset="-127"/>
+              <a:ea typeface="타이포_씨고딕 140" panose="02020503020101020101" pitchFamily="18" charset="-127"/>
+            </a:endParaRPr>
+          </a:p>
+        </p:txBody>
+      </p:sp>
+      <p:sp>
+        <p:nvSpPr>
+          <p:cNvPr id="11" name="타원 10">
+            <a:extLst>
+              <a:ext uri="{FF2B5EF4-FFF2-40B4-BE49-F238E27FC236}">
+                <a16:creationId xmlns:a16="http://schemas.microsoft.com/office/drawing/2014/main" id="{459388F9-2926-D69D-9E3A-BF538B3F33BD}"/>
+              </a:ext>
+            </a:extLst>
+          </p:cNvPr>
+          <p:cNvSpPr/>
+          <p:nvPr/>
+        </p:nvSpPr>
+        <p:spPr>
+          <a:xfrm>
+            <a:off x="3769408" y="4901805"/>
+            <a:ext cx="216000" cy="216000"/>
+          </a:xfrm>
+          <a:prstGeom prst="ellipse">
+            <a:avLst/>
+          </a:prstGeom>
+          <a:solidFill>
+            <a:srgbClr val="FF0000"/>
+          </a:solidFill>
+          <a:ln>
+            <a:noFill/>
+          </a:ln>
+        </p:spPr>
+        <p:style>
+          <a:lnRef idx="2">
+            <a:schemeClr val="accent1">
+              <a:shade val="50000"/>
+            </a:schemeClr>
+          </a:lnRef>
+          <a:fillRef idx="1">
+            <a:schemeClr val="accent1"/>
+          </a:fillRef>
+          <a:effectRef idx="0">
+            <a:schemeClr val="accent1"/>
+          </a:effectRef>
+          <a:fontRef idx="minor">
+            <a:schemeClr val="lt1"/>
+          </a:fontRef>
+        </p:style>
+        <p:txBody>
+          <a:bodyPr wrap="none" lIns="0" tIns="0" rIns="0" bIns="0" rtlCol="0" anchor="ctr"/>
+          <a:lstStyle/>
+          <a:p>
+            <a:pPr algn="ctr"/>
+            <a:r>
+              <a:rPr lang="en-US" altLang="ko-KR" sz="1100" dirty="0">
+                <a:solidFill>
+                  <a:schemeClr val="bg1"/>
+                </a:solidFill>
+                <a:latin typeface="타이포_씨고딕 140" panose="02020503020101020101" pitchFamily="18" charset="-127"/>
+                <a:ea typeface="타이포_씨고딕 140" panose="02020503020101020101" pitchFamily="18" charset="-127"/>
+              </a:rPr>
+              <a:t>1</a:t>
+            </a:r>
+            <a:endParaRPr lang="ko-KR" altLang="en-US" sz="1100" dirty="0">
+              <a:solidFill>
+                <a:schemeClr val="bg1"/>
+              </a:solidFill>
+              <a:latin typeface="타이포_씨고딕 140" panose="02020503020101020101" pitchFamily="18" charset="-127"/>
+              <a:ea typeface="타이포_씨고딕 140" panose="02020503020101020101" pitchFamily="18" charset="-127"/>
+            </a:endParaRPr>
           </a:p>
         </p:txBody>
       </p:sp>
@@ -3936,13 +4174,6 @@
   <p:clrMapOvr>
     <a:masterClrMapping/>
   </p:clrMapOvr>
-  <p:timing>
-    <p:tnLst>
-      <p:par>
-        <p:cTn id="1" dur="indefinite" restart="never" nodeType="tmRoot"/>
-      </p:par>
-    </p:tnLst>
-  </p:timing>
 </p:sld>
 </file>
 
@@ -4034,7 +4265,7 @@
           <a:lstStyle/>
           <a:p>
             <a:r>
-              <a:rPr lang="en-US" altLang="ko-KR" sz="3000" dirty="0" smtClean="0"/>
+              <a:rPr lang="en-US" altLang="ko-KR" sz="3000" dirty="0"/>
               <a:t>login</a:t>
             </a:r>
             <a:endParaRPr lang="ko-KR" altLang="en-US" sz="3000" dirty="0"/>
@@ -4178,10 +4409,9 @@
           <a:p>
             <a:pPr algn="ctr"/>
             <a:r>
-              <a:rPr lang="ko-KR" altLang="en-US" sz="1200" dirty="0" smtClean="0"/>
+              <a:rPr lang="ko-KR" altLang="en-US" sz="1200" dirty="0"/>
               <a:t>로그인</a:t>
             </a:r>
-            <a:endParaRPr lang="ko-KR" altLang="en-US" sz="1200" dirty="0"/>
           </a:p>
         </p:txBody>
       </p:sp>
@@ -4208,10 +4438,77 @@
           <a:lstStyle/>
           <a:p>
             <a:r>
-              <a:rPr lang="ko-KR" altLang="en-US" sz="4000" dirty="0" smtClean="0"/>
+              <a:rPr lang="ko-KR" altLang="en-US" sz="4000" dirty="0"/>
               <a:t>관리자 로그인</a:t>
             </a:r>
-            <a:endParaRPr lang="ko-KR" altLang="en-US" sz="4000" dirty="0"/>
+          </a:p>
+        </p:txBody>
+      </p:sp>
+      <p:sp>
+        <p:nvSpPr>
+          <p:cNvPr id="2" name="타원 1">
+            <a:extLst>
+              <a:ext uri="{FF2B5EF4-FFF2-40B4-BE49-F238E27FC236}">
+                <a16:creationId xmlns:a16="http://schemas.microsoft.com/office/drawing/2014/main" id="{D75AD715-BFBA-F252-23E8-0D7D637B11A3}"/>
+              </a:ext>
+            </a:extLst>
+          </p:cNvPr>
+          <p:cNvSpPr/>
+          <p:nvPr/>
+        </p:nvSpPr>
+        <p:spPr>
+          <a:xfrm>
+            <a:off x="3769408" y="4525528"/>
+            <a:ext cx="216000" cy="216000"/>
+          </a:xfrm>
+          <a:prstGeom prst="ellipse">
+            <a:avLst/>
+          </a:prstGeom>
+          <a:solidFill>
+            <a:srgbClr val="FF0000"/>
+          </a:solidFill>
+          <a:ln>
+            <a:noFill/>
+          </a:ln>
+        </p:spPr>
+        <p:style>
+          <a:lnRef idx="2">
+            <a:schemeClr val="accent1">
+              <a:shade val="50000"/>
+            </a:schemeClr>
+          </a:lnRef>
+          <a:fillRef idx="1">
+            <a:schemeClr val="accent1"/>
+          </a:fillRef>
+          <a:effectRef idx="0">
+            <a:schemeClr val="accent1"/>
+          </a:effectRef>
+          <a:fontRef idx="minor">
+            <a:schemeClr val="lt1"/>
+          </a:fontRef>
+        </p:style>
+        <p:txBody>
+          <a:bodyPr wrap="none" lIns="0" tIns="0" rIns="0" bIns="0" rtlCol="0" anchor="ctr"/>
+          <a:lstStyle/>
+          <a:p>
+            <a:pPr algn="ctr"/>
+            <a:r>
+              <a:rPr lang="en-US" altLang="ko-KR" sz="1100" dirty="0">
+                <a:solidFill>
+                  <a:schemeClr val="bg1"/>
+                </a:solidFill>
+                <a:latin typeface="타이포_씨고딕 140" panose="02020503020101020101" pitchFamily="18" charset="-127"/>
+                <a:ea typeface="타이포_씨고딕 140" panose="02020503020101020101" pitchFamily="18" charset="-127"/>
+              </a:rPr>
+              <a:t>1</a:t>
+            </a:r>
+            <a:endParaRPr lang="ko-KR" altLang="en-US" sz="1100" dirty="0">
+              <a:solidFill>
+                <a:schemeClr val="bg1"/>
+              </a:solidFill>
+              <a:latin typeface="타이포_씨고딕 140" panose="02020503020101020101" pitchFamily="18" charset="-127"/>
+              <a:ea typeface="타이포_씨고딕 140" panose="02020503020101020101" pitchFamily="18" charset="-127"/>
+            </a:endParaRPr>
           </a:p>
         </p:txBody>
       </p:sp>
@@ -4225,13 +4522,6 @@
   <p:clrMapOvr>
     <a:masterClrMapping/>
   </p:clrMapOvr>
-  <p:timing>
-    <p:tnLst>
-      <p:par>
-        <p:cTn id="1" dur="indefinite" restart="never" nodeType="tmRoot"/>
-      </p:par>
-    </p:tnLst>
-  </p:timing>
 </p:sld>
 </file>
 
@@ -4327,10 +4617,9 @@
           <a:p>
             <a:pPr algn="ctr"/>
             <a:r>
-              <a:rPr lang="ko-KR" altLang="en-US" sz="4000" dirty="0" smtClean="0"/>
+              <a:rPr lang="ko-KR" altLang="en-US" sz="4000" dirty="0"/>
               <a:t>회원가입</a:t>
             </a:r>
-            <a:endParaRPr lang="ko-KR" altLang="en-US" sz="4000" dirty="0"/>
           </a:p>
         </p:txBody>
       </p:sp>
@@ -4344,13 +4633,6 @@
   <p:clrMapOvr>
     <a:masterClrMapping/>
   </p:clrMapOvr>
-  <p:timing>
-    <p:tnLst>
-      <p:par>
-        <p:cTn id="1" dur="indefinite" restart="never" nodeType="tmRoot"/>
-      </p:par>
-    </p:tnLst>
-  </p:timing>
 </p:sld>
 </file>
 
@@ -4424,7 +4706,7 @@
           <a:lstStyle/>
           <a:p>
             <a:r>
-              <a:rPr lang="en-US" altLang="ko-KR" dirty="0" smtClean="0"/>
+              <a:rPr lang="en-US" altLang="ko-KR" dirty="0"/>
               <a:t>MYMALL</a:t>
             </a:r>
             <a:endParaRPr lang="ko-KR" altLang="en-US" dirty="0"/>
@@ -4454,7 +4736,7 @@
           <a:lstStyle/>
           <a:p>
             <a:r>
-              <a:rPr lang="en-US" altLang="ko-KR" sz="3000" dirty="0" smtClean="0"/>
+              <a:rPr lang="en-US" altLang="ko-KR" sz="3000" dirty="0"/>
               <a:t>signup</a:t>
             </a:r>
             <a:endParaRPr lang="ko-KR" altLang="en-US" sz="3000" dirty="0"/>
@@ -4647,10 +4929,9 @@
           <a:p>
             <a:pPr algn="ctr"/>
             <a:r>
-              <a:rPr lang="ko-KR" altLang="en-US" sz="1000" dirty="0" smtClean="0"/>
+              <a:rPr lang="ko-KR" altLang="en-US" sz="1000" dirty="0"/>
               <a:t>중복 확인</a:t>
             </a:r>
-            <a:endParaRPr lang="ko-KR" altLang="en-US" sz="1000" dirty="0"/>
           </a:p>
         </p:txBody>
       </p:sp>
@@ -4677,10 +4958,9 @@
           <a:lstStyle/>
           <a:p>
             <a:r>
-              <a:rPr lang="ko-KR" altLang="en-US" sz="1000" dirty="0" smtClean="0"/>
+              <a:rPr lang="ko-KR" altLang="en-US" sz="1000" dirty="0"/>
               <a:t>아이디</a:t>
             </a:r>
-            <a:endParaRPr lang="ko-KR" altLang="en-US" sz="1000" dirty="0"/>
           </a:p>
         </p:txBody>
       </p:sp>
@@ -4707,10 +4987,9 @@
           <a:lstStyle/>
           <a:p>
             <a:r>
-              <a:rPr lang="ko-KR" altLang="en-US" sz="1000" dirty="0" smtClean="0"/>
+              <a:rPr lang="ko-KR" altLang="en-US" sz="1000" dirty="0"/>
               <a:t>비밀 번호</a:t>
             </a:r>
-            <a:endParaRPr lang="ko-KR" altLang="en-US" sz="1000" dirty="0"/>
           </a:p>
         </p:txBody>
       </p:sp>
@@ -4737,10 +5016,9 @@
           <a:lstStyle/>
           <a:p>
             <a:r>
-              <a:rPr lang="ko-KR" altLang="en-US" sz="1000" dirty="0" smtClean="0"/>
+              <a:rPr lang="ko-KR" altLang="en-US" sz="1000" dirty="0"/>
               <a:t>비밀 번호 확인</a:t>
             </a:r>
-            <a:endParaRPr lang="ko-KR" altLang="en-US" sz="1000" dirty="0"/>
           </a:p>
         </p:txBody>
       </p:sp>
@@ -4813,10 +5091,9 @@
           <a:lstStyle/>
           <a:p>
             <a:r>
-              <a:rPr lang="ko-KR" altLang="en-US" sz="1000" dirty="0" smtClean="0"/>
+              <a:rPr lang="ko-KR" altLang="en-US" sz="1000" dirty="0"/>
               <a:t>이름</a:t>
             </a:r>
-            <a:endParaRPr lang="ko-KR" altLang="en-US" sz="1000" dirty="0"/>
           </a:p>
         </p:txBody>
       </p:sp>
@@ -4865,10 +5142,9 @@
           <a:p>
             <a:pPr algn="ctr"/>
             <a:r>
-              <a:rPr lang="ko-KR" altLang="en-US" sz="1000" dirty="0" smtClean="0"/>
+              <a:rPr lang="ko-KR" altLang="en-US" sz="1000" dirty="0"/>
               <a:t>회원가입</a:t>
             </a:r>
-            <a:endParaRPr lang="ko-KR" altLang="en-US" sz="1000" dirty="0"/>
           </a:p>
         </p:txBody>
       </p:sp>
@@ -4941,7 +5217,7 @@
           <a:lstStyle/>
           <a:p>
             <a:r>
-              <a:rPr lang="ko-KR" altLang="en-US" sz="1000" smtClean="0"/>
+              <a:rPr lang="ko-KR" altLang="en-US" sz="1000"/>
               <a:t>이메일</a:t>
             </a:r>
             <a:endParaRPr lang="ko-KR" altLang="en-US" sz="1000" dirty="0"/>
@@ -4971,7 +5247,7 @@
           <a:lstStyle/>
           <a:p>
             <a:r>
-              <a:rPr lang="en-US" altLang="ko-KR" sz="1000" dirty="0" smtClean="0"/>
+              <a:rPr lang="en-US" altLang="ko-KR" sz="1000" dirty="0"/>
               <a:t>@</a:t>
             </a:r>
             <a:endParaRPr lang="ko-KR" altLang="en-US" sz="1000" dirty="0"/>
@@ -5028,20 +5304,10 @@
                   </a:schemeClr>
                 </a:solidFill>
               </a:rPr>
-              <a:t>	</a:t>
-            </a:r>
-            <a:r>
-              <a:rPr lang="en-US" altLang="ko-KR" sz="1000" dirty="0" smtClean="0">
-                <a:solidFill>
-                  <a:schemeClr val="bg1">
-                    <a:lumMod val="65000"/>
-                  </a:schemeClr>
-                </a:solidFill>
-              </a:rPr>
-              <a:t>      </a:t>
-            </a:r>
-            <a:r>
-              <a:rPr lang="ko-KR" altLang="en-US" sz="1000" dirty="0" smtClean="0">
+              <a:t>	      </a:t>
+            </a:r>
+            <a:r>
+              <a:rPr lang="ko-KR" altLang="en-US" sz="1000" dirty="0">
                 <a:solidFill>
                   <a:schemeClr val="bg1">
                     <a:lumMod val="65000"/>
@@ -5050,12 +5316,209 @@
               </a:rPr>
               <a:t>▼</a:t>
             </a:r>
-            <a:endParaRPr lang="ko-KR" altLang="en-US" sz="1000" dirty="0">
+          </a:p>
+        </p:txBody>
+      </p:sp>
+      <p:sp>
+        <p:nvSpPr>
+          <p:cNvPr id="2" name="타원 1">
+            <a:extLst>
+              <a:ext uri="{FF2B5EF4-FFF2-40B4-BE49-F238E27FC236}">
+                <a16:creationId xmlns:a16="http://schemas.microsoft.com/office/drawing/2014/main" id="{35D9FBC7-BA40-5F6F-F34F-EFB3D6C75AC9}"/>
+              </a:ext>
+            </a:extLst>
+          </p:cNvPr>
+          <p:cNvSpPr/>
+          <p:nvPr/>
+        </p:nvSpPr>
+        <p:spPr>
+          <a:xfrm>
+            <a:off x="7013765" y="2209229"/>
+            <a:ext cx="216000" cy="216000"/>
+          </a:xfrm>
+          <a:prstGeom prst="ellipse">
+            <a:avLst/>
+          </a:prstGeom>
+          <a:solidFill>
+            <a:srgbClr val="FF0000"/>
+          </a:solidFill>
+          <a:ln>
+            <a:noFill/>
+          </a:ln>
+        </p:spPr>
+        <p:style>
+          <a:lnRef idx="2">
+            <a:schemeClr val="accent1">
+              <a:shade val="50000"/>
+            </a:schemeClr>
+          </a:lnRef>
+          <a:fillRef idx="1">
+            <a:schemeClr val="accent1"/>
+          </a:fillRef>
+          <a:effectRef idx="0">
+            <a:schemeClr val="accent1"/>
+          </a:effectRef>
+          <a:fontRef idx="minor">
+            <a:schemeClr val="lt1"/>
+          </a:fontRef>
+        </p:style>
+        <p:txBody>
+          <a:bodyPr wrap="none" lIns="0" tIns="0" rIns="0" bIns="0" rtlCol="0" anchor="ctr"/>
+          <a:lstStyle/>
+          <a:p>
+            <a:pPr algn="ctr"/>
+            <a:r>
+              <a:rPr lang="en-US" altLang="ko-KR" sz="1100" dirty="0">
+                <a:solidFill>
+                  <a:schemeClr val="bg1"/>
+                </a:solidFill>
+                <a:latin typeface="타이포_씨고딕 140" panose="02020503020101020101" pitchFamily="18" charset="-127"/>
+                <a:ea typeface="타이포_씨고딕 140" panose="02020503020101020101" pitchFamily="18" charset="-127"/>
+              </a:rPr>
+              <a:t>1</a:t>
+            </a:r>
+            <a:endParaRPr lang="ko-KR" altLang="en-US" sz="1100" dirty="0">
               <a:solidFill>
-                <a:schemeClr val="bg1">
-                  <a:lumMod val="65000"/>
-                </a:schemeClr>
+                <a:schemeClr val="bg1"/>
               </a:solidFill>
+              <a:latin typeface="타이포_씨고딕 140" panose="02020503020101020101" pitchFamily="18" charset="-127"/>
+              <a:ea typeface="타이포_씨고딕 140" panose="02020503020101020101" pitchFamily="18" charset="-127"/>
+            </a:endParaRPr>
+          </a:p>
+        </p:txBody>
+      </p:sp>
+      <p:sp>
+        <p:nvSpPr>
+          <p:cNvPr id="3" name="타원 2">
+            <a:extLst>
+              <a:ext uri="{FF2B5EF4-FFF2-40B4-BE49-F238E27FC236}">
+                <a16:creationId xmlns:a16="http://schemas.microsoft.com/office/drawing/2014/main" id="{7CEF125E-AF2F-ECF4-330D-A087CA676F21}"/>
+              </a:ext>
+            </a:extLst>
+          </p:cNvPr>
+          <p:cNvSpPr/>
+          <p:nvPr/>
+        </p:nvSpPr>
+        <p:spPr>
+          <a:xfrm>
+            <a:off x="7058823" y="4446647"/>
+            <a:ext cx="216000" cy="216000"/>
+          </a:xfrm>
+          <a:prstGeom prst="ellipse">
+            <a:avLst/>
+          </a:prstGeom>
+          <a:solidFill>
+            <a:srgbClr val="FF0000"/>
+          </a:solidFill>
+          <a:ln>
+            <a:noFill/>
+          </a:ln>
+        </p:spPr>
+        <p:style>
+          <a:lnRef idx="2">
+            <a:schemeClr val="accent1">
+              <a:shade val="50000"/>
+            </a:schemeClr>
+          </a:lnRef>
+          <a:fillRef idx="1">
+            <a:schemeClr val="accent1"/>
+          </a:fillRef>
+          <a:effectRef idx="0">
+            <a:schemeClr val="accent1"/>
+          </a:effectRef>
+          <a:fontRef idx="minor">
+            <a:schemeClr val="lt1"/>
+          </a:fontRef>
+        </p:style>
+        <p:txBody>
+          <a:bodyPr wrap="none" lIns="0" tIns="0" rIns="0" bIns="0" rtlCol="0" anchor="ctr"/>
+          <a:lstStyle/>
+          <a:p>
+            <a:pPr algn="ctr"/>
+            <a:r>
+              <a:rPr lang="en-US" altLang="ko-KR" sz="1100" dirty="0">
+                <a:solidFill>
+                  <a:schemeClr val="bg1"/>
+                </a:solidFill>
+                <a:latin typeface="타이포_씨고딕 140" panose="02020503020101020101" pitchFamily="18" charset="-127"/>
+                <a:ea typeface="타이포_씨고딕 140" panose="02020503020101020101" pitchFamily="18" charset="-127"/>
+              </a:rPr>
+              <a:t>1</a:t>
+            </a:r>
+            <a:endParaRPr lang="ko-KR" altLang="en-US" sz="1100" dirty="0">
+              <a:solidFill>
+                <a:schemeClr val="bg1"/>
+              </a:solidFill>
+              <a:latin typeface="타이포_씨고딕 140" panose="02020503020101020101" pitchFamily="18" charset="-127"/>
+              <a:ea typeface="타이포_씨고딕 140" panose="02020503020101020101" pitchFamily="18" charset="-127"/>
+            </a:endParaRPr>
+          </a:p>
+        </p:txBody>
+      </p:sp>
+      <p:sp>
+        <p:nvSpPr>
+          <p:cNvPr id="4" name="타원 3">
+            <a:extLst>
+              <a:ext uri="{FF2B5EF4-FFF2-40B4-BE49-F238E27FC236}">
+                <a16:creationId xmlns:a16="http://schemas.microsoft.com/office/drawing/2014/main" id="{927F1EBE-34C7-5106-A188-8A3835DE42E7}"/>
+              </a:ext>
+            </a:extLst>
+          </p:cNvPr>
+          <p:cNvSpPr/>
+          <p:nvPr/>
+        </p:nvSpPr>
+        <p:spPr>
+          <a:xfrm>
+            <a:off x="2531410" y="5064327"/>
+            <a:ext cx="216000" cy="216000"/>
+          </a:xfrm>
+          <a:prstGeom prst="ellipse">
+            <a:avLst/>
+          </a:prstGeom>
+          <a:solidFill>
+            <a:srgbClr val="FF0000"/>
+          </a:solidFill>
+          <a:ln>
+            <a:noFill/>
+          </a:ln>
+        </p:spPr>
+        <p:style>
+          <a:lnRef idx="2">
+            <a:schemeClr val="accent1">
+              <a:shade val="50000"/>
+            </a:schemeClr>
+          </a:lnRef>
+          <a:fillRef idx="1">
+            <a:schemeClr val="accent1"/>
+          </a:fillRef>
+          <a:effectRef idx="0">
+            <a:schemeClr val="accent1"/>
+          </a:effectRef>
+          <a:fontRef idx="minor">
+            <a:schemeClr val="lt1"/>
+          </a:fontRef>
+        </p:style>
+        <p:txBody>
+          <a:bodyPr wrap="none" lIns="0" tIns="0" rIns="0" bIns="0" rtlCol="0" anchor="ctr"/>
+          <a:lstStyle/>
+          <a:p>
+            <a:pPr algn="ctr"/>
+            <a:r>
+              <a:rPr lang="en-US" altLang="ko-KR" sz="1100" dirty="0">
+                <a:solidFill>
+                  <a:schemeClr val="bg1"/>
+                </a:solidFill>
+                <a:latin typeface="타이포_씨고딕 140" panose="02020503020101020101" pitchFamily="18" charset="-127"/>
+                <a:ea typeface="타이포_씨고딕 140" panose="02020503020101020101" pitchFamily="18" charset="-127"/>
+              </a:rPr>
+              <a:t>1</a:t>
+            </a:r>
+            <a:endParaRPr lang="ko-KR" altLang="en-US" sz="1100" dirty="0">
+              <a:solidFill>
+                <a:schemeClr val="bg1"/>
+              </a:solidFill>
+              <a:latin typeface="타이포_씨고딕 140" panose="02020503020101020101" pitchFamily="18" charset="-127"/>
+              <a:ea typeface="타이포_씨고딕 140" panose="02020503020101020101" pitchFamily="18" charset="-127"/>
             </a:endParaRPr>
           </a:p>
         </p:txBody>
@@ -5070,13 +5533,6 @@
   <p:clrMapOvr>
     <a:masterClrMapping/>
   </p:clrMapOvr>
-  <p:timing>
-    <p:tnLst>
-      <p:par>
-        <p:cTn id="1" dur="indefinite" restart="never" nodeType="tmRoot"/>
-      </p:par>
-    </p:tnLst>
-  </p:timing>
 </p:sld>
 </file>
 
@@ -5172,10 +5628,9 @@
           <a:p>
             <a:pPr algn="ctr"/>
             <a:r>
-              <a:rPr lang="ko-KR" altLang="en-US" sz="4000" dirty="0" smtClean="0"/>
+              <a:rPr lang="ko-KR" altLang="en-US" sz="4000" dirty="0"/>
               <a:t>베스트 상품 리스트</a:t>
             </a:r>
-            <a:endParaRPr lang="ko-KR" altLang="en-US" sz="4000" dirty="0"/>
           </a:p>
         </p:txBody>
       </p:sp>
@@ -5189,13 +5644,6 @@
   <p:clrMapOvr>
     <a:masterClrMapping/>
   </p:clrMapOvr>
-  <p:timing>
-    <p:tnLst>
-      <p:par>
-        <p:cTn id="1" dur="indefinite" restart="never" nodeType="tmRoot"/>
-      </p:par>
-    </p:tnLst>
-  </p:timing>
 </p:sld>
 </file>
 
@@ -5269,7 +5717,7 @@
           <a:lstStyle/>
           <a:p>
             <a:r>
-              <a:rPr lang="en-US" altLang="ko-KR" dirty="0" smtClean="0"/>
+              <a:rPr lang="en-US" altLang="ko-KR" dirty="0"/>
               <a:t>MYMALL</a:t>
             </a:r>
             <a:endParaRPr lang="ko-KR" altLang="en-US" dirty="0"/>
@@ -5342,18 +5790,13 @@
           <a:lstStyle/>
           <a:p>
             <a:r>
-              <a:rPr lang="ko-KR" altLang="en-US" sz="3000" dirty="0" smtClean="0">
+              <a:rPr lang="ko-KR" altLang="en-US" sz="3000" dirty="0">
                 <a:solidFill>
                   <a:schemeClr val="bg1"/>
                 </a:solidFill>
               </a:rPr>
               <a:t>쇼핑몰 이름</a:t>
             </a:r>
-            <a:endParaRPr lang="ko-KR" altLang="en-US" sz="3000" dirty="0">
-              <a:solidFill>
-                <a:schemeClr val="bg1"/>
-              </a:solidFill>
-            </a:endParaRPr>
           </a:p>
         </p:txBody>
       </p:sp>
@@ -5380,18 +5823,13 @@
           <a:lstStyle/>
           <a:p>
             <a:r>
-              <a:rPr lang="ko-KR" altLang="en-US" dirty="0" smtClean="0">
+              <a:rPr lang="ko-KR" altLang="en-US" dirty="0">
                 <a:solidFill>
                   <a:schemeClr val="bg1"/>
                 </a:solidFill>
               </a:rPr>
               <a:t>베스트 상품</a:t>
             </a:r>
-            <a:endParaRPr lang="ko-KR" altLang="en-US" dirty="0">
-              <a:solidFill>
-                <a:schemeClr val="bg1"/>
-              </a:solidFill>
-            </a:endParaRPr>
           </a:p>
         </p:txBody>
       </p:sp>
@@ -5480,10 +5918,9 @@
           <a:p>
             <a:pPr algn="ctr"/>
             <a:r>
-              <a:rPr lang="ko-KR" altLang="en-US" dirty="0" smtClean="0"/>
+              <a:rPr lang="ko-KR" altLang="en-US" dirty="0"/>
               <a:t>사진</a:t>
             </a:r>
-            <a:endParaRPr lang="ko-KR" altLang="en-US" dirty="0"/>
           </a:p>
         </p:txBody>
       </p:sp>
@@ -5510,10 +5947,9 @@
           <a:lstStyle/>
           <a:p>
             <a:r>
-              <a:rPr lang="ko-KR" altLang="en-US" sz="1000" dirty="0" smtClean="0"/>
+              <a:rPr lang="ko-KR" altLang="en-US" sz="1000" dirty="0"/>
               <a:t>상품 이름</a:t>
             </a:r>
-            <a:endParaRPr lang="ko-KR" altLang="en-US" sz="1000" dirty="0"/>
           </a:p>
         </p:txBody>
       </p:sp>
@@ -5540,10 +5976,9 @@
           <a:lstStyle/>
           <a:p>
             <a:r>
-              <a:rPr lang="ko-KR" altLang="en-US" sz="1000" dirty="0" smtClean="0"/>
+              <a:rPr lang="ko-KR" altLang="en-US" sz="1000" dirty="0"/>
               <a:t>가격</a:t>
             </a:r>
-            <a:endParaRPr lang="ko-KR" altLang="en-US" sz="1000" dirty="0"/>
           </a:p>
         </p:txBody>
       </p:sp>
@@ -5632,10 +6067,9 @@
           <a:p>
             <a:pPr algn="ctr"/>
             <a:r>
-              <a:rPr lang="ko-KR" altLang="en-US" dirty="0" smtClean="0"/>
+              <a:rPr lang="ko-KR" altLang="en-US" dirty="0"/>
               <a:t>사진</a:t>
             </a:r>
-            <a:endParaRPr lang="ko-KR" altLang="en-US" dirty="0"/>
           </a:p>
         </p:txBody>
       </p:sp>
@@ -5662,10 +6096,9 @@
           <a:lstStyle/>
           <a:p>
             <a:r>
-              <a:rPr lang="ko-KR" altLang="en-US" sz="1000" dirty="0" smtClean="0"/>
+              <a:rPr lang="ko-KR" altLang="en-US" sz="1000" dirty="0"/>
               <a:t>상품 이름</a:t>
             </a:r>
-            <a:endParaRPr lang="ko-KR" altLang="en-US" sz="1000" dirty="0"/>
           </a:p>
         </p:txBody>
       </p:sp>
@@ -5692,10 +6125,9 @@
           <a:lstStyle/>
           <a:p>
             <a:r>
-              <a:rPr lang="ko-KR" altLang="en-US" sz="1000" dirty="0" smtClean="0"/>
+              <a:rPr lang="ko-KR" altLang="en-US" sz="1000" dirty="0"/>
               <a:t>가격</a:t>
             </a:r>
-            <a:endParaRPr lang="ko-KR" altLang="en-US" sz="1000" dirty="0"/>
           </a:p>
         </p:txBody>
       </p:sp>
@@ -5784,10 +6216,9 @@
           <a:p>
             <a:pPr algn="ctr"/>
             <a:r>
-              <a:rPr lang="ko-KR" altLang="en-US" dirty="0" smtClean="0"/>
+              <a:rPr lang="ko-KR" altLang="en-US" dirty="0"/>
               <a:t>사진</a:t>
             </a:r>
-            <a:endParaRPr lang="ko-KR" altLang="en-US" dirty="0"/>
           </a:p>
         </p:txBody>
       </p:sp>
@@ -5814,10 +6245,9 @@
           <a:lstStyle/>
           <a:p>
             <a:r>
-              <a:rPr lang="ko-KR" altLang="en-US" sz="1000" dirty="0" smtClean="0"/>
+              <a:rPr lang="ko-KR" altLang="en-US" sz="1000" dirty="0"/>
               <a:t>상품 이름</a:t>
             </a:r>
-            <a:endParaRPr lang="ko-KR" altLang="en-US" sz="1000" dirty="0"/>
           </a:p>
         </p:txBody>
       </p:sp>
@@ -5844,10 +6274,9 @@
           <a:lstStyle/>
           <a:p>
             <a:r>
-              <a:rPr lang="ko-KR" altLang="en-US" sz="1000" dirty="0" smtClean="0"/>
+              <a:rPr lang="ko-KR" altLang="en-US" sz="1000" dirty="0"/>
               <a:t>가격</a:t>
             </a:r>
-            <a:endParaRPr lang="ko-KR" altLang="en-US" sz="1000" dirty="0"/>
           </a:p>
         </p:txBody>
       </p:sp>
@@ -5936,10 +6365,9 @@
           <a:p>
             <a:pPr algn="ctr"/>
             <a:r>
-              <a:rPr lang="ko-KR" altLang="en-US" dirty="0" smtClean="0"/>
+              <a:rPr lang="ko-KR" altLang="en-US" dirty="0"/>
               <a:t>사진</a:t>
             </a:r>
-            <a:endParaRPr lang="ko-KR" altLang="en-US" dirty="0"/>
           </a:p>
         </p:txBody>
       </p:sp>
@@ -5966,10 +6394,9 @@
           <a:lstStyle/>
           <a:p>
             <a:r>
-              <a:rPr lang="ko-KR" altLang="en-US" sz="1000" dirty="0" smtClean="0"/>
+              <a:rPr lang="ko-KR" altLang="en-US" sz="1000" dirty="0"/>
               <a:t>상품 이름</a:t>
             </a:r>
-            <a:endParaRPr lang="ko-KR" altLang="en-US" sz="1000" dirty="0"/>
           </a:p>
         </p:txBody>
       </p:sp>
@@ -5996,10 +6423,9 @@
           <a:lstStyle/>
           <a:p>
             <a:r>
-              <a:rPr lang="ko-KR" altLang="en-US" sz="1000" dirty="0" smtClean="0"/>
+              <a:rPr lang="ko-KR" altLang="en-US" sz="1000" dirty="0"/>
               <a:t>가격</a:t>
             </a:r>
-            <a:endParaRPr lang="ko-KR" altLang="en-US" sz="1000" dirty="0"/>
           </a:p>
         </p:txBody>
       </p:sp>
@@ -6088,10 +6514,9 @@
           <a:p>
             <a:pPr algn="ctr"/>
             <a:r>
-              <a:rPr lang="ko-KR" altLang="en-US" dirty="0" smtClean="0"/>
+              <a:rPr lang="ko-KR" altLang="en-US" dirty="0"/>
               <a:t>사진</a:t>
             </a:r>
-            <a:endParaRPr lang="ko-KR" altLang="en-US" dirty="0"/>
           </a:p>
         </p:txBody>
       </p:sp>
@@ -6118,10 +6543,9 @@
           <a:lstStyle/>
           <a:p>
             <a:r>
-              <a:rPr lang="ko-KR" altLang="en-US" sz="1000" dirty="0" smtClean="0"/>
+              <a:rPr lang="ko-KR" altLang="en-US" sz="1000" dirty="0"/>
               <a:t>상품 이름</a:t>
             </a:r>
-            <a:endParaRPr lang="ko-KR" altLang="en-US" sz="1000" dirty="0"/>
           </a:p>
         </p:txBody>
       </p:sp>
@@ -6148,10 +6572,9 @@
           <a:lstStyle/>
           <a:p>
             <a:r>
-              <a:rPr lang="ko-KR" altLang="en-US" sz="1000" dirty="0" smtClean="0"/>
+              <a:rPr lang="ko-KR" altLang="en-US" sz="1000" dirty="0"/>
               <a:t>가격</a:t>
             </a:r>
-            <a:endParaRPr lang="ko-KR" altLang="en-US" sz="1000" dirty="0"/>
           </a:p>
         </p:txBody>
       </p:sp>
@@ -6240,10 +6663,9 @@
           <a:p>
             <a:pPr algn="ctr"/>
             <a:r>
-              <a:rPr lang="ko-KR" altLang="en-US" dirty="0" smtClean="0"/>
+              <a:rPr lang="ko-KR" altLang="en-US" dirty="0"/>
               <a:t>사진</a:t>
             </a:r>
-            <a:endParaRPr lang="ko-KR" altLang="en-US" dirty="0"/>
           </a:p>
         </p:txBody>
       </p:sp>
@@ -6270,10 +6692,9 @@
           <a:lstStyle/>
           <a:p>
             <a:r>
-              <a:rPr lang="ko-KR" altLang="en-US" sz="1000" dirty="0" smtClean="0"/>
+              <a:rPr lang="ko-KR" altLang="en-US" sz="1000" dirty="0"/>
               <a:t>상품 이름</a:t>
             </a:r>
-            <a:endParaRPr lang="ko-KR" altLang="en-US" sz="1000" dirty="0"/>
           </a:p>
         </p:txBody>
       </p:sp>
@@ -6300,10 +6721,9 @@
           <a:lstStyle/>
           <a:p>
             <a:r>
-              <a:rPr lang="ko-KR" altLang="en-US" sz="1000" dirty="0" smtClean="0"/>
+              <a:rPr lang="ko-KR" altLang="en-US" sz="1000" dirty="0"/>
               <a:t>가격</a:t>
             </a:r>
-            <a:endParaRPr lang="ko-KR" altLang="en-US" sz="1000" dirty="0"/>
           </a:p>
         </p:txBody>
       </p:sp>
@@ -6392,10 +6812,9 @@
           <a:p>
             <a:pPr algn="ctr"/>
             <a:r>
-              <a:rPr lang="ko-KR" altLang="en-US" dirty="0" smtClean="0"/>
+              <a:rPr lang="ko-KR" altLang="en-US" dirty="0"/>
               <a:t>사진</a:t>
             </a:r>
-            <a:endParaRPr lang="ko-KR" altLang="en-US" dirty="0"/>
           </a:p>
         </p:txBody>
       </p:sp>
@@ -6422,10 +6841,9 @@
           <a:lstStyle/>
           <a:p>
             <a:r>
-              <a:rPr lang="ko-KR" altLang="en-US" sz="1000" dirty="0" smtClean="0"/>
+              <a:rPr lang="ko-KR" altLang="en-US" sz="1000" dirty="0"/>
               <a:t>상품 이름</a:t>
             </a:r>
-            <a:endParaRPr lang="ko-KR" altLang="en-US" sz="1000" dirty="0"/>
           </a:p>
         </p:txBody>
       </p:sp>
@@ -6452,10 +6870,9 @@
           <a:lstStyle/>
           <a:p>
             <a:r>
-              <a:rPr lang="ko-KR" altLang="en-US" sz="1000" dirty="0" smtClean="0"/>
+              <a:rPr lang="ko-KR" altLang="en-US" sz="1000" dirty="0"/>
               <a:t>가격</a:t>
             </a:r>
-            <a:endParaRPr lang="ko-KR" altLang="en-US" sz="1000" dirty="0"/>
           </a:p>
         </p:txBody>
       </p:sp>
@@ -6544,10 +6961,9 @@
           <a:p>
             <a:pPr algn="ctr"/>
             <a:r>
-              <a:rPr lang="ko-KR" altLang="en-US" dirty="0" smtClean="0"/>
+              <a:rPr lang="ko-KR" altLang="en-US" dirty="0"/>
               <a:t>사진</a:t>
             </a:r>
-            <a:endParaRPr lang="ko-KR" altLang="en-US" dirty="0"/>
           </a:p>
         </p:txBody>
       </p:sp>
@@ -6574,10 +6990,9 @@
           <a:lstStyle/>
           <a:p>
             <a:r>
-              <a:rPr lang="ko-KR" altLang="en-US" sz="1000" dirty="0" smtClean="0"/>
+              <a:rPr lang="ko-KR" altLang="en-US" sz="1000" dirty="0"/>
               <a:t>상품 이름</a:t>
             </a:r>
-            <a:endParaRPr lang="ko-KR" altLang="en-US" sz="1000" dirty="0"/>
           </a:p>
         </p:txBody>
       </p:sp>
@@ -6604,10 +7019,9 @@
           <a:lstStyle/>
           <a:p>
             <a:r>
-              <a:rPr lang="ko-KR" altLang="en-US" sz="1000" dirty="0" smtClean="0"/>
+              <a:rPr lang="ko-KR" altLang="en-US" sz="1000" dirty="0"/>
               <a:t>가격</a:t>
             </a:r>
-            <a:endParaRPr lang="ko-KR" altLang="en-US" sz="1000" dirty="0"/>
           </a:p>
         </p:txBody>
       </p:sp>
@@ -6625,6 +7039,7 @@
           <a:prstGeom prst="heart">
             <a:avLst/>
           </a:prstGeom>
+          <a:noFill/>
         </p:spPr>
         <p:style>
           <a:lnRef idx="2">
@@ -6665,6 +7080,7 @@
           <a:prstGeom prst="heart">
             <a:avLst/>
           </a:prstGeom>
+          <a:noFill/>
         </p:spPr>
         <p:style>
           <a:lnRef idx="2">
@@ -6705,6 +7121,7 @@
           <a:prstGeom prst="heart">
             <a:avLst/>
           </a:prstGeom>
+          <a:noFill/>
         </p:spPr>
         <p:style>
           <a:lnRef idx="2">
@@ -6745,6 +7162,7 @@
           <a:prstGeom prst="heart">
             <a:avLst/>
           </a:prstGeom>
+          <a:noFill/>
         </p:spPr>
         <p:style>
           <a:lnRef idx="2">
@@ -6785,6 +7203,7 @@
           <a:prstGeom prst="heart">
             <a:avLst/>
           </a:prstGeom>
+          <a:noFill/>
         </p:spPr>
         <p:style>
           <a:lnRef idx="2">
@@ -6825,6 +7244,7 @@
           <a:prstGeom prst="heart">
             <a:avLst/>
           </a:prstGeom>
+          <a:noFill/>
         </p:spPr>
         <p:style>
           <a:lnRef idx="2">
@@ -6865,6 +7285,7 @@
           <a:prstGeom prst="heart">
             <a:avLst/>
           </a:prstGeom>
+          <a:noFill/>
         </p:spPr>
         <p:style>
           <a:lnRef idx="2">
@@ -6905,6 +7326,7 @@
           <a:prstGeom prst="heart">
             <a:avLst/>
           </a:prstGeom>
+          <a:noFill/>
         </p:spPr>
         <p:style>
           <a:lnRef idx="2">
@@ -6928,6 +7350,278 @@
           <a:p>
             <a:pPr algn="ctr"/>
             <a:endParaRPr lang="ko-KR" altLang="en-US"/>
+          </a:p>
+        </p:txBody>
+      </p:sp>
+      <p:sp>
+        <p:nvSpPr>
+          <p:cNvPr id="2" name="타원 1">
+            <a:extLst>
+              <a:ext uri="{FF2B5EF4-FFF2-40B4-BE49-F238E27FC236}">
+                <a16:creationId xmlns:a16="http://schemas.microsoft.com/office/drawing/2014/main" id="{2A28F30A-3D05-AE4F-3060-30CE0A8A40AE}"/>
+              </a:ext>
+            </a:extLst>
+          </p:cNvPr>
+          <p:cNvSpPr/>
+          <p:nvPr/>
+        </p:nvSpPr>
+        <p:spPr>
+          <a:xfrm>
+            <a:off x="795114" y="3290240"/>
+            <a:ext cx="216000" cy="216000"/>
+          </a:xfrm>
+          <a:prstGeom prst="ellipse">
+            <a:avLst/>
+          </a:prstGeom>
+          <a:solidFill>
+            <a:srgbClr val="FF0000"/>
+          </a:solidFill>
+          <a:ln>
+            <a:noFill/>
+          </a:ln>
+        </p:spPr>
+        <p:style>
+          <a:lnRef idx="2">
+            <a:schemeClr val="accent1">
+              <a:shade val="50000"/>
+            </a:schemeClr>
+          </a:lnRef>
+          <a:fillRef idx="1">
+            <a:schemeClr val="accent1"/>
+          </a:fillRef>
+          <a:effectRef idx="0">
+            <a:schemeClr val="accent1"/>
+          </a:effectRef>
+          <a:fontRef idx="minor">
+            <a:schemeClr val="lt1"/>
+          </a:fontRef>
+        </p:style>
+        <p:txBody>
+          <a:bodyPr wrap="none" lIns="0" tIns="0" rIns="0" bIns="0" rtlCol="0" anchor="ctr"/>
+          <a:lstStyle/>
+          <a:p>
+            <a:pPr algn="ctr"/>
+            <a:r>
+              <a:rPr lang="en-US" altLang="ko-KR" sz="1100" dirty="0">
+                <a:solidFill>
+                  <a:schemeClr val="bg1"/>
+                </a:solidFill>
+                <a:latin typeface="타이포_씨고딕 140" panose="02020503020101020101" pitchFamily="18" charset="-127"/>
+                <a:ea typeface="타이포_씨고딕 140" panose="02020503020101020101" pitchFamily="18" charset="-127"/>
+              </a:rPr>
+              <a:t>1</a:t>
+            </a:r>
+            <a:endParaRPr lang="ko-KR" altLang="en-US" sz="1100" dirty="0">
+              <a:solidFill>
+                <a:schemeClr val="bg1"/>
+              </a:solidFill>
+              <a:latin typeface="타이포_씨고딕 140" panose="02020503020101020101" pitchFamily="18" charset="-127"/>
+              <a:ea typeface="타이포_씨고딕 140" panose="02020503020101020101" pitchFamily="18" charset="-127"/>
+            </a:endParaRPr>
+          </a:p>
+        </p:txBody>
+      </p:sp>
+      <p:sp>
+        <p:nvSpPr>
+          <p:cNvPr id="3" name="타원 2">
+            <a:extLst>
+              <a:ext uri="{FF2B5EF4-FFF2-40B4-BE49-F238E27FC236}">
+                <a16:creationId xmlns:a16="http://schemas.microsoft.com/office/drawing/2014/main" id="{4F15D7FA-34E9-EC06-2E12-78B615E9EB1F}"/>
+              </a:ext>
+            </a:extLst>
+          </p:cNvPr>
+          <p:cNvSpPr/>
+          <p:nvPr/>
+        </p:nvSpPr>
+        <p:spPr>
+          <a:xfrm>
+            <a:off x="1692067" y="4621871"/>
+            <a:ext cx="216000" cy="216000"/>
+          </a:xfrm>
+          <a:prstGeom prst="ellipse">
+            <a:avLst/>
+          </a:prstGeom>
+          <a:solidFill>
+            <a:srgbClr val="FF0000"/>
+          </a:solidFill>
+          <a:ln>
+            <a:noFill/>
+          </a:ln>
+        </p:spPr>
+        <p:style>
+          <a:lnRef idx="2">
+            <a:schemeClr val="accent1">
+              <a:shade val="50000"/>
+            </a:schemeClr>
+          </a:lnRef>
+          <a:fillRef idx="1">
+            <a:schemeClr val="accent1"/>
+          </a:fillRef>
+          <a:effectRef idx="0">
+            <a:schemeClr val="accent1"/>
+          </a:effectRef>
+          <a:fontRef idx="minor">
+            <a:schemeClr val="lt1"/>
+          </a:fontRef>
+        </p:style>
+        <p:txBody>
+          <a:bodyPr wrap="none" lIns="0" tIns="0" rIns="0" bIns="0" rtlCol="0" anchor="ctr"/>
+          <a:lstStyle/>
+          <a:p>
+            <a:pPr algn="ctr"/>
+            <a:r>
+              <a:rPr lang="en-US" altLang="ko-KR" sz="1100" dirty="0">
+                <a:solidFill>
+                  <a:schemeClr val="bg1"/>
+                </a:solidFill>
+                <a:latin typeface="타이포_씨고딕 140" panose="02020503020101020101" pitchFamily="18" charset="-127"/>
+                <a:ea typeface="타이포_씨고딕 140" panose="02020503020101020101" pitchFamily="18" charset="-127"/>
+              </a:rPr>
+              <a:t>1</a:t>
+            </a:r>
+            <a:endParaRPr lang="ko-KR" altLang="en-US" sz="1100" dirty="0">
+              <a:solidFill>
+                <a:schemeClr val="bg1"/>
+              </a:solidFill>
+              <a:latin typeface="타이포_씨고딕 140" panose="02020503020101020101" pitchFamily="18" charset="-127"/>
+              <a:ea typeface="타이포_씨고딕 140" panose="02020503020101020101" pitchFamily="18" charset="-127"/>
+            </a:endParaRPr>
+          </a:p>
+        </p:txBody>
+      </p:sp>
+      <p:sp>
+        <p:nvSpPr>
+          <p:cNvPr id="6" name="타원 5">
+            <a:extLst>
+              <a:ext uri="{FF2B5EF4-FFF2-40B4-BE49-F238E27FC236}">
+                <a16:creationId xmlns:a16="http://schemas.microsoft.com/office/drawing/2014/main" id="{AEC108F1-16A1-6BA7-7731-2E8B67D9986A}"/>
+              </a:ext>
+            </a:extLst>
+          </p:cNvPr>
+          <p:cNvSpPr/>
+          <p:nvPr/>
+        </p:nvSpPr>
+        <p:spPr>
+          <a:xfrm>
+            <a:off x="254977" y="2503351"/>
+            <a:ext cx="216000" cy="216000"/>
+          </a:xfrm>
+          <a:prstGeom prst="ellipse">
+            <a:avLst/>
+          </a:prstGeom>
+          <a:solidFill>
+            <a:srgbClr val="FF0000"/>
+          </a:solidFill>
+          <a:ln>
+            <a:noFill/>
+          </a:ln>
+        </p:spPr>
+        <p:style>
+          <a:lnRef idx="2">
+            <a:schemeClr val="accent1">
+              <a:shade val="50000"/>
+            </a:schemeClr>
+          </a:lnRef>
+          <a:fillRef idx="1">
+            <a:schemeClr val="accent1"/>
+          </a:fillRef>
+          <a:effectRef idx="0">
+            <a:schemeClr val="accent1"/>
+          </a:effectRef>
+          <a:fontRef idx="minor">
+            <a:schemeClr val="lt1"/>
+          </a:fontRef>
+        </p:style>
+        <p:txBody>
+          <a:bodyPr wrap="none" lIns="0" tIns="0" rIns="0" bIns="0" rtlCol="0" anchor="ctr"/>
+          <a:lstStyle/>
+          <a:p>
+            <a:pPr algn="ctr"/>
+            <a:r>
+              <a:rPr lang="en-US" altLang="ko-KR" sz="1100" dirty="0">
+                <a:solidFill>
+                  <a:schemeClr val="bg1"/>
+                </a:solidFill>
+                <a:latin typeface="타이포_씨고딕 140" panose="02020503020101020101" pitchFamily="18" charset="-127"/>
+                <a:ea typeface="타이포_씨고딕 140" panose="02020503020101020101" pitchFamily="18" charset="-127"/>
+              </a:rPr>
+              <a:t>1</a:t>
+            </a:r>
+            <a:endParaRPr lang="ko-KR" altLang="en-US" sz="1100" dirty="0">
+              <a:solidFill>
+                <a:schemeClr val="bg1"/>
+              </a:solidFill>
+              <a:latin typeface="타이포_씨고딕 140" panose="02020503020101020101" pitchFamily="18" charset="-127"/>
+              <a:ea typeface="타이포_씨고딕 140" panose="02020503020101020101" pitchFamily="18" charset="-127"/>
+            </a:endParaRPr>
+          </a:p>
+        </p:txBody>
+      </p:sp>
+      <p:sp>
+        <p:nvSpPr>
+          <p:cNvPr id="11" name="타원 10">
+            <a:extLst>
+              <a:ext uri="{FF2B5EF4-FFF2-40B4-BE49-F238E27FC236}">
+                <a16:creationId xmlns:a16="http://schemas.microsoft.com/office/drawing/2014/main" id="{D79D3D14-7A58-6171-E8B8-A88EF867AA3D}"/>
+              </a:ext>
+            </a:extLst>
+          </p:cNvPr>
+          <p:cNvSpPr/>
+          <p:nvPr/>
+        </p:nvSpPr>
+        <p:spPr>
+          <a:xfrm>
+            <a:off x="109314" y="154050"/>
+            <a:ext cx="216000" cy="216000"/>
+          </a:xfrm>
+          <a:prstGeom prst="ellipse">
+            <a:avLst/>
+          </a:prstGeom>
+          <a:solidFill>
+            <a:srgbClr val="FF0000"/>
+          </a:solidFill>
+          <a:ln>
+            <a:noFill/>
+          </a:ln>
+        </p:spPr>
+        <p:style>
+          <a:lnRef idx="2">
+            <a:schemeClr val="accent1">
+              <a:shade val="50000"/>
+            </a:schemeClr>
+          </a:lnRef>
+          <a:fillRef idx="1">
+            <a:schemeClr val="accent1"/>
+          </a:fillRef>
+          <a:effectRef idx="0">
+            <a:schemeClr val="accent1"/>
+          </a:effectRef>
+          <a:fontRef idx="minor">
+            <a:schemeClr val="lt1"/>
+          </a:fontRef>
+        </p:style>
+        <p:txBody>
+          <a:bodyPr wrap="none" lIns="0" tIns="0" rIns="0" bIns="0" rtlCol="0" anchor="ctr"/>
+          <a:lstStyle/>
+          <a:p>
+            <a:pPr algn="ctr"/>
+            <a:r>
+              <a:rPr lang="en-US" altLang="ko-KR" sz="1100" dirty="0">
+                <a:solidFill>
+                  <a:schemeClr val="bg1"/>
+                </a:solidFill>
+                <a:latin typeface="타이포_씨고딕 140" panose="02020503020101020101" pitchFamily="18" charset="-127"/>
+                <a:ea typeface="타이포_씨고딕 140" panose="02020503020101020101" pitchFamily="18" charset="-127"/>
+              </a:rPr>
+              <a:t>1</a:t>
+            </a:r>
+            <a:endParaRPr lang="ko-KR" altLang="en-US" sz="1100" dirty="0">
+              <a:solidFill>
+                <a:schemeClr val="bg1"/>
+              </a:solidFill>
+              <a:latin typeface="타이포_씨고딕 140" panose="02020503020101020101" pitchFamily="18" charset="-127"/>
+              <a:ea typeface="타이포_씨고딕 140" panose="02020503020101020101" pitchFamily="18" charset="-127"/>
+            </a:endParaRPr>
           </a:p>
         </p:txBody>
       </p:sp>
@@ -6941,13 +7635,6 @@
   <p:clrMapOvr>
     <a:masterClrMapping/>
   </p:clrMapOvr>
-  <p:timing>
-    <p:tnLst>
-      <p:par>
-        <p:cTn id="1" dur="indefinite" restart="never" nodeType="tmRoot"/>
-      </p:par>
-    </p:tnLst>
-  </p:timing>
 </p:sld>
 </file>
 
@@ -7043,7 +7730,7 @@
           <a:p>
             <a:pPr algn="ctr"/>
             <a:r>
-              <a:rPr lang="ko-KR" altLang="en-US" sz="4000" dirty="0" err="1" smtClean="0"/>
+              <a:rPr lang="ko-KR" altLang="en-US" sz="4000" dirty="0" err="1"/>
               <a:t>마이페이지</a:t>
             </a:r>
             <a:endParaRPr lang="ko-KR" altLang="en-US" sz="4000" dirty="0"/>
@@ -7060,13 +7747,6 @@
   <p:clrMapOvr>
     <a:masterClrMapping/>
   </p:clrMapOvr>
-  <p:timing>
-    <p:tnLst>
-      <p:par>
-        <p:cTn id="1" dur="indefinite" restart="never" nodeType="tmRoot"/>
-      </p:par>
-    </p:tnLst>
-  </p:timing>
 </p:sld>
 </file>
 
@@ -7140,7 +7820,7 @@
           <a:lstStyle/>
           <a:p>
             <a:r>
-              <a:rPr lang="en-US" altLang="ko-KR" dirty="0" smtClean="0"/>
+              <a:rPr lang="en-US" altLang="ko-KR" dirty="0"/>
               <a:t>MYMALL</a:t>
             </a:r>
             <a:endParaRPr lang="ko-KR" altLang="en-US" dirty="0"/>
@@ -7170,7 +7850,7 @@
           <a:lstStyle/>
           <a:p>
             <a:r>
-              <a:rPr lang="ko-KR" altLang="en-US" sz="1500" dirty="0" err="1" smtClean="0"/>
+              <a:rPr lang="ko-KR" altLang="en-US" sz="1500" dirty="0" err="1"/>
               <a:t>마이페이지</a:t>
             </a:r>
             <a:endParaRPr lang="ko-KR" altLang="en-US" sz="1500" dirty="0"/>
@@ -7200,19 +7880,19 @@
           <a:lstStyle/>
           <a:p>
             <a:r>
-              <a:rPr lang="ko-KR" altLang="en-US" sz="1200" dirty="0" smtClean="0"/>
+              <a:rPr lang="ko-KR" altLang="en-US" sz="1200" dirty="0"/>
               <a:t>홍길동님 </a:t>
             </a:r>
             <a:r>
-              <a:rPr lang="ko-KR" altLang="en-US" sz="1200" dirty="0" err="1" smtClean="0"/>
+              <a:rPr lang="ko-KR" altLang="en-US" sz="1200" dirty="0" err="1"/>
               <a:t>마이페이지</a:t>
             </a:r>
             <a:r>
-              <a:rPr lang="ko-KR" altLang="en-US" sz="1200" dirty="0" smtClean="0"/>
+              <a:rPr lang="ko-KR" altLang="en-US" sz="1200" dirty="0"/>
               <a:t> 입니다</a:t>
             </a:r>
             <a:r>
-              <a:rPr lang="en-US" altLang="ko-KR" dirty="0" smtClean="0"/>
+              <a:rPr lang="en-US" altLang="ko-KR" dirty="0"/>
               <a:t>.</a:t>
             </a:r>
             <a:endParaRPr lang="ko-KR" altLang="en-US" dirty="0"/>
@@ -7338,10 +8018,9 @@
           <a:lstStyle/>
           <a:p>
             <a:r>
-              <a:rPr lang="ko-KR" altLang="en-US" dirty="0" smtClean="0"/>
+              <a:rPr lang="ko-KR" altLang="en-US" dirty="0"/>
               <a:t>찜 목록</a:t>
             </a:r>
-            <a:endParaRPr lang="ko-KR" altLang="en-US" dirty="0"/>
           </a:p>
         </p:txBody>
       </p:sp>
@@ -7368,14 +8047,149 @@
           <a:lstStyle/>
           <a:p>
             <a:r>
-              <a:rPr lang="ko-KR" altLang="en-US" err="1" smtClean="0"/>
+              <a:rPr lang="ko-KR" altLang="en-US" err="1"/>
               <a:t>즐겨찾기</a:t>
             </a:r>
             <a:r>
-              <a:rPr lang="ko-KR" altLang="en-US" dirty="0" smtClean="0"/>
+              <a:rPr lang="ko-KR" altLang="en-US" dirty="0"/>
               <a:t> 목록</a:t>
             </a:r>
-            <a:endParaRPr lang="ko-KR" altLang="en-US" dirty="0"/>
+          </a:p>
+        </p:txBody>
+      </p:sp>
+      <p:sp>
+        <p:nvSpPr>
+          <p:cNvPr id="2" name="타원 1">
+            <a:extLst>
+              <a:ext uri="{FF2B5EF4-FFF2-40B4-BE49-F238E27FC236}">
+                <a16:creationId xmlns:a16="http://schemas.microsoft.com/office/drawing/2014/main" id="{BA053ADF-3995-0C3F-73DB-B9C20B1B6EA0}"/>
+              </a:ext>
+            </a:extLst>
+          </p:cNvPr>
+          <p:cNvSpPr/>
+          <p:nvPr/>
+        </p:nvSpPr>
+        <p:spPr>
+          <a:xfrm>
+            <a:off x="1630384" y="3707998"/>
+            <a:ext cx="216000" cy="216000"/>
+          </a:xfrm>
+          <a:prstGeom prst="ellipse">
+            <a:avLst/>
+          </a:prstGeom>
+          <a:solidFill>
+            <a:srgbClr val="FF0000"/>
+          </a:solidFill>
+          <a:ln>
+            <a:noFill/>
+          </a:ln>
+        </p:spPr>
+        <p:style>
+          <a:lnRef idx="2">
+            <a:schemeClr val="accent1">
+              <a:shade val="50000"/>
+            </a:schemeClr>
+          </a:lnRef>
+          <a:fillRef idx="1">
+            <a:schemeClr val="accent1"/>
+          </a:fillRef>
+          <a:effectRef idx="0">
+            <a:schemeClr val="accent1"/>
+          </a:effectRef>
+          <a:fontRef idx="minor">
+            <a:schemeClr val="lt1"/>
+          </a:fontRef>
+        </p:style>
+        <p:txBody>
+          <a:bodyPr wrap="none" lIns="0" tIns="0" rIns="0" bIns="0" rtlCol="0" anchor="ctr"/>
+          <a:lstStyle/>
+          <a:p>
+            <a:pPr algn="ctr"/>
+            <a:r>
+              <a:rPr lang="en-US" altLang="ko-KR" sz="1100" dirty="0">
+                <a:solidFill>
+                  <a:schemeClr val="bg1"/>
+                </a:solidFill>
+                <a:latin typeface="타이포_씨고딕 140" panose="02020503020101020101" pitchFamily="18" charset="-127"/>
+                <a:ea typeface="타이포_씨고딕 140" panose="02020503020101020101" pitchFamily="18" charset="-127"/>
+              </a:rPr>
+              <a:t>1</a:t>
+            </a:r>
+            <a:endParaRPr lang="ko-KR" altLang="en-US" sz="1100" dirty="0">
+              <a:solidFill>
+                <a:schemeClr val="bg1"/>
+              </a:solidFill>
+              <a:latin typeface="타이포_씨고딕 140" panose="02020503020101020101" pitchFamily="18" charset="-127"/>
+              <a:ea typeface="타이포_씨고딕 140" panose="02020503020101020101" pitchFamily="18" charset="-127"/>
+            </a:endParaRPr>
+          </a:p>
+        </p:txBody>
+      </p:sp>
+      <p:sp>
+        <p:nvSpPr>
+          <p:cNvPr id="3" name="타원 2">
+            <a:extLst>
+              <a:ext uri="{FF2B5EF4-FFF2-40B4-BE49-F238E27FC236}">
+                <a16:creationId xmlns:a16="http://schemas.microsoft.com/office/drawing/2014/main" id="{C45A1349-3D2C-4D17-DC19-F0FE340971CB}"/>
+              </a:ext>
+            </a:extLst>
+          </p:cNvPr>
+          <p:cNvSpPr/>
+          <p:nvPr/>
+        </p:nvSpPr>
+        <p:spPr>
+          <a:xfrm>
+            <a:off x="7107991" y="3690250"/>
+            <a:ext cx="216000" cy="216000"/>
+          </a:xfrm>
+          <a:prstGeom prst="ellipse">
+            <a:avLst/>
+          </a:prstGeom>
+          <a:solidFill>
+            <a:srgbClr val="FF0000"/>
+          </a:solidFill>
+          <a:ln>
+            <a:noFill/>
+          </a:ln>
+        </p:spPr>
+        <p:style>
+          <a:lnRef idx="2">
+            <a:schemeClr val="accent1">
+              <a:shade val="50000"/>
+            </a:schemeClr>
+          </a:lnRef>
+          <a:fillRef idx="1">
+            <a:schemeClr val="accent1"/>
+          </a:fillRef>
+          <a:effectRef idx="0">
+            <a:schemeClr val="accent1"/>
+          </a:effectRef>
+          <a:fontRef idx="minor">
+            <a:schemeClr val="lt1"/>
+          </a:fontRef>
+        </p:style>
+        <p:txBody>
+          <a:bodyPr wrap="none" lIns="0" tIns="0" rIns="0" bIns="0" rtlCol="0" anchor="ctr"/>
+          <a:lstStyle/>
+          <a:p>
+            <a:pPr algn="ctr"/>
+            <a:r>
+              <a:rPr lang="en-US" altLang="ko-KR" sz="1100" dirty="0">
+                <a:solidFill>
+                  <a:schemeClr val="bg1"/>
+                </a:solidFill>
+                <a:latin typeface="타이포_씨고딕 140" panose="02020503020101020101" pitchFamily="18" charset="-127"/>
+                <a:ea typeface="타이포_씨고딕 140" panose="02020503020101020101" pitchFamily="18" charset="-127"/>
+              </a:rPr>
+              <a:t>2</a:t>
+            </a:r>
+            <a:endParaRPr lang="ko-KR" altLang="en-US" sz="1100" dirty="0">
+              <a:solidFill>
+                <a:schemeClr val="bg1"/>
+              </a:solidFill>
+              <a:latin typeface="타이포_씨고딕 140" panose="02020503020101020101" pitchFamily="18" charset="-127"/>
+              <a:ea typeface="타이포_씨고딕 140" panose="02020503020101020101" pitchFamily="18" charset="-127"/>
+            </a:endParaRPr>
           </a:p>
         </p:txBody>
       </p:sp>
@@ -7389,13 +8203,6 @@
   <p:clrMapOvr>
     <a:masterClrMapping/>
   </p:clrMapOvr>
-  <p:timing>
-    <p:tnLst>
-      <p:par>
-        <p:cTn id="1" dur="indefinite" restart="never" nodeType="tmRoot"/>
-      </p:par>
-    </p:tnLst>
-  </p:timing>
 </p:sld>
 </file>
 
@@ -7416,6 +8223,1636 @@
           <a:chExt cx="0" cy="0"/>
         </a:xfrm>
       </p:grpSpPr>
+      <p:cxnSp>
+        <p:nvCxnSpPr>
+          <p:cNvPr id="2" name="직선 연결선 3">
+            <a:extLst>
+              <a:ext uri="{FF2B5EF4-FFF2-40B4-BE49-F238E27FC236}">
+                <a16:creationId xmlns:a16="http://schemas.microsoft.com/office/drawing/2014/main" id="{180D2D0F-6302-872D-7392-D500BD761B61}"/>
+              </a:ext>
+            </a:extLst>
+          </p:cNvPr>
+          <p:cNvCxnSpPr/>
+          <p:nvPr/>
+        </p:nvCxnSpPr>
+        <p:spPr>
+          <a:xfrm flipV="1">
+            <a:off x="254977" y="562704"/>
+            <a:ext cx="9275885" cy="8794"/>
+          </a:xfrm>
+          <a:prstGeom prst="line">
+            <a:avLst/>
+          </a:prstGeom>
+        </p:spPr>
+        <p:style>
+          <a:lnRef idx="1">
+            <a:schemeClr val="accent3"/>
+          </a:lnRef>
+          <a:fillRef idx="0">
+            <a:schemeClr val="accent3"/>
+          </a:fillRef>
+          <a:effectRef idx="0">
+            <a:schemeClr val="accent3"/>
+          </a:effectRef>
+          <a:fontRef idx="minor">
+            <a:schemeClr val="tx1"/>
+          </a:fontRef>
+        </p:style>
+      </p:cxnSp>
+      <p:sp>
+        <p:nvSpPr>
+          <p:cNvPr id="3" name="TextBox 2">
+            <a:extLst>
+              <a:ext uri="{FF2B5EF4-FFF2-40B4-BE49-F238E27FC236}">
+                <a16:creationId xmlns:a16="http://schemas.microsoft.com/office/drawing/2014/main" id="{D762F71D-7558-915B-17C0-07C967872092}"/>
+              </a:ext>
+            </a:extLst>
+          </p:cNvPr>
+          <p:cNvSpPr txBox="1"/>
+          <p:nvPr/>
+        </p:nvSpPr>
+        <p:spPr>
+          <a:xfrm>
+            <a:off x="254977" y="52751"/>
+            <a:ext cx="1767254" cy="369332"/>
+          </a:xfrm>
+          <a:prstGeom prst="rect">
+            <a:avLst/>
+          </a:prstGeom>
+          <a:noFill/>
+        </p:spPr>
+        <p:txBody>
+          <a:bodyPr wrap="square" rtlCol="0">
+            <a:spAutoFit/>
+          </a:bodyPr>
+          <a:lstStyle/>
+          <a:p>
+            <a:r>
+              <a:rPr lang="en-US" altLang="ko-KR" dirty="0"/>
+              <a:t>MYMALL</a:t>
+            </a:r>
+            <a:endParaRPr lang="ko-KR" altLang="en-US" dirty="0"/>
+          </a:p>
+        </p:txBody>
+      </p:sp>
+      <p:sp>
+        <p:nvSpPr>
+          <p:cNvPr id="4" name="직사각형 3">
+            <a:extLst>
+              <a:ext uri="{FF2B5EF4-FFF2-40B4-BE49-F238E27FC236}">
+                <a16:creationId xmlns:a16="http://schemas.microsoft.com/office/drawing/2014/main" id="{ECB8B1D8-65BA-F39C-3AD8-4FB9326E294E}"/>
+              </a:ext>
+            </a:extLst>
+          </p:cNvPr>
+          <p:cNvSpPr/>
+          <p:nvPr/>
+        </p:nvSpPr>
+        <p:spPr>
+          <a:xfrm>
+            <a:off x="254977" y="683581"/>
+            <a:ext cx="9275885" cy="346229"/>
+          </a:xfrm>
+          <a:prstGeom prst="rect">
+            <a:avLst/>
+          </a:prstGeom>
+        </p:spPr>
+        <p:style>
+          <a:lnRef idx="2">
+            <a:schemeClr val="dk1">
+              <a:shade val="50000"/>
+            </a:schemeClr>
+          </a:lnRef>
+          <a:fillRef idx="1">
+            <a:schemeClr val="dk1"/>
+          </a:fillRef>
+          <a:effectRef idx="0">
+            <a:schemeClr val="dk1"/>
+          </a:effectRef>
+          <a:fontRef idx="minor">
+            <a:schemeClr val="lt1"/>
+          </a:fontRef>
+        </p:style>
+        <p:txBody>
+          <a:bodyPr rtlCol="0" anchor="ctr"/>
+          <a:lstStyle/>
+          <a:p>
+            <a:pPr algn="ctr"/>
+            <a:r>
+              <a:rPr kumimoji="1" lang="ko-KR" altLang="en-US" dirty="0"/>
+              <a:t>즐겨찾기</a:t>
+            </a:r>
+            <a:endParaRPr kumimoji="1" lang="ko-Kore-KR" altLang="en-US" dirty="0"/>
+          </a:p>
+        </p:txBody>
+      </p:sp>
+      <p:sp>
+        <p:nvSpPr>
+          <p:cNvPr id="5" name="직사각형 4">
+            <a:extLst>
+              <a:ext uri="{FF2B5EF4-FFF2-40B4-BE49-F238E27FC236}">
+                <a16:creationId xmlns:a16="http://schemas.microsoft.com/office/drawing/2014/main" id="{52527F20-4F8D-E363-B94E-3678596ADEAA}"/>
+              </a:ext>
+            </a:extLst>
+          </p:cNvPr>
+          <p:cNvSpPr/>
+          <p:nvPr/>
+        </p:nvSpPr>
+        <p:spPr>
+          <a:xfrm>
+            <a:off x="254977" y="1311331"/>
+            <a:ext cx="9275885" cy="4863088"/>
+          </a:xfrm>
+          <a:prstGeom prst="rect">
+            <a:avLst/>
+          </a:prstGeom>
+          <a:noFill/>
+          <a:ln>
+            <a:solidFill>
+              <a:schemeClr val="bg1">
+                <a:lumMod val="75000"/>
+              </a:schemeClr>
+            </a:solidFill>
+          </a:ln>
+        </p:spPr>
+        <p:style>
+          <a:lnRef idx="2">
+            <a:schemeClr val="accent1">
+              <a:shade val="50000"/>
+            </a:schemeClr>
+          </a:lnRef>
+          <a:fillRef idx="1">
+            <a:schemeClr val="accent1"/>
+          </a:fillRef>
+          <a:effectRef idx="0">
+            <a:schemeClr val="accent1"/>
+          </a:effectRef>
+          <a:fontRef idx="minor">
+            <a:schemeClr val="lt1"/>
+          </a:fontRef>
+        </p:style>
+        <p:txBody>
+          <a:bodyPr rtlCol="0" anchor="ctr"/>
+          <a:lstStyle/>
+          <a:p>
+            <a:pPr algn="ctr"/>
+            <a:endParaRPr lang="ko-KR" altLang="en-US">
+              <a:ln>
+                <a:solidFill>
+                  <a:schemeClr val="tx1"/>
+                </a:solidFill>
+              </a:ln>
+              <a:noFill/>
+            </a:endParaRPr>
+          </a:p>
+        </p:txBody>
+      </p:sp>
+      <p:sp>
+        <p:nvSpPr>
+          <p:cNvPr id="6" name="모서리가 둥근 직사각형 5">
+            <a:extLst>
+              <a:ext uri="{FF2B5EF4-FFF2-40B4-BE49-F238E27FC236}">
+                <a16:creationId xmlns:a16="http://schemas.microsoft.com/office/drawing/2014/main" id="{06E57A23-509B-F169-9F90-3AF788711A92}"/>
+              </a:ext>
+            </a:extLst>
+          </p:cNvPr>
+          <p:cNvSpPr/>
+          <p:nvPr/>
+        </p:nvSpPr>
+        <p:spPr>
+          <a:xfrm>
+            <a:off x="386776" y="1930805"/>
+            <a:ext cx="8985738" cy="536331"/>
+          </a:xfrm>
+          <a:prstGeom prst="roundRect">
+            <a:avLst/>
+          </a:prstGeom>
+          <a:noFill/>
+          <a:ln>
+            <a:solidFill>
+              <a:schemeClr val="bg1">
+                <a:lumMod val="85000"/>
+              </a:schemeClr>
+            </a:solidFill>
+          </a:ln>
+        </p:spPr>
+        <p:style>
+          <a:lnRef idx="2">
+            <a:schemeClr val="accent1">
+              <a:shade val="50000"/>
+            </a:schemeClr>
+          </a:lnRef>
+          <a:fillRef idx="1">
+            <a:schemeClr val="accent1"/>
+          </a:fillRef>
+          <a:effectRef idx="0">
+            <a:schemeClr val="accent1"/>
+          </a:effectRef>
+          <a:fontRef idx="minor">
+            <a:schemeClr val="lt1"/>
+          </a:fontRef>
+        </p:style>
+        <p:txBody>
+          <a:bodyPr rtlCol="0" anchor="ctr"/>
+          <a:lstStyle/>
+          <a:p>
+            <a:pPr algn="ctr"/>
+            <a:endParaRPr lang="ko-KR" altLang="en-US"/>
+          </a:p>
+        </p:txBody>
+      </p:sp>
+      <p:sp>
+        <p:nvSpPr>
+          <p:cNvPr id="7" name="TextBox 6">
+            <a:extLst>
+              <a:ext uri="{FF2B5EF4-FFF2-40B4-BE49-F238E27FC236}">
+                <a16:creationId xmlns:a16="http://schemas.microsoft.com/office/drawing/2014/main" id="{ACF8B0DA-6677-CF97-0443-CC04A592712C}"/>
+              </a:ext>
+            </a:extLst>
+          </p:cNvPr>
+          <p:cNvSpPr txBox="1"/>
+          <p:nvPr/>
+        </p:nvSpPr>
+        <p:spPr>
+          <a:xfrm>
+            <a:off x="518661" y="2075859"/>
+            <a:ext cx="1011115" cy="246221"/>
+          </a:xfrm>
+          <a:prstGeom prst="rect">
+            <a:avLst/>
+          </a:prstGeom>
+          <a:noFill/>
+        </p:spPr>
+        <p:txBody>
+          <a:bodyPr wrap="square" rtlCol="0">
+            <a:spAutoFit/>
+          </a:bodyPr>
+          <a:lstStyle/>
+          <a:p>
+            <a:r>
+              <a:rPr lang="ko-KR" altLang="en-US" sz="1000" dirty="0"/>
+              <a:t>쇼핑몰 이름</a:t>
+            </a:r>
+          </a:p>
+        </p:txBody>
+      </p:sp>
+      <p:sp>
+        <p:nvSpPr>
+          <p:cNvPr id="8" name="TextBox 7">
+            <a:extLst>
+              <a:ext uri="{FF2B5EF4-FFF2-40B4-BE49-F238E27FC236}">
+                <a16:creationId xmlns:a16="http://schemas.microsoft.com/office/drawing/2014/main" id="{AB6271FB-5F03-2AB9-96F6-38AA3C52A9AD}"/>
+              </a:ext>
+            </a:extLst>
+          </p:cNvPr>
+          <p:cNvSpPr txBox="1"/>
+          <p:nvPr/>
+        </p:nvSpPr>
+        <p:spPr>
+          <a:xfrm>
+            <a:off x="1770099" y="2080325"/>
+            <a:ext cx="3544764" cy="246221"/>
+          </a:xfrm>
+          <a:prstGeom prst="rect">
+            <a:avLst/>
+          </a:prstGeom>
+          <a:noFill/>
+        </p:spPr>
+        <p:txBody>
+          <a:bodyPr wrap="square" rtlCol="0">
+            <a:spAutoFit/>
+          </a:bodyPr>
+          <a:lstStyle/>
+          <a:p>
+            <a:r>
+              <a:rPr lang="ko-KR" altLang="en-US" sz="1000" dirty="0"/>
+              <a:t>한 줄 소개</a:t>
+            </a:r>
+            <a:r>
+              <a:rPr lang="en-US" altLang="ko-KR" sz="1000" dirty="0"/>
+              <a:t>~~~~~~~~~~~~~~</a:t>
+            </a:r>
+            <a:r>
+              <a:rPr lang="ko-KR" altLang="en-US" sz="1000" dirty="0"/>
+              <a:t> </a:t>
+            </a:r>
+          </a:p>
+        </p:txBody>
+      </p:sp>
+      <p:sp>
+        <p:nvSpPr>
+          <p:cNvPr id="9" name="TextBox 8">
+            <a:extLst>
+              <a:ext uri="{FF2B5EF4-FFF2-40B4-BE49-F238E27FC236}">
+                <a16:creationId xmlns:a16="http://schemas.microsoft.com/office/drawing/2014/main" id="{F8AB0485-67A6-190D-12A4-00FBE0D9A1A7}"/>
+              </a:ext>
+            </a:extLst>
+          </p:cNvPr>
+          <p:cNvSpPr txBox="1"/>
+          <p:nvPr/>
+        </p:nvSpPr>
+        <p:spPr>
+          <a:xfrm>
+            <a:off x="5791847" y="2075858"/>
+            <a:ext cx="1011115" cy="246221"/>
+          </a:xfrm>
+          <a:prstGeom prst="rect">
+            <a:avLst/>
+          </a:prstGeom>
+          <a:noFill/>
+        </p:spPr>
+        <p:txBody>
+          <a:bodyPr wrap="square" rtlCol="0">
+            <a:spAutoFit/>
+          </a:bodyPr>
+          <a:lstStyle/>
+          <a:p>
+            <a:r>
+              <a:rPr lang="ko-KR" altLang="en-US" sz="1000" dirty="0"/>
+              <a:t>홈페이지 이동</a:t>
+            </a:r>
+          </a:p>
+        </p:txBody>
+      </p:sp>
+      <p:sp>
+        <p:nvSpPr>
+          <p:cNvPr id="10" name="포인트가 5개인 별 20">
+            <a:extLst>
+              <a:ext uri="{FF2B5EF4-FFF2-40B4-BE49-F238E27FC236}">
+                <a16:creationId xmlns:a16="http://schemas.microsoft.com/office/drawing/2014/main" id="{56CE08C7-9F2A-5C3B-195D-D8F4F4FE9303}"/>
+              </a:ext>
+            </a:extLst>
+          </p:cNvPr>
+          <p:cNvSpPr/>
+          <p:nvPr/>
+        </p:nvSpPr>
+        <p:spPr>
+          <a:xfrm>
+            <a:off x="8983161" y="2079703"/>
+            <a:ext cx="252000" cy="216000"/>
+          </a:xfrm>
+          <a:prstGeom prst="star5">
+            <a:avLst/>
+          </a:prstGeom>
+          <a:solidFill>
+            <a:srgbClr val="FFFF00"/>
+          </a:solidFill>
+          <a:ln>
+            <a:solidFill>
+              <a:schemeClr val="bg1">
+                <a:lumMod val="65000"/>
+              </a:schemeClr>
+            </a:solidFill>
+          </a:ln>
+        </p:spPr>
+        <p:style>
+          <a:lnRef idx="2">
+            <a:schemeClr val="accent1">
+              <a:shade val="50000"/>
+            </a:schemeClr>
+          </a:lnRef>
+          <a:fillRef idx="1">
+            <a:schemeClr val="accent1"/>
+          </a:fillRef>
+          <a:effectRef idx="0">
+            <a:schemeClr val="accent1"/>
+          </a:effectRef>
+          <a:fontRef idx="minor">
+            <a:schemeClr val="lt1"/>
+          </a:fontRef>
+        </p:style>
+        <p:txBody>
+          <a:bodyPr rtlCol="0" anchor="ctr"/>
+          <a:lstStyle/>
+          <a:p>
+            <a:pPr algn="ctr"/>
+            <a:endParaRPr lang="ko-KR" altLang="en-US"/>
+          </a:p>
+        </p:txBody>
+      </p:sp>
+      <p:sp>
+        <p:nvSpPr>
+          <p:cNvPr id="11" name="모서리가 둥근 직사각형 10">
+            <a:extLst>
+              <a:ext uri="{FF2B5EF4-FFF2-40B4-BE49-F238E27FC236}">
+                <a16:creationId xmlns:a16="http://schemas.microsoft.com/office/drawing/2014/main" id="{F2D5F0DA-C2F3-7CD6-CC2B-7B4EA96E10EB}"/>
+              </a:ext>
+            </a:extLst>
+          </p:cNvPr>
+          <p:cNvSpPr/>
+          <p:nvPr/>
+        </p:nvSpPr>
+        <p:spPr>
+          <a:xfrm>
+            <a:off x="386776" y="2669359"/>
+            <a:ext cx="8985738" cy="536331"/>
+          </a:xfrm>
+          <a:prstGeom prst="roundRect">
+            <a:avLst/>
+          </a:prstGeom>
+          <a:noFill/>
+          <a:ln>
+            <a:solidFill>
+              <a:schemeClr val="bg1">
+                <a:lumMod val="85000"/>
+              </a:schemeClr>
+            </a:solidFill>
+          </a:ln>
+        </p:spPr>
+        <p:style>
+          <a:lnRef idx="2">
+            <a:schemeClr val="accent1">
+              <a:shade val="50000"/>
+            </a:schemeClr>
+          </a:lnRef>
+          <a:fillRef idx="1">
+            <a:schemeClr val="accent1"/>
+          </a:fillRef>
+          <a:effectRef idx="0">
+            <a:schemeClr val="accent1"/>
+          </a:effectRef>
+          <a:fontRef idx="minor">
+            <a:schemeClr val="lt1"/>
+          </a:fontRef>
+        </p:style>
+        <p:txBody>
+          <a:bodyPr rtlCol="0" anchor="ctr"/>
+          <a:lstStyle/>
+          <a:p>
+            <a:pPr algn="ctr"/>
+            <a:endParaRPr lang="ko-KR" altLang="en-US"/>
+          </a:p>
+        </p:txBody>
+      </p:sp>
+      <p:sp>
+        <p:nvSpPr>
+          <p:cNvPr id="12" name="TextBox 11">
+            <a:extLst>
+              <a:ext uri="{FF2B5EF4-FFF2-40B4-BE49-F238E27FC236}">
+                <a16:creationId xmlns:a16="http://schemas.microsoft.com/office/drawing/2014/main" id="{B03114EA-615D-286F-748E-572B8E790ADA}"/>
+              </a:ext>
+            </a:extLst>
+          </p:cNvPr>
+          <p:cNvSpPr txBox="1"/>
+          <p:nvPr/>
+        </p:nvSpPr>
+        <p:spPr>
+          <a:xfrm>
+            <a:off x="518661" y="2814413"/>
+            <a:ext cx="1011115" cy="246221"/>
+          </a:xfrm>
+          <a:prstGeom prst="rect">
+            <a:avLst/>
+          </a:prstGeom>
+          <a:noFill/>
+        </p:spPr>
+        <p:txBody>
+          <a:bodyPr wrap="square" rtlCol="0">
+            <a:spAutoFit/>
+          </a:bodyPr>
+          <a:lstStyle/>
+          <a:p>
+            <a:r>
+              <a:rPr lang="ko-KR" altLang="en-US" sz="1000" dirty="0"/>
+              <a:t>쇼핑몰 이름</a:t>
+            </a:r>
+          </a:p>
+        </p:txBody>
+      </p:sp>
+      <p:sp>
+        <p:nvSpPr>
+          <p:cNvPr id="13" name="TextBox 12">
+            <a:extLst>
+              <a:ext uri="{FF2B5EF4-FFF2-40B4-BE49-F238E27FC236}">
+                <a16:creationId xmlns:a16="http://schemas.microsoft.com/office/drawing/2014/main" id="{B3684742-304C-DE12-E16B-617AFFC33AB3}"/>
+              </a:ext>
+            </a:extLst>
+          </p:cNvPr>
+          <p:cNvSpPr txBox="1"/>
+          <p:nvPr/>
+        </p:nvSpPr>
+        <p:spPr>
+          <a:xfrm>
+            <a:off x="1770099" y="2818879"/>
+            <a:ext cx="3544764" cy="246221"/>
+          </a:xfrm>
+          <a:prstGeom prst="rect">
+            <a:avLst/>
+          </a:prstGeom>
+          <a:noFill/>
+        </p:spPr>
+        <p:txBody>
+          <a:bodyPr wrap="square" rtlCol="0">
+            <a:spAutoFit/>
+          </a:bodyPr>
+          <a:lstStyle/>
+          <a:p>
+            <a:r>
+              <a:rPr lang="ko-KR" altLang="en-US" sz="1000" dirty="0"/>
+              <a:t>한 줄 소개</a:t>
+            </a:r>
+            <a:r>
+              <a:rPr lang="en-US" altLang="ko-KR" sz="1000" dirty="0"/>
+              <a:t>~~~~~~~~~~~~~~</a:t>
+            </a:r>
+            <a:r>
+              <a:rPr lang="ko-KR" altLang="en-US" sz="1000" dirty="0"/>
+              <a:t> </a:t>
+            </a:r>
+          </a:p>
+        </p:txBody>
+      </p:sp>
+      <p:sp>
+        <p:nvSpPr>
+          <p:cNvPr id="14" name="TextBox 13">
+            <a:extLst>
+              <a:ext uri="{FF2B5EF4-FFF2-40B4-BE49-F238E27FC236}">
+                <a16:creationId xmlns:a16="http://schemas.microsoft.com/office/drawing/2014/main" id="{FEE17E5E-3EFA-77C5-6E48-3D4AF6C5D650}"/>
+              </a:ext>
+            </a:extLst>
+          </p:cNvPr>
+          <p:cNvSpPr txBox="1"/>
+          <p:nvPr/>
+        </p:nvSpPr>
+        <p:spPr>
+          <a:xfrm>
+            <a:off x="5791847" y="2814412"/>
+            <a:ext cx="1011115" cy="246221"/>
+          </a:xfrm>
+          <a:prstGeom prst="rect">
+            <a:avLst/>
+          </a:prstGeom>
+          <a:noFill/>
+        </p:spPr>
+        <p:txBody>
+          <a:bodyPr wrap="square" rtlCol="0">
+            <a:spAutoFit/>
+          </a:bodyPr>
+          <a:lstStyle/>
+          <a:p>
+            <a:r>
+              <a:rPr lang="ko-KR" altLang="en-US" sz="1000" dirty="0"/>
+              <a:t>홈페이지 이동</a:t>
+            </a:r>
+          </a:p>
+        </p:txBody>
+      </p:sp>
+      <p:sp>
+        <p:nvSpPr>
+          <p:cNvPr id="15" name="포인트가 5개인 별 25">
+            <a:extLst>
+              <a:ext uri="{FF2B5EF4-FFF2-40B4-BE49-F238E27FC236}">
+                <a16:creationId xmlns:a16="http://schemas.microsoft.com/office/drawing/2014/main" id="{B8C1ECD1-A3EC-F932-330F-134C478233BA}"/>
+              </a:ext>
+            </a:extLst>
+          </p:cNvPr>
+          <p:cNvSpPr/>
+          <p:nvPr/>
+        </p:nvSpPr>
+        <p:spPr>
+          <a:xfrm>
+            <a:off x="8983161" y="2818257"/>
+            <a:ext cx="252000" cy="216000"/>
+          </a:xfrm>
+          <a:prstGeom prst="star5">
+            <a:avLst/>
+          </a:prstGeom>
+          <a:solidFill>
+            <a:srgbClr val="FFFF00"/>
+          </a:solidFill>
+          <a:ln>
+            <a:solidFill>
+              <a:schemeClr val="bg1">
+                <a:lumMod val="65000"/>
+              </a:schemeClr>
+            </a:solidFill>
+          </a:ln>
+        </p:spPr>
+        <p:style>
+          <a:lnRef idx="2">
+            <a:schemeClr val="accent1">
+              <a:shade val="50000"/>
+            </a:schemeClr>
+          </a:lnRef>
+          <a:fillRef idx="1">
+            <a:schemeClr val="accent1"/>
+          </a:fillRef>
+          <a:effectRef idx="0">
+            <a:schemeClr val="accent1"/>
+          </a:effectRef>
+          <a:fontRef idx="minor">
+            <a:schemeClr val="lt1"/>
+          </a:fontRef>
+        </p:style>
+        <p:txBody>
+          <a:bodyPr rtlCol="0" anchor="ctr"/>
+          <a:lstStyle/>
+          <a:p>
+            <a:pPr algn="ctr"/>
+            <a:endParaRPr lang="ko-KR" altLang="en-US"/>
+          </a:p>
+        </p:txBody>
+      </p:sp>
+      <p:sp>
+        <p:nvSpPr>
+          <p:cNvPr id="16" name="모서리가 둥근 직사각형 15">
+            <a:extLst>
+              <a:ext uri="{FF2B5EF4-FFF2-40B4-BE49-F238E27FC236}">
+                <a16:creationId xmlns:a16="http://schemas.microsoft.com/office/drawing/2014/main" id="{761703A5-EBA6-FE37-D154-9F31337688AF}"/>
+              </a:ext>
+            </a:extLst>
+          </p:cNvPr>
+          <p:cNvSpPr/>
+          <p:nvPr/>
+        </p:nvSpPr>
+        <p:spPr>
+          <a:xfrm>
+            <a:off x="386776" y="3390342"/>
+            <a:ext cx="8985738" cy="536331"/>
+          </a:xfrm>
+          <a:prstGeom prst="roundRect">
+            <a:avLst/>
+          </a:prstGeom>
+          <a:noFill/>
+          <a:ln>
+            <a:solidFill>
+              <a:schemeClr val="bg1">
+                <a:lumMod val="85000"/>
+              </a:schemeClr>
+            </a:solidFill>
+          </a:ln>
+        </p:spPr>
+        <p:style>
+          <a:lnRef idx="2">
+            <a:schemeClr val="accent1">
+              <a:shade val="50000"/>
+            </a:schemeClr>
+          </a:lnRef>
+          <a:fillRef idx="1">
+            <a:schemeClr val="accent1"/>
+          </a:fillRef>
+          <a:effectRef idx="0">
+            <a:schemeClr val="accent1"/>
+          </a:effectRef>
+          <a:fontRef idx="minor">
+            <a:schemeClr val="lt1"/>
+          </a:fontRef>
+        </p:style>
+        <p:txBody>
+          <a:bodyPr rtlCol="0" anchor="ctr"/>
+          <a:lstStyle/>
+          <a:p>
+            <a:pPr algn="ctr"/>
+            <a:endParaRPr lang="ko-KR" altLang="en-US"/>
+          </a:p>
+        </p:txBody>
+      </p:sp>
+      <p:sp>
+        <p:nvSpPr>
+          <p:cNvPr id="17" name="TextBox 16">
+            <a:extLst>
+              <a:ext uri="{FF2B5EF4-FFF2-40B4-BE49-F238E27FC236}">
+                <a16:creationId xmlns:a16="http://schemas.microsoft.com/office/drawing/2014/main" id="{A83E2DFF-751C-3F5B-F73D-9E32ABD1FF3E}"/>
+              </a:ext>
+            </a:extLst>
+          </p:cNvPr>
+          <p:cNvSpPr txBox="1"/>
+          <p:nvPr/>
+        </p:nvSpPr>
+        <p:spPr>
+          <a:xfrm>
+            <a:off x="518661" y="3535396"/>
+            <a:ext cx="1011115" cy="246221"/>
+          </a:xfrm>
+          <a:prstGeom prst="rect">
+            <a:avLst/>
+          </a:prstGeom>
+          <a:noFill/>
+        </p:spPr>
+        <p:txBody>
+          <a:bodyPr wrap="square" rtlCol="0">
+            <a:spAutoFit/>
+          </a:bodyPr>
+          <a:lstStyle/>
+          <a:p>
+            <a:r>
+              <a:rPr lang="ko-KR" altLang="en-US" sz="1000" dirty="0"/>
+              <a:t>쇼핑몰 이름</a:t>
+            </a:r>
+          </a:p>
+        </p:txBody>
+      </p:sp>
+      <p:sp>
+        <p:nvSpPr>
+          <p:cNvPr id="18" name="TextBox 17">
+            <a:extLst>
+              <a:ext uri="{FF2B5EF4-FFF2-40B4-BE49-F238E27FC236}">
+                <a16:creationId xmlns:a16="http://schemas.microsoft.com/office/drawing/2014/main" id="{466E4887-28D3-1F05-BE00-72F659DAB1C0}"/>
+              </a:ext>
+            </a:extLst>
+          </p:cNvPr>
+          <p:cNvSpPr txBox="1"/>
+          <p:nvPr/>
+        </p:nvSpPr>
+        <p:spPr>
+          <a:xfrm>
+            <a:off x="1770099" y="3539862"/>
+            <a:ext cx="3544764" cy="246221"/>
+          </a:xfrm>
+          <a:prstGeom prst="rect">
+            <a:avLst/>
+          </a:prstGeom>
+          <a:noFill/>
+        </p:spPr>
+        <p:txBody>
+          <a:bodyPr wrap="square" rtlCol="0">
+            <a:spAutoFit/>
+          </a:bodyPr>
+          <a:lstStyle/>
+          <a:p>
+            <a:r>
+              <a:rPr lang="ko-KR" altLang="en-US" sz="1000" dirty="0"/>
+              <a:t>한 줄 소개</a:t>
+            </a:r>
+            <a:r>
+              <a:rPr lang="en-US" altLang="ko-KR" sz="1000" dirty="0"/>
+              <a:t>~~~~~~~~~~~~~~</a:t>
+            </a:r>
+            <a:r>
+              <a:rPr lang="ko-KR" altLang="en-US" sz="1000" dirty="0"/>
+              <a:t> </a:t>
+            </a:r>
+          </a:p>
+        </p:txBody>
+      </p:sp>
+      <p:sp>
+        <p:nvSpPr>
+          <p:cNvPr id="19" name="TextBox 18">
+            <a:extLst>
+              <a:ext uri="{FF2B5EF4-FFF2-40B4-BE49-F238E27FC236}">
+                <a16:creationId xmlns:a16="http://schemas.microsoft.com/office/drawing/2014/main" id="{01579D45-ED2A-1582-9618-017FAB79D51C}"/>
+              </a:ext>
+            </a:extLst>
+          </p:cNvPr>
+          <p:cNvSpPr txBox="1"/>
+          <p:nvPr/>
+        </p:nvSpPr>
+        <p:spPr>
+          <a:xfrm>
+            <a:off x="5791847" y="3535395"/>
+            <a:ext cx="1011115" cy="246221"/>
+          </a:xfrm>
+          <a:prstGeom prst="rect">
+            <a:avLst/>
+          </a:prstGeom>
+          <a:noFill/>
+        </p:spPr>
+        <p:txBody>
+          <a:bodyPr wrap="square" rtlCol="0">
+            <a:spAutoFit/>
+          </a:bodyPr>
+          <a:lstStyle/>
+          <a:p>
+            <a:r>
+              <a:rPr lang="ko-KR" altLang="en-US" sz="1000" dirty="0"/>
+              <a:t>홈페이지 이동</a:t>
+            </a:r>
+          </a:p>
+        </p:txBody>
+      </p:sp>
+      <p:sp>
+        <p:nvSpPr>
+          <p:cNvPr id="20" name="포인트가 5개인 별 45">
+            <a:extLst>
+              <a:ext uri="{FF2B5EF4-FFF2-40B4-BE49-F238E27FC236}">
+                <a16:creationId xmlns:a16="http://schemas.microsoft.com/office/drawing/2014/main" id="{EA1172EA-8587-C845-AB0F-7BCE232FDBC1}"/>
+              </a:ext>
+            </a:extLst>
+          </p:cNvPr>
+          <p:cNvSpPr/>
+          <p:nvPr/>
+        </p:nvSpPr>
+        <p:spPr>
+          <a:xfrm>
+            <a:off x="8983161" y="3539240"/>
+            <a:ext cx="252000" cy="216000"/>
+          </a:xfrm>
+          <a:prstGeom prst="star5">
+            <a:avLst/>
+          </a:prstGeom>
+          <a:solidFill>
+            <a:srgbClr val="FFFF00"/>
+          </a:solidFill>
+          <a:ln>
+            <a:solidFill>
+              <a:schemeClr val="bg1">
+                <a:lumMod val="65000"/>
+              </a:schemeClr>
+            </a:solidFill>
+          </a:ln>
+        </p:spPr>
+        <p:style>
+          <a:lnRef idx="2">
+            <a:schemeClr val="accent1">
+              <a:shade val="50000"/>
+            </a:schemeClr>
+          </a:lnRef>
+          <a:fillRef idx="1">
+            <a:schemeClr val="accent1"/>
+          </a:fillRef>
+          <a:effectRef idx="0">
+            <a:schemeClr val="accent1"/>
+          </a:effectRef>
+          <a:fontRef idx="minor">
+            <a:schemeClr val="lt1"/>
+          </a:fontRef>
+        </p:style>
+        <p:txBody>
+          <a:bodyPr rtlCol="0" anchor="ctr"/>
+          <a:lstStyle/>
+          <a:p>
+            <a:pPr algn="ctr"/>
+            <a:endParaRPr lang="ko-KR" altLang="en-US"/>
+          </a:p>
+        </p:txBody>
+      </p:sp>
+      <p:sp>
+        <p:nvSpPr>
+          <p:cNvPr id="21" name="모서리가 둥근 직사각형 20">
+            <a:extLst>
+              <a:ext uri="{FF2B5EF4-FFF2-40B4-BE49-F238E27FC236}">
+                <a16:creationId xmlns:a16="http://schemas.microsoft.com/office/drawing/2014/main" id="{C4AFCFD7-46F5-D08B-62F7-1C24EE5F3E4D}"/>
+              </a:ext>
+            </a:extLst>
+          </p:cNvPr>
+          <p:cNvSpPr/>
+          <p:nvPr/>
+        </p:nvSpPr>
+        <p:spPr>
+          <a:xfrm>
+            <a:off x="386776" y="4106822"/>
+            <a:ext cx="8985738" cy="536331"/>
+          </a:xfrm>
+          <a:prstGeom prst="roundRect">
+            <a:avLst/>
+          </a:prstGeom>
+          <a:noFill/>
+          <a:ln>
+            <a:solidFill>
+              <a:schemeClr val="bg1">
+                <a:lumMod val="85000"/>
+              </a:schemeClr>
+            </a:solidFill>
+          </a:ln>
+        </p:spPr>
+        <p:style>
+          <a:lnRef idx="2">
+            <a:schemeClr val="accent1">
+              <a:shade val="50000"/>
+            </a:schemeClr>
+          </a:lnRef>
+          <a:fillRef idx="1">
+            <a:schemeClr val="accent1"/>
+          </a:fillRef>
+          <a:effectRef idx="0">
+            <a:schemeClr val="accent1"/>
+          </a:effectRef>
+          <a:fontRef idx="minor">
+            <a:schemeClr val="lt1"/>
+          </a:fontRef>
+        </p:style>
+        <p:txBody>
+          <a:bodyPr rtlCol="0" anchor="ctr"/>
+          <a:lstStyle/>
+          <a:p>
+            <a:pPr algn="ctr"/>
+            <a:endParaRPr lang="ko-KR" altLang="en-US"/>
+          </a:p>
+        </p:txBody>
+      </p:sp>
+      <p:sp>
+        <p:nvSpPr>
+          <p:cNvPr id="22" name="TextBox 21">
+            <a:extLst>
+              <a:ext uri="{FF2B5EF4-FFF2-40B4-BE49-F238E27FC236}">
+                <a16:creationId xmlns:a16="http://schemas.microsoft.com/office/drawing/2014/main" id="{07B71C62-6EF8-EB23-4EBA-770E8DB3C14A}"/>
+              </a:ext>
+            </a:extLst>
+          </p:cNvPr>
+          <p:cNvSpPr txBox="1"/>
+          <p:nvPr/>
+        </p:nvSpPr>
+        <p:spPr>
+          <a:xfrm>
+            <a:off x="518661" y="4251876"/>
+            <a:ext cx="1011115" cy="246221"/>
+          </a:xfrm>
+          <a:prstGeom prst="rect">
+            <a:avLst/>
+          </a:prstGeom>
+          <a:noFill/>
+        </p:spPr>
+        <p:txBody>
+          <a:bodyPr wrap="square" rtlCol="0">
+            <a:spAutoFit/>
+          </a:bodyPr>
+          <a:lstStyle/>
+          <a:p>
+            <a:r>
+              <a:rPr lang="ko-KR" altLang="en-US" sz="1000" dirty="0"/>
+              <a:t>쇼핑몰 이름</a:t>
+            </a:r>
+          </a:p>
+        </p:txBody>
+      </p:sp>
+      <p:sp>
+        <p:nvSpPr>
+          <p:cNvPr id="23" name="TextBox 22">
+            <a:extLst>
+              <a:ext uri="{FF2B5EF4-FFF2-40B4-BE49-F238E27FC236}">
+                <a16:creationId xmlns:a16="http://schemas.microsoft.com/office/drawing/2014/main" id="{32B83D1B-DE4D-0BBB-BF54-0651F6967100}"/>
+              </a:ext>
+            </a:extLst>
+          </p:cNvPr>
+          <p:cNvSpPr txBox="1"/>
+          <p:nvPr/>
+        </p:nvSpPr>
+        <p:spPr>
+          <a:xfrm>
+            <a:off x="1770099" y="4256342"/>
+            <a:ext cx="3544764" cy="246221"/>
+          </a:xfrm>
+          <a:prstGeom prst="rect">
+            <a:avLst/>
+          </a:prstGeom>
+          <a:noFill/>
+        </p:spPr>
+        <p:txBody>
+          <a:bodyPr wrap="square" rtlCol="0">
+            <a:spAutoFit/>
+          </a:bodyPr>
+          <a:lstStyle/>
+          <a:p>
+            <a:r>
+              <a:rPr lang="ko-KR" altLang="en-US" sz="1000" dirty="0"/>
+              <a:t>한 줄 소개</a:t>
+            </a:r>
+            <a:r>
+              <a:rPr lang="en-US" altLang="ko-KR" sz="1000" dirty="0"/>
+              <a:t>~~~~~~~~~~~~~~</a:t>
+            </a:r>
+            <a:r>
+              <a:rPr lang="ko-KR" altLang="en-US" sz="1000" dirty="0"/>
+              <a:t> </a:t>
+            </a:r>
+          </a:p>
+        </p:txBody>
+      </p:sp>
+      <p:sp>
+        <p:nvSpPr>
+          <p:cNvPr id="24" name="TextBox 23">
+            <a:extLst>
+              <a:ext uri="{FF2B5EF4-FFF2-40B4-BE49-F238E27FC236}">
+                <a16:creationId xmlns:a16="http://schemas.microsoft.com/office/drawing/2014/main" id="{4BEE3AC1-A304-B750-6EF8-06A799164DDA}"/>
+              </a:ext>
+            </a:extLst>
+          </p:cNvPr>
+          <p:cNvSpPr txBox="1"/>
+          <p:nvPr/>
+        </p:nvSpPr>
+        <p:spPr>
+          <a:xfrm>
+            <a:off x="5791847" y="4251875"/>
+            <a:ext cx="1011115" cy="246221"/>
+          </a:xfrm>
+          <a:prstGeom prst="rect">
+            <a:avLst/>
+          </a:prstGeom>
+          <a:noFill/>
+        </p:spPr>
+        <p:txBody>
+          <a:bodyPr wrap="square" rtlCol="0">
+            <a:spAutoFit/>
+          </a:bodyPr>
+          <a:lstStyle/>
+          <a:p>
+            <a:r>
+              <a:rPr lang="ko-KR" altLang="en-US" sz="1000" dirty="0"/>
+              <a:t>홈페이지 이동</a:t>
+            </a:r>
+          </a:p>
+        </p:txBody>
+      </p:sp>
+      <p:sp>
+        <p:nvSpPr>
+          <p:cNvPr id="25" name="포인트가 5개인 별 50">
+            <a:extLst>
+              <a:ext uri="{FF2B5EF4-FFF2-40B4-BE49-F238E27FC236}">
+                <a16:creationId xmlns:a16="http://schemas.microsoft.com/office/drawing/2014/main" id="{E38479C3-DAE2-338C-A6FE-122D0112508A}"/>
+              </a:ext>
+            </a:extLst>
+          </p:cNvPr>
+          <p:cNvSpPr/>
+          <p:nvPr/>
+        </p:nvSpPr>
+        <p:spPr>
+          <a:xfrm>
+            <a:off x="8983161" y="4255720"/>
+            <a:ext cx="252000" cy="216000"/>
+          </a:xfrm>
+          <a:prstGeom prst="star5">
+            <a:avLst/>
+          </a:prstGeom>
+          <a:solidFill>
+            <a:srgbClr val="FFFF00"/>
+          </a:solidFill>
+          <a:ln>
+            <a:solidFill>
+              <a:schemeClr val="bg1">
+                <a:lumMod val="65000"/>
+              </a:schemeClr>
+            </a:solidFill>
+          </a:ln>
+        </p:spPr>
+        <p:style>
+          <a:lnRef idx="2">
+            <a:schemeClr val="accent1">
+              <a:shade val="50000"/>
+            </a:schemeClr>
+          </a:lnRef>
+          <a:fillRef idx="1">
+            <a:schemeClr val="accent1"/>
+          </a:fillRef>
+          <a:effectRef idx="0">
+            <a:schemeClr val="accent1"/>
+          </a:effectRef>
+          <a:fontRef idx="minor">
+            <a:schemeClr val="lt1"/>
+          </a:fontRef>
+        </p:style>
+        <p:txBody>
+          <a:bodyPr rtlCol="0" anchor="ctr"/>
+          <a:lstStyle/>
+          <a:p>
+            <a:pPr algn="ctr"/>
+            <a:endParaRPr lang="ko-KR" altLang="en-US"/>
+          </a:p>
+        </p:txBody>
+      </p:sp>
+      <p:sp>
+        <p:nvSpPr>
+          <p:cNvPr id="26" name="모서리가 둥근 직사각형 25">
+            <a:extLst>
+              <a:ext uri="{FF2B5EF4-FFF2-40B4-BE49-F238E27FC236}">
+                <a16:creationId xmlns:a16="http://schemas.microsoft.com/office/drawing/2014/main" id="{55C503F7-4ADD-7016-C543-5BDE52EF787F}"/>
+              </a:ext>
+            </a:extLst>
+          </p:cNvPr>
+          <p:cNvSpPr/>
+          <p:nvPr/>
+        </p:nvSpPr>
+        <p:spPr>
+          <a:xfrm>
+            <a:off x="386776" y="4895336"/>
+            <a:ext cx="8985738" cy="536331"/>
+          </a:xfrm>
+          <a:prstGeom prst="roundRect">
+            <a:avLst/>
+          </a:prstGeom>
+          <a:noFill/>
+          <a:ln>
+            <a:solidFill>
+              <a:schemeClr val="bg1">
+                <a:lumMod val="85000"/>
+              </a:schemeClr>
+            </a:solidFill>
+          </a:ln>
+        </p:spPr>
+        <p:style>
+          <a:lnRef idx="2">
+            <a:schemeClr val="accent1">
+              <a:shade val="50000"/>
+            </a:schemeClr>
+          </a:lnRef>
+          <a:fillRef idx="1">
+            <a:schemeClr val="accent1"/>
+          </a:fillRef>
+          <a:effectRef idx="0">
+            <a:schemeClr val="accent1"/>
+          </a:effectRef>
+          <a:fontRef idx="minor">
+            <a:schemeClr val="lt1"/>
+          </a:fontRef>
+        </p:style>
+        <p:txBody>
+          <a:bodyPr rtlCol="0" anchor="ctr"/>
+          <a:lstStyle/>
+          <a:p>
+            <a:pPr algn="ctr"/>
+            <a:endParaRPr lang="ko-KR" altLang="en-US"/>
+          </a:p>
+        </p:txBody>
+      </p:sp>
+      <p:sp>
+        <p:nvSpPr>
+          <p:cNvPr id="27" name="TextBox 26">
+            <a:extLst>
+              <a:ext uri="{FF2B5EF4-FFF2-40B4-BE49-F238E27FC236}">
+                <a16:creationId xmlns:a16="http://schemas.microsoft.com/office/drawing/2014/main" id="{2665B222-74C6-BE83-935B-CCA3F50DEA0C}"/>
+              </a:ext>
+            </a:extLst>
+          </p:cNvPr>
+          <p:cNvSpPr txBox="1"/>
+          <p:nvPr/>
+        </p:nvSpPr>
+        <p:spPr>
+          <a:xfrm>
+            <a:off x="518661" y="5040390"/>
+            <a:ext cx="1011115" cy="246221"/>
+          </a:xfrm>
+          <a:prstGeom prst="rect">
+            <a:avLst/>
+          </a:prstGeom>
+          <a:noFill/>
+        </p:spPr>
+        <p:txBody>
+          <a:bodyPr wrap="square" rtlCol="0">
+            <a:spAutoFit/>
+          </a:bodyPr>
+          <a:lstStyle/>
+          <a:p>
+            <a:r>
+              <a:rPr lang="ko-KR" altLang="en-US" sz="1000" dirty="0"/>
+              <a:t>쇼핑몰 이름</a:t>
+            </a:r>
+          </a:p>
+        </p:txBody>
+      </p:sp>
+      <p:sp>
+        <p:nvSpPr>
+          <p:cNvPr id="28" name="TextBox 27">
+            <a:extLst>
+              <a:ext uri="{FF2B5EF4-FFF2-40B4-BE49-F238E27FC236}">
+                <a16:creationId xmlns:a16="http://schemas.microsoft.com/office/drawing/2014/main" id="{FC34D0FB-3DBF-3262-BDF8-FEC2EAFB9E31}"/>
+              </a:ext>
+            </a:extLst>
+          </p:cNvPr>
+          <p:cNvSpPr txBox="1"/>
+          <p:nvPr/>
+        </p:nvSpPr>
+        <p:spPr>
+          <a:xfrm>
+            <a:off x="1770099" y="5044856"/>
+            <a:ext cx="3544764" cy="246221"/>
+          </a:xfrm>
+          <a:prstGeom prst="rect">
+            <a:avLst/>
+          </a:prstGeom>
+          <a:noFill/>
+        </p:spPr>
+        <p:txBody>
+          <a:bodyPr wrap="square" rtlCol="0">
+            <a:spAutoFit/>
+          </a:bodyPr>
+          <a:lstStyle/>
+          <a:p>
+            <a:r>
+              <a:rPr lang="ko-KR" altLang="en-US" sz="1000" dirty="0"/>
+              <a:t>한 줄 소개</a:t>
+            </a:r>
+            <a:r>
+              <a:rPr lang="en-US" altLang="ko-KR" sz="1000" dirty="0"/>
+              <a:t>~~~~~~~~~~~~~~</a:t>
+            </a:r>
+            <a:r>
+              <a:rPr lang="ko-KR" altLang="en-US" sz="1000" dirty="0"/>
+              <a:t> </a:t>
+            </a:r>
+          </a:p>
+        </p:txBody>
+      </p:sp>
+      <p:sp>
+        <p:nvSpPr>
+          <p:cNvPr id="29" name="TextBox 28">
+            <a:extLst>
+              <a:ext uri="{FF2B5EF4-FFF2-40B4-BE49-F238E27FC236}">
+                <a16:creationId xmlns:a16="http://schemas.microsoft.com/office/drawing/2014/main" id="{6B391E41-4E63-0666-D964-5FC54FF4F763}"/>
+              </a:ext>
+            </a:extLst>
+          </p:cNvPr>
+          <p:cNvSpPr txBox="1"/>
+          <p:nvPr/>
+        </p:nvSpPr>
+        <p:spPr>
+          <a:xfrm>
+            <a:off x="5791847" y="5040389"/>
+            <a:ext cx="1011115" cy="246221"/>
+          </a:xfrm>
+          <a:prstGeom prst="rect">
+            <a:avLst/>
+          </a:prstGeom>
+          <a:noFill/>
+        </p:spPr>
+        <p:txBody>
+          <a:bodyPr wrap="square" rtlCol="0">
+            <a:spAutoFit/>
+          </a:bodyPr>
+          <a:lstStyle/>
+          <a:p>
+            <a:r>
+              <a:rPr lang="ko-KR" altLang="en-US" sz="1000" dirty="0"/>
+              <a:t>홈페이지 이동</a:t>
+            </a:r>
+          </a:p>
+        </p:txBody>
+      </p:sp>
+      <p:sp>
+        <p:nvSpPr>
+          <p:cNvPr id="30" name="포인트가 5개인 별 55">
+            <a:extLst>
+              <a:ext uri="{FF2B5EF4-FFF2-40B4-BE49-F238E27FC236}">
+                <a16:creationId xmlns:a16="http://schemas.microsoft.com/office/drawing/2014/main" id="{44B420F0-0553-F27A-758B-F4089FE67371}"/>
+              </a:ext>
+            </a:extLst>
+          </p:cNvPr>
+          <p:cNvSpPr/>
+          <p:nvPr/>
+        </p:nvSpPr>
+        <p:spPr>
+          <a:xfrm>
+            <a:off x="8983161" y="5044234"/>
+            <a:ext cx="252000" cy="216000"/>
+          </a:xfrm>
+          <a:prstGeom prst="star5">
+            <a:avLst/>
+          </a:prstGeom>
+          <a:solidFill>
+            <a:srgbClr val="FFFF00"/>
+          </a:solidFill>
+          <a:ln>
+            <a:solidFill>
+              <a:schemeClr val="bg1">
+                <a:lumMod val="65000"/>
+              </a:schemeClr>
+            </a:solidFill>
+          </a:ln>
+        </p:spPr>
+        <p:style>
+          <a:lnRef idx="2">
+            <a:schemeClr val="accent1">
+              <a:shade val="50000"/>
+            </a:schemeClr>
+          </a:lnRef>
+          <a:fillRef idx="1">
+            <a:schemeClr val="accent1"/>
+          </a:fillRef>
+          <a:effectRef idx="0">
+            <a:schemeClr val="accent1"/>
+          </a:effectRef>
+          <a:fontRef idx="minor">
+            <a:schemeClr val="lt1"/>
+          </a:fontRef>
+        </p:style>
+        <p:txBody>
+          <a:bodyPr rtlCol="0" anchor="ctr"/>
+          <a:lstStyle/>
+          <a:p>
+            <a:pPr algn="ctr"/>
+            <a:endParaRPr lang="ko-KR" altLang="en-US"/>
+          </a:p>
+        </p:txBody>
+      </p:sp>
+      <p:sp>
+        <p:nvSpPr>
+          <p:cNvPr id="31" name="타원 30">
+            <a:extLst>
+              <a:ext uri="{FF2B5EF4-FFF2-40B4-BE49-F238E27FC236}">
+                <a16:creationId xmlns:a16="http://schemas.microsoft.com/office/drawing/2014/main" id="{8B26A1A0-2ACC-2CDD-668B-07A746B6189C}"/>
+              </a:ext>
+            </a:extLst>
+          </p:cNvPr>
+          <p:cNvSpPr/>
+          <p:nvPr/>
+        </p:nvSpPr>
+        <p:spPr>
+          <a:xfrm>
+            <a:off x="295329" y="2075858"/>
+            <a:ext cx="216000" cy="216000"/>
+          </a:xfrm>
+          <a:prstGeom prst="ellipse">
+            <a:avLst/>
+          </a:prstGeom>
+          <a:solidFill>
+            <a:srgbClr val="FF0000"/>
+          </a:solidFill>
+          <a:ln>
+            <a:noFill/>
+          </a:ln>
+        </p:spPr>
+        <p:style>
+          <a:lnRef idx="2">
+            <a:schemeClr val="accent1">
+              <a:shade val="50000"/>
+            </a:schemeClr>
+          </a:lnRef>
+          <a:fillRef idx="1">
+            <a:schemeClr val="accent1"/>
+          </a:fillRef>
+          <a:effectRef idx="0">
+            <a:schemeClr val="accent1"/>
+          </a:effectRef>
+          <a:fontRef idx="minor">
+            <a:schemeClr val="lt1"/>
+          </a:fontRef>
+        </p:style>
+        <p:txBody>
+          <a:bodyPr wrap="none" lIns="0" tIns="0" rIns="0" bIns="0" rtlCol="0" anchor="ctr"/>
+          <a:lstStyle/>
+          <a:p>
+            <a:pPr algn="ctr"/>
+            <a:r>
+              <a:rPr lang="en-US" altLang="ko-KR" sz="1100" dirty="0">
+                <a:solidFill>
+                  <a:schemeClr val="bg1"/>
+                </a:solidFill>
+                <a:latin typeface="타이포_씨고딕 140" panose="02020503020101020101" pitchFamily="18" charset="-127"/>
+                <a:ea typeface="타이포_씨고딕 140" panose="02020503020101020101" pitchFamily="18" charset="-127"/>
+              </a:rPr>
+              <a:t>1</a:t>
+            </a:r>
+            <a:endParaRPr lang="ko-KR" altLang="en-US" sz="1100" dirty="0">
+              <a:solidFill>
+                <a:schemeClr val="bg1"/>
+              </a:solidFill>
+              <a:latin typeface="타이포_씨고딕 140" panose="02020503020101020101" pitchFamily="18" charset="-127"/>
+              <a:ea typeface="타이포_씨고딕 140" panose="02020503020101020101" pitchFamily="18" charset="-127"/>
+            </a:endParaRPr>
+          </a:p>
+        </p:txBody>
+      </p:sp>
+      <p:sp>
+        <p:nvSpPr>
+          <p:cNvPr id="32" name="타원 31">
+            <a:extLst>
+              <a:ext uri="{FF2B5EF4-FFF2-40B4-BE49-F238E27FC236}">
+                <a16:creationId xmlns:a16="http://schemas.microsoft.com/office/drawing/2014/main" id="{29D32C14-6810-6753-6CBA-FD4E66264F76}"/>
+              </a:ext>
+            </a:extLst>
+          </p:cNvPr>
+          <p:cNvSpPr/>
+          <p:nvPr/>
+        </p:nvSpPr>
+        <p:spPr>
+          <a:xfrm>
+            <a:off x="5683847" y="2098976"/>
+            <a:ext cx="216000" cy="216000"/>
+          </a:xfrm>
+          <a:prstGeom prst="ellipse">
+            <a:avLst/>
+          </a:prstGeom>
+          <a:solidFill>
+            <a:srgbClr val="FF0000"/>
+          </a:solidFill>
+          <a:ln>
+            <a:noFill/>
+          </a:ln>
+        </p:spPr>
+        <p:style>
+          <a:lnRef idx="2">
+            <a:schemeClr val="accent1">
+              <a:shade val="50000"/>
+            </a:schemeClr>
+          </a:lnRef>
+          <a:fillRef idx="1">
+            <a:schemeClr val="accent1"/>
+          </a:fillRef>
+          <a:effectRef idx="0">
+            <a:schemeClr val="accent1"/>
+          </a:effectRef>
+          <a:fontRef idx="minor">
+            <a:schemeClr val="lt1"/>
+          </a:fontRef>
+        </p:style>
+        <p:txBody>
+          <a:bodyPr wrap="none" lIns="0" tIns="0" rIns="0" bIns="0" rtlCol="0" anchor="ctr"/>
+          <a:lstStyle/>
+          <a:p>
+            <a:pPr algn="ctr"/>
+            <a:r>
+              <a:rPr lang="en-US" altLang="ko-KR" sz="1100" dirty="0">
+                <a:solidFill>
+                  <a:schemeClr val="bg1"/>
+                </a:solidFill>
+                <a:latin typeface="타이포_씨고딕 140" panose="02020503020101020101" pitchFamily="18" charset="-127"/>
+                <a:ea typeface="타이포_씨고딕 140" panose="02020503020101020101" pitchFamily="18" charset="-127"/>
+              </a:rPr>
+              <a:t>1</a:t>
+            </a:r>
+            <a:endParaRPr lang="ko-KR" altLang="en-US" sz="1100" dirty="0">
+              <a:solidFill>
+                <a:schemeClr val="bg1"/>
+              </a:solidFill>
+              <a:latin typeface="타이포_씨고딕 140" panose="02020503020101020101" pitchFamily="18" charset="-127"/>
+              <a:ea typeface="타이포_씨고딕 140" panose="02020503020101020101" pitchFamily="18" charset="-127"/>
+            </a:endParaRPr>
+          </a:p>
+        </p:txBody>
+      </p:sp>
+      <p:sp>
+        <p:nvSpPr>
+          <p:cNvPr id="33" name="타원 32">
+            <a:extLst>
+              <a:ext uri="{FF2B5EF4-FFF2-40B4-BE49-F238E27FC236}">
+                <a16:creationId xmlns:a16="http://schemas.microsoft.com/office/drawing/2014/main" id="{4E0A09CA-A72F-5B73-0857-3A619209D1A7}"/>
+              </a:ext>
+            </a:extLst>
+          </p:cNvPr>
+          <p:cNvSpPr/>
+          <p:nvPr/>
+        </p:nvSpPr>
+        <p:spPr>
+          <a:xfrm>
+            <a:off x="8767161" y="2075858"/>
+            <a:ext cx="216000" cy="216000"/>
+          </a:xfrm>
+          <a:prstGeom prst="ellipse">
+            <a:avLst/>
+          </a:prstGeom>
+          <a:solidFill>
+            <a:srgbClr val="FF0000"/>
+          </a:solidFill>
+          <a:ln>
+            <a:noFill/>
+          </a:ln>
+        </p:spPr>
+        <p:style>
+          <a:lnRef idx="2">
+            <a:schemeClr val="accent1">
+              <a:shade val="50000"/>
+            </a:schemeClr>
+          </a:lnRef>
+          <a:fillRef idx="1">
+            <a:schemeClr val="accent1"/>
+          </a:fillRef>
+          <a:effectRef idx="0">
+            <a:schemeClr val="accent1"/>
+          </a:effectRef>
+          <a:fontRef idx="minor">
+            <a:schemeClr val="lt1"/>
+          </a:fontRef>
+        </p:style>
+        <p:txBody>
+          <a:bodyPr wrap="none" lIns="0" tIns="0" rIns="0" bIns="0" rtlCol="0" anchor="ctr"/>
+          <a:lstStyle/>
+          <a:p>
+            <a:pPr algn="ctr"/>
+            <a:r>
+              <a:rPr lang="en-US" altLang="ko-KR" sz="1100" dirty="0">
+                <a:solidFill>
+                  <a:schemeClr val="bg1"/>
+                </a:solidFill>
+                <a:latin typeface="타이포_씨고딕 140" panose="02020503020101020101" pitchFamily="18" charset="-127"/>
+                <a:ea typeface="타이포_씨고딕 140" panose="02020503020101020101" pitchFamily="18" charset="-127"/>
+              </a:rPr>
+              <a:t>1</a:t>
+            </a:r>
+            <a:endParaRPr lang="ko-KR" altLang="en-US" sz="1100" dirty="0">
+              <a:solidFill>
+                <a:schemeClr val="bg1"/>
+              </a:solidFill>
+              <a:latin typeface="타이포_씨고딕 140" panose="02020503020101020101" pitchFamily="18" charset="-127"/>
+              <a:ea typeface="타이포_씨고딕 140" panose="02020503020101020101" pitchFamily="18" charset="-127"/>
+            </a:endParaRPr>
+          </a:p>
+        </p:txBody>
+      </p:sp>
+      <p:sp>
+        <p:nvSpPr>
+          <p:cNvPr id="34" name="직사각형 33">
+            <a:extLst>
+              <a:ext uri="{FF2B5EF4-FFF2-40B4-BE49-F238E27FC236}">
+                <a16:creationId xmlns:a16="http://schemas.microsoft.com/office/drawing/2014/main" id="{9EB177F5-9CAD-16B6-9225-CB8FBF226EB5}"/>
+              </a:ext>
+            </a:extLst>
+          </p:cNvPr>
+          <p:cNvSpPr/>
+          <p:nvPr/>
+        </p:nvSpPr>
+        <p:spPr>
+          <a:xfrm>
+            <a:off x="4366159" y="5683850"/>
+            <a:ext cx="852851" cy="351692"/>
+          </a:xfrm>
+          <a:prstGeom prst="rect">
+            <a:avLst/>
+          </a:prstGeom>
+          <a:solidFill>
+            <a:schemeClr val="tx1"/>
+          </a:solidFill>
+          <a:ln>
+            <a:solidFill>
+              <a:schemeClr val="tx1">
+                <a:lumMod val="85000"/>
+                <a:lumOff val="15000"/>
+              </a:schemeClr>
+            </a:solidFill>
+          </a:ln>
+        </p:spPr>
+        <p:style>
+          <a:lnRef idx="2">
+            <a:schemeClr val="accent1">
+              <a:shade val="50000"/>
+            </a:schemeClr>
+          </a:lnRef>
+          <a:fillRef idx="1">
+            <a:schemeClr val="accent1"/>
+          </a:fillRef>
+          <a:effectRef idx="0">
+            <a:schemeClr val="accent1"/>
+          </a:effectRef>
+          <a:fontRef idx="minor">
+            <a:schemeClr val="lt1"/>
+          </a:fontRef>
+        </p:style>
+        <p:txBody>
+          <a:bodyPr rtlCol="0" anchor="ctr"/>
+          <a:lstStyle/>
+          <a:p>
+            <a:pPr algn="ctr"/>
+            <a:r>
+              <a:rPr lang="ko-KR" altLang="en-US" sz="1000" dirty="0"/>
+              <a:t>홈으로</a:t>
+            </a:r>
+          </a:p>
+        </p:txBody>
+      </p:sp>
+      <p:sp>
+        <p:nvSpPr>
+          <p:cNvPr id="35" name="타원 34">
+            <a:extLst>
+              <a:ext uri="{FF2B5EF4-FFF2-40B4-BE49-F238E27FC236}">
+                <a16:creationId xmlns:a16="http://schemas.microsoft.com/office/drawing/2014/main" id="{BAB2EC04-2B77-C2EC-AE7A-C9DF98EE86DD}"/>
+              </a:ext>
+            </a:extLst>
+          </p:cNvPr>
+          <p:cNvSpPr/>
+          <p:nvPr/>
+        </p:nvSpPr>
+        <p:spPr>
+          <a:xfrm>
+            <a:off x="79329" y="138357"/>
+            <a:ext cx="216000" cy="216000"/>
+          </a:xfrm>
+          <a:prstGeom prst="ellipse">
+            <a:avLst/>
+          </a:prstGeom>
+          <a:solidFill>
+            <a:srgbClr val="FF0000"/>
+          </a:solidFill>
+          <a:ln>
+            <a:noFill/>
+          </a:ln>
+        </p:spPr>
+        <p:style>
+          <a:lnRef idx="2">
+            <a:schemeClr val="accent1">
+              <a:shade val="50000"/>
+            </a:schemeClr>
+          </a:lnRef>
+          <a:fillRef idx="1">
+            <a:schemeClr val="accent1"/>
+          </a:fillRef>
+          <a:effectRef idx="0">
+            <a:schemeClr val="accent1"/>
+          </a:effectRef>
+          <a:fontRef idx="minor">
+            <a:schemeClr val="lt1"/>
+          </a:fontRef>
+        </p:style>
+        <p:txBody>
+          <a:bodyPr wrap="none" lIns="0" tIns="0" rIns="0" bIns="0" rtlCol="0" anchor="ctr"/>
+          <a:lstStyle/>
+          <a:p>
+            <a:pPr algn="ctr"/>
+            <a:r>
+              <a:rPr lang="en-US" altLang="ko-KR" sz="1100" dirty="0">
+                <a:solidFill>
+                  <a:schemeClr val="bg1"/>
+                </a:solidFill>
+                <a:latin typeface="타이포_씨고딕 140" panose="02020503020101020101" pitchFamily="18" charset="-127"/>
+                <a:ea typeface="타이포_씨고딕 140" panose="02020503020101020101" pitchFamily="18" charset="-127"/>
+              </a:rPr>
+              <a:t>1</a:t>
+            </a:r>
+            <a:endParaRPr lang="ko-KR" altLang="en-US" sz="1100" dirty="0">
+              <a:solidFill>
+                <a:schemeClr val="bg1"/>
+              </a:solidFill>
+              <a:latin typeface="타이포_씨고딕 140" panose="02020503020101020101" pitchFamily="18" charset="-127"/>
+              <a:ea typeface="타이포_씨고딕 140" panose="02020503020101020101" pitchFamily="18" charset="-127"/>
+            </a:endParaRPr>
+          </a:p>
+        </p:txBody>
+      </p:sp>
     </p:spTree>
     <p:extLst>
       <p:ext uri="{BB962C8B-B14F-4D97-AF65-F5344CB8AC3E}">
@@ -7426,13 +9863,6 @@
   <p:clrMapOvr>
     <a:masterClrMapping/>
   </p:clrMapOvr>
-  <p:timing>
-    <p:tnLst>
-      <p:par>
-        <p:cTn id="1" dur="indefinite" restart="never" nodeType="tmRoot"/>
-      </p:par>
-    </p:tnLst>
-  </p:timing>
 </p:sld>
 </file>
 
@@ -7490,10 +9920,9 @@
           <a:p>
             <a:pPr algn="ctr"/>
             <a:r>
-              <a:rPr lang="ko-KR" altLang="en-US" sz="4000" dirty="0" smtClean="0"/>
+              <a:rPr lang="ko-KR" altLang="en-US" sz="4000" dirty="0"/>
               <a:t>인덱스 페이지</a:t>
             </a:r>
-            <a:endParaRPr lang="ko-KR" altLang="en-US" sz="4000" dirty="0"/>
           </a:p>
         </p:txBody>
       </p:sp>
@@ -7507,13 +9936,1993 @@
   <p:clrMapOvr>
     <a:masterClrMapping/>
   </p:clrMapOvr>
-  <p:timing>
-    <p:tnLst>
-      <p:par>
-        <p:cTn id="1" dur="indefinite" restart="never" nodeType="tmRoot"/>
-      </p:par>
-    </p:tnLst>
-  </p:timing>
+</p:sld>
+</file>
+
+<file path=ppt/slides/slide20.xml><?xml version="1.0" encoding="utf-8"?>
+<p:sld xmlns:a="http://schemas.openxmlformats.org/drawingml/2006/main" xmlns:r="http://schemas.openxmlformats.org/officeDocument/2006/relationships" xmlns:p="http://schemas.openxmlformats.org/presentationml/2006/main">
+  <p:cSld>
+    <p:spTree>
+      <p:nvGrpSpPr>
+        <p:cNvPr id="1" name=""/>
+        <p:cNvGrpSpPr/>
+        <p:nvPr/>
+      </p:nvGrpSpPr>
+      <p:grpSpPr>
+        <a:xfrm>
+          <a:off x="0" y="0"/>
+          <a:ext cx="0" cy="0"/>
+          <a:chOff x="0" y="0"/>
+          <a:chExt cx="0" cy="0"/>
+        </a:xfrm>
+      </p:grpSpPr>
+      <p:cxnSp>
+        <p:nvCxnSpPr>
+          <p:cNvPr id="4" name="직선 연결선 3">
+            <a:extLst>
+              <a:ext uri="{FF2B5EF4-FFF2-40B4-BE49-F238E27FC236}">
+                <a16:creationId xmlns:a16="http://schemas.microsoft.com/office/drawing/2014/main" id="{D2961E27-7918-A833-CD28-3E68ED444F28}"/>
+              </a:ext>
+            </a:extLst>
+          </p:cNvPr>
+          <p:cNvCxnSpPr/>
+          <p:nvPr/>
+        </p:nvCxnSpPr>
+        <p:spPr>
+          <a:xfrm flipV="1">
+            <a:off x="254977" y="562704"/>
+            <a:ext cx="9275885" cy="8794"/>
+          </a:xfrm>
+          <a:prstGeom prst="line">
+            <a:avLst/>
+          </a:prstGeom>
+        </p:spPr>
+        <p:style>
+          <a:lnRef idx="1">
+            <a:schemeClr val="accent3"/>
+          </a:lnRef>
+          <a:fillRef idx="0">
+            <a:schemeClr val="accent3"/>
+          </a:fillRef>
+          <a:effectRef idx="0">
+            <a:schemeClr val="accent3"/>
+          </a:effectRef>
+          <a:fontRef idx="minor">
+            <a:schemeClr val="tx1"/>
+          </a:fontRef>
+        </p:style>
+      </p:cxnSp>
+      <p:sp>
+        <p:nvSpPr>
+          <p:cNvPr id="5" name="TextBox 4">
+            <a:extLst>
+              <a:ext uri="{FF2B5EF4-FFF2-40B4-BE49-F238E27FC236}">
+                <a16:creationId xmlns:a16="http://schemas.microsoft.com/office/drawing/2014/main" id="{3DBD9E52-914C-D566-028D-698F26EB7E85}"/>
+              </a:ext>
+            </a:extLst>
+          </p:cNvPr>
+          <p:cNvSpPr txBox="1"/>
+          <p:nvPr/>
+        </p:nvSpPr>
+        <p:spPr>
+          <a:xfrm>
+            <a:off x="254977" y="52751"/>
+            <a:ext cx="1767254" cy="369332"/>
+          </a:xfrm>
+          <a:prstGeom prst="rect">
+            <a:avLst/>
+          </a:prstGeom>
+          <a:noFill/>
+        </p:spPr>
+        <p:txBody>
+          <a:bodyPr wrap="square" rtlCol="0">
+            <a:spAutoFit/>
+          </a:bodyPr>
+          <a:lstStyle/>
+          <a:p>
+            <a:r>
+              <a:rPr lang="en-US" altLang="ko-KR" dirty="0"/>
+              <a:t>MYMALL</a:t>
+            </a:r>
+            <a:endParaRPr lang="ko-KR" altLang="en-US" dirty="0"/>
+          </a:p>
+        </p:txBody>
+      </p:sp>
+      <p:sp>
+        <p:nvSpPr>
+          <p:cNvPr id="6" name="직사각형 5">
+            <a:extLst>
+              <a:ext uri="{FF2B5EF4-FFF2-40B4-BE49-F238E27FC236}">
+                <a16:creationId xmlns:a16="http://schemas.microsoft.com/office/drawing/2014/main" id="{74CBCCCE-6B14-96A0-BD71-20EE83F63A33}"/>
+              </a:ext>
+            </a:extLst>
+          </p:cNvPr>
+          <p:cNvSpPr/>
+          <p:nvPr/>
+        </p:nvSpPr>
+        <p:spPr>
+          <a:xfrm>
+            <a:off x="254977" y="683581"/>
+            <a:ext cx="9275885" cy="346229"/>
+          </a:xfrm>
+          <a:prstGeom prst="rect">
+            <a:avLst/>
+          </a:prstGeom>
+        </p:spPr>
+        <p:style>
+          <a:lnRef idx="2">
+            <a:schemeClr val="dk1">
+              <a:shade val="50000"/>
+            </a:schemeClr>
+          </a:lnRef>
+          <a:fillRef idx="1">
+            <a:schemeClr val="dk1"/>
+          </a:fillRef>
+          <a:effectRef idx="0">
+            <a:schemeClr val="dk1"/>
+          </a:effectRef>
+          <a:fontRef idx="minor">
+            <a:schemeClr val="lt1"/>
+          </a:fontRef>
+        </p:style>
+        <p:txBody>
+          <a:bodyPr rtlCol="0" anchor="ctr"/>
+          <a:lstStyle/>
+          <a:p>
+            <a:pPr algn="ctr"/>
+            <a:r>
+              <a:rPr kumimoji="1" lang="ko-Kore-KR" altLang="en-US" dirty="0"/>
+              <a:t>찜</a:t>
+            </a:r>
+          </a:p>
+        </p:txBody>
+      </p:sp>
+      <p:sp>
+        <p:nvSpPr>
+          <p:cNvPr id="7" name="직사각형 6">
+            <a:extLst>
+              <a:ext uri="{FF2B5EF4-FFF2-40B4-BE49-F238E27FC236}">
+                <a16:creationId xmlns:a16="http://schemas.microsoft.com/office/drawing/2014/main" id="{3B19704A-A362-F3DE-3450-A076CF4687BE}"/>
+              </a:ext>
+            </a:extLst>
+          </p:cNvPr>
+          <p:cNvSpPr/>
+          <p:nvPr/>
+        </p:nvSpPr>
+        <p:spPr>
+          <a:xfrm>
+            <a:off x="325315" y="1333187"/>
+            <a:ext cx="1890347" cy="2312377"/>
+          </a:xfrm>
+          <a:prstGeom prst="rect">
+            <a:avLst/>
+          </a:prstGeom>
+          <a:noFill/>
+          <a:ln>
+            <a:solidFill>
+              <a:schemeClr val="bg1">
+                <a:lumMod val="65000"/>
+              </a:schemeClr>
+            </a:solidFill>
+          </a:ln>
+        </p:spPr>
+        <p:style>
+          <a:lnRef idx="2">
+            <a:schemeClr val="accent1">
+              <a:shade val="50000"/>
+            </a:schemeClr>
+          </a:lnRef>
+          <a:fillRef idx="1">
+            <a:schemeClr val="accent1"/>
+          </a:fillRef>
+          <a:effectRef idx="0">
+            <a:schemeClr val="accent1"/>
+          </a:effectRef>
+          <a:fontRef idx="minor">
+            <a:schemeClr val="lt1"/>
+          </a:fontRef>
+        </p:style>
+        <p:txBody>
+          <a:bodyPr rtlCol="0" anchor="ctr"/>
+          <a:lstStyle/>
+          <a:p>
+            <a:pPr algn="ctr"/>
+            <a:endParaRPr lang="ko-KR" altLang="en-US"/>
+          </a:p>
+        </p:txBody>
+      </p:sp>
+      <p:sp>
+        <p:nvSpPr>
+          <p:cNvPr id="8" name="직사각형 7">
+            <a:extLst>
+              <a:ext uri="{FF2B5EF4-FFF2-40B4-BE49-F238E27FC236}">
+                <a16:creationId xmlns:a16="http://schemas.microsoft.com/office/drawing/2014/main" id="{5C2AF9D8-D2E6-5F0A-CF64-A68D65E8C2F0}"/>
+              </a:ext>
+            </a:extLst>
+          </p:cNvPr>
+          <p:cNvSpPr/>
+          <p:nvPr/>
+        </p:nvSpPr>
+        <p:spPr>
+          <a:xfrm>
+            <a:off x="325316" y="1333187"/>
+            <a:ext cx="1890346" cy="1661747"/>
+          </a:xfrm>
+          <a:prstGeom prst="rect">
+            <a:avLst/>
+          </a:prstGeom>
+        </p:spPr>
+        <p:style>
+          <a:lnRef idx="2">
+            <a:schemeClr val="accent1">
+              <a:shade val="50000"/>
+            </a:schemeClr>
+          </a:lnRef>
+          <a:fillRef idx="1">
+            <a:schemeClr val="accent1"/>
+          </a:fillRef>
+          <a:effectRef idx="0">
+            <a:schemeClr val="accent1"/>
+          </a:effectRef>
+          <a:fontRef idx="minor">
+            <a:schemeClr val="lt1"/>
+          </a:fontRef>
+        </p:style>
+        <p:txBody>
+          <a:bodyPr rtlCol="0" anchor="ctr"/>
+          <a:lstStyle/>
+          <a:p>
+            <a:pPr algn="ctr"/>
+            <a:r>
+              <a:rPr lang="ko-KR" altLang="en-US" dirty="0"/>
+              <a:t>사진</a:t>
+            </a:r>
+          </a:p>
+        </p:txBody>
+      </p:sp>
+      <p:sp>
+        <p:nvSpPr>
+          <p:cNvPr id="9" name="TextBox 8">
+            <a:extLst>
+              <a:ext uri="{FF2B5EF4-FFF2-40B4-BE49-F238E27FC236}">
+                <a16:creationId xmlns:a16="http://schemas.microsoft.com/office/drawing/2014/main" id="{F7529007-23E7-67D0-2975-B7D7DB008B7C}"/>
+              </a:ext>
+            </a:extLst>
+          </p:cNvPr>
+          <p:cNvSpPr txBox="1"/>
+          <p:nvPr/>
+        </p:nvSpPr>
+        <p:spPr>
+          <a:xfrm>
+            <a:off x="325314" y="3087198"/>
+            <a:ext cx="1371600" cy="246221"/>
+          </a:xfrm>
+          <a:prstGeom prst="rect">
+            <a:avLst/>
+          </a:prstGeom>
+          <a:noFill/>
+        </p:spPr>
+        <p:txBody>
+          <a:bodyPr wrap="square" rtlCol="0">
+            <a:spAutoFit/>
+          </a:bodyPr>
+          <a:lstStyle/>
+          <a:p>
+            <a:r>
+              <a:rPr lang="ko-KR" altLang="en-US" sz="1000" dirty="0"/>
+              <a:t>상품 이름</a:t>
+            </a:r>
+          </a:p>
+        </p:txBody>
+      </p:sp>
+      <p:sp>
+        <p:nvSpPr>
+          <p:cNvPr id="10" name="TextBox 9">
+            <a:extLst>
+              <a:ext uri="{FF2B5EF4-FFF2-40B4-BE49-F238E27FC236}">
+                <a16:creationId xmlns:a16="http://schemas.microsoft.com/office/drawing/2014/main" id="{C8DAACAE-E40D-059A-E2C4-8014173D8AA3}"/>
+              </a:ext>
+            </a:extLst>
+          </p:cNvPr>
+          <p:cNvSpPr txBox="1"/>
+          <p:nvPr/>
+        </p:nvSpPr>
+        <p:spPr>
+          <a:xfrm>
+            <a:off x="325314" y="3302572"/>
+            <a:ext cx="1371600" cy="246221"/>
+          </a:xfrm>
+          <a:prstGeom prst="rect">
+            <a:avLst/>
+          </a:prstGeom>
+          <a:noFill/>
+        </p:spPr>
+        <p:txBody>
+          <a:bodyPr wrap="square" rtlCol="0">
+            <a:spAutoFit/>
+          </a:bodyPr>
+          <a:lstStyle/>
+          <a:p>
+            <a:r>
+              <a:rPr lang="ko-KR" altLang="en-US" sz="1000" dirty="0"/>
+              <a:t>가격</a:t>
+            </a:r>
+          </a:p>
+        </p:txBody>
+      </p:sp>
+      <p:sp>
+        <p:nvSpPr>
+          <p:cNvPr id="11" name="직사각형 10">
+            <a:extLst>
+              <a:ext uri="{FF2B5EF4-FFF2-40B4-BE49-F238E27FC236}">
+                <a16:creationId xmlns:a16="http://schemas.microsoft.com/office/drawing/2014/main" id="{3B63B5F1-FA2D-46B4-D810-6AA3B27F6C86}"/>
+              </a:ext>
+            </a:extLst>
+          </p:cNvPr>
+          <p:cNvSpPr/>
+          <p:nvPr/>
+        </p:nvSpPr>
+        <p:spPr>
+          <a:xfrm>
+            <a:off x="2769570" y="1333187"/>
+            <a:ext cx="1890347" cy="2312377"/>
+          </a:xfrm>
+          <a:prstGeom prst="rect">
+            <a:avLst/>
+          </a:prstGeom>
+          <a:noFill/>
+          <a:ln>
+            <a:solidFill>
+              <a:schemeClr val="bg1">
+                <a:lumMod val="65000"/>
+              </a:schemeClr>
+            </a:solidFill>
+          </a:ln>
+        </p:spPr>
+        <p:style>
+          <a:lnRef idx="2">
+            <a:schemeClr val="accent1">
+              <a:shade val="50000"/>
+            </a:schemeClr>
+          </a:lnRef>
+          <a:fillRef idx="1">
+            <a:schemeClr val="accent1"/>
+          </a:fillRef>
+          <a:effectRef idx="0">
+            <a:schemeClr val="accent1"/>
+          </a:effectRef>
+          <a:fontRef idx="minor">
+            <a:schemeClr val="lt1"/>
+          </a:fontRef>
+        </p:style>
+        <p:txBody>
+          <a:bodyPr rtlCol="0" anchor="ctr"/>
+          <a:lstStyle/>
+          <a:p>
+            <a:pPr algn="ctr"/>
+            <a:endParaRPr lang="ko-KR" altLang="en-US"/>
+          </a:p>
+        </p:txBody>
+      </p:sp>
+      <p:sp>
+        <p:nvSpPr>
+          <p:cNvPr id="12" name="직사각형 11">
+            <a:extLst>
+              <a:ext uri="{FF2B5EF4-FFF2-40B4-BE49-F238E27FC236}">
+                <a16:creationId xmlns:a16="http://schemas.microsoft.com/office/drawing/2014/main" id="{12B309BD-63CB-D997-9D09-F1B4F7485AED}"/>
+              </a:ext>
+            </a:extLst>
+          </p:cNvPr>
+          <p:cNvSpPr/>
+          <p:nvPr/>
+        </p:nvSpPr>
+        <p:spPr>
+          <a:xfrm>
+            <a:off x="2769571" y="1333187"/>
+            <a:ext cx="1890346" cy="1661747"/>
+          </a:xfrm>
+          <a:prstGeom prst="rect">
+            <a:avLst/>
+          </a:prstGeom>
+        </p:spPr>
+        <p:style>
+          <a:lnRef idx="2">
+            <a:schemeClr val="accent1">
+              <a:shade val="50000"/>
+            </a:schemeClr>
+          </a:lnRef>
+          <a:fillRef idx="1">
+            <a:schemeClr val="accent1"/>
+          </a:fillRef>
+          <a:effectRef idx="0">
+            <a:schemeClr val="accent1"/>
+          </a:effectRef>
+          <a:fontRef idx="minor">
+            <a:schemeClr val="lt1"/>
+          </a:fontRef>
+        </p:style>
+        <p:txBody>
+          <a:bodyPr rtlCol="0" anchor="ctr"/>
+          <a:lstStyle/>
+          <a:p>
+            <a:pPr algn="ctr"/>
+            <a:r>
+              <a:rPr lang="ko-KR" altLang="en-US" dirty="0"/>
+              <a:t>사진</a:t>
+            </a:r>
+          </a:p>
+        </p:txBody>
+      </p:sp>
+      <p:sp>
+        <p:nvSpPr>
+          <p:cNvPr id="13" name="TextBox 12">
+            <a:extLst>
+              <a:ext uri="{FF2B5EF4-FFF2-40B4-BE49-F238E27FC236}">
+                <a16:creationId xmlns:a16="http://schemas.microsoft.com/office/drawing/2014/main" id="{61A43F57-7BD2-01EB-E51A-9E4E5740BD7D}"/>
+              </a:ext>
+            </a:extLst>
+          </p:cNvPr>
+          <p:cNvSpPr txBox="1"/>
+          <p:nvPr/>
+        </p:nvSpPr>
+        <p:spPr>
+          <a:xfrm>
+            <a:off x="2769569" y="3087198"/>
+            <a:ext cx="1371600" cy="246221"/>
+          </a:xfrm>
+          <a:prstGeom prst="rect">
+            <a:avLst/>
+          </a:prstGeom>
+          <a:noFill/>
+        </p:spPr>
+        <p:txBody>
+          <a:bodyPr wrap="square" rtlCol="0">
+            <a:spAutoFit/>
+          </a:bodyPr>
+          <a:lstStyle/>
+          <a:p>
+            <a:r>
+              <a:rPr lang="ko-KR" altLang="en-US" sz="1000" dirty="0"/>
+              <a:t>상품 이름</a:t>
+            </a:r>
+          </a:p>
+        </p:txBody>
+      </p:sp>
+      <p:sp>
+        <p:nvSpPr>
+          <p:cNvPr id="14" name="TextBox 13">
+            <a:extLst>
+              <a:ext uri="{FF2B5EF4-FFF2-40B4-BE49-F238E27FC236}">
+                <a16:creationId xmlns:a16="http://schemas.microsoft.com/office/drawing/2014/main" id="{E1A20E5A-90BB-0CC3-D739-422F6C7135A5}"/>
+              </a:ext>
+            </a:extLst>
+          </p:cNvPr>
+          <p:cNvSpPr txBox="1"/>
+          <p:nvPr/>
+        </p:nvSpPr>
+        <p:spPr>
+          <a:xfrm>
+            <a:off x="2769569" y="3302572"/>
+            <a:ext cx="1371600" cy="246221"/>
+          </a:xfrm>
+          <a:prstGeom prst="rect">
+            <a:avLst/>
+          </a:prstGeom>
+          <a:noFill/>
+        </p:spPr>
+        <p:txBody>
+          <a:bodyPr wrap="square" rtlCol="0">
+            <a:spAutoFit/>
+          </a:bodyPr>
+          <a:lstStyle/>
+          <a:p>
+            <a:r>
+              <a:rPr lang="ko-KR" altLang="en-US" sz="1000" dirty="0"/>
+              <a:t>가격</a:t>
+            </a:r>
+          </a:p>
+        </p:txBody>
+      </p:sp>
+      <p:sp>
+        <p:nvSpPr>
+          <p:cNvPr id="15" name="직사각형 14">
+            <a:extLst>
+              <a:ext uri="{FF2B5EF4-FFF2-40B4-BE49-F238E27FC236}">
+                <a16:creationId xmlns:a16="http://schemas.microsoft.com/office/drawing/2014/main" id="{5C875EA9-996C-3522-8119-C3D91892360A}"/>
+              </a:ext>
+            </a:extLst>
+          </p:cNvPr>
+          <p:cNvSpPr/>
+          <p:nvPr/>
+        </p:nvSpPr>
+        <p:spPr>
+          <a:xfrm>
+            <a:off x="5231419" y="1333187"/>
+            <a:ext cx="1890347" cy="2312377"/>
+          </a:xfrm>
+          <a:prstGeom prst="rect">
+            <a:avLst/>
+          </a:prstGeom>
+          <a:noFill/>
+          <a:ln>
+            <a:solidFill>
+              <a:schemeClr val="bg1">
+                <a:lumMod val="65000"/>
+              </a:schemeClr>
+            </a:solidFill>
+          </a:ln>
+        </p:spPr>
+        <p:style>
+          <a:lnRef idx="2">
+            <a:schemeClr val="accent1">
+              <a:shade val="50000"/>
+            </a:schemeClr>
+          </a:lnRef>
+          <a:fillRef idx="1">
+            <a:schemeClr val="accent1"/>
+          </a:fillRef>
+          <a:effectRef idx="0">
+            <a:schemeClr val="accent1"/>
+          </a:effectRef>
+          <a:fontRef idx="minor">
+            <a:schemeClr val="lt1"/>
+          </a:fontRef>
+        </p:style>
+        <p:txBody>
+          <a:bodyPr rtlCol="0" anchor="ctr"/>
+          <a:lstStyle/>
+          <a:p>
+            <a:pPr algn="ctr"/>
+            <a:endParaRPr lang="ko-KR" altLang="en-US"/>
+          </a:p>
+        </p:txBody>
+      </p:sp>
+      <p:sp>
+        <p:nvSpPr>
+          <p:cNvPr id="16" name="직사각형 15">
+            <a:extLst>
+              <a:ext uri="{FF2B5EF4-FFF2-40B4-BE49-F238E27FC236}">
+                <a16:creationId xmlns:a16="http://schemas.microsoft.com/office/drawing/2014/main" id="{289922B7-C09E-4907-22F8-F6DF7E49AD39}"/>
+              </a:ext>
+            </a:extLst>
+          </p:cNvPr>
+          <p:cNvSpPr/>
+          <p:nvPr/>
+        </p:nvSpPr>
+        <p:spPr>
+          <a:xfrm>
+            <a:off x="5231420" y="1333187"/>
+            <a:ext cx="1890346" cy="1661747"/>
+          </a:xfrm>
+          <a:prstGeom prst="rect">
+            <a:avLst/>
+          </a:prstGeom>
+        </p:spPr>
+        <p:style>
+          <a:lnRef idx="2">
+            <a:schemeClr val="accent1">
+              <a:shade val="50000"/>
+            </a:schemeClr>
+          </a:lnRef>
+          <a:fillRef idx="1">
+            <a:schemeClr val="accent1"/>
+          </a:fillRef>
+          <a:effectRef idx="0">
+            <a:schemeClr val="accent1"/>
+          </a:effectRef>
+          <a:fontRef idx="minor">
+            <a:schemeClr val="lt1"/>
+          </a:fontRef>
+        </p:style>
+        <p:txBody>
+          <a:bodyPr rtlCol="0" anchor="ctr"/>
+          <a:lstStyle/>
+          <a:p>
+            <a:pPr algn="ctr"/>
+            <a:r>
+              <a:rPr lang="ko-KR" altLang="en-US" dirty="0"/>
+              <a:t>사진</a:t>
+            </a:r>
+          </a:p>
+        </p:txBody>
+      </p:sp>
+      <p:sp>
+        <p:nvSpPr>
+          <p:cNvPr id="17" name="TextBox 16">
+            <a:extLst>
+              <a:ext uri="{FF2B5EF4-FFF2-40B4-BE49-F238E27FC236}">
+                <a16:creationId xmlns:a16="http://schemas.microsoft.com/office/drawing/2014/main" id="{E796D840-3B1D-DCA2-1497-9977BB0548EB}"/>
+              </a:ext>
+            </a:extLst>
+          </p:cNvPr>
+          <p:cNvSpPr txBox="1"/>
+          <p:nvPr/>
+        </p:nvSpPr>
+        <p:spPr>
+          <a:xfrm>
+            <a:off x="5231418" y="3087198"/>
+            <a:ext cx="1371600" cy="246221"/>
+          </a:xfrm>
+          <a:prstGeom prst="rect">
+            <a:avLst/>
+          </a:prstGeom>
+          <a:noFill/>
+        </p:spPr>
+        <p:txBody>
+          <a:bodyPr wrap="square" rtlCol="0">
+            <a:spAutoFit/>
+          </a:bodyPr>
+          <a:lstStyle/>
+          <a:p>
+            <a:r>
+              <a:rPr lang="ko-KR" altLang="en-US" sz="1000" dirty="0"/>
+              <a:t>상품 이름</a:t>
+            </a:r>
+          </a:p>
+        </p:txBody>
+      </p:sp>
+      <p:sp>
+        <p:nvSpPr>
+          <p:cNvPr id="18" name="TextBox 17">
+            <a:extLst>
+              <a:ext uri="{FF2B5EF4-FFF2-40B4-BE49-F238E27FC236}">
+                <a16:creationId xmlns:a16="http://schemas.microsoft.com/office/drawing/2014/main" id="{DC3C2953-BB93-CC35-A6CD-0714206B6CB4}"/>
+              </a:ext>
+            </a:extLst>
+          </p:cNvPr>
+          <p:cNvSpPr txBox="1"/>
+          <p:nvPr/>
+        </p:nvSpPr>
+        <p:spPr>
+          <a:xfrm>
+            <a:off x="5231418" y="3302572"/>
+            <a:ext cx="1371600" cy="246221"/>
+          </a:xfrm>
+          <a:prstGeom prst="rect">
+            <a:avLst/>
+          </a:prstGeom>
+          <a:noFill/>
+        </p:spPr>
+        <p:txBody>
+          <a:bodyPr wrap="square" rtlCol="0">
+            <a:spAutoFit/>
+          </a:bodyPr>
+          <a:lstStyle/>
+          <a:p>
+            <a:r>
+              <a:rPr lang="ko-KR" altLang="en-US" sz="1000" dirty="0"/>
+              <a:t>가격</a:t>
+            </a:r>
+          </a:p>
+        </p:txBody>
+      </p:sp>
+      <p:sp>
+        <p:nvSpPr>
+          <p:cNvPr id="19" name="직사각형 18">
+            <a:extLst>
+              <a:ext uri="{FF2B5EF4-FFF2-40B4-BE49-F238E27FC236}">
+                <a16:creationId xmlns:a16="http://schemas.microsoft.com/office/drawing/2014/main" id="{2D91A004-28AC-B20A-2ACA-B7159AA9BD0F}"/>
+              </a:ext>
+            </a:extLst>
+          </p:cNvPr>
+          <p:cNvSpPr/>
+          <p:nvPr/>
+        </p:nvSpPr>
+        <p:spPr>
+          <a:xfrm>
+            <a:off x="7640515" y="1333187"/>
+            <a:ext cx="1890347" cy="2312377"/>
+          </a:xfrm>
+          <a:prstGeom prst="rect">
+            <a:avLst/>
+          </a:prstGeom>
+          <a:noFill/>
+          <a:ln>
+            <a:solidFill>
+              <a:schemeClr val="bg1">
+                <a:lumMod val="65000"/>
+              </a:schemeClr>
+            </a:solidFill>
+          </a:ln>
+        </p:spPr>
+        <p:style>
+          <a:lnRef idx="2">
+            <a:schemeClr val="accent1">
+              <a:shade val="50000"/>
+            </a:schemeClr>
+          </a:lnRef>
+          <a:fillRef idx="1">
+            <a:schemeClr val="accent1"/>
+          </a:fillRef>
+          <a:effectRef idx="0">
+            <a:schemeClr val="accent1"/>
+          </a:effectRef>
+          <a:fontRef idx="minor">
+            <a:schemeClr val="lt1"/>
+          </a:fontRef>
+        </p:style>
+        <p:txBody>
+          <a:bodyPr rtlCol="0" anchor="ctr"/>
+          <a:lstStyle/>
+          <a:p>
+            <a:pPr algn="ctr"/>
+            <a:endParaRPr lang="ko-KR" altLang="en-US"/>
+          </a:p>
+        </p:txBody>
+      </p:sp>
+      <p:sp>
+        <p:nvSpPr>
+          <p:cNvPr id="20" name="직사각형 19">
+            <a:extLst>
+              <a:ext uri="{FF2B5EF4-FFF2-40B4-BE49-F238E27FC236}">
+                <a16:creationId xmlns:a16="http://schemas.microsoft.com/office/drawing/2014/main" id="{74413D73-71A0-2AD5-570D-FDC19138B8DD}"/>
+              </a:ext>
+            </a:extLst>
+          </p:cNvPr>
+          <p:cNvSpPr/>
+          <p:nvPr/>
+        </p:nvSpPr>
+        <p:spPr>
+          <a:xfrm>
+            <a:off x="7640516" y="1333187"/>
+            <a:ext cx="1890346" cy="1661747"/>
+          </a:xfrm>
+          <a:prstGeom prst="rect">
+            <a:avLst/>
+          </a:prstGeom>
+        </p:spPr>
+        <p:style>
+          <a:lnRef idx="2">
+            <a:schemeClr val="accent1">
+              <a:shade val="50000"/>
+            </a:schemeClr>
+          </a:lnRef>
+          <a:fillRef idx="1">
+            <a:schemeClr val="accent1"/>
+          </a:fillRef>
+          <a:effectRef idx="0">
+            <a:schemeClr val="accent1"/>
+          </a:effectRef>
+          <a:fontRef idx="minor">
+            <a:schemeClr val="lt1"/>
+          </a:fontRef>
+        </p:style>
+        <p:txBody>
+          <a:bodyPr rtlCol="0" anchor="ctr"/>
+          <a:lstStyle/>
+          <a:p>
+            <a:pPr algn="ctr"/>
+            <a:r>
+              <a:rPr lang="ko-KR" altLang="en-US" dirty="0"/>
+              <a:t>사진</a:t>
+            </a:r>
+          </a:p>
+        </p:txBody>
+      </p:sp>
+      <p:sp>
+        <p:nvSpPr>
+          <p:cNvPr id="21" name="TextBox 20">
+            <a:extLst>
+              <a:ext uri="{FF2B5EF4-FFF2-40B4-BE49-F238E27FC236}">
+                <a16:creationId xmlns:a16="http://schemas.microsoft.com/office/drawing/2014/main" id="{2DCE7486-F898-7F09-1655-90C43FE83C8D}"/>
+              </a:ext>
+            </a:extLst>
+          </p:cNvPr>
+          <p:cNvSpPr txBox="1"/>
+          <p:nvPr/>
+        </p:nvSpPr>
+        <p:spPr>
+          <a:xfrm>
+            <a:off x="7640514" y="3087198"/>
+            <a:ext cx="1371600" cy="246221"/>
+          </a:xfrm>
+          <a:prstGeom prst="rect">
+            <a:avLst/>
+          </a:prstGeom>
+          <a:noFill/>
+        </p:spPr>
+        <p:txBody>
+          <a:bodyPr wrap="square" rtlCol="0">
+            <a:spAutoFit/>
+          </a:bodyPr>
+          <a:lstStyle/>
+          <a:p>
+            <a:r>
+              <a:rPr lang="ko-KR" altLang="en-US" sz="1000" dirty="0"/>
+              <a:t>상품 이름</a:t>
+            </a:r>
+          </a:p>
+        </p:txBody>
+      </p:sp>
+      <p:sp>
+        <p:nvSpPr>
+          <p:cNvPr id="22" name="TextBox 21">
+            <a:extLst>
+              <a:ext uri="{FF2B5EF4-FFF2-40B4-BE49-F238E27FC236}">
+                <a16:creationId xmlns:a16="http://schemas.microsoft.com/office/drawing/2014/main" id="{D019981A-827B-5BC1-0C5F-90BF9202541C}"/>
+              </a:ext>
+            </a:extLst>
+          </p:cNvPr>
+          <p:cNvSpPr txBox="1"/>
+          <p:nvPr/>
+        </p:nvSpPr>
+        <p:spPr>
+          <a:xfrm>
+            <a:off x="7640514" y="3302572"/>
+            <a:ext cx="1371600" cy="246221"/>
+          </a:xfrm>
+          <a:prstGeom prst="rect">
+            <a:avLst/>
+          </a:prstGeom>
+          <a:noFill/>
+        </p:spPr>
+        <p:txBody>
+          <a:bodyPr wrap="square" rtlCol="0">
+            <a:spAutoFit/>
+          </a:bodyPr>
+          <a:lstStyle/>
+          <a:p>
+            <a:r>
+              <a:rPr lang="ko-KR" altLang="en-US" sz="1000" dirty="0"/>
+              <a:t>가격</a:t>
+            </a:r>
+          </a:p>
+        </p:txBody>
+      </p:sp>
+      <p:sp>
+        <p:nvSpPr>
+          <p:cNvPr id="23" name="직사각형 22">
+            <a:extLst>
+              <a:ext uri="{FF2B5EF4-FFF2-40B4-BE49-F238E27FC236}">
+                <a16:creationId xmlns:a16="http://schemas.microsoft.com/office/drawing/2014/main" id="{C91AA3BE-09A8-2EA5-8DDB-E071D60C1EE2}"/>
+              </a:ext>
+            </a:extLst>
+          </p:cNvPr>
+          <p:cNvSpPr/>
+          <p:nvPr/>
+        </p:nvSpPr>
+        <p:spPr>
+          <a:xfrm>
+            <a:off x="325315" y="3772970"/>
+            <a:ext cx="1890347" cy="2312377"/>
+          </a:xfrm>
+          <a:prstGeom prst="rect">
+            <a:avLst/>
+          </a:prstGeom>
+          <a:noFill/>
+          <a:ln>
+            <a:solidFill>
+              <a:schemeClr val="bg1">
+                <a:lumMod val="65000"/>
+              </a:schemeClr>
+            </a:solidFill>
+          </a:ln>
+        </p:spPr>
+        <p:style>
+          <a:lnRef idx="2">
+            <a:schemeClr val="accent1">
+              <a:shade val="50000"/>
+            </a:schemeClr>
+          </a:lnRef>
+          <a:fillRef idx="1">
+            <a:schemeClr val="accent1"/>
+          </a:fillRef>
+          <a:effectRef idx="0">
+            <a:schemeClr val="accent1"/>
+          </a:effectRef>
+          <a:fontRef idx="minor">
+            <a:schemeClr val="lt1"/>
+          </a:fontRef>
+        </p:style>
+        <p:txBody>
+          <a:bodyPr rtlCol="0" anchor="ctr"/>
+          <a:lstStyle/>
+          <a:p>
+            <a:pPr algn="ctr"/>
+            <a:endParaRPr lang="ko-KR" altLang="en-US"/>
+          </a:p>
+        </p:txBody>
+      </p:sp>
+      <p:sp>
+        <p:nvSpPr>
+          <p:cNvPr id="24" name="직사각형 23">
+            <a:extLst>
+              <a:ext uri="{FF2B5EF4-FFF2-40B4-BE49-F238E27FC236}">
+                <a16:creationId xmlns:a16="http://schemas.microsoft.com/office/drawing/2014/main" id="{0015298D-D212-ACCE-F0D9-BF6750E95517}"/>
+              </a:ext>
+            </a:extLst>
+          </p:cNvPr>
+          <p:cNvSpPr/>
+          <p:nvPr/>
+        </p:nvSpPr>
+        <p:spPr>
+          <a:xfrm>
+            <a:off x="325316" y="3772970"/>
+            <a:ext cx="1890346" cy="1661747"/>
+          </a:xfrm>
+          <a:prstGeom prst="rect">
+            <a:avLst/>
+          </a:prstGeom>
+        </p:spPr>
+        <p:style>
+          <a:lnRef idx="2">
+            <a:schemeClr val="accent1">
+              <a:shade val="50000"/>
+            </a:schemeClr>
+          </a:lnRef>
+          <a:fillRef idx="1">
+            <a:schemeClr val="accent1"/>
+          </a:fillRef>
+          <a:effectRef idx="0">
+            <a:schemeClr val="accent1"/>
+          </a:effectRef>
+          <a:fontRef idx="minor">
+            <a:schemeClr val="lt1"/>
+          </a:fontRef>
+        </p:style>
+        <p:txBody>
+          <a:bodyPr rtlCol="0" anchor="ctr"/>
+          <a:lstStyle/>
+          <a:p>
+            <a:pPr algn="ctr"/>
+            <a:r>
+              <a:rPr lang="ko-KR" altLang="en-US" dirty="0"/>
+              <a:t>사진</a:t>
+            </a:r>
+          </a:p>
+        </p:txBody>
+      </p:sp>
+      <p:sp>
+        <p:nvSpPr>
+          <p:cNvPr id="25" name="TextBox 24">
+            <a:extLst>
+              <a:ext uri="{FF2B5EF4-FFF2-40B4-BE49-F238E27FC236}">
+                <a16:creationId xmlns:a16="http://schemas.microsoft.com/office/drawing/2014/main" id="{E4893E7E-6B80-5981-7A19-62214389A776}"/>
+              </a:ext>
+            </a:extLst>
+          </p:cNvPr>
+          <p:cNvSpPr txBox="1"/>
+          <p:nvPr/>
+        </p:nvSpPr>
+        <p:spPr>
+          <a:xfrm>
+            <a:off x="325314" y="5526981"/>
+            <a:ext cx="1371600" cy="246221"/>
+          </a:xfrm>
+          <a:prstGeom prst="rect">
+            <a:avLst/>
+          </a:prstGeom>
+          <a:noFill/>
+        </p:spPr>
+        <p:txBody>
+          <a:bodyPr wrap="square" rtlCol="0">
+            <a:spAutoFit/>
+          </a:bodyPr>
+          <a:lstStyle/>
+          <a:p>
+            <a:r>
+              <a:rPr lang="ko-KR" altLang="en-US" sz="1000" dirty="0"/>
+              <a:t>상품 이름</a:t>
+            </a:r>
+          </a:p>
+        </p:txBody>
+      </p:sp>
+      <p:sp>
+        <p:nvSpPr>
+          <p:cNvPr id="26" name="TextBox 25">
+            <a:extLst>
+              <a:ext uri="{FF2B5EF4-FFF2-40B4-BE49-F238E27FC236}">
+                <a16:creationId xmlns:a16="http://schemas.microsoft.com/office/drawing/2014/main" id="{3BAB9AB7-EE53-AB7D-059D-C63552C706DB}"/>
+              </a:ext>
+            </a:extLst>
+          </p:cNvPr>
+          <p:cNvSpPr txBox="1"/>
+          <p:nvPr/>
+        </p:nvSpPr>
+        <p:spPr>
+          <a:xfrm>
+            <a:off x="325314" y="5742355"/>
+            <a:ext cx="1371600" cy="246221"/>
+          </a:xfrm>
+          <a:prstGeom prst="rect">
+            <a:avLst/>
+          </a:prstGeom>
+          <a:noFill/>
+        </p:spPr>
+        <p:txBody>
+          <a:bodyPr wrap="square" rtlCol="0">
+            <a:spAutoFit/>
+          </a:bodyPr>
+          <a:lstStyle/>
+          <a:p>
+            <a:r>
+              <a:rPr lang="ko-KR" altLang="en-US" sz="1000" dirty="0"/>
+              <a:t>가격</a:t>
+            </a:r>
+          </a:p>
+        </p:txBody>
+      </p:sp>
+      <p:sp>
+        <p:nvSpPr>
+          <p:cNvPr id="27" name="직사각형 26">
+            <a:extLst>
+              <a:ext uri="{FF2B5EF4-FFF2-40B4-BE49-F238E27FC236}">
+                <a16:creationId xmlns:a16="http://schemas.microsoft.com/office/drawing/2014/main" id="{4608AE3E-0736-5E4D-89A5-64A18FA5BF25}"/>
+              </a:ext>
+            </a:extLst>
+          </p:cNvPr>
+          <p:cNvSpPr/>
+          <p:nvPr/>
+        </p:nvSpPr>
+        <p:spPr>
+          <a:xfrm>
+            <a:off x="2769570" y="3772970"/>
+            <a:ext cx="1890347" cy="2312377"/>
+          </a:xfrm>
+          <a:prstGeom prst="rect">
+            <a:avLst/>
+          </a:prstGeom>
+          <a:noFill/>
+          <a:ln>
+            <a:solidFill>
+              <a:schemeClr val="bg1">
+                <a:lumMod val="65000"/>
+              </a:schemeClr>
+            </a:solidFill>
+          </a:ln>
+        </p:spPr>
+        <p:style>
+          <a:lnRef idx="2">
+            <a:schemeClr val="accent1">
+              <a:shade val="50000"/>
+            </a:schemeClr>
+          </a:lnRef>
+          <a:fillRef idx="1">
+            <a:schemeClr val="accent1"/>
+          </a:fillRef>
+          <a:effectRef idx="0">
+            <a:schemeClr val="accent1"/>
+          </a:effectRef>
+          <a:fontRef idx="minor">
+            <a:schemeClr val="lt1"/>
+          </a:fontRef>
+        </p:style>
+        <p:txBody>
+          <a:bodyPr rtlCol="0" anchor="ctr"/>
+          <a:lstStyle/>
+          <a:p>
+            <a:pPr algn="ctr"/>
+            <a:endParaRPr lang="ko-KR" altLang="en-US"/>
+          </a:p>
+        </p:txBody>
+      </p:sp>
+      <p:sp>
+        <p:nvSpPr>
+          <p:cNvPr id="28" name="직사각형 27">
+            <a:extLst>
+              <a:ext uri="{FF2B5EF4-FFF2-40B4-BE49-F238E27FC236}">
+                <a16:creationId xmlns:a16="http://schemas.microsoft.com/office/drawing/2014/main" id="{2CC205B6-4A41-C034-5F5F-D3E5BB5DAAFF}"/>
+              </a:ext>
+            </a:extLst>
+          </p:cNvPr>
+          <p:cNvSpPr/>
+          <p:nvPr/>
+        </p:nvSpPr>
+        <p:spPr>
+          <a:xfrm>
+            <a:off x="2769571" y="3772970"/>
+            <a:ext cx="1890346" cy="1661747"/>
+          </a:xfrm>
+          <a:prstGeom prst="rect">
+            <a:avLst/>
+          </a:prstGeom>
+        </p:spPr>
+        <p:style>
+          <a:lnRef idx="2">
+            <a:schemeClr val="accent1">
+              <a:shade val="50000"/>
+            </a:schemeClr>
+          </a:lnRef>
+          <a:fillRef idx="1">
+            <a:schemeClr val="accent1"/>
+          </a:fillRef>
+          <a:effectRef idx="0">
+            <a:schemeClr val="accent1"/>
+          </a:effectRef>
+          <a:fontRef idx="minor">
+            <a:schemeClr val="lt1"/>
+          </a:fontRef>
+        </p:style>
+        <p:txBody>
+          <a:bodyPr rtlCol="0" anchor="ctr"/>
+          <a:lstStyle/>
+          <a:p>
+            <a:pPr algn="ctr"/>
+            <a:r>
+              <a:rPr lang="ko-KR" altLang="en-US" dirty="0"/>
+              <a:t>사진</a:t>
+            </a:r>
+          </a:p>
+        </p:txBody>
+      </p:sp>
+      <p:sp>
+        <p:nvSpPr>
+          <p:cNvPr id="29" name="TextBox 28">
+            <a:extLst>
+              <a:ext uri="{FF2B5EF4-FFF2-40B4-BE49-F238E27FC236}">
+                <a16:creationId xmlns:a16="http://schemas.microsoft.com/office/drawing/2014/main" id="{59814FBB-0DC9-6CF4-18E7-2643D786708C}"/>
+              </a:ext>
+            </a:extLst>
+          </p:cNvPr>
+          <p:cNvSpPr txBox="1"/>
+          <p:nvPr/>
+        </p:nvSpPr>
+        <p:spPr>
+          <a:xfrm>
+            <a:off x="2769569" y="5526981"/>
+            <a:ext cx="1371600" cy="246221"/>
+          </a:xfrm>
+          <a:prstGeom prst="rect">
+            <a:avLst/>
+          </a:prstGeom>
+          <a:noFill/>
+        </p:spPr>
+        <p:txBody>
+          <a:bodyPr wrap="square" rtlCol="0">
+            <a:spAutoFit/>
+          </a:bodyPr>
+          <a:lstStyle/>
+          <a:p>
+            <a:r>
+              <a:rPr lang="ko-KR" altLang="en-US" sz="1000" dirty="0"/>
+              <a:t>상품 이름</a:t>
+            </a:r>
+          </a:p>
+        </p:txBody>
+      </p:sp>
+      <p:sp>
+        <p:nvSpPr>
+          <p:cNvPr id="30" name="TextBox 29">
+            <a:extLst>
+              <a:ext uri="{FF2B5EF4-FFF2-40B4-BE49-F238E27FC236}">
+                <a16:creationId xmlns:a16="http://schemas.microsoft.com/office/drawing/2014/main" id="{C3396B08-D600-1E2C-2D22-C6CC237AB2F9}"/>
+              </a:ext>
+            </a:extLst>
+          </p:cNvPr>
+          <p:cNvSpPr txBox="1"/>
+          <p:nvPr/>
+        </p:nvSpPr>
+        <p:spPr>
+          <a:xfrm>
+            <a:off x="2769569" y="5742355"/>
+            <a:ext cx="1371600" cy="246221"/>
+          </a:xfrm>
+          <a:prstGeom prst="rect">
+            <a:avLst/>
+          </a:prstGeom>
+          <a:noFill/>
+        </p:spPr>
+        <p:txBody>
+          <a:bodyPr wrap="square" rtlCol="0">
+            <a:spAutoFit/>
+          </a:bodyPr>
+          <a:lstStyle/>
+          <a:p>
+            <a:r>
+              <a:rPr lang="ko-KR" altLang="en-US" sz="1000" dirty="0"/>
+              <a:t>가격</a:t>
+            </a:r>
+          </a:p>
+        </p:txBody>
+      </p:sp>
+      <p:sp>
+        <p:nvSpPr>
+          <p:cNvPr id="31" name="직사각형 30">
+            <a:extLst>
+              <a:ext uri="{FF2B5EF4-FFF2-40B4-BE49-F238E27FC236}">
+                <a16:creationId xmlns:a16="http://schemas.microsoft.com/office/drawing/2014/main" id="{D546D082-9BF0-C3D1-6E91-F9CD0A8A70F9}"/>
+              </a:ext>
+            </a:extLst>
+          </p:cNvPr>
+          <p:cNvSpPr/>
+          <p:nvPr/>
+        </p:nvSpPr>
+        <p:spPr>
+          <a:xfrm>
+            <a:off x="5231419" y="3777393"/>
+            <a:ext cx="1890347" cy="2312377"/>
+          </a:xfrm>
+          <a:prstGeom prst="rect">
+            <a:avLst/>
+          </a:prstGeom>
+          <a:noFill/>
+          <a:ln>
+            <a:solidFill>
+              <a:schemeClr val="bg1">
+                <a:lumMod val="65000"/>
+              </a:schemeClr>
+            </a:solidFill>
+          </a:ln>
+        </p:spPr>
+        <p:style>
+          <a:lnRef idx="2">
+            <a:schemeClr val="accent1">
+              <a:shade val="50000"/>
+            </a:schemeClr>
+          </a:lnRef>
+          <a:fillRef idx="1">
+            <a:schemeClr val="accent1"/>
+          </a:fillRef>
+          <a:effectRef idx="0">
+            <a:schemeClr val="accent1"/>
+          </a:effectRef>
+          <a:fontRef idx="minor">
+            <a:schemeClr val="lt1"/>
+          </a:fontRef>
+        </p:style>
+        <p:txBody>
+          <a:bodyPr rtlCol="0" anchor="ctr"/>
+          <a:lstStyle/>
+          <a:p>
+            <a:pPr algn="ctr"/>
+            <a:endParaRPr lang="ko-KR" altLang="en-US"/>
+          </a:p>
+        </p:txBody>
+      </p:sp>
+      <p:sp>
+        <p:nvSpPr>
+          <p:cNvPr id="32" name="직사각형 31">
+            <a:extLst>
+              <a:ext uri="{FF2B5EF4-FFF2-40B4-BE49-F238E27FC236}">
+                <a16:creationId xmlns:a16="http://schemas.microsoft.com/office/drawing/2014/main" id="{3F0FCFF4-E27A-FFC5-4960-B5652D76AA2E}"/>
+              </a:ext>
+            </a:extLst>
+          </p:cNvPr>
+          <p:cNvSpPr/>
+          <p:nvPr/>
+        </p:nvSpPr>
+        <p:spPr>
+          <a:xfrm>
+            <a:off x="5231420" y="3777393"/>
+            <a:ext cx="1890346" cy="1661747"/>
+          </a:xfrm>
+          <a:prstGeom prst="rect">
+            <a:avLst/>
+          </a:prstGeom>
+        </p:spPr>
+        <p:style>
+          <a:lnRef idx="2">
+            <a:schemeClr val="accent1">
+              <a:shade val="50000"/>
+            </a:schemeClr>
+          </a:lnRef>
+          <a:fillRef idx="1">
+            <a:schemeClr val="accent1"/>
+          </a:fillRef>
+          <a:effectRef idx="0">
+            <a:schemeClr val="accent1"/>
+          </a:effectRef>
+          <a:fontRef idx="minor">
+            <a:schemeClr val="lt1"/>
+          </a:fontRef>
+        </p:style>
+        <p:txBody>
+          <a:bodyPr rtlCol="0" anchor="ctr"/>
+          <a:lstStyle/>
+          <a:p>
+            <a:pPr algn="ctr"/>
+            <a:r>
+              <a:rPr lang="ko-KR" altLang="en-US" dirty="0"/>
+              <a:t>사진</a:t>
+            </a:r>
+          </a:p>
+        </p:txBody>
+      </p:sp>
+      <p:sp>
+        <p:nvSpPr>
+          <p:cNvPr id="33" name="TextBox 32">
+            <a:extLst>
+              <a:ext uri="{FF2B5EF4-FFF2-40B4-BE49-F238E27FC236}">
+                <a16:creationId xmlns:a16="http://schemas.microsoft.com/office/drawing/2014/main" id="{3806DB35-585B-B139-BB8F-A24F60BD7A49}"/>
+              </a:ext>
+            </a:extLst>
+          </p:cNvPr>
+          <p:cNvSpPr txBox="1"/>
+          <p:nvPr/>
+        </p:nvSpPr>
+        <p:spPr>
+          <a:xfrm>
+            <a:off x="5231418" y="5531404"/>
+            <a:ext cx="1371600" cy="246221"/>
+          </a:xfrm>
+          <a:prstGeom prst="rect">
+            <a:avLst/>
+          </a:prstGeom>
+          <a:noFill/>
+        </p:spPr>
+        <p:txBody>
+          <a:bodyPr wrap="square" rtlCol="0">
+            <a:spAutoFit/>
+          </a:bodyPr>
+          <a:lstStyle/>
+          <a:p>
+            <a:r>
+              <a:rPr lang="ko-KR" altLang="en-US" sz="1000" dirty="0"/>
+              <a:t>상품 이름</a:t>
+            </a:r>
+          </a:p>
+        </p:txBody>
+      </p:sp>
+      <p:sp>
+        <p:nvSpPr>
+          <p:cNvPr id="34" name="TextBox 33">
+            <a:extLst>
+              <a:ext uri="{FF2B5EF4-FFF2-40B4-BE49-F238E27FC236}">
+                <a16:creationId xmlns:a16="http://schemas.microsoft.com/office/drawing/2014/main" id="{30165107-E4B0-49D2-9E81-98A14267F09C}"/>
+              </a:ext>
+            </a:extLst>
+          </p:cNvPr>
+          <p:cNvSpPr txBox="1"/>
+          <p:nvPr/>
+        </p:nvSpPr>
+        <p:spPr>
+          <a:xfrm>
+            <a:off x="5231418" y="5746778"/>
+            <a:ext cx="1371600" cy="246221"/>
+          </a:xfrm>
+          <a:prstGeom prst="rect">
+            <a:avLst/>
+          </a:prstGeom>
+          <a:noFill/>
+        </p:spPr>
+        <p:txBody>
+          <a:bodyPr wrap="square" rtlCol="0">
+            <a:spAutoFit/>
+          </a:bodyPr>
+          <a:lstStyle/>
+          <a:p>
+            <a:r>
+              <a:rPr lang="ko-KR" altLang="en-US" sz="1000" dirty="0"/>
+              <a:t>가격</a:t>
+            </a:r>
+          </a:p>
+        </p:txBody>
+      </p:sp>
+      <p:sp>
+        <p:nvSpPr>
+          <p:cNvPr id="35" name="직사각형 34">
+            <a:extLst>
+              <a:ext uri="{FF2B5EF4-FFF2-40B4-BE49-F238E27FC236}">
+                <a16:creationId xmlns:a16="http://schemas.microsoft.com/office/drawing/2014/main" id="{5A559AF5-DB8B-0FF8-1DAE-9496F1BCB88C}"/>
+              </a:ext>
+            </a:extLst>
+          </p:cNvPr>
+          <p:cNvSpPr/>
+          <p:nvPr/>
+        </p:nvSpPr>
+        <p:spPr>
+          <a:xfrm>
+            <a:off x="7640513" y="3772970"/>
+            <a:ext cx="1890347" cy="2312377"/>
+          </a:xfrm>
+          <a:prstGeom prst="rect">
+            <a:avLst/>
+          </a:prstGeom>
+          <a:noFill/>
+          <a:ln>
+            <a:solidFill>
+              <a:schemeClr val="bg1">
+                <a:lumMod val="65000"/>
+              </a:schemeClr>
+            </a:solidFill>
+          </a:ln>
+        </p:spPr>
+        <p:style>
+          <a:lnRef idx="2">
+            <a:schemeClr val="accent1">
+              <a:shade val="50000"/>
+            </a:schemeClr>
+          </a:lnRef>
+          <a:fillRef idx="1">
+            <a:schemeClr val="accent1"/>
+          </a:fillRef>
+          <a:effectRef idx="0">
+            <a:schemeClr val="accent1"/>
+          </a:effectRef>
+          <a:fontRef idx="minor">
+            <a:schemeClr val="lt1"/>
+          </a:fontRef>
+        </p:style>
+        <p:txBody>
+          <a:bodyPr rtlCol="0" anchor="ctr"/>
+          <a:lstStyle/>
+          <a:p>
+            <a:pPr algn="ctr"/>
+            <a:endParaRPr lang="ko-KR" altLang="en-US"/>
+          </a:p>
+        </p:txBody>
+      </p:sp>
+      <p:sp>
+        <p:nvSpPr>
+          <p:cNvPr id="36" name="직사각형 35">
+            <a:extLst>
+              <a:ext uri="{FF2B5EF4-FFF2-40B4-BE49-F238E27FC236}">
+                <a16:creationId xmlns:a16="http://schemas.microsoft.com/office/drawing/2014/main" id="{CE07127C-7719-5A63-76CE-B57396DF22B3}"/>
+              </a:ext>
+            </a:extLst>
+          </p:cNvPr>
+          <p:cNvSpPr/>
+          <p:nvPr/>
+        </p:nvSpPr>
+        <p:spPr>
+          <a:xfrm>
+            <a:off x="7640514" y="3772970"/>
+            <a:ext cx="1890346" cy="1661747"/>
+          </a:xfrm>
+          <a:prstGeom prst="rect">
+            <a:avLst/>
+          </a:prstGeom>
+        </p:spPr>
+        <p:style>
+          <a:lnRef idx="2">
+            <a:schemeClr val="accent1">
+              <a:shade val="50000"/>
+            </a:schemeClr>
+          </a:lnRef>
+          <a:fillRef idx="1">
+            <a:schemeClr val="accent1"/>
+          </a:fillRef>
+          <a:effectRef idx="0">
+            <a:schemeClr val="accent1"/>
+          </a:effectRef>
+          <a:fontRef idx="minor">
+            <a:schemeClr val="lt1"/>
+          </a:fontRef>
+        </p:style>
+        <p:txBody>
+          <a:bodyPr rtlCol="0" anchor="ctr"/>
+          <a:lstStyle/>
+          <a:p>
+            <a:pPr algn="ctr"/>
+            <a:r>
+              <a:rPr lang="ko-KR" altLang="en-US" dirty="0"/>
+              <a:t>사진</a:t>
+            </a:r>
+          </a:p>
+        </p:txBody>
+      </p:sp>
+      <p:sp>
+        <p:nvSpPr>
+          <p:cNvPr id="37" name="TextBox 36">
+            <a:extLst>
+              <a:ext uri="{FF2B5EF4-FFF2-40B4-BE49-F238E27FC236}">
+                <a16:creationId xmlns:a16="http://schemas.microsoft.com/office/drawing/2014/main" id="{F5B1ADDE-825B-7130-9A02-E90C6E28BF7B}"/>
+              </a:ext>
+            </a:extLst>
+          </p:cNvPr>
+          <p:cNvSpPr txBox="1"/>
+          <p:nvPr/>
+        </p:nvSpPr>
+        <p:spPr>
+          <a:xfrm>
+            <a:off x="7640512" y="5526981"/>
+            <a:ext cx="1371600" cy="246221"/>
+          </a:xfrm>
+          <a:prstGeom prst="rect">
+            <a:avLst/>
+          </a:prstGeom>
+          <a:noFill/>
+        </p:spPr>
+        <p:txBody>
+          <a:bodyPr wrap="square" rtlCol="0">
+            <a:spAutoFit/>
+          </a:bodyPr>
+          <a:lstStyle/>
+          <a:p>
+            <a:r>
+              <a:rPr lang="ko-KR" altLang="en-US" sz="1000" dirty="0"/>
+              <a:t>상품 이름</a:t>
+            </a:r>
+          </a:p>
+        </p:txBody>
+      </p:sp>
+      <p:sp>
+        <p:nvSpPr>
+          <p:cNvPr id="38" name="TextBox 37">
+            <a:extLst>
+              <a:ext uri="{FF2B5EF4-FFF2-40B4-BE49-F238E27FC236}">
+                <a16:creationId xmlns:a16="http://schemas.microsoft.com/office/drawing/2014/main" id="{AB821A61-9709-A44B-B305-110BC2CFC74D}"/>
+              </a:ext>
+            </a:extLst>
+          </p:cNvPr>
+          <p:cNvSpPr txBox="1"/>
+          <p:nvPr/>
+        </p:nvSpPr>
+        <p:spPr>
+          <a:xfrm>
+            <a:off x="7640512" y="5742355"/>
+            <a:ext cx="1371600" cy="246221"/>
+          </a:xfrm>
+          <a:prstGeom prst="rect">
+            <a:avLst/>
+          </a:prstGeom>
+          <a:noFill/>
+        </p:spPr>
+        <p:txBody>
+          <a:bodyPr wrap="square" rtlCol="0">
+            <a:spAutoFit/>
+          </a:bodyPr>
+          <a:lstStyle/>
+          <a:p>
+            <a:r>
+              <a:rPr lang="ko-KR" altLang="en-US" sz="1000" dirty="0"/>
+              <a:t>가격</a:t>
+            </a:r>
+          </a:p>
+        </p:txBody>
+      </p:sp>
+      <p:sp>
+        <p:nvSpPr>
+          <p:cNvPr id="39" name="하트 42">
+            <a:extLst>
+              <a:ext uri="{FF2B5EF4-FFF2-40B4-BE49-F238E27FC236}">
+                <a16:creationId xmlns:a16="http://schemas.microsoft.com/office/drawing/2014/main" id="{0A7593FD-8F44-4ED0-3145-1FAFF1FAC3E3}"/>
+              </a:ext>
+            </a:extLst>
+          </p:cNvPr>
+          <p:cNvSpPr/>
+          <p:nvPr/>
+        </p:nvSpPr>
+        <p:spPr>
+          <a:xfrm>
+            <a:off x="1896231" y="3357645"/>
+            <a:ext cx="252000" cy="215374"/>
+          </a:xfrm>
+          <a:prstGeom prst="heart">
+            <a:avLst/>
+          </a:prstGeom>
+          <a:solidFill>
+            <a:schemeClr val="accent1"/>
+          </a:solidFill>
+        </p:spPr>
+        <p:style>
+          <a:lnRef idx="2">
+            <a:schemeClr val="accent1">
+              <a:shade val="50000"/>
+            </a:schemeClr>
+          </a:lnRef>
+          <a:fillRef idx="1">
+            <a:schemeClr val="accent1"/>
+          </a:fillRef>
+          <a:effectRef idx="0">
+            <a:schemeClr val="accent1"/>
+          </a:effectRef>
+          <a:fontRef idx="minor">
+            <a:schemeClr val="lt1"/>
+          </a:fontRef>
+        </p:style>
+        <p:txBody>
+          <a:bodyPr rtlCol="0" anchor="ctr"/>
+          <a:lstStyle/>
+          <a:p>
+            <a:pPr algn="ctr"/>
+            <a:endParaRPr lang="ko-KR" altLang="en-US"/>
+          </a:p>
+        </p:txBody>
+      </p:sp>
+      <p:sp>
+        <p:nvSpPr>
+          <p:cNvPr id="40" name="하트 43">
+            <a:extLst>
+              <a:ext uri="{FF2B5EF4-FFF2-40B4-BE49-F238E27FC236}">
+                <a16:creationId xmlns:a16="http://schemas.microsoft.com/office/drawing/2014/main" id="{60C8A22B-B820-414D-CBE5-89146A11FAA6}"/>
+              </a:ext>
+            </a:extLst>
+          </p:cNvPr>
+          <p:cNvSpPr/>
+          <p:nvPr/>
+        </p:nvSpPr>
+        <p:spPr>
+          <a:xfrm>
+            <a:off x="4305288" y="3368635"/>
+            <a:ext cx="252000" cy="215374"/>
+          </a:xfrm>
+          <a:prstGeom prst="heart">
+            <a:avLst/>
+          </a:prstGeom>
+          <a:solidFill>
+            <a:schemeClr val="accent1"/>
+          </a:solidFill>
+        </p:spPr>
+        <p:style>
+          <a:lnRef idx="2">
+            <a:schemeClr val="accent1">
+              <a:shade val="50000"/>
+            </a:schemeClr>
+          </a:lnRef>
+          <a:fillRef idx="1">
+            <a:schemeClr val="accent1"/>
+          </a:fillRef>
+          <a:effectRef idx="0">
+            <a:schemeClr val="accent1"/>
+          </a:effectRef>
+          <a:fontRef idx="minor">
+            <a:schemeClr val="lt1"/>
+          </a:fontRef>
+        </p:style>
+        <p:txBody>
+          <a:bodyPr rtlCol="0" anchor="ctr"/>
+          <a:lstStyle/>
+          <a:p>
+            <a:pPr algn="ctr"/>
+            <a:endParaRPr lang="ko-KR" altLang="en-US"/>
+          </a:p>
+        </p:txBody>
+      </p:sp>
+      <p:sp>
+        <p:nvSpPr>
+          <p:cNvPr id="41" name="하트 44">
+            <a:extLst>
+              <a:ext uri="{FF2B5EF4-FFF2-40B4-BE49-F238E27FC236}">
+                <a16:creationId xmlns:a16="http://schemas.microsoft.com/office/drawing/2014/main" id="{B4CC1704-C4D1-8279-8C39-D914AEE82D49}"/>
+              </a:ext>
+            </a:extLst>
+          </p:cNvPr>
+          <p:cNvSpPr/>
+          <p:nvPr/>
+        </p:nvSpPr>
+        <p:spPr>
+          <a:xfrm>
+            <a:off x="6743767" y="3368635"/>
+            <a:ext cx="252000" cy="215374"/>
+          </a:xfrm>
+          <a:prstGeom prst="heart">
+            <a:avLst/>
+          </a:prstGeom>
+          <a:solidFill>
+            <a:schemeClr val="accent1"/>
+          </a:solidFill>
+        </p:spPr>
+        <p:style>
+          <a:lnRef idx="2">
+            <a:schemeClr val="accent1">
+              <a:shade val="50000"/>
+            </a:schemeClr>
+          </a:lnRef>
+          <a:fillRef idx="1">
+            <a:schemeClr val="accent1"/>
+          </a:fillRef>
+          <a:effectRef idx="0">
+            <a:schemeClr val="accent1"/>
+          </a:effectRef>
+          <a:fontRef idx="minor">
+            <a:schemeClr val="lt1"/>
+          </a:fontRef>
+        </p:style>
+        <p:txBody>
+          <a:bodyPr rtlCol="0" anchor="ctr"/>
+          <a:lstStyle/>
+          <a:p>
+            <a:pPr algn="ctr"/>
+            <a:endParaRPr lang="ko-KR" altLang="en-US"/>
+          </a:p>
+        </p:txBody>
+      </p:sp>
+      <p:sp>
+        <p:nvSpPr>
+          <p:cNvPr id="42" name="하트 45">
+            <a:extLst>
+              <a:ext uri="{FF2B5EF4-FFF2-40B4-BE49-F238E27FC236}">
+                <a16:creationId xmlns:a16="http://schemas.microsoft.com/office/drawing/2014/main" id="{89CA99C3-CFF0-AA21-E34B-A0559E7707E9}"/>
+              </a:ext>
+            </a:extLst>
+          </p:cNvPr>
+          <p:cNvSpPr/>
+          <p:nvPr/>
+        </p:nvSpPr>
+        <p:spPr>
+          <a:xfrm>
+            <a:off x="9170437" y="3357645"/>
+            <a:ext cx="252000" cy="215374"/>
+          </a:xfrm>
+          <a:prstGeom prst="heart">
+            <a:avLst/>
+          </a:prstGeom>
+          <a:solidFill>
+            <a:schemeClr val="accent1"/>
+          </a:solidFill>
+        </p:spPr>
+        <p:style>
+          <a:lnRef idx="2">
+            <a:schemeClr val="accent1">
+              <a:shade val="50000"/>
+            </a:schemeClr>
+          </a:lnRef>
+          <a:fillRef idx="1">
+            <a:schemeClr val="accent1"/>
+          </a:fillRef>
+          <a:effectRef idx="0">
+            <a:schemeClr val="accent1"/>
+          </a:effectRef>
+          <a:fontRef idx="minor">
+            <a:schemeClr val="lt1"/>
+          </a:fontRef>
+        </p:style>
+        <p:txBody>
+          <a:bodyPr rtlCol="0" anchor="ctr"/>
+          <a:lstStyle/>
+          <a:p>
+            <a:pPr algn="ctr"/>
+            <a:endParaRPr lang="ko-KR" altLang="en-US"/>
+          </a:p>
+        </p:txBody>
+      </p:sp>
+      <p:sp>
+        <p:nvSpPr>
+          <p:cNvPr id="43" name="하트 46">
+            <a:extLst>
+              <a:ext uri="{FF2B5EF4-FFF2-40B4-BE49-F238E27FC236}">
+                <a16:creationId xmlns:a16="http://schemas.microsoft.com/office/drawing/2014/main" id="{59D6B5A3-A1FA-AD45-3405-84DE4D23CC96}"/>
+              </a:ext>
+            </a:extLst>
+          </p:cNvPr>
+          <p:cNvSpPr/>
+          <p:nvPr/>
+        </p:nvSpPr>
+        <p:spPr>
+          <a:xfrm>
+            <a:off x="1896231" y="5808418"/>
+            <a:ext cx="252000" cy="215374"/>
+          </a:xfrm>
+          <a:prstGeom prst="heart">
+            <a:avLst/>
+          </a:prstGeom>
+          <a:solidFill>
+            <a:schemeClr val="accent1"/>
+          </a:solidFill>
+        </p:spPr>
+        <p:style>
+          <a:lnRef idx="2">
+            <a:schemeClr val="accent1">
+              <a:shade val="50000"/>
+            </a:schemeClr>
+          </a:lnRef>
+          <a:fillRef idx="1">
+            <a:schemeClr val="accent1"/>
+          </a:fillRef>
+          <a:effectRef idx="0">
+            <a:schemeClr val="accent1"/>
+          </a:effectRef>
+          <a:fontRef idx="minor">
+            <a:schemeClr val="lt1"/>
+          </a:fontRef>
+        </p:style>
+        <p:txBody>
+          <a:bodyPr rtlCol="0" anchor="ctr"/>
+          <a:lstStyle/>
+          <a:p>
+            <a:pPr algn="ctr"/>
+            <a:endParaRPr lang="ko-KR" altLang="en-US"/>
+          </a:p>
+        </p:txBody>
+      </p:sp>
+      <p:sp>
+        <p:nvSpPr>
+          <p:cNvPr id="44" name="하트 47">
+            <a:extLst>
+              <a:ext uri="{FF2B5EF4-FFF2-40B4-BE49-F238E27FC236}">
+                <a16:creationId xmlns:a16="http://schemas.microsoft.com/office/drawing/2014/main" id="{4B065F8F-FC9A-5B34-BA81-FBBA5A3B97EE}"/>
+              </a:ext>
+            </a:extLst>
+          </p:cNvPr>
+          <p:cNvSpPr/>
+          <p:nvPr/>
+        </p:nvSpPr>
+        <p:spPr>
+          <a:xfrm>
+            <a:off x="4305288" y="5777515"/>
+            <a:ext cx="252000" cy="215374"/>
+          </a:xfrm>
+          <a:prstGeom prst="heart">
+            <a:avLst/>
+          </a:prstGeom>
+          <a:solidFill>
+            <a:schemeClr val="accent1"/>
+          </a:solidFill>
+        </p:spPr>
+        <p:style>
+          <a:lnRef idx="2">
+            <a:schemeClr val="accent1">
+              <a:shade val="50000"/>
+            </a:schemeClr>
+          </a:lnRef>
+          <a:fillRef idx="1">
+            <a:schemeClr val="accent1"/>
+          </a:fillRef>
+          <a:effectRef idx="0">
+            <a:schemeClr val="accent1"/>
+          </a:effectRef>
+          <a:fontRef idx="minor">
+            <a:schemeClr val="lt1"/>
+          </a:fontRef>
+        </p:style>
+        <p:txBody>
+          <a:bodyPr rtlCol="0" anchor="ctr"/>
+          <a:lstStyle/>
+          <a:p>
+            <a:pPr algn="ctr"/>
+            <a:endParaRPr lang="ko-KR" altLang="en-US"/>
+          </a:p>
+        </p:txBody>
+      </p:sp>
+      <p:sp>
+        <p:nvSpPr>
+          <p:cNvPr id="45" name="하트 48">
+            <a:extLst>
+              <a:ext uri="{FF2B5EF4-FFF2-40B4-BE49-F238E27FC236}">
+                <a16:creationId xmlns:a16="http://schemas.microsoft.com/office/drawing/2014/main" id="{60CBD257-F0ED-0083-A9F1-989023DE2340}"/>
+              </a:ext>
+            </a:extLst>
+          </p:cNvPr>
+          <p:cNvSpPr/>
+          <p:nvPr/>
+        </p:nvSpPr>
+        <p:spPr>
+          <a:xfrm>
+            <a:off x="6743767" y="5812723"/>
+            <a:ext cx="252000" cy="215374"/>
+          </a:xfrm>
+          <a:prstGeom prst="heart">
+            <a:avLst/>
+          </a:prstGeom>
+          <a:solidFill>
+            <a:schemeClr val="accent1"/>
+          </a:solidFill>
+        </p:spPr>
+        <p:style>
+          <a:lnRef idx="2">
+            <a:schemeClr val="accent1">
+              <a:shade val="50000"/>
+            </a:schemeClr>
+          </a:lnRef>
+          <a:fillRef idx="1">
+            <a:schemeClr val="accent1"/>
+          </a:fillRef>
+          <a:effectRef idx="0">
+            <a:schemeClr val="accent1"/>
+          </a:effectRef>
+          <a:fontRef idx="minor">
+            <a:schemeClr val="lt1"/>
+          </a:fontRef>
+        </p:style>
+        <p:txBody>
+          <a:bodyPr rtlCol="0" anchor="ctr"/>
+          <a:lstStyle/>
+          <a:p>
+            <a:pPr algn="ctr"/>
+            <a:endParaRPr lang="ko-KR" altLang="en-US"/>
+          </a:p>
+        </p:txBody>
+      </p:sp>
+      <p:sp>
+        <p:nvSpPr>
+          <p:cNvPr id="46" name="하트 49">
+            <a:extLst>
+              <a:ext uri="{FF2B5EF4-FFF2-40B4-BE49-F238E27FC236}">
+                <a16:creationId xmlns:a16="http://schemas.microsoft.com/office/drawing/2014/main" id="{DB0E40FB-945A-7685-4AFC-3868114BC7BC}"/>
+              </a:ext>
+            </a:extLst>
+          </p:cNvPr>
+          <p:cNvSpPr/>
+          <p:nvPr/>
+        </p:nvSpPr>
+        <p:spPr>
+          <a:xfrm>
+            <a:off x="9170406" y="5777515"/>
+            <a:ext cx="252000" cy="215374"/>
+          </a:xfrm>
+          <a:prstGeom prst="heart">
+            <a:avLst/>
+          </a:prstGeom>
+          <a:solidFill>
+            <a:schemeClr val="accent1"/>
+          </a:solidFill>
+        </p:spPr>
+        <p:style>
+          <a:lnRef idx="2">
+            <a:schemeClr val="accent1">
+              <a:shade val="50000"/>
+            </a:schemeClr>
+          </a:lnRef>
+          <a:fillRef idx="1">
+            <a:schemeClr val="accent1"/>
+          </a:fillRef>
+          <a:effectRef idx="0">
+            <a:schemeClr val="accent1"/>
+          </a:effectRef>
+          <a:fontRef idx="minor">
+            <a:schemeClr val="lt1"/>
+          </a:fontRef>
+        </p:style>
+        <p:txBody>
+          <a:bodyPr rtlCol="0" anchor="ctr"/>
+          <a:lstStyle/>
+          <a:p>
+            <a:pPr algn="ctr"/>
+            <a:endParaRPr lang="ko-KR" altLang="en-US"/>
+          </a:p>
+        </p:txBody>
+      </p:sp>
+      <p:sp>
+        <p:nvSpPr>
+          <p:cNvPr id="47" name="직사각형 46">
+            <a:extLst>
+              <a:ext uri="{FF2B5EF4-FFF2-40B4-BE49-F238E27FC236}">
+                <a16:creationId xmlns:a16="http://schemas.microsoft.com/office/drawing/2014/main" id="{617D33F0-B823-9011-10AE-7A8BE5EC470D}"/>
+              </a:ext>
+            </a:extLst>
+          </p:cNvPr>
+          <p:cNvSpPr/>
+          <p:nvPr/>
+        </p:nvSpPr>
+        <p:spPr>
+          <a:xfrm>
+            <a:off x="4659917" y="6305144"/>
+            <a:ext cx="852851" cy="351692"/>
+          </a:xfrm>
+          <a:prstGeom prst="rect">
+            <a:avLst/>
+          </a:prstGeom>
+          <a:solidFill>
+            <a:schemeClr val="tx1"/>
+          </a:solidFill>
+          <a:ln>
+            <a:solidFill>
+              <a:schemeClr val="tx1">
+                <a:lumMod val="85000"/>
+                <a:lumOff val="15000"/>
+              </a:schemeClr>
+            </a:solidFill>
+          </a:ln>
+        </p:spPr>
+        <p:style>
+          <a:lnRef idx="2">
+            <a:schemeClr val="accent1">
+              <a:shade val="50000"/>
+            </a:schemeClr>
+          </a:lnRef>
+          <a:fillRef idx="1">
+            <a:schemeClr val="accent1"/>
+          </a:fillRef>
+          <a:effectRef idx="0">
+            <a:schemeClr val="accent1"/>
+          </a:effectRef>
+          <a:fontRef idx="minor">
+            <a:schemeClr val="lt1"/>
+          </a:fontRef>
+        </p:style>
+        <p:txBody>
+          <a:bodyPr rtlCol="0" anchor="ctr"/>
+          <a:lstStyle/>
+          <a:p>
+            <a:pPr algn="ctr"/>
+            <a:r>
+              <a:rPr lang="ko-KR" altLang="en-US" sz="1000" dirty="0"/>
+              <a:t>홈으로</a:t>
+            </a:r>
+          </a:p>
+        </p:txBody>
+      </p:sp>
+    </p:spTree>
+    <p:extLst>
+      <p:ext uri="{BB962C8B-B14F-4D97-AF65-F5344CB8AC3E}">
+        <p14:creationId xmlns:p14="http://schemas.microsoft.com/office/powerpoint/2010/main" val="3556757214"/>
+      </p:ext>
+    </p:extLst>
+  </p:cSld>
+  <p:clrMapOvr>
+    <a:masterClrMapping/>
+  </p:clrMapOvr>
 </p:sld>
 </file>
 
@@ -7653,7 +12062,7 @@
           <a:lstStyle/>
           <a:p>
             <a:r>
-              <a:rPr lang="en-US" altLang="ko-KR" sz="4000" dirty="0" smtClean="0"/>
+              <a:rPr lang="en-US" altLang="ko-KR" sz="4000" dirty="0"/>
               <a:t>MYMALL</a:t>
             </a:r>
             <a:endParaRPr lang="ko-KR" altLang="en-US" sz="4000" dirty="0"/>
@@ -7683,10 +12092,9 @@
           <a:lstStyle/>
           <a:p>
             <a:r>
-              <a:rPr lang="ko-KR" altLang="en-US" dirty="0" smtClean="0"/>
+              <a:rPr lang="ko-KR" altLang="en-US" dirty="0"/>
               <a:t>관리자 페이지</a:t>
             </a:r>
-            <a:endParaRPr lang="ko-KR" altLang="en-US" dirty="0"/>
           </a:p>
         </p:txBody>
       </p:sp>
@@ -7698,7 +12106,7 @@
         </p:nvSpPr>
         <p:spPr>
           <a:xfrm>
-            <a:off x="1789234" y="3600395"/>
+            <a:off x="1869133" y="3600395"/>
             <a:ext cx="1789236" cy="369332"/>
           </a:xfrm>
           <a:prstGeom prst="rect">
@@ -7713,10 +12121,230 @@
           <a:lstStyle/>
           <a:p>
             <a:r>
-              <a:rPr lang="ko-KR" altLang="en-US" dirty="0" smtClean="0"/>
+              <a:rPr lang="ko-KR" altLang="en-US" dirty="0"/>
               <a:t>메인 페이지</a:t>
             </a:r>
-            <a:endParaRPr lang="ko-KR" altLang="en-US" dirty="0"/>
+          </a:p>
+        </p:txBody>
+      </p:sp>
+      <p:sp>
+        <p:nvSpPr>
+          <p:cNvPr id="47" name="타원 46">
+            <a:extLst>
+              <a:ext uri="{FF2B5EF4-FFF2-40B4-BE49-F238E27FC236}">
+                <a16:creationId xmlns:a16="http://schemas.microsoft.com/office/drawing/2014/main" id="{907F931A-5428-0B68-E2E8-B8ECED405020}"/>
+              </a:ext>
+            </a:extLst>
+          </p:cNvPr>
+          <p:cNvSpPr/>
+          <p:nvPr/>
+        </p:nvSpPr>
+        <p:spPr>
+          <a:xfrm>
+            <a:off x="1604379" y="3677061"/>
+            <a:ext cx="216000" cy="216000"/>
+          </a:xfrm>
+          <a:prstGeom prst="ellipse">
+            <a:avLst/>
+          </a:prstGeom>
+          <a:solidFill>
+            <a:srgbClr val="FF0000"/>
+          </a:solidFill>
+          <a:ln>
+            <a:noFill/>
+          </a:ln>
+        </p:spPr>
+        <p:style>
+          <a:lnRef idx="2">
+            <a:schemeClr val="accent1">
+              <a:shade val="50000"/>
+            </a:schemeClr>
+          </a:lnRef>
+          <a:fillRef idx="1">
+            <a:schemeClr val="accent1"/>
+          </a:fillRef>
+          <a:effectRef idx="0">
+            <a:schemeClr val="accent1"/>
+          </a:effectRef>
+          <a:fontRef idx="minor">
+            <a:schemeClr val="lt1"/>
+          </a:fontRef>
+        </p:style>
+        <p:txBody>
+          <a:bodyPr wrap="none" lIns="0" tIns="0" rIns="0" bIns="0" rtlCol="0" anchor="ctr"/>
+          <a:lstStyle/>
+          <a:p>
+            <a:pPr algn="ctr"/>
+            <a:r>
+              <a:rPr lang="en-US" altLang="ko-KR" sz="1100" dirty="0">
+                <a:solidFill>
+                  <a:schemeClr val="bg1"/>
+                </a:solidFill>
+                <a:latin typeface="타이포_씨고딕 140" panose="02020503020101020101" pitchFamily="18" charset="-127"/>
+                <a:ea typeface="타이포_씨고딕 140" panose="02020503020101020101" pitchFamily="18" charset="-127"/>
+              </a:rPr>
+              <a:t>1</a:t>
+            </a:r>
+            <a:endParaRPr lang="ko-KR" altLang="en-US" sz="1100" dirty="0">
+              <a:solidFill>
+                <a:schemeClr val="bg1"/>
+              </a:solidFill>
+              <a:latin typeface="타이포_씨고딕 140" panose="02020503020101020101" pitchFamily="18" charset="-127"/>
+              <a:ea typeface="타이포_씨고딕 140" panose="02020503020101020101" pitchFamily="18" charset="-127"/>
+            </a:endParaRPr>
+          </a:p>
+        </p:txBody>
+      </p:sp>
+      <p:sp>
+        <p:nvSpPr>
+          <p:cNvPr id="48" name="타원 47">
+            <a:extLst>
+              <a:ext uri="{FF2B5EF4-FFF2-40B4-BE49-F238E27FC236}">
+                <a16:creationId xmlns:a16="http://schemas.microsoft.com/office/drawing/2014/main" id="{9599B755-0764-4B8C-FDB4-EADC3BF348BA}"/>
+              </a:ext>
+            </a:extLst>
+          </p:cNvPr>
+          <p:cNvSpPr/>
+          <p:nvPr/>
+        </p:nvSpPr>
+        <p:spPr>
+          <a:xfrm>
+            <a:off x="6703545" y="3677061"/>
+            <a:ext cx="216000" cy="216000"/>
+          </a:xfrm>
+          <a:prstGeom prst="ellipse">
+            <a:avLst/>
+          </a:prstGeom>
+          <a:solidFill>
+            <a:srgbClr val="FF0000"/>
+          </a:solidFill>
+          <a:ln>
+            <a:noFill/>
+          </a:ln>
+        </p:spPr>
+        <p:style>
+          <a:lnRef idx="2">
+            <a:schemeClr val="accent1">
+              <a:shade val="50000"/>
+            </a:schemeClr>
+          </a:lnRef>
+          <a:fillRef idx="1">
+            <a:schemeClr val="accent1"/>
+          </a:fillRef>
+          <a:effectRef idx="0">
+            <a:schemeClr val="accent1"/>
+          </a:effectRef>
+          <a:fontRef idx="minor">
+            <a:schemeClr val="lt1"/>
+          </a:fontRef>
+        </p:style>
+        <p:txBody>
+          <a:bodyPr wrap="none" lIns="0" tIns="0" rIns="0" bIns="0" rtlCol="0" anchor="ctr"/>
+          <a:lstStyle/>
+          <a:p>
+            <a:pPr algn="ctr"/>
+            <a:r>
+              <a:rPr lang="en-US" altLang="ko-KR" sz="1100" dirty="0">
+                <a:solidFill>
+                  <a:schemeClr val="bg1"/>
+                </a:solidFill>
+                <a:latin typeface="타이포_씨고딕 140" panose="02020503020101020101" pitchFamily="18" charset="-127"/>
+                <a:ea typeface="타이포_씨고딕 140" panose="02020503020101020101" pitchFamily="18" charset="-127"/>
+              </a:rPr>
+              <a:t>2</a:t>
+            </a:r>
+            <a:endParaRPr lang="ko-KR" altLang="en-US" sz="1100" dirty="0">
+              <a:solidFill>
+                <a:schemeClr val="bg1"/>
+              </a:solidFill>
+              <a:latin typeface="타이포_씨고딕 140" panose="02020503020101020101" pitchFamily="18" charset="-127"/>
+              <a:ea typeface="타이포_씨고딕 140" panose="02020503020101020101" pitchFamily="18" charset="-127"/>
+            </a:endParaRPr>
+          </a:p>
+        </p:txBody>
+      </p:sp>
+      <p:sp>
+        <p:nvSpPr>
+          <p:cNvPr id="49" name="TextBox 48">
+            <a:extLst>
+              <a:ext uri="{FF2B5EF4-FFF2-40B4-BE49-F238E27FC236}">
+                <a16:creationId xmlns:a16="http://schemas.microsoft.com/office/drawing/2014/main" id="{ED36922C-8287-E7A6-0428-F2EEB67B1B7D}"/>
+              </a:ext>
+            </a:extLst>
+          </p:cNvPr>
+          <p:cNvSpPr txBox="1"/>
+          <p:nvPr/>
+        </p:nvSpPr>
+        <p:spPr>
+          <a:xfrm>
+            <a:off x="9766168" y="1046576"/>
+            <a:ext cx="2340990" cy="707886"/>
+          </a:xfrm>
+          <a:prstGeom prst="rect">
+            <a:avLst/>
+          </a:prstGeom>
+          <a:noFill/>
+        </p:spPr>
+        <p:txBody>
+          <a:bodyPr wrap="square" rtlCol="0">
+            <a:spAutoFit/>
+          </a:bodyPr>
+          <a:lstStyle/>
+          <a:p>
+            <a:r>
+              <a:rPr kumimoji="1" lang="en-US" altLang="ko-Kore-KR" sz="1000" dirty="0"/>
+              <a:t>[1]</a:t>
+            </a:r>
+            <a:r>
+              <a:rPr kumimoji="1" lang="ko-KR" altLang="en-US" sz="1000" dirty="0"/>
+              <a:t> </a:t>
+            </a:r>
+            <a:r>
+              <a:rPr kumimoji="1" lang="ko-Kore-KR" altLang="en-US" sz="1000" dirty="0"/>
+              <a:t>메인</a:t>
+            </a:r>
+            <a:r>
+              <a:rPr kumimoji="1" lang="ko-KR" altLang="en-US" sz="1000" dirty="0"/>
+              <a:t> 페이지 버튼</a:t>
+            </a:r>
+            <a:endParaRPr kumimoji="1" lang="en-US" altLang="ko-KR" sz="1000" dirty="0"/>
+          </a:p>
+          <a:p>
+            <a:r>
+              <a:rPr kumimoji="1" lang="en-US" altLang="ko-Kore-KR" sz="1000" dirty="0"/>
+              <a:t>-</a:t>
+            </a:r>
+            <a:r>
+              <a:rPr kumimoji="1" lang="ko-Kore-KR" altLang="en-US" sz="1000" dirty="0"/>
+              <a:t>클릭시</a:t>
+            </a:r>
+            <a:r>
+              <a:rPr kumimoji="1" lang="ko-KR" altLang="en-US" sz="1000" dirty="0"/>
+              <a:t> 메인 페이지로 이동</a:t>
+            </a:r>
+            <a:endParaRPr kumimoji="1" lang="en-US" altLang="ko-KR" sz="1000" dirty="0"/>
+          </a:p>
+          <a:p>
+            <a:r>
+              <a:rPr kumimoji="1" lang="en-US" altLang="ko-KR" sz="1000" dirty="0"/>
+              <a:t>[2]</a:t>
+            </a:r>
+            <a:r>
+              <a:rPr kumimoji="1" lang="ko-KR" altLang="en-US" sz="1000" dirty="0"/>
+              <a:t> 관리자 페이지</a:t>
+            </a:r>
+            <a:endParaRPr kumimoji="1" lang="en-US" altLang="ko-KR" sz="1000" dirty="0"/>
+          </a:p>
+          <a:p>
+            <a:r>
+              <a:rPr kumimoji="1" lang="en-US" altLang="ko-KR" sz="1000" dirty="0"/>
+              <a:t>-</a:t>
+            </a:r>
+            <a:r>
+              <a:rPr kumimoji="1" lang="ko-KR" altLang="en-US" sz="1000" dirty="0"/>
+              <a:t>클릭 시 관리자 로그인으로 이동</a:t>
+            </a:r>
+            <a:endParaRPr kumimoji="1" lang="en-US" altLang="ko-KR" sz="1000" dirty="0"/>
           </a:p>
         </p:txBody>
       </p:sp>
@@ -7730,13 +12358,6 @@
   <p:clrMapOvr>
     <a:masterClrMapping/>
   </p:clrMapOvr>
-  <p:timing>
-    <p:tnLst>
-      <p:par>
-        <p:cTn id="1" dur="indefinite" restart="never" nodeType="tmRoot"/>
-      </p:par>
-    </p:tnLst>
-  </p:timing>
 </p:sld>
 </file>
 
@@ -7794,10 +12415,9 @@
           <a:p>
             <a:pPr algn="ctr"/>
             <a:r>
-              <a:rPr lang="ko-KR" altLang="en-US" sz="4000" dirty="0" smtClean="0"/>
+              <a:rPr lang="ko-KR" altLang="en-US" sz="4000" dirty="0"/>
               <a:t>메인 페이지</a:t>
             </a:r>
-            <a:endParaRPr lang="ko-KR" altLang="en-US" sz="4000" dirty="0"/>
           </a:p>
         </p:txBody>
       </p:sp>
@@ -7811,13 +12431,6 @@
   <p:clrMapOvr>
     <a:masterClrMapping/>
   </p:clrMapOvr>
-  <p:timing>
-    <p:tnLst>
-      <p:par>
-        <p:cTn id="1" dur="indefinite" restart="never" nodeType="tmRoot"/>
-      </p:par>
-    </p:tnLst>
-  </p:timing>
 </p:sld>
 </file>
 
@@ -7939,7 +12552,7 @@
           <a:lstStyle/>
           <a:p>
             <a:r>
-              <a:rPr lang="en-US" altLang="ko-KR" dirty="0" smtClean="0"/>
+              <a:rPr lang="en-US" altLang="ko-KR" dirty="0"/>
               <a:t>MYMALL</a:t>
             </a:r>
             <a:endParaRPr lang="ko-KR" altLang="en-US" dirty="0"/>
@@ -7985,10 +12598,9 @@
           <a:p>
             <a:pPr algn="ctr"/>
             <a:r>
-              <a:rPr lang="ko-KR" altLang="en-US" sz="800" dirty="0" smtClean="0"/>
+              <a:rPr lang="ko-KR" altLang="en-US" sz="800" dirty="0"/>
               <a:t>로그인</a:t>
             </a:r>
-            <a:endParaRPr lang="ko-KR" altLang="en-US" sz="800" dirty="0"/>
           </a:p>
         </p:txBody>
       </p:sp>
@@ -8072,18 +12684,13 @@
           <a:p>
             <a:pPr algn="ctr"/>
             <a:r>
-              <a:rPr lang="ko-KR" altLang="en-US" sz="800" dirty="0" smtClean="0">
+              <a:rPr lang="ko-KR" altLang="en-US" sz="800" dirty="0">
                 <a:solidFill>
                   <a:schemeClr val="tx1"/>
                 </a:solidFill>
               </a:rPr>
               <a:t>검색</a:t>
             </a:r>
-            <a:endParaRPr lang="ko-KR" altLang="en-US" sz="800" dirty="0">
-              <a:solidFill>
-                <a:schemeClr val="tx1"/>
-              </a:solidFill>
-            </a:endParaRPr>
           </a:p>
         </p:txBody>
       </p:sp>
@@ -8213,10 +12820,9 @@
           <a:lstStyle/>
           <a:p>
             <a:r>
-              <a:rPr lang="ko-KR" altLang="en-US" sz="1000" dirty="0" smtClean="0"/>
+              <a:rPr lang="ko-KR" altLang="en-US" sz="1000" dirty="0"/>
               <a:t>쇼핑몰 이름</a:t>
             </a:r>
-            <a:endParaRPr lang="ko-KR" altLang="en-US" sz="1000" dirty="0"/>
           </a:p>
         </p:txBody>
       </p:sp>
@@ -8243,18 +12849,17 @@
           <a:lstStyle/>
           <a:p>
             <a:r>
-              <a:rPr lang="ko-KR" altLang="en-US" sz="1000" dirty="0" smtClean="0"/>
+              <a:rPr lang="ko-KR" altLang="en-US" sz="1000" dirty="0"/>
               <a:t>한 줄 소개</a:t>
             </a:r>
             <a:r>
-              <a:rPr lang="en-US" altLang="ko-KR" sz="1000" dirty="0" smtClean="0"/>
+              <a:rPr lang="en-US" altLang="ko-KR" sz="1000" dirty="0"/>
               <a:t>~~~~~~~~~~~~~~</a:t>
             </a:r>
             <a:r>
-              <a:rPr lang="ko-KR" altLang="en-US" sz="1000" dirty="0" smtClean="0"/>
+              <a:rPr lang="ko-KR" altLang="en-US" sz="1000" dirty="0"/>
               <a:t> </a:t>
             </a:r>
-            <a:endParaRPr lang="ko-KR" altLang="en-US" sz="1000" dirty="0"/>
           </a:p>
         </p:txBody>
       </p:sp>
@@ -8281,10 +12886,9 @@
           <a:lstStyle/>
           <a:p>
             <a:r>
-              <a:rPr lang="ko-KR" altLang="en-US" sz="1000" dirty="0" smtClean="0"/>
+              <a:rPr lang="ko-KR" altLang="en-US" sz="1000" dirty="0"/>
               <a:t>홈페이지 이동</a:t>
             </a:r>
-            <a:endParaRPr lang="ko-KR" altLang="en-US" sz="1000" dirty="0"/>
           </a:p>
         </p:txBody>
       </p:sp>
@@ -8407,10 +13011,9 @@
           <a:lstStyle/>
           <a:p>
             <a:r>
-              <a:rPr lang="ko-KR" altLang="en-US" sz="1000" dirty="0" smtClean="0"/>
+              <a:rPr lang="ko-KR" altLang="en-US" sz="1000" dirty="0"/>
               <a:t>쇼핑몰 이름</a:t>
             </a:r>
-            <a:endParaRPr lang="ko-KR" altLang="en-US" sz="1000" dirty="0"/>
           </a:p>
         </p:txBody>
       </p:sp>
@@ -8437,18 +13040,17 @@
           <a:lstStyle/>
           <a:p>
             <a:r>
-              <a:rPr lang="ko-KR" altLang="en-US" sz="1000" dirty="0" smtClean="0"/>
+              <a:rPr lang="ko-KR" altLang="en-US" sz="1000" dirty="0"/>
               <a:t>한 줄 소개</a:t>
             </a:r>
             <a:r>
-              <a:rPr lang="en-US" altLang="ko-KR" sz="1000" dirty="0" smtClean="0"/>
+              <a:rPr lang="en-US" altLang="ko-KR" sz="1000" dirty="0"/>
               <a:t>~~~~~~~~~~~~~~</a:t>
             </a:r>
             <a:r>
-              <a:rPr lang="ko-KR" altLang="en-US" sz="1000" dirty="0" smtClean="0"/>
+              <a:rPr lang="ko-KR" altLang="en-US" sz="1000" dirty="0"/>
               <a:t> </a:t>
             </a:r>
-            <a:endParaRPr lang="ko-KR" altLang="en-US" sz="1000" dirty="0"/>
           </a:p>
         </p:txBody>
       </p:sp>
@@ -8475,10 +13077,9 @@
           <a:lstStyle/>
           <a:p>
             <a:r>
-              <a:rPr lang="ko-KR" altLang="en-US" sz="1000" dirty="0" smtClean="0"/>
+              <a:rPr lang="ko-KR" altLang="en-US" sz="1000" dirty="0"/>
               <a:t>홈페이지 이동</a:t>
             </a:r>
-            <a:endParaRPr lang="ko-KR" altLang="en-US" sz="1000" dirty="0"/>
           </a:p>
         </p:txBody>
       </p:sp>
@@ -8601,10 +13202,9 @@
           <a:lstStyle/>
           <a:p>
             <a:r>
-              <a:rPr lang="ko-KR" altLang="en-US" sz="1000" dirty="0" smtClean="0"/>
+              <a:rPr lang="ko-KR" altLang="en-US" sz="1000" dirty="0"/>
               <a:t>쇼핑몰 이름</a:t>
             </a:r>
-            <a:endParaRPr lang="ko-KR" altLang="en-US" sz="1000" dirty="0"/>
           </a:p>
         </p:txBody>
       </p:sp>
@@ -8631,18 +13231,17 @@
           <a:lstStyle/>
           <a:p>
             <a:r>
-              <a:rPr lang="ko-KR" altLang="en-US" sz="1000" dirty="0" smtClean="0"/>
+              <a:rPr lang="ko-KR" altLang="en-US" sz="1000" dirty="0"/>
               <a:t>한 줄 소개</a:t>
             </a:r>
             <a:r>
-              <a:rPr lang="en-US" altLang="ko-KR" sz="1000" dirty="0" smtClean="0"/>
+              <a:rPr lang="en-US" altLang="ko-KR" sz="1000" dirty="0"/>
               <a:t>~~~~~~~~~~~~~~</a:t>
             </a:r>
             <a:r>
-              <a:rPr lang="ko-KR" altLang="en-US" sz="1000" dirty="0" smtClean="0"/>
+              <a:rPr lang="ko-KR" altLang="en-US" sz="1000" dirty="0"/>
               <a:t> </a:t>
             </a:r>
-            <a:endParaRPr lang="ko-KR" altLang="en-US" sz="1000" dirty="0"/>
           </a:p>
         </p:txBody>
       </p:sp>
@@ -8669,10 +13268,9 @@
           <a:lstStyle/>
           <a:p>
             <a:r>
-              <a:rPr lang="ko-KR" altLang="en-US" sz="1000" dirty="0" smtClean="0"/>
+              <a:rPr lang="ko-KR" altLang="en-US" sz="1000" dirty="0"/>
               <a:t>홈페이지 이동</a:t>
             </a:r>
-            <a:endParaRPr lang="ko-KR" altLang="en-US" sz="1000" dirty="0"/>
           </a:p>
         </p:txBody>
       </p:sp>
@@ -8795,10 +13393,9 @@
           <a:lstStyle/>
           <a:p>
             <a:r>
-              <a:rPr lang="ko-KR" altLang="en-US" sz="1000" dirty="0" smtClean="0"/>
+              <a:rPr lang="ko-KR" altLang="en-US" sz="1000" dirty="0"/>
               <a:t>쇼핑몰 이름</a:t>
             </a:r>
-            <a:endParaRPr lang="ko-KR" altLang="en-US" sz="1000" dirty="0"/>
           </a:p>
         </p:txBody>
       </p:sp>
@@ -8825,18 +13422,17 @@
           <a:lstStyle/>
           <a:p>
             <a:r>
-              <a:rPr lang="ko-KR" altLang="en-US" sz="1000" dirty="0" smtClean="0"/>
+              <a:rPr lang="ko-KR" altLang="en-US" sz="1000" dirty="0"/>
               <a:t>한 줄 소개</a:t>
             </a:r>
             <a:r>
-              <a:rPr lang="en-US" altLang="ko-KR" sz="1000" dirty="0" smtClean="0"/>
+              <a:rPr lang="en-US" altLang="ko-KR" sz="1000" dirty="0"/>
               <a:t>~~~~~~~~~~~~~~</a:t>
             </a:r>
             <a:r>
-              <a:rPr lang="ko-KR" altLang="en-US" sz="1000" dirty="0" smtClean="0"/>
+              <a:rPr lang="ko-KR" altLang="en-US" sz="1000" dirty="0"/>
               <a:t> </a:t>
             </a:r>
-            <a:endParaRPr lang="ko-KR" altLang="en-US" sz="1000" dirty="0"/>
           </a:p>
         </p:txBody>
       </p:sp>
@@ -8863,10 +13459,9 @@
           <a:lstStyle/>
           <a:p>
             <a:r>
-              <a:rPr lang="ko-KR" altLang="en-US" sz="1000" dirty="0" smtClean="0"/>
+              <a:rPr lang="ko-KR" altLang="en-US" sz="1000" dirty="0"/>
               <a:t>홈페이지 이동</a:t>
             </a:r>
-            <a:endParaRPr lang="ko-KR" altLang="en-US" sz="1000" dirty="0"/>
           </a:p>
         </p:txBody>
       </p:sp>
@@ -8989,10 +13584,9 @@
           <a:lstStyle/>
           <a:p>
             <a:r>
-              <a:rPr lang="ko-KR" altLang="en-US" sz="1000" dirty="0" smtClean="0"/>
+              <a:rPr lang="ko-KR" altLang="en-US" sz="1000" dirty="0"/>
               <a:t>쇼핑몰 이름</a:t>
             </a:r>
-            <a:endParaRPr lang="ko-KR" altLang="en-US" sz="1000" dirty="0"/>
           </a:p>
         </p:txBody>
       </p:sp>
@@ -9019,18 +13613,17 @@
           <a:lstStyle/>
           <a:p>
             <a:r>
-              <a:rPr lang="ko-KR" altLang="en-US" sz="1000" dirty="0" smtClean="0"/>
+              <a:rPr lang="ko-KR" altLang="en-US" sz="1000" dirty="0"/>
               <a:t>한 줄 소개</a:t>
             </a:r>
             <a:r>
-              <a:rPr lang="en-US" altLang="ko-KR" sz="1000" dirty="0" smtClean="0"/>
+              <a:rPr lang="en-US" altLang="ko-KR" sz="1000" dirty="0"/>
               <a:t>~~~~~~~~~~~~~~</a:t>
             </a:r>
             <a:r>
-              <a:rPr lang="ko-KR" altLang="en-US" sz="1000" dirty="0" smtClean="0"/>
+              <a:rPr lang="ko-KR" altLang="en-US" sz="1000" dirty="0"/>
               <a:t> </a:t>
             </a:r>
-            <a:endParaRPr lang="ko-KR" altLang="en-US" sz="1000" dirty="0"/>
           </a:p>
         </p:txBody>
       </p:sp>
@@ -9057,10 +13650,9 @@
           <a:lstStyle/>
           <a:p>
             <a:r>
-              <a:rPr lang="ko-KR" altLang="en-US" sz="1000" dirty="0" smtClean="0"/>
+              <a:rPr lang="ko-KR" altLang="en-US" sz="1000" dirty="0"/>
               <a:t>홈페이지 이동</a:t>
             </a:r>
-            <a:endParaRPr lang="ko-KR" altLang="en-US" sz="1000" dirty="0"/>
           </a:p>
         </p:txBody>
       </p:sp>
@@ -9109,6 +13701,761 @@
           <a:p>
             <a:pPr algn="ctr"/>
             <a:endParaRPr lang="ko-KR" altLang="en-US"/>
+          </a:p>
+        </p:txBody>
+      </p:sp>
+      <p:sp>
+        <p:nvSpPr>
+          <p:cNvPr id="2" name="타원 1">
+            <a:extLst>
+              <a:ext uri="{FF2B5EF4-FFF2-40B4-BE49-F238E27FC236}">
+                <a16:creationId xmlns:a16="http://schemas.microsoft.com/office/drawing/2014/main" id="{1312F240-96C8-03C7-019A-92556FD35CC8}"/>
+              </a:ext>
+            </a:extLst>
+          </p:cNvPr>
+          <p:cNvSpPr/>
+          <p:nvPr/>
+        </p:nvSpPr>
+        <p:spPr>
+          <a:xfrm>
+            <a:off x="8561216" y="137593"/>
+            <a:ext cx="216000" cy="216000"/>
+          </a:xfrm>
+          <a:prstGeom prst="ellipse">
+            <a:avLst/>
+          </a:prstGeom>
+          <a:solidFill>
+            <a:srgbClr val="FF0000"/>
+          </a:solidFill>
+          <a:ln>
+            <a:noFill/>
+          </a:ln>
+        </p:spPr>
+        <p:style>
+          <a:lnRef idx="2">
+            <a:schemeClr val="accent1">
+              <a:shade val="50000"/>
+            </a:schemeClr>
+          </a:lnRef>
+          <a:fillRef idx="1">
+            <a:schemeClr val="accent1"/>
+          </a:fillRef>
+          <a:effectRef idx="0">
+            <a:schemeClr val="accent1"/>
+          </a:effectRef>
+          <a:fontRef idx="minor">
+            <a:schemeClr val="lt1"/>
+          </a:fontRef>
+        </p:style>
+        <p:txBody>
+          <a:bodyPr wrap="none" lIns="0" tIns="0" rIns="0" bIns="0" rtlCol="0" anchor="ctr"/>
+          <a:lstStyle/>
+          <a:p>
+            <a:pPr algn="ctr"/>
+            <a:r>
+              <a:rPr lang="en-US" altLang="ko-KR" sz="1100" dirty="0">
+                <a:solidFill>
+                  <a:schemeClr val="bg1"/>
+                </a:solidFill>
+                <a:latin typeface="타이포_씨고딕 140" panose="02020503020101020101" pitchFamily="18" charset="-127"/>
+                <a:ea typeface="타이포_씨고딕 140" panose="02020503020101020101" pitchFamily="18" charset="-127"/>
+              </a:rPr>
+              <a:t>2</a:t>
+            </a:r>
+            <a:endParaRPr lang="ko-KR" altLang="en-US" sz="1100" dirty="0">
+              <a:solidFill>
+                <a:schemeClr val="bg1"/>
+              </a:solidFill>
+              <a:latin typeface="타이포_씨고딕 140" panose="02020503020101020101" pitchFamily="18" charset="-127"/>
+              <a:ea typeface="타이포_씨고딕 140" panose="02020503020101020101" pitchFamily="18" charset="-127"/>
+            </a:endParaRPr>
+          </a:p>
+        </p:txBody>
+      </p:sp>
+      <p:sp>
+        <p:nvSpPr>
+          <p:cNvPr id="3" name="타원 2">
+            <a:extLst>
+              <a:ext uri="{FF2B5EF4-FFF2-40B4-BE49-F238E27FC236}">
+                <a16:creationId xmlns:a16="http://schemas.microsoft.com/office/drawing/2014/main" id="{95B207B1-B7C0-70F4-48BF-ED3E25D8D3F0}"/>
+              </a:ext>
+            </a:extLst>
+          </p:cNvPr>
+          <p:cNvSpPr/>
+          <p:nvPr/>
+        </p:nvSpPr>
+        <p:spPr>
+          <a:xfrm>
+            <a:off x="179654" y="129417"/>
+            <a:ext cx="216000" cy="216000"/>
+          </a:xfrm>
+          <a:prstGeom prst="ellipse">
+            <a:avLst/>
+          </a:prstGeom>
+          <a:solidFill>
+            <a:srgbClr val="FF0000"/>
+          </a:solidFill>
+          <a:ln>
+            <a:noFill/>
+          </a:ln>
+        </p:spPr>
+        <p:style>
+          <a:lnRef idx="2">
+            <a:schemeClr val="accent1">
+              <a:shade val="50000"/>
+            </a:schemeClr>
+          </a:lnRef>
+          <a:fillRef idx="1">
+            <a:schemeClr val="accent1"/>
+          </a:fillRef>
+          <a:effectRef idx="0">
+            <a:schemeClr val="accent1"/>
+          </a:effectRef>
+          <a:fontRef idx="minor">
+            <a:schemeClr val="lt1"/>
+          </a:fontRef>
+        </p:style>
+        <p:txBody>
+          <a:bodyPr wrap="none" lIns="0" tIns="0" rIns="0" bIns="0" rtlCol="0" anchor="ctr"/>
+          <a:lstStyle/>
+          <a:p>
+            <a:pPr algn="ctr"/>
+            <a:r>
+              <a:rPr lang="en-US" altLang="ko-KR" sz="1100" dirty="0">
+                <a:solidFill>
+                  <a:schemeClr val="bg1"/>
+                </a:solidFill>
+                <a:latin typeface="타이포_씨고딕 140" panose="02020503020101020101" pitchFamily="18" charset="-127"/>
+                <a:ea typeface="타이포_씨고딕 140" panose="02020503020101020101" pitchFamily="18" charset="-127"/>
+              </a:rPr>
+              <a:t>1</a:t>
+            </a:r>
+            <a:endParaRPr lang="ko-KR" altLang="en-US" sz="1100" dirty="0">
+              <a:solidFill>
+                <a:schemeClr val="bg1"/>
+              </a:solidFill>
+              <a:latin typeface="타이포_씨고딕 140" panose="02020503020101020101" pitchFamily="18" charset="-127"/>
+              <a:ea typeface="타이포_씨고딕 140" panose="02020503020101020101" pitchFamily="18" charset="-127"/>
+            </a:endParaRPr>
+          </a:p>
+        </p:txBody>
+      </p:sp>
+      <p:sp>
+        <p:nvSpPr>
+          <p:cNvPr id="4" name="타원 3">
+            <a:extLst>
+              <a:ext uri="{FF2B5EF4-FFF2-40B4-BE49-F238E27FC236}">
+                <a16:creationId xmlns:a16="http://schemas.microsoft.com/office/drawing/2014/main" id="{6C3B242C-532A-CCCE-FF7C-1890C4CA1812}"/>
+              </a:ext>
+            </a:extLst>
+          </p:cNvPr>
+          <p:cNvSpPr/>
+          <p:nvPr/>
+        </p:nvSpPr>
+        <p:spPr>
+          <a:xfrm>
+            <a:off x="5678049" y="3377575"/>
+            <a:ext cx="216000" cy="216000"/>
+          </a:xfrm>
+          <a:prstGeom prst="ellipse">
+            <a:avLst/>
+          </a:prstGeom>
+          <a:solidFill>
+            <a:srgbClr val="FF0000"/>
+          </a:solidFill>
+          <a:ln>
+            <a:noFill/>
+          </a:ln>
+        </p:spPr>
+        <p:style>
+          <a:lnRef idx="2">
+            <a:schemeClr val="accent1">
+              <a:shade val="50000"/>
+            </a:schemeClr>
+          </a:lnRef>
+          <a:fillRef idx="1">
+            <a:schemeClr val="accent1"/>
+          </a:fillRef>
+          <a:effectRef idx="0">
+            <a:schemeClr val="accent1"/>
+          </a:effectRef>
+          <a:fontRef idx="minor">
+            <a:schemeClr val="lt1"/>
+          </a:fontRef>
+        </p:style>
+        <p:txBody>
+          <a:bodyPr wrap="none" lIns="0" tIns="0" rIns="0" bIns="0" rtlCol="0" anchor="ctr"/>
+          <a:lstStyle/>
+          <a:p>
+            <a:pPr algn="ctr"/>
+            <a:r>
+              <a:rPr lang="en-US" altLang="ko-KR" sz="1100" dirty="0">
+                <a:solidFill>
+                  <a:schemeClr val="bg1"/>
+                </a:solidFill>
+                <a:latin typeface="타이포_씨고딕 140" panose="02020503020101020101" pitchFamily="18" charset="-127"/>
+                <a:ea typeface="타이포_씨고딕 140" panose="02020503020101020101" pitchFamily="18" charset="-127"/>
+              </a:rPr>
+              <a:t>6</a:t>
+            </a:r>
+            <a:endParaRPr lang="ko-KR" altLang="en-US" sz="1100" dirty="0">
+              <a:solidFill>
+                <a:schemeClr val="bg1"/>
+              </a:solidFill>
+              <a:latin typeface="타이포_씨고딕 140" panose="02020503020101020101" pitchFamily="18" charset="-127"/>
+              <a:ea typeface="타이포_씨고딕 140" panose="02020503020101020101" pitchFamily="18" charset="-127"/>
+            </a:endParaRPr>
+          </a:p>
+        </p:txBody>
+      </p:sp>
+      <p:sp>
+        <p:nvSpPr>
+          <p:cNvPr id="6" name="타원 5">
+            <a:extLst>
+              <a:ext uri="{FF2B5EF4-FFF2-40B4-BE49-F238E27FC236}">
+                <a16:creationId xmlns:a16="http://schemas.microsoft.com/office/drawing/2014/main" id="{4BD6B36C-7ED9-8C6E-AE99-AB05BF078BDA}"/>
+              </a:ext>
+            </a:extLst>
+          </p:cNvPr>
+          <p:cNvSpPr/>
+          <p:nvPr/>
+        </p:nvSpPr>
+        <p:spPr>
+          <a:xfrm>
+            <a:off x="146976" y="2872477"/>
+            <a:ext cx="216000" cy="216000"/>
+          </a:xfrm>
+          <a:prstGeom prst="ellipse">
+            <a:avLst/>
+          </a:prstGeom>
+          <a:solidFill>
+            <a:srgbClr val="FF0000"/>
+          </a:solidFill>
+          <a:ln>
+            <a:noFill/>
+          </a:ln>
+        </p:spPr>
+        <p:style>
+          <a:lnRef idx="2">
+            <a:schemeClr val="accent1">
+              <a:shade val="50000"/>
+            </a:schemeClr>
+          </a:lnRef>
+          <a:fillRef idx="1">
+            <a:schemeClr val="accent1"/>
+          </a:fillRef>
+          <a:effectRef idx="0">
+            <a:schemeClr val="accent1"/>
+          </a:effectRef>
+          <a:fontRef idx="minor">
+            <a:schemeClr val="lt1"/>
+          </a:fontRef>
+        </p:style>
+        <p:txBody>
+          <a:bodyPr wrap="none" lIns="0" tIns="0" rIns="0" bIns="0" rtlCol="0" anchor="ctr"/>
+          <a:lstStyle/>
+          <a:p>
+            <a:pPr algn="ctr"/>
+            <a:r>
+              <a:rPr lang="en-US" altLang="ko-KR" sz="1100" dirty="0">
+                <a:solidFill>
+                  <a:schemeClr val="bg1"/>
+                </a:solidFill>
+                <a:latin typeface="타이포_씨고딕 140" panose="02020503020101020101" pitchFamily="18" charset="-127"/>
+                <a:ea typeface="타이포_씨고딕 140" panose="02020503020101020101" pitchFamily="18" charset="-127"/>
+              </a:rPr>
+              <a:t>4</a:t>
+            </a:r>
+            <a:endParaRPr lang="ko-KR" altLang="en-US" sz="1100" dirty="0">
+              <a:solidFill>
+                <a:schemeClr val="bg1"/>
+              </a:solidFill>
+              <a:latin typeface="타이포_씨고딕 140" panose="02020503020101020101" pitchFamily="18" charset="-127"/>
+              <a:ea typeface="타이포_씨고딕 140" panose="02020503020101020101" pitchFamily="18" charset="-127"/>
+            </a:endParaRPr>
+          </a:p>
+        </p:txBody>
+      </p:sp>
+      <p:sp>
+        <p:nvSpPr>
+          <p:cNvPr id="7" name="타원 6">
+            <a:extLst>
+              <a:ext uri="{FF2B5EF4-FFF2-40B4-BE49-F238E27FC236}">
+                <a16:creationId xmlns:a16="http://schemas.microsoft.com/office/drawing/2014/main" id="{2B757878-F4AE-633D-F62F-AE8D35AD2068}"/>
+              </a:ext>
+            </a:extLst>
+          </p:cNvPr>
+          <p:cNvSpPr/>
+          <p:nvPr/>
+        </p:nvSpPr>
+        <p:spPr>
+          <a:xfrm>
+            <a:off x="8746686" y="3354242"/>
+            <a:ext cx="216000" cy="216000"/>
+          </a:xfrm>
+          <a:prstGeom prst="ellipse">
+            <a:avLst/>
+          </a:prstGeom>
+          <a:solidFill>
+            <a:srgbClr val="FF0000"/>
+          </a:solidFill>
+          <a:ln>
+            <a:noFill/>
+          </a:ln>
+        </p:spPr>
+        <p:style>
+          <a:lnRef idx="2">
+            <a:schemeClr val="accent1">
+              <a:shade val="50000"/>
+            </a:schemeClr>
+          </a:lnRef>
+          <a:fillRef idx="1">
+            <a:schemeClr val="accent1"/>
+          </a:fillRef>
+          <a:effectRef idx="0">
+            <a:schemeClr val="accent1"/>
+          </a:effectRef>
+          <a:fontRef idx="minor">
+            <a:schemeClr val="lt1"/>
+          </a:fontRef>
+        </p:style>
+        <p:txBody>
+          <a:bodyPr wrap="none" lIns="0" tIns="0" rIns="0" bIns="0" rtlCol="0" anchor="ctr"/>
+          <a:lstStyle/>
+          <a:p>
+            <a:pPr algn="ctr"/>
+            <a:r>
+              <a:rPr lang="en-US" altLang="ko-KR" sz="1100" dirty="0">
+                <a:solidFill>
+                  <a:schemeClr val="bg1"/>
+                </a:solidFill>
+                <a:latin typeface="타이포_씨고딕 140" panose="02020503020101020101" pitchFamily="18" charset="-127"/>
+                <a:ea typeface="타이포_씨고딕 140" panose="02020503020101020101" pitchFamily="18" charset="-127"/>
+              </a:rPr>
+              <a:t>7</a:t>
+            </a:r>
+            <a:endParaRPr lang="ko-KR" altLang="en-US" sz="1100" dirty="0">
+              <a:solidFill>
+                <a:schemeClr val="bg1"/>
+              </a:solidFill>
+              <a:latin typeface="타이포_씨고딕 140" panose="02020503020101020101" pitchFamily="18" charset="-127"/>
+              <a:ea typeface="타이포_씨고딕 140" panose="02020503020101020101" pitchFamily="18" charset="-127"/>
+            </a:endParaRPr>
+          </a:p>
+        </p:txBody>
+      </p:sp>
+      <p:sp>
+        <p:nvSpPr>
+          <p:cNvPr id="10" name="타원 9">
+            <a:extLst>
+              <a:ext uri="{FF2B5EF4-FFF2-40B4-BE49-F238E27FC236}">
+                <a16:creationId xmlns:a16="http://schemas.microsoft.com/office/drawing/2014/main" id="{F62F4F26-24DD-1B07-F3A4-7EB2BC4E700B}"/>
+              </a:ext>
+            </a:extLst>
+          </p:cNvPr>
+          <p:cNvSpPr/>
+          <p:nvPr/>
+        </p:nvSpPr>
+        <p:spPr>
+          <a:xfrm>
+            <a:off x="4354095" y="2002192"/>
+            <a:ext cx="216000" cy="216000"/>
+          </a:xfrm>
+          <a:prstGeom prst="ellipse">
+            <a:avLst/>
+          </a:prstGeom>
+          <a:solidFill>
+            <a:srgbClr val="FF0000"/>
+          </a:solidFill>
+          <a:ln>
+            <a:noFill/>
+          </a:ln>
+        </p:spPr>
+        <p:style>
+          <a:lnRef idx="2">
+            <a:schemeClr val="accent1">
+              <a:shade val="50000"/>
+            </a:schemeClr>
+          </a:lnRef>
+          <a:fillRef idx="1">
+            <a:schemeClr val="accent1"/>
+          </a:fillRef>
+          <a:effectRef idx="0">
+            <a:schemeClr val="accent1"/>
+          </a:effectRef>
+          <a:fontRef idx="minor">
+            <a:schemeClr val="lt1"/>
+          </a:fontRef>
+        </p:style>
+        <p:txBody>
+          <a:bodyPr wrap="none" lIns="0" tIns="0" rIns="0" bIns="0" rtlCol="0" anchor="ctr"/>
+          <a:lstStyle/>
+          <a:p>
+            <a:pPr algn="ctr"/>
+            <a:r>
+              <a:rPr lang="en-US" altLang="ko-KR" sz="1100" dirty="0">
+                <a:solidFill>
+                  <a:schemeClr val="bg1"/>
+                </a:solidFill>
+                <a:latin typeface="타이포_씨고딕 140" panose="02020503020101020101" pitchFamily="18" charset="-127"/>
+                <a:ea typeface="타이포_씨고딕 140" panose="02020503020101020101" pitchFamily="18" charset="-127"/>
+              </a:rPr>
+              <a:t>3</a:t>
+            </a:r>
+            <a:endParaRPr lang="ko-KR" altLang="en-US" sz="1100" dirty="0">
+              <a:solidFill>
+                <a:schemeClr val="bg1"/>
+              </a:solidFill>
+              <a:latin typeface="타이포_씨고딕 140" panose="02020503020101020101" pitchFamily="18" charset="-127"/>
+              <a:ea typeface="타이포_씨고딕 140" panose="02020503020101020101" pitchFamily="18" charset="-127"/>
+            </a:endParaRPr>
+          </a:p>
+        </p:txBody>
+      </p:sp>
+      <p:sp>
+        <p:nvSpPr>
+          <p:cNvPr id="17" name="TextBox 16">
+            <a:extLst>
+              <a:ext uri="{FF2B5EF4-FFF2-40B4-BE49-F238E27FC236}">
+                <a16:creationId xmlns:a16="http://schemas.microsoft.com/office/drawing/2014/main" id="{85F9B3FB-258D-88A9-A449-32A23E94EE41}"/>
+              </a:ext>
+            </a:extLst>
+          </p:cNvPr>
+          <p:cNvSpPr txBox="1"/>
+          <p:nvPr/>
+        </p:nvSpPr>
+        <p:spPr>
+          <a:xfrm>
+            <a:off x="9766168" y="1046576"/>
+            <a:ext cx="2340990" cy="4401205"/>
+          </a:xfrm>
+          <a:prstGeom prst="rect">
+            <a:avLst/>
+          </a:prstGeom>
+          <a:noFill/>
+        </p:spPr>
+        <p:txBody>
+          <a:bodyPr wrap="square" rtlCol="0">
+            <a:spAutoFit/>
+          </a:bodyPr>
+          <a:lstStyle/>
+          <a:p>
+            <a:r>
+              <a:rPr kumimoji="1" lang="en-US" altLang="ko-Kore-KR" sz="1000" dirty="0"/>
+              <a:t>[1]</a:t>
+            </a:r>
+            <a:r>
+              <a:rPr kumimoji="1" lang="ko-KR" altLang="en-US" sz="1000" dirty="0"/>
+              <a:t> </a:t>
+            </a:r>
+            <a:r>
+              <a:rPr kumimoji="1" lang="ko-Kore-KR" altLang="en-US" sz="1000" dirty="0"/>
+              <a:t>홈버튼</a:t>
+            </a:r>
+            <a:endParaRPr kumimoji="1" lang="en-US" altLang="ko-Kore-KR" sz="1000" dirty="0"/>
+          </a:p>
+          <a:p>
+            <a:r>
+              <a:rPr kumimoji="1" lang="en-US" altLang="ko-Kore-KR" sz="1000" dirty="0"/>
+              <a:t>-</a:t>
+            </a:r>
+            <a:r>
+              <a:rPr kumimoji="1" lang="ko-Kore-KR" altLang="en-US" sz="1000" dirty="0"/>
+              <a:t>클릭시</a:t>
+            </a:r>
+            <a:r>
+              <a:rPr kumimoji="1" lang="ko-KR" altLang="en-US" sz="1000" dirty="0"/>
+              <a:t> 메인 페이지로 이동</a:t>
+            </a:r>
+            <a:endParaRPr kumimoji="1" lang="en-US" altLang="ko-KR" sz="1000" dirty="0"/>
+          </a:p>
+          <a:p>
+            <a:endParaRPr kumimoji="1" lang="en-US" altLang="ko-KR" sz="1000" dirty="0"/>
+          </a:p>
+          <a:p>
+            <a:r>
+              <a:rPr kumimoji="1" lang="en-US" altLang="ko-KR" sz="1000" dirty="0"/>
+              <a:t>[2]</a:t>
+            </a:r>
+            <a:r>
+              <a:rPr kumimoji="1" lang="ko-KR" altLang="en-US" sz="1000" dirty="0"/>
+              <a:t> 상태버튼</a:t>
+            </a:r>
+            <a:endParaRPr kumimoji="1" lang="en-US" altLang="ko-KR" sz="1000" dirty="0"/>
+          </a:p>
+          <a:p>
+            <a:r>
+              <a:rPr kumimoji="1" lang="en-US" altLang="ko-KR" sz="1000" dirty="0"/>
+              <a:t>-</a:t>
+            </a:r>
+            <a:r>
+              <a:rPr kumimoji="1" lang="ko-KR" altLang="en-US" sz="1000" dirty="0"/>
+              <a:t> 미 로그인 시 </a:t>
+            </a:r>
+            <a:r>
+              <a:rPr kumimoji="1" lang="en-US" altLang="ko-KR" sz="1000" dirty="0"/>
+              <a:t>:</a:t>
+            </a:r>
+            <a:r>
+              <a:rPr kumimoji="1" lang="ko-KR" altLang="en-US" sz="1000" dirty="0"/>
+              <a:t> 클릭하면 </a:t>
+            </a:r>
+            <a:r>
+              <a:rPr kumimoji="1" lang="ko-KR" altLang="en-US" sz="1000" dirty="0" err="1"/>
+              <a:t>로그인페이지로</a:t>
+            </a:r>
+            <a:r>
+              <a:rPr kumimoji="1" lang="ko-KR" altLang="en-US" sz="1000" dirty="0"/>
+              <a:t> 이동</a:t>
+            </a:r>
+            <a:endParaRPr kumimoji="1" lang="en-US" altLang="ko-KR" sz="1000" dirty="0"/>
+          </a:p>
+          <a:p>
+            <a:r>
+              <a:rPr kumimoji="1" lang="ko-KR" altLang="en-US" sz="1000" dirty="0"/>
+              <a:t>로그인 </a:t>
+            </a:r>
+            <a:r>
+              <a:rPr kumimoji="1" lang="ko-KR" altLang="en-US" sz="1000" dirty="0" err="1"/>
+              <a:t>완료시</a:t>
+            </a:r>
+            <a:r>
+              <a:rPr kumimoji="1" lang="en-US" altLang="ko-KR" sz="1000" dirty="0"/>
+              <a:t>:</a:t>
+            </a:r>
+            <a:r>
+              <a:rPr kumimoji="1" lang="ko-KR" altLang="en-US" sz="1000" dirty="0"/>
+              <a:t> 클릭하면 </a:t>
+            </a:r>
+            <a:r>
+              <a:rPr kumimoji="1" lang="ko-KR" altLang="en-US" sz="1000" dirty="0" err="1"/>
+              <a:t>마이페이로</a:t>
+            </a:r>
+            <a:r>
+              <a:rPr kumimoji="1" lang="ko-KR" altLang="en-US" sz="1000" dirty="0"/>
+              <a:t> 이동</a:t>
+            </a:r>
+            <a:endParaRPr kumimoji="1" lang="en-US" altLang="ko-KR" sz="1000" dirty="0"/>
+          </a:p>
+          <a:p>
+            <a:endParaRPr kumimoji="1" lang="en-US" altLang="ko-KR" sz="1000" dirty="0"/>
+          </a:p>
+          <a:p>
+            <a:r>
+              <a:rPr kumimoji="1" lang="en-US" altLang="ko-KR" sz="1000" dirty="0"/>
+              <a:t>[3]</a:t>
+            </a:r>
+            <a:r>
+              <a:rPr kumimoji="1" lang="ko-KR" altLang="en-US" sz="1000" dirty="0"/>
+              <a:t> 검색</a:t>
+            </a:r>
+            <a:endParaRPr kumimoji="1" lang="en-US" altLang="ko-KR" sz="1000" dirty="0"/>
+          </a:p>
+          <a:p>
+            <a:r>
+              <a:rPr kumimoji="1" lang="en-US" altLang="ko-KR" sz="1000" dirty="0"/>
+              <a:t>-</a:t>
+            </a:r>
+            <a:r>
+              <a:rPr kumimoji="1" lang="ko-KR" altLang="en-US" sz="1000" dirty="0"/>
+              <a:t> </a:t>
+            </a:r>
+            <a:r>
+              <a:rPr kumimoji="1" lang="ko-KR" altLang="en-US" sz="1000" dirty="0" err="1"/>
+              <a:t>쇼핌몰이름을</a:t>
+            </a:r>
+            <a:r>
+              <a:rPr kumimoji="1" lang="ko-KR" altLang="en-US" sz="1000" dirty="0"/>
+              <a:t> 넣고 검색 버튼 누리면 해당되는 쇼핑몰리스트가 보여진다</a:t>
+            </a:r>
+            <a:endParaRPr kumimoji="1" lang="en-US" altLang="ko-KR" sz="1000" dirty="0"/>
+          </a:p>
+          <a:p>
+            <a:endParaRPr kumimoji="1" lang="en-US" altLang="ko-KR" sz="1000" dirty="0"/>
+          </a:p>
+          <a:p>
+            <a:r>
+              <a:rPr kumimoji="1" lang="en-US" altLang="ko-KR" sz="1000" dirty="0"/>
+              <a:t>[4]</a:t>
+            </a:r>
+            <a:r>
+              <a:rPr kumimoji="1" lang="ko-KR" altLang="en-US" sz="1000" dirty="0"/>
+              <a:t> 리스트</a:t>
+            </a:r>
+            <a:endParaRPr kumimoji="1" lang="en-US" altLang="ko-KR" sz="1000" dirty="0"/>
+          </a:p>
+          <a:p>
+            <a:r>
+              <a:rPr kumimoji="1" lang="en-US" altLang="ko-KR" sz="1000" dirty="0"/>
+              <a:t>-</a:t>
+            </a:r>
+            <a:r>
+              <a:rPr kumimoji="1" lang="ko-KR" altLang="en-US" sz="1000" dirty="0"/>
+              <a:t>모든 쇼핑몰 리스트를 </a:t>
+            </a:r>
+            <a:r>
+              <a:rPr kumimoji="1" lang="en-US" altLang="ko-KR" sz="1000" dirty="0"/>
+              <a:t>10</a:t>
+            </a:r>
+            <a:r>
+              <a:rPr kumimoji="1" lang="ko-KR" altLang="en-US" sz="1000" dirty="0"/>
+              <a:t>개씩 보여준다</a:t>
+            </a:r>
+            <a:r>
+              <a:rPr kumimoji="1" lang="en-US" altLang="ko-KR" sz="1000" dirty="0"/>
+              <a:t>.</a:t>
+            </a:r>
+            <a:r>
+              <a:rPr kumimoji="1" lang="ko-KR" altLang="en-US" sz="1000" dirty="0"/>
+              <a:t> </a:t>
+            </a:r>
+            <a:endParaRPr kumimoji="1" lang="en-US" altLang="ko-KR" sz="1000" dirty="0"/>
+          </a:p>
+          <a:p>
+            <a:r>
+              <a:rPr kumimoji="1" lang="en-US" altLang="ko-KR" sz="1000" dirty="0"/>
+              <a:t>-</a:t>
+            </a:r>
+            <a:r>
+              <a:rPr kumimoji="1" lang="ko-KR" altLang="en-US" sz="1000" dirty="0"/>
+              <a:t>즐겨 찾기에 추가 된 것이 있으면 가장 먼저 보여줌</a:t>
+            </a:r>
+            <a:endParaRPr kumimoji="1" lang="en-US" altLang="ko-KR" sz="1000" dirty="0"/>
+          </a:p>
+          <a:p>
+            <a:r>
+              <a:rPr kumimoji="1" lang="en-US" altLang="ko-KR" sz="1000" dirty="0"/>
+              <a:t>[5]</a:t>
+            </a:r>
+            <a:r>
+              <a:rPr kumimoji="1" lang="ko-KR" altLang="en-US" sz="1000" dirty="0"/>
+              <a:t> </a:t>
+            </a:r>
+            <a:endParaRPr kumimoji="1" lang="en-US" altLang="ko-KR" sz="1000" dirty="0"/>
+          </a:p>
+          <a:p>
+            <a:endParaRPr kumimoji="1" lang="en-US" altLang="ko-KR" sz="1000" dirty="0"/>
+          </a:p>
+          <a:p>
+            <a:r>
+              <a:rPr kumimoji="1" lang="en-US" altLang="ko-KR" sz="1000" dirty="0"/>
+              <a:t>[6]</a:t>
+            </a:r>
+            <a:r>
+              <a:rPr kumimoji="1" lang="ko-KR" altLang="en-US" sz="1000" dirty="0"/>
+              <a:t>홈페이지로 이동</a:t>
+            </a:r>
+            <a:endParaRPr kumimoji="1" lang="en-US" altLang="ko-KR" sz="1000" dirty="0"/>
+          </a:p>
+          <a:p>
+            <a:r>
+              <a:rPr kumimoji="1" lang="en-US" altLang="ko-KR" sz="1000" dirty="0"/>
+              <a:t>-</a:t>
+            </a:r>
+            <a:r>
+              <a:rPr kumimoji="1" lang="ko-KR" altLang="en-US" sz="1000" dirty="0"/>
+              <a:t>클릭 시 해당되는 쇼핑몰 홈페이지로 이동</a:t>
+            </a:r>
+            <a:endParaRPr kumimoji="1" lang="en-US" altLang="ko-KR" sz="1000" dirty="0"/>
+          </a:p>
+          <a:p>
+            <a:endParaRPr kumimoji="1" lang="en-US" altLang="ko-KR" sz="1000" dirty="0"/>
+          </a:p>
+          <a:p>
+            <a:r>
+              <a:rPr kumimoji="1" lang="en-US" altLang="ko-KR" sz="1000" dirty="0"/>
+              <a:t>[7]</a:t>
+            </a:r>
+            <a:r>
+              <a:rPr kumimoji="1" lang="ko-KR" altLang="en-US" sz="1000" dirty="0"/>
+              <a:t> 즐겨찾기</a:t>
+            </a:r>
+            <a:endParaRPr kumimoji="1" lang="en-US" altLang="ko-KR" sz="1000" dirty="0"/>
+          </a:p>
+          <a:p>
+            <a:r>
+              <a:rPr kumimoji="1" lang="en-US" altLang="ko-KR" sz="1000" dirty="0"/>
+              <a:t>-</a:t>
+            </a:r>
+            <a:r>
+              <a:rPr kumimoji="1" lang="ko-KR" altLang="en-US" sz="1000" dirty="0"/>
+              <a:t> 버튼 클릭 시 즐겨 찾기에 추가된다</a:t>
+            </a:r>
+            <a:r>
+              <a:rPr kumimoji="1" lang="en-US" altLang="ko-KR" sz="1000" dirty="0"/>
+              <a:t>.</a:t>
+            </a:r>
+          </a:p>
+          <a:p>
+            <a:endParaRPr kumimoji="1" lang="en-US" altLang="ko-KR" sz="1000" dirty="0"/>
+          </a:p>
+        </p:txBody>
+      </p:sp>
+      <p:sp>
+        <p:nvSpPr>
+          <p:cNvPr id="27" name="타원 26">
+            <a:extLst>
+              <a:ext uri="{FF2B5EF4-FFF2-40B4-BE49-F238E27FC236}">
+                <a16:creationId xmlns:a16="http://schemas.microsoft.com/office/drawing/2014/main" id="{5D995B3A-D796-E253-3AC7-833D57232F6E}"/>
+              </a:ext>
+            </a:extLst>
+          </p:cNvPr>
+          <p:cNvSpPr/>
+          <p:nvPr/>
+        </p:nvSpPr>
+        <p:spPr>
+          <a:xfrm>
+            <a:off x="311539" y="3138242"/>
+            <a:ext cx="216000" cy="216000"/>
+          </a:xfrm>
+          <a:prstGeom prst="ellipse">
+            <a:avLst/>
+          </a:prstGeom>
+          <a:solidFill>
+            <a:srgbClr val="FF0000"/>
+          </a:solidFill>
+          <a:ln>
+            <a:noFill/>
+          </a:ln>
+        </p:spPr>
+        <p:style>
+          <a:lnRef idx="2">
+            <a:schemeClr val="accent1">
+              <a:shade val="50000"/>
+            </a:schemeClr>
+          </a:lnRef>
+          <a:fillRef idx="1">
+            <a:schemeClr val="accent1"/>
+          </a:fillRef>
+          <a:effectRef idx="0">
+            <a:schemeClr val="accent1"/>
+          </a:effectRef>
+          <a:fontRef idx="minor">
+            <a:schemeClr val="lt1"/>
+          </a:fontRef>
+        </p:style>
+        <p:txBody>
+          <a:bodyPr wrap="none" lIns="0" tIns="0" rIns="0" bIns="0" rtlCol="0" anchor="ctr"/>
+          <a:lstStyle/>
+          <a:p>
+            <a:pPr algn="ctr"/>
+            <a:r>
+              <a:rPr lang="en-US" altLang="ko-KR" sz="1100" dirty="0">
+                <a:solidFill>
+                  <a:schemeClr val="bg1"/>
+                </a:solidFill>
+                <a:latin typeface="타이포_씨고딕 140" panose="02020503020101020101" pitchFamily="18" charset="-127"/>
+                <a:ea typeface="타이포_씨고딕 140" panose="02020503020101020101" pitchFamily="18" charset="-127"/>
+              </a:rPr>
+              <a:t>5</a:t>
+            </a:r>
+            <a:endParaRPr lang="ko-KR" altLang="en-US" sz="1100" dirty="0">
+              <a:solidFill>
+                <a:schemeClr val="bg1"/>
+              </a:solidFill>
+              <a:latin typeface="타이포_씨고딕 140" panose="02020503020101020101" pitchFamily="18" charset="-127"/>
+              <a:ea typeface="타이포_씨고딕 140" panose="02020503020101020101" pitchFamily="18" charset="-127"/>
+            </a:endParaRPr>
           </a:p>
         </p:txBody>
       </p:sp>
@@ -9122,13 +14469,6 @@
   <p:clrMapOvr>
     <a:masterClrMapping/>
   </p:clrMapOvr>
-  <p:timing>
-    <p:tnLst>
-      <p:par>
-        <p:cTn id="1" dur="indefinite" restart="never" nodeType="tmRoot"/>
-      </p:par>
-    </p:tnLst>
-  </p:timing>
 </p:sld>
 </file>
 
@@ -9186,10 +14526,9 @@
           <a:p>
             <a:pPr algn="ctr"/>
             <a:r>
-              <a:rPr lang="ko-KR" altLang="en-US" sz="4000" dirty="0" smtClean="0"/>
+              <a:rPr lang="ko-KR" altLang="en-US" sz="4000" dirty="0"/>
               <a:t>관리자 페이지</a:t>
             </a:r>
-            <a:endParaRPr lang="ko-KR" altLang="en-US" sz="4000" dirty="0"/>
           </a:p>
         </p:txBody>
       </p:sp>
@@ -9203,13 +14542,6 @@
   <p:clrMapOvr>
     <a:masterClrMapping/>
   </p:clrMapOvr>
-  <p:timing>
-    <p:tnLst>
-      <p:par>
-        <p:cTn id="1" dur="indefinite" restart="never" nodeType="tmRoot"/>
-      </p:par>
-    </p:tnLst>
-  </p:timing>
 </p:sld>
 </file>
 
@@ -9283,10 +14615,9 @@
           <a:lstStyle/>
           <a:p>
             <a:r>
-              <a:rPr lang="ko-KR" altLang="en-US" dirty="0" smtClean="0"/>
+              <a:rPr lang="ko-KR" altLang="en-US" dirty="0"/>
               <a:t>관리자 페이지</a:t>
             </a:r>
-            <a:endParaRPr lang="ko-KR" altLang="en-US" dirty="0"/>
           </a:p>
         </p:txBody>
       </p:sp>
@@ -9329,10 +14660,9 @@
           <a:p>
             <a:pPr algn="ctr"/>
             <a:r>
-              <a:rPr lang="ko-KR" altLang="en-US" sz="800" dirty="0" smtClean="0"/>
+              <a:rPr lang="ko-KR" altLang="en-US" sz="800" dirty="0"/>
               <a:t>추가</a:t>
             </a:r>
-            <a:endParaRPr lang="ko-KR" altLang="en-US" sz="800" dirty="0"/>
           </a:p>
         </p:txBody>
       </p:sp>
@@ -9398,10 +14728,9 @@
                     <a:p>
                       <a:pPr algn="ctr" latinLnBrk="1"/>
                       <a:r>
-                        <a:rPr lang="ko-KR" altLang="en-US" dirty="0" smtClean="0"/>
+                        <a:rPr lang="ko-KR" altLang="en-US" dirty="0"/>
                         <a:t>번호</a:t>
                       </a:r>
-                      <a:endParaRPr lang="ko-KR" altLang="en-US" dirty="0"/>
                     </a:p>
                   </a:txBody>
                   <a:tcPr/>
@@ -9413,10 +14742,9 @@
                     <a:p>
                       <a:pPr algn="ctr" latinLnBrk="1"/>
                       <a:r>
-                        <a:rPr lang="ko-KR" altLang="en-US" dirty="0" smtClean="0"/>
+                        <a:rPr lang="ko-KR" altLang="en-US" dirty="0"/>
                         <a:t>쇼핑몰</a:t>
                       </a:r>
-                      <a:endParaRPr lang="ko-KR" altLang="en-US" dirty="0"/>
                     </a:p>
                   </a:txBody>
                   <a:tcPr/>
@@ -9428,10 +14756,9 @@
                     <a:p>
                       <a:pPr algn="ctr" latinLnBrk="1"/>
                       <a:r>
-                        <a:rPr lang="ko-KR" altLang="en-US" dirty="0" smtClean="0"/>
+                        <a:rPr lang="ko-KR" altLang="en-US" dirty="0"/>
                         <a:t>관리자</a:t>
                       </a:r>
-                      <a:endParaRPr lang="ko-KR" altLang="en-US" dirty="0"/>
                     </a:p>
                   </a:txBody>
                   <a:tcPr/>
@@ -9443,10 +14770,9 @@
                     <a:p>
                       <a:pPr algn="ctr" latinLnBrk="1"/>
                       <a:r>
-                        <a:rPr lang="ko-KR" altLang="en-US" dirty="0" smtClean="0"/>
+                        <a:rPr lang="ko-KR" altLang="en-US" dirty="0"/>
                         <a:t>관리</a:t>
                       </a:r>
-                      <a:endParaRPr lang="ko-KR" altLang="en-US" dirty="0"/>
                     </a:p>
                   </a:txBody>
                   <a:tcPr/>
@@ -9465,7 +14791,7 @@
                     <a:p>
                       <a:pPr algn="ctr" latinLnBrk="1"/>
                       <a:r>
-                        <a:rPr lang="en-US" altLang="ko-KR" dirty="0" smtClean="0"/>
+                        <a:rPr lang="en-US" altLang="ko-KR" dirty="0"/>
                         <a:t>1</a:t>
                       </a:r>
                       <a:endParaRPr lang="ko-KR" altLang="en-US" dirty="0"/>
@@ -9480,18 +14806,17 @@
                     <a:p>
                       <a:pPr algn="ctr" latinLnBrk="1"/>
                       <a:r>
-                        <a:rPr lang="ko-KR" altLang="en-US" dirty="0" smtClean="0"/>
+                        <a:rPr lang="ko-KR" altLang="en-US" dirty="0"/>
                         <a:t>쇼핑몰</a:t>
                       </a:r>
                       <a:r>
-                        <a:rPr lang="en-US" altLang="ko-KR" dirty="0" smtClean="0"/>
+                        <a:rPr lang="en-US" altLang="ko-KR" dirty="0"/>
                         <a:t>1</a:t>
                       </a:r>
                       <a:r>
-                        <a:rPr lang="ko-KR" altLang="en-US" dirty="0" smtClean="0"/>
+                        <a:rPr lang="ko-KR" altLang="en-US" dirty="0"/>
                         <a:t> 이름</a:t>
                       </a:r>
-                      <a:endParaRPr lang="ko-KR" altLang="en-US" dirty="0"/>
                     </a:p>
                   </a:txBody>
                   <a:tcPr/>
@@ -9503,11 +14828,11 @@
                     <a:p>
                       <a:pPr algn="ctr" latinLnBrk="1"/>
                       <a:r>
-                        <a:rPr lang="ko-KR" altLang="en-US" dirty="0" smtClean="0"/>
+                        <a:rPr lang="ko-KR" altLang="en-US" dirty="0"/>
                         <a:t>관리자</a:t>
                       </a:r>
                       <a:r>
-                        <a:rPr lang="en-US" altLang="ko-KR" dirty="0" smtClean="0"/>
+                        <a:rPr lang="en-US" altLang="ko-KR" dirty="0"/>
                         <a:t>1</a:t>
                       </a:r>
                       <a:endParaRPr lang="ko-KR" altLang="en-US" dirty="0"/>
@@ -9522,10 +14847,9 @@
                     <a:p>
                       <a:pPr algn="ctr" latinLnBrk="1"/>
                       <a:r>
-                        <a:rPr lang="ko-KR" altLang="en-US" dirty="0" smtClean="0"/>
+                        <a:rPr lang="ko-KR" altLang="en-US" dirty="0"/>
                         <a:t>변경 삭제</a:t>
                       </a:r>
-                      <a:endParaRPr lang="ko-KR" altLang="en-US" dirty="0"/>
                     </a:p>
                   </a:txBody>
                   <a:tcPr/>
@@ -9544,7 +14868,7 @@
                     <a:p>
                       <a:pPr algn="ctr" latinLnBrk="1"/>
                       <a:r>
-                        <a:rPr lang="en-US" altLang="ko-KR" dirty="0" smtClean="0"/>
+                        <a:rPr lang="en-US" altLang="ko-KR" dirty="0"/>
                         <a:t>2</a:t>
                       </a:r>
                       <a:endParaRPr lang="ko-KR" altLang="en-US" dirty="0"/>
@@ -9575,15 +14899,15 @@
                         <a:defRPr/>
                       </a:pPr>
                       <a:r>
-                        <a:rPr lang="ko-KR" altLang="en-US" dirty="0" smtClean="0"/>
+                        <a:rPr lang="ko-KR" altLang="en-US" dirty="0"/>
                         <a:t>쇼핑몰</a:t>
                       </a:r>
                       <a:r>
-                        <a:rPr lang="en-US" altLang="ko-KR" dirty="0" smtClean="0"/>
+                        <a:rPr lang="en-US" altLang="ko-KR" dirty="0"/>
                         <a:t>2</a:t>
                       </a:r>
                       <a:r>
-                        <a:rPr lang="ko-KR" altLang="en-US" dirty="0" smtClean="0"/>
+                        <a:rPr lang="ko-KR" altLang="en-US" dirty="0"/>
                         <a:t> 이름</a:t>
                       </a:r>
                     </a:p>
@@ -9613,14 +14937,14 @@
                         <a:defRPr/>
                       </a:pPr>
                       <a:r>
-                        <a:rPr lang="ko-KR" altLang="en-US" dirty="0" smtClean="0"/>
+                        <a:rPr lang="ko-KR" altLang="en-US" dirty="0"/>
                         <a:t>관리자</a:t>
                       </a:r>
                       <a:r>
-                        <a:rPr lang="en-US" altLang="ko-KR" dirty="0" smtClean="0"/>
+                        <a:rPr lang="en-US" altLang="ko-KR" dirty="0"/>
                         <a:t>1</a:t>
                       </a:r>
-                      <a:endParaRPr lang="ko-KR" altLang="en-US" dirty="0" smtClean="0"/>
+                      <a:endParaRPr lang="ko-KR" altLang="en-US" dirty="0"/>
                     </a:p>
                   </a:txBody>
                   <a:tcPr/>
@@ -9648,7 +14972,7 @@
                         <a:defRPr/>
                       </a:pPr>
                       <a:r>
-                        <a:rPr lang="ko-KR" altLang="en-US" dirty="0" smtClean="0"/>
+                        <a:rPr lang="ko-KR" altLang="en-US" dirty="0"/>
                         <a:t>변경 삭제</a:t>
                       </a:r>
                     </a:p>
@@ -9669,7 +14993,7 @@
                     <a:p>
                       <a:pPr algn="ctr" latinLnBrk="1"/>
                       <a:r>
-                        <a:rPr lang="en-US" altLang="ko-KR" dirty="0" smtClean="0"/>
+                        <a:rPr lang="en-US" altLang="ko-KR" dirty="0"/>
                         <a:t>3</a:t>
                       </a:r>
                       <a:endParaRPr lang="ko-KR" altLang="en-US" dirty="0"/>
@@ -9700,15 +15024,15 @@
                         <a:defRPr/>
                       </a:pPr>
                       <a:r>
-                        <a:rPr lang="ko-KR" altLang="en-US" dirty="0" smtClean="0"/>
+                        <a:rPr lang="ko-KR" altLang="en-US" dirty="0"/>
                         <a:t>쇼핑몰</a:t>
                       </a:r>
                       <a:r>
-                        <a:rPr lang="en-US" altLang="ko-KR" dirty="0" smtClean="0"/>
+                        <a:rPr lang="en-US" altLang="ko-KR" dirty="0"/>
                         <a:t>3</a:t>
                       </a:r>
                       <a:r>
-                        <a:rPr lang="ko-KR" altLang="en-US" dirty="0" smtClean="0"/>
+                        <a:rPr lang="ko-KR" altLang="en-US" dirty="0"/>
                         <a:t> 이름</a:t>
                       </a:r>
                     </a:p>
@@ -9738,14 +15062,14 @@
                         <a:defRPr/>
                       </a:pPr>
                       <a:r>
-                        <a:rPr lang="ko-KR" altLang="en-US" dirty="0" smtClean="0"/>
+                        <a:rPr lang="ko-KR" altLang="en-US" dirty="0"/>
                         <a:t>관리자</a:t>
                       </a:r>
                       <a:r>
-                        <a:rPr lang="en-US" altLang="ko-KR" dirty="0" smtClean="0"/>
+                        <a:rPr lang="en-US" altLang="ko-KR" dirty="0"/>
                         <a:t>1</a:t>
                       </a:r>
-                      <a:endParaRPr lang="ko-KR" altLang="en-US" dirty="0" smtClean="0"/>
+                      <a:endParaRPr lang="ko-KR" altLang="en-US" dirty="0"/>
                     </a:p>
                   </a:txBody>
                   <a:tcPr/>
@@ -9773,14 +15097,14 @@
                         <a:defRPr/>
                       </a:pPr>
                       <a:r>
-                        <a:rPr lang="ko-KR" altLang="en-US" dirty="0" smtClean="0"/>
+                        <a:rPr lang="ko-KR" altLang="en-US" dirty="0"/>
                         <a:t>변경</a:t>
                       </a:r>
                       <a:r>
-                        <a:rPr lang="ko-KR" altLang="en-US" baseline="0" dirty="0" smtClean="0"/>
+                        <a:rPr lang="ko-KR" altLang="en-US" baseline="0" dirty="0"/>
                         <a:t> 삭제</a:t>
                       </a:r>
-                      <a:endParaRPr lang="ko-KR" altLang="en-US" dirty="0" smtClean="0"/>
+                      <a:endParaRPr lang="ko-KR" altLang="en-US" dirty="0"/>
                     </a:p>
                   </a:txBody>
                   <a:tcPr/>
@@ -9799,7 +15123,7 @@
                     <a:p>
                       <a:pPr algn="ctr" latinLnBrk="1"/>
                       <a:r>
-                        <a:rPr lang="en-US" altLang="ko-KR" dirty="0" smtClean="0"/>
+                        <a:rPr lang="en-US" altLang="ko-KR" dirty="0"/>
                         <a:t>4</a:t>
                       </a:r>
                       <a:endParaRPr lang="ko-KR" altLang="en-US" dirty="0"/>
@@ -9830,15 +15154,15 @@
                         <a:defRPr/>
                       </a:pPr>
                       <a:r>
-                        <a:rPr lang="ko-KR" altLang="en-US" dirty="0" smtClean="0"/>
+                        <a:rPr lang="ko-KR" altLang="en-US" dirty="0"/>
                         <a:t>쇼핑몰</a:t>
                       </a:r>
                       <a:r>
-                        <a:rPr lang="en-US" altLang="ko-KR" dirty="0" smtClean="0"/>
+                        <a:rPr lang="en-US" altLang="ko-KR" dirty="0"/>
                         <a:t>4</a:t>
                       </a:r>
                       <a:r>
-                        <a:rPr lang="ko-KR" altLang="en-US" dirty="0" smtClean="0"/>
+                        <a:rPr lang="ko-KR" altLang="en-US" dirty="0"/>
                         <a:t> 이름</a:t>
                       </a:r>
                     </a:p>
@@ -9868,14 +15192,14 @@
                         <a:defRPr/>
                       </a:pPr>
                       <a:r>
-                        <a:rPr lang="ko-KR" altLang="en-US" dirty="0" smtClean="0"/>
+                        <a:rPr lang="ko-KR" altLang="en-US" dirty="0"/>
                         <a:t>관리자</a:t>
                       </a:r>
                       <a:r>
-                        <a:rPr lang="en-US" altLang="ko-KR" dirty="0" smtClean="0"/>
+                        <a:rPr lang="en-US" altLang="ko-KR" dirty="0"/>
                         <a:t>1</a:t>
                       </a:r>
-                      <a:endParaRPr lang="ko-KR" altLang="en-US" dirty="0" smtClean="0"/>
+                      <a:endParaRPr lang="ko-KR" altLang="en-US" dirty="0"/>
                     </a:p>
                   </a:txBody>
                   <a:tcPr/>
@@ -9903,7 +15227,7 @@
                         <a:defRPr/>
                       </a:pPr>
                       <a:r>
-                        <a:rPr lang="ko-KR" altLang="en-US" dirty="0" smtClean="0"/>
+                        <a:rPr lang="ko-KR" altLang="en-US" dirty="0"/>
                         <a:t>변경 삭제</a:t>
                       </a:r>
                     </a:p>
@@ -9924,7 +15248,7 @@
                     <a:p>
                       <a:pPr algn="ctr" latinLnBrk="1"/>
                       <a:r>
-                        <a:rPr lang="en-US" altLang="ko-KR" dirty="0" smtClean="0"/>
+                        <a:rPr lang="en-US" altLang="ko-KR" dirty="0"/>
                         <a:t>5</a:t>
                       </a:r>
                       <a:endParaRPr lang="ko-KR" altLang="en-US" dirty="0"/>
@@ -9955,15 +15279,15 @@
                         <a:defRPr/>
                       </a:pPr>
                       <a:r>
-                        <a:rPr lang="ko-KR" altLang="en-US" dirty="0" smtClean="0"/>
+                        <a:rPr lang="ko-KR" altLang="en-US" dirty="0"/>
                         <a:t>쇼핑몰</a:t>
                       </a:r>
                       <a:r>
-                        <a:rPr lang="en-US" altLang="ko-KR" dirty="0" smtClean="0"/>
+                        <a:rPr lang="en-US" altLang="ko-KR" dirty="0"/>
                         <a:t>5</a:t>
                       </a:r>
                       <a:r>
-                        <a:rPr lang="ko-KR" altLang="en-US" dirty="0" smtClean="0"/>
+                        <a:rPr lang="ko-KR" altLang="en-US" dirty="0"/>
                         <a:t> 이름</a:t>
                       </a:r>
                     </a:p>
@@ -9993,14 +15317,14 @@
                         <a:defRPr/>
                       </a:pPr>
                       <a:r>
-                        <a:rPr lang="ko-KR" altLang="en-US" dirty="0" smtClean="0"/>
+                        <a:rPr lang="ko-KR" altLang="en-US" dirty="0"/>
                         <a:t>관리자</a:t>
                       </a:r>
                       <a:r>
-                        <a:rPr lang="en-US" altLang="ko-KR" dirty="0" smtClean="0"/>
+                        <a:rPr lang="en-US" altLang="ko-KR" dirty="0"/>
                         <a:t>2</a:t>
                       </a:r>
-                      <a:endParaRPr lang="ko-KR" altLang="en-US" dirty="0" smtClean="0"/>
+                      <a:endParaRPr lang="ko-KR" altLang="en-US" dirty="0"/>
                     </a:p>
                   </a:txBody>
                   <a:tcPr/>
@@ -10028,7 +15352,7 @@
                         <a:defRPr/>
                       </a:pPr>
                       <a:r>
-                        <a:rPr lang="ko-KR" altLang="en-US" dirty="0" smtClean="0"/>
+                        <a:rPr lang="ko-KR" altLang="en-US" dirty="0"/>
                         <a:t>변경 삭제</a:t>
                       </a:r>
                     </a:p>
@@ -10049,7 +15373,7 @@
                     <a:p>
                       <a:pPr algn="ctr" latinLnBrk="1"/>
                       <a:r>
-                        <a:rPr lang="en-US" altLang="ko-KR" dirty="0" smtClean="0"/>
+                        <a:rPr lang="en-US" altLang="ko-KR" dirty="0"/>
                         <a:t>6</a:t>
                       </a:r>
                       <a:endParaRPr lang="ko-KR" altLang="en-US" dirty="0"/>
@@ -10080,15 +15404,15 @@
                         <a:defRPr/>
                       </a:pPr>
                       <a:r>
-                        <a:rPr lang="ko-KR" altLang="en-US" dirty="0" smtClean="0"/>
+                        <a:rPr lang="ko-KR" altLang="en-US" dirty="0"/>
                         <a:t>쇼핑몰</a:t>
                       </a:r>
                       <a:r>
-                        <a:rPr lang="en-US" altLang="ko-KR" dirty="0" smtClean="0"/>
+                        <a:rPr lang="en-US" altLang="ko-KR" dirty="0"/>
                         <a:t>6</a:t>
                       </a:r>
                       <a:r>
-                        <a:rPr lang="ko-KR" altLang="en-US" dirty="0" smtClean="0"/>
+                        <a:rPr lang="ko-KR" altLang="en-US" dirty="0"/>
                         <a:t> 이름</a:t>
                       </a:r>
                     </a:p>
@@ -10118,14 +15442,14 @@
                         <a:defRPr/>
                       </a:pPr>
                       <a:r>
-                        <a:rPr lang="ko-KR" altLang="en-US" dirty="0" smtClean="0"/>
+                        <a:rPr lang="ko-KR" altLang="en-US" dirty="0"/>
                         <a:t>관리자</a:t>
                       </a:r>
                       <a:r>
-                        <a:rPr lang="en-US" altLang="ko-KR" dirty="0" smtClean="0"/>
+                        <a:rPr lang="en-US" altLang="ko-KR" dirty="0"/>
                         <a:t>3</a:t>
                       </a:r>
-                      <a:endParaRPr lang="ko-KR" altLang="en-US" dirty="0" smtClean="0"/>
+                      <a:endParaRPr lang="ko-KR" altLang="en-US" dirty="0"/>
                     </a:p>
                   </a:txBody>
                   <a:tcPr/>
@@ -10153,7 +15477,7 @@
                         <a:defRPr/>
                       </a:pPr>
                       <a:r>
-                        <a:rPr lang="ko-KR" altLang="en-US" dirty="0" smtClean="0"/>
+                        <a:rPr lang="ko-KR" altLang="en-US" dirty="0"/>
                         <a:t>변경 삭제</a:t>
                       </a:r>
                     </a:p>
@@ -10170,6 +15494,481 @@
           </a:graphicData>
         </a:graphic>
       </p:graphicFrame>
+      <p:sp>
+        <p:nvSpPr>
+          <p:cNvPr id="2" name="타원 1">
+            <a:extLst>
+              <a:ext uri="{FF2B5EF4-FFF2-40B4-BE49-F238E27FC236}">
+                <a16:creationId xmlns:a16="http://schemas.microsoft.com/office/drawing/2014/main" id="{E1439F7B-EA78-9D55-6E72-825955FED8D8}"/>
+              </a:ext>
+            </a:extLst>
+          </p:cNvPr>
+          <p:cNvSpPr/>
+          <p:nvPr/>
+        </p:nvSpPr>
+        <p:spPr>
+          <a:xfrm>
+            <a:off x="6876150" y="1527384"/>
+            <a:ext cx="216000" cy="216000"/>
+          </a:xfrm>
+          <a:prstGeom prst="ellipse">
+            <a:avLst/>
+          </a:prstGeom>
+          <a:solidFill>
+            <a:srgbClr val="FF0000"/>
+          </a:solidFill>
+          <a:ln>
+            <a:noFill/>
+          </a:ln>
+        </p:spPr>
+        <p:style>
+          <a:lnRef idx="2">
+            <a:schemeClr val="accent1">
+              <a:shade val="50000"/>
+            </a:schemeClr>
+          </a:lnRef>
+          <a:fillRef idx="1">
+            <a:schemeClr val="accent1"/>
+          </a:fillRef>
+          <a:effectRef idx="0">
+            <a:schemeClr val="accent1"/>
+          </a:effectRef>
+          <a:fontRef idx="minor">
+            <a:schemeClr val="lt1"/>
+          </a:fontRef>
+        </p:style>
+        <p:txBody>
+          <a:bodyPr wrap="none" lIns="0" tIns="0" rIns="0" bIns="0" rtlCol="0" anchor="ctr"/>
+          <a:lstStyle/>
+          <a:p>
+            <a:pPr algn="ctr"/>
+            <a:r>
+              <a:rPr lang="en-US" altLang="ko-KR" sz="1100" dirty="0">
+                <a:solidFill>
+                  <a:schemeClr val="bg1"/>
+                </a:solidFill>
+                <a:latin typeface="타이포_씨고딕 140" panose="02020503020101020101" pitchFamily="18" charset="-127"/>
+                <a:ea typeface="타이포_씨고딕 140" panose="02020503020101020101" pitchFamily="18" charset="-127"/>
+              </a:rPr>
+              <a:t>3</a:t>
+            </a:r>
+            <a:endParaRPr lang="ko-KR" altLang="en-US" sz="1100" dirty="0">
+              <a:solidFill>
+                <a:schemeClr val="bg1"/>
+              </a:solidFill>
+              <a:latin typeface="타이포_씨고딕 140" panose="02020503020101020101" pitchFamily="18" charset="-127"/>
+              <a:ea typeface="타이포_씨고딕 140" panose="02020503020101020101" pitchFamily="18" charset="-127"/>
+            </a:endParaRPr>
+          </a:p>
+        </p:txBody>
+      </p:sp>
+      <p:sp>
+        <p:nvSpPr>
+          <p:cNvPr id="3" name="타원 2">
+            <a:extLst>
+              <a:ext uri="{FF2B5EF4-FFF2-40B4-BE49-F238E27FC236}">
+                <a16:creationId xmlns:a16="http://schemas.microsoft.com/office/drawing/2014/main" id="{212FEFB1-8ECC-0118-BEDF-E1D89FFFA0B5}"/>
+              </a:ext>
+            </a:extLst>
+          </p:cNvPr>
+          <p:cNvSpPr/>
+          <p:nvPr/>
+        </p:nvSpPr>
+        <p:spPr>
+          <a:xfrm>
+            <a:off x="8129916" y="1527384"/>
+            <a:ext cx="216000" cy="216000"/>
+          </a:xfrm>
+          <a:prstGeom prst="ellipse">
+            <a:avLst/>
+          </a:prstGeom>
+          <a:solidFill>
+            <a:srgbClr val="FF0000"/>
+          </a:solidFill>
+          <a:ln>
+            <a:noFill/>
+          </a:ln>
+        </p:spPr>
+        <p:style>
+          <a:lnRef idx="2">
+            <a:schemeClr val="accent1">
+              <a:shade val="50000"/>
+            </a:schemeClr>
+          </a:lnRef>
+          <a:fillRef idx="1">
+            <a:schemeClr val="accent1"/>
+          </a:fillRef>
+          <a:effectRef idx="0">
+            <a:schemeClr val="accent1"/>
+          </a:effectRef>
+          <a:fontRef idx="minor">
+            <a:schemeClr val="lt1"/>
+          </a:fontRef>
+        </p:style>
+        <p:txBody>
+          <a:bodyPr wrap="none" lIns="0" tIns="0" rIns="0" bIns="0" rtlCol="0" anchor="ctr"/>
+          <a:lstStyle/>
+          <a:p>
+            <a:pPr algn="ctr"/>
+            <a:r>
+              <a:rPr lang="en-US" altLang="ko-KR" sz="1100" dirty="0">
+                <a:solidFill>
+                  <a:schemeClr val="bg1"/>
+                </a:solidFill>
+                <a:latin typeface="타이포_씨고딕 140" panose="02020503020101020101" pitchFamily="18" charset="-127"/>
+                <a:ea typeface="타이포_씨고딕 140" panose="02020503020101020101" pitchFamily="18" charset="-127"/>
+              </a:rPr>
+              <a:t>4</a:t>
+            </a:r>
+            <a:endParaRPr lang="ko-KR" altLang="en-US" sz="1100" dirty="0">
+              <a:solidFill>
+                <a:schemeClr val="bg1"/>
+              </a:solidFill>
+              <a:latin typeface="타이포_씨고딕 140" panose="02020503020101020101" pitchFamily="18" charset="-127"/>
+              <a:ea typeface="타이포_씨고딕 140" panose="02020503020101020101" pitchFamily="18" charset="-127"/>
+            </a:endParaRPr>
+          </a:p>
+        </p:txBody>
+      </p:sp>
+      <p:sp>
+        <p:nvSpPr>
+          <p:cNvPr id="7" name="타원 6">
+            <a:extLst>
+              <a:ext uri="{FF2B5EF4-FFF2-40B4-BE49-F238E27FC236}">
+                <a16:creationId xmlns:a16="http://schemas.microsoft.com/office/drawing/2014/main" id="{2294F128-649F-1FA5-D12B-5C6903F5B08F}"/>
+              </a:ext>
+            </a:extLst>
+          </p:cNvPr>
+          <p:cNvSpPr/>
+          <p:nvPr/>
+        </p:nvSpPr>
+        <p:spPr>
+          <a:xfrm>
+            <a:off x="146977" y="129417"/>
+            <a:ext cx="216000" cy="216000"/>
+          </a:xfrm>
+          <a:prstGeom prst="ellipse">
+            <a:avLst/>
+          </a:prstGeom>
+          <a:solidFill>
+            <a:srgbClr val="FF0000"/>
+          </a:solidFill>
+          <a:ln>
+            <a:noFill/>
+          </a:ln>
+        </p:spPr>
+        <p:style>
+          <a:lnRef idx="2">
+            <a:schemeClr val="accent1">
+              <a:shade val="50000"/>
+            </a:schemeClr>
+          </a:lnRef>
+          <a:fillRef idx="1">
+            <a:schemeClr val="accent1"/>
+          </a:fillRef>
+          <a:effectRef idx="0">
+            <a:schemeClr val="accent1"/>
+          </a:effectRef>
+          <a:fontRef idx="minor">
+            <a:schemeClr val="lt1"/>
+          </a:fontRef>
+        </p:style>
+        <p:txBody>
+          <a:bodyPr wrap="none" lIns="0" tIns="0" rIns="0" bIns="0" rtlCol="0" anchor="ctr"/>
+          <a:lstStyle/>
+          <a:p>
+            <a:pPr algn="ctr"/>
+            <a:r>
+              <a:rPr lang="en-US" altLang="ko-KR" sz="1100" dirty="0">
+                <a:solidFill>
+                  <a:schemeClr val="bg1"/>
+                </a:solidFill>
+                <a:latin typeface="타이포_씨고딕 140" panose="02020503020101020101" pitchFamily="18" charset="-127"/>
+                <a:ea typeface="타이포_씨고딕 140" panose="02020503020101020101" pitchFamily="18" charset="-127"/>
+              </a:rPr>
+              <a:t>1</a:t>
+            </a:r>
+            <a:endParaRPr lang="ko-KR" altLang="en-US" sz="1100" dirty="0">
+              <a:solidFill>
+                <a:schemeClr val="bg1"/>
+              </a:solidFill>
+              <a:latin typeface="타이포_씨고딕 140" panose="02020503020101020101" pitchFamily="18" charset="-127"/>
+              <a:ea typeface="타이포_씨고딕 140" panose="02020503020101020101" pitchFamily="18" charset="-127"/>
+            </a:endParaRPr>
+          </a:p>
+        </p:txBody>
+      </p:sp>
+      <p:sp>
+        <p:nvSpPr>
+          <p:cNvPr id="9" name="TextBox 8">
+            <a:extLst>
+              <a:ext uri="{FF2B5EF4-FFF2-40B4-BE49-F238E27FC236}">
+                <a16:creationId xmlns:a16="http://schemas.microsoft.com/office/drawing/2014/main" id="{E0FE721A-4585-A693-F5AF-157D30C7A04F}"/>
+              </a:ext>
+            </a:extLst>
+          </p:cNvPr>
+          <p:cNvSpPr txBox="1"/>
+          <p:nvPr/>
+        </p:nvSpPr>
+        <p:spPr>
+          <a:xfrm>
+            <a:off x="9785022" y="571498"/>
+            <a:ext cx="2340990" cy="2246769"/>
+          </a:xfrm>
+          <a:prstGeom prst="rect">
+            <a:avLst/>
+          </a:prstGeom>
+          <a:noFill/>
+        </p:spPr>
+        <p:txBody>
+          <a:bodyPr wrap="square" rtlCol="0">
+            <a:spAutoFit/>
+          </a:bodyPr>
+          <a:lstStyle/>
+          <a:p>
+            <a:r>
+              <a:rPr kumimoji="1" lang="en-US" altLang="ko-Kore-KR" sz="1000" dirty="0"/>
+              <a:t>[1]</a:t>
+            </a:r>
+            <a:r>
+              <a:rPr kumimoji="1" lang="ko-KR" altLang="en-US" sz="1000" dirty="0"/>
+              <a:t> </a:t>
+            </a:r>
+            <a:r>
+              <a:rPr kumimoji="1" lang="ko-Kore-KR" altLang="en-US" sz="1000" dirty="0"/>
+              <a:t>관리자페이지</a:t>
+            </a:r>
+            <a:endParaRPr kumimoji="1" lang="en-US" altLang="ko-KR" sz="1000" dirty="0"/>
+          </a:p>
+          <a:p>
+            <a:r>
+              <a:rPr kumimoji="1" lang="en-US" altLang="ko-Kore-KR" sz="1000" dirty="0"/>
+              <a:t>-</a:t>
+            </a:r>
+            <a:r>
+              <a:rPr kumimoji="1" lang="ko-Kore-KR" altLang="en-US" sz="1000" dirty="0"/>
+              <a:t>클릭시</a:t>
+            </a:r>
+            <a:r>
+              <a:rPr kumimoji="1" lang="ko-KR" altLang="en-US" sz="1000" dirty="0"/>
+              <a:t> 관리페이지 메인으로 이동</a:t>
+            </a:r>
+            <a:endParaRPr kumimoji="1" lang="en-US" altLang="ko-KR" sz="1000" dirty="0"/>
+          </a:p>
+          <a:p>
+            <a:endParaRPr kumimoji="1" lang="en-US" altLang="ko-KR" sz="1000" dirty="0"/>
+          </a:p>
+          <a:p>
+            <a:r>
+              <a:rPr kumimoji="1" lang="en-US" altLang="ko-KR" sz="1000" dirty="0"/>
+              <a:t>[2]</a:t>
+            </a:r>
+            <a:r>
+              <a:rPr kumimoji="1" lang="ko-KR" altLang="en-US" sz="1000" dirty="0"/>
+              <a:t> 추가</a:t>
+            </a:r>
+            <a:endParaRPr kumimoji="1" lang="en-US" altLang="ko-KR" sz="1000" dirty="0"/>
+          </a:p>
+          <a:p>
+            <a:r>
+              <a:rPr kumimoji="1" lang="en-US" altLang="ko-KR" sz="1000" dirty="0"/>
+              <a:t>-</a:t>
+            </a:r>
+            <a:r>
+              <a:rPr kumimoji="1" lang="ko-KR" altLang="en-US" sz="1000" dirty="0"/>
+              <a:t>클릭 시  쇼핑몰 추가 페이지로 이동</a:t>
+            </a:r>
+            <a:endParaRPr kumimoji="1" lang="en-US" altLang="ko-KR" sz="1000" dirty="0"/>
+          </a:p>
+          <a:p>
+            <a:endParaRPr kumimoji="1" lang="en-US" altLang="ko-KR" sz="1000" dirty="0"/>
+          </a:p>
+          <a:p>
+            <a:r>
+              <a:rPr kumimoji="1" lang="en-US" altLang="ko-KR" sz="1000" dirty="0"/>
+              <a:t>[3]</a:t>
+            </a:r>
+            <a:r>
+              <a:rPr kumimoji="1" lang="ko-KR" altLang="en-US" sz="1000" dirty="0"/>
+              <a:t> 변경</a:t>
+            </a:r>
+            <a:endParaRPr kumimoji="1" lang="en-US" altLang="ko-KR" sz="1000" dirty="0"/>
+          </a:p>
+          <a:p>
+            <a:r>
+              <a:rPr kumimoji="1" lang="ko-KR" altLang="en-US" sz="1000" dirty="0"/>
+              <a:t>클릭 시 </a:t>
+            </a:r>
+            <a:r>
+              <a:rPr kumimoji="1" lang="ko-KR" altLang="en-US" sz="1000" dirty="0" err="1"/>
+              <a:t>쇼핌몰올</a:t>
+            </a:r>
+            <a:r>
+              <a:rPr kumimoji="1" lang="ko-KR" altLang="en-US" sz="1000" dirty="0"/>
+              <a:t> 정보를 수정할 수 있다</a:t>
+            </a:r>
+            <a:r>
+              <a:rPr kumimoji="1" lang="en-US" altLang="ko-KR" sz="1000" dirty="0"/>
+              <a:t>.</a:t>
+            </a:r>
+            <a:r>
+              <a:rPr kumimoji="1" lang="ko-KR" altLang="en-US" sz="1000" dirty="0"/>
+              <a:t> </a:t>
+            </a:r>
+            <a:r>
+              <a:rPr kumimoji="1" lang="en-US" altLang="ko-KR" sz="1000" dirty="0"/>
+              <a:t>(</a:t>
+            </a:r>
+            <a:r>
+              <a:rPr kumimoji="1" lang="ko-KR" altLang="en-US" sz="1000" dirty="0"/>
+              <a:t>단</a:t>
+            </a:r>
+            <a:r>
+              <a:rPr kumimoji="1" lang="en-US" altLang="ko-KR" sz="1000" dirty="0"/>
+              <a:t>,</a:t>
+            </a:r>
+            <a:r>
+              <a:rPr kumimoji="1" lang="ko-KR" altLang="en-US" sz="1000" dirty="0"/>
+              <a:t> 자신이 추가한 것 만 가능</a:t>
+            </a:r>
+            <a:r>
+              <a:rPr kumimoji="1" lang="en-US" altLang="ko-KR" sz="1000" dirty="0"/>
+              <a:t>)</a:t>
+            </a:r>
+          </a:p>
+          <a:p>
+            <a:endParaRPr kumimoji="1" lang="en-US" altLang="ko-KR" sz="1000" dirty="0"/>
+          </a:p>
+          <a:p>
+            <a:r>
+              <a:rPr kumimoji="1" lang="en-US" altLang="ko-KR" sz="1000" dirty="0"/>
+              <a:t>[4]</a:t>
+            </a:r>
+            <a:r>
+              <a:rPr kumimoji="1" lang="ko-KR" altLang="en-US" sz="1000" dirty="0"/>
+              <a:t> 삭제</a:t>
+            </a:r>
+            <a:endParaRPr kumimoji="1" lang="en-US" altLang="ko-KR" sz="1000" dirty="0"/>
+          </a:p>
+          <a:p>
+            <a:r>
+              <a:rPr kumimoji="1" lang="en-US" altLang="ko-KR" sz="1000" dirty="0"/>
+              <a:t>-</a:t>
+            </a:r>
+            <a:r>
+              <a:rPr kumimoji="1" lang="ko-KR" altLang="en-US" sz="1000" dirty="0"/>
+              <a:t> </a:t>
+            </a:r>
+            <a:r>
+              <a:rPr kumimoji="1" lang="ko-KR" altLang="en-US" sz="1000" dirty="0" err="1"/>
+              <a:t>클릭시</a:t>
+            </a:r>
+            <a:r>
+              <a:rPr kumimoji="1" lang="ko-KR" altLang="en-US" sz="1000" dirty="0"/>
+              <a:t> 쇼핑몰 정보를 삭제 할 수 있다</a:t>
+            </a:r>
+            <a:r>
+              <a:rPr kumimoji="1" lang="en-US" altLang="ko-KR" sz="1000" dirty="0"/>
+              <a:t>.</a:t>
+            </a:r>
+            <a:r>
+              <a:rPr kumimoji="1" lang="ko-KR" altLang="en-US" sz="1000" dirty="0"/>
+              <a:t> </a:t>
+            </a:r>
+            <a:r>
+              <a:rPr kumimoji="1" lang="en-US" altLang="ko-KR" sz="1000" dirty="0"/>
+              <a:t>(</a:t>
+            </a:r>
+            <a:r>
+              <a:rPr kumimoji="1" lang="ko-KR" altLang="en-US" sz="1000" dirty="0"/>
+              <a:t>단</a:t>
+            </a:r>
+            <a:r>
+              <a:rPr kumimoji="1" lang="en-US" altLang="ko-KR" sz="1000" dirty="0"/>
+              <a:t>,</a:t>
+            </a:r>
+            <a:r>
+              <a:rPr kumimoji="1" lang="ko-KR" altLang="en-US" sz="1000" dirty="0"/>
+              <a:t> 자신이 추가한 것 만 가능</a:t>
+            </a:r>
+            <a:r>
+              <a:rPr kumimoji="1" lang="en-US" altLang="ko-KR" sz="1000" dirty="0"/>
+              <a:t>)</a:t>
+            </a:r>
+          </a:p>
+          <a:p>
+            <a:endParaRPr kumimoji="1" lang="en-US" altLang="ko-KR" sz="1000" dirty="0"/>
+          </a:p>
+        </p:txBody>
+      </p:sp>
+      <p:sp>
+        <p:nvSpPr>
+          <p:cNvPr id="10" name="타원 9">
+            <a:extLst>
+              <a:ext uri="{FF2B5EF4-FFF2-40B4-BE49-F238E27FC236}">
+                <a16:creationId xmlns:a16="http://schemas.microsoft.com/office/drawing/2014/main" id="{D5464E5D-D7D0-A79B-FC13-370A9C258B24}"/>
+              </a:ext>
+            </a:extLst>
+          </p:cNvPr>
+          <p:cNvSpPr/>
+          <p:nvPr/>
+        </p:nvSpPr>
+        <p:spPr>
+          <a:xfrm>
+            <a:off x="8526605" y="151439"/>
+            <a:ext cx="216000" cy="216000"/>
+          </a:xfrm>
+          <a:prstGeom prst="ellipse">
+            <a:avLst/>
+          </a:prstGeom>
+          <a:solidFill>
+            <a:srgbClr val="FF0000"/>
+          </a:solidFill>
+          <a:ln>
+            <a:noFill/>
+          </a:ln>
+        </p:spPr>
+        <p:style>
+          <a:lnRef idx="2">
+            <a:schemeClr val="accent1">
+              <a:shade val="50000"/>
+            </a:schemeClr>
+          </a:lnRef>
+          <a:fillRef idx="1">
+            <a:schemeClr val="accent1"/>
+          </a:fillRef>
+          <a:effectRef idx="0">
+            <a:schemeClr val="accent1"/>
+          </a:effectRef>
+          <a:fontRef idx="minor">
+            <a:schemeClr val="lt1"/>
+          </a:fontRef>
+        </p:style>
+        <p:txBody>
+          <a:bodyPr wrap="none" lIns="0" tIns="0" rIns="0" bIns="0" rtlCol="0" anchor="ctr"/>
+          <a:lstStyle/>
+          <a:p>
+            <a:pPr algn="ctr"/>
+            <a:r>
+              <a:rPr lang="en-US" altLang="ko-KR" sz="1100" dirty="0">
+                <a:solidFill>
+                  <a:schemeClr val="bg1"/>
+                </a:solidFill>
+                <a:latin typeface="타이포_씨고딕 140" panose="02020503020101020101" pitchFamily="18" charset="-127"/>
+                <a:ea typeface="타이포_씨고딕 140" panose="02020503020101020101" pitchFamily="18" charset="-127"/>
+              </a:rPr>
+              <a:t>2</a:t>
+            </a:r>
+            <a:endParaRPr lang="ko-KR" altLang="en-US" sz="1100" dirty="0">
+              <a:solidFill>
+                <a:schemeClr val="bg1"/>
+              </a:solidFill>
+              <a:latin typeface="타이포_씨고딕 140" panose="02020503020101020101" pitchFamily="18" charset="-127"/>
+              <a:ea typeface="타이포_씨고딕 140" panose="02020503020101020101" pitchFamily="18" charset="-127"/>
+            </a:endParaRPr>
+          </a:p>
+        </p:txBody>
+      </p:sp>
     </p:spTree>
     <p:extLst>
       <p:ext uri="{BB962C8B-B14F-4D97-AF65-F5344CB8AC3E}">
@@ -10180,13 +15979,6 @@
   <p:clrMapOvr>
     <a:masterClrMapping/>
   </p:clrMapOvr>
-  <p:timing>
-    <p:tnLst>
-      <p:par>
-        <p:cTn id="1" dur="indefinite" restart="never" nodeType="tmRoot"/>
-      </p:par>
-    </p:tnLst>
-  </p:timing>
 </p:sld>
 </file>
 
@@ -10244,10 +16036,9 @@
           <a:p>
             <a:pPr algn="ctr"/>
             <a:r>
-              <a:rPr lang="ko-KR" altLang="en-US" sz="4000" dirty="0" smtClean="0"/>
+              <a:rPr lang="ko-KR" altLang="en-US" sz="4000" dirty="0"/>
               <a:t>쇼핑몰 추가 페이지</a:t>
             </a:r>
-            <a:endParaRPr lang="ko-KR" altLang="en-US" sz="4000" dirty="0"/>
           </a:p>
         </p:txBody>
       </p:sp>
@@ -10261,13 +16052,6 @@
   <p:clrMapOvr>
     <a:masterClrMapping/>
   </p:clrMapOvr>
-  <p:timing>
-    <p:tnLst>
-      <p:par>
-        <p:cTn id="1" dur="indefinite" restart="never" nodeType="tmRoot"/>
-      </p:par>
-    </p:tnLst>
-  </p:timing>
 </p:sld>
 </file>
 
@@ -10288,6 +16072,1137 @@
           <a:chExt cx="0" cy="0"/>
         </a:xfrm>
       </p:grpSpPr>
+      <p:cxnSp>
+        <p:nvCxnSpPr>
+          <p:cNvPr id="2" name="직선 연결선 3">
+            <a:extLst>
+              <a:ext uri="{FF2B5EF4-FFF2-40B4-BE49-F238E27FC236}">
+                <a16:creationId xmlns:a16="http://schemas.microsoft.com/office/drawing/2014/main" id="{FED54087-3E7B-F71B-827F-E6238A92DDD6}"/>
+              </a:ext>
+            </a:extLst>
+          </p:cNvPr>
+          <p:cNvCxnSpPr/>
+          <p:nvPr/>
+        </p:nvCxnSpPr>
+        <p:spPr>
+          <a:xfrm flipV="1">
+            <a:off x="254977" y="562704"/>
+            <a:ext cx="9275885" cy="8794"/>
+          </a:xfrm>
+          <a:prstGeom prst="line">
+            <a:avLst/>
+          </a:prstGeom>
+        </p:spPr>
+        <p:style>
+          <a:lnRef idx="1">
+            <a:schemeClr val="accent3"/>
+          </a:lnRef>
+          <a:fillRef idx="0">
+            <a:schemeClr val="accent3"/>
+          </a:fillRef>
+          <a:effectRef idx="0">
+            <a:schemeClr val="accent3"/>
+          </a:effectRef>
+          <a:fontRef idx="minor">
+            <a:schemeClr val="tx1"/>
+          </a:fontRef>
+        </p:style>
+      </p:cxnSp>
+      <p:sp>
+        <p:nvSpPr>
+          <p:cNvPr id="3" name="TextBox 2">
+            <a:extLst>
+              <a:ext uri="{FF2B5EF4-FFF2-40B4-BE49-F238E27FC236}">
+                <a16:creationId xmlns:a16="http://schemas.microsoft.com/office/drawing/2014/main" id="{F7E395CF-16C0-8810-E74D-22FFF7B059D7}"/>
+              </a:ext>
+            </a:extLst>
+          </p:cNvPr>
+          <p:cNvSpPr txBox="1"/>
+          <p:nvPr/>
+        </p:nvSpPr>
+        <p:spPr>
+          <a:xfrm>
+            <a:off x="254977" y="52751"/>
+            <a:ext cx="1767254" cy="369332"/>
+          </a:xfrm>
+          <a:prstGeom prst="rect">
+            <a:avLst/>
+          </a:prstGeom>
+          <a:noFill/>
+        </p:spPr>
+        <p:txBody>
+          <a:bodyPr wrap="square" rtlCol="0">
+            <a:spAutoFit/>
+          </a:bodyPr>
+          <a:lstStyle/>
+          <a:p>
+            <a:r>
+              <a:rPr lang="ko-KR" altLang="en-US" dirty="0"/>
+              <a:t>관리자 페이지</a:t>
+            </a:r>
+          </a:p>
+        </p:txBody>
+      </p:sp>
+      <p:sp>
+        <p:nvSpPr>
+          <p:cNvPr id="5" name="TextBox 4">
+            <a:extLst>
+              <a:ext uri="{FF2B5EF4-FFF2-40B4-BE49-F238E27FC236}">
+                <a16:creationId xmlns:a16="http://schemas.microsoft.com/office/drawing/2014/main" id="{954F62B6-6637-5AC8-E685-53CC98A8BF80}"/>
+              </a:ext>
+            </a:extLst>
+          </p:cNvPr>
+          <p:cNvSpPr txBox="1"/>
+          <p:nvPr/>
+        </p:nvSpPr>
+        <p:spPr>
+          <a:xfrm>
+            <a:off x="291765" y="720158"/>
+            <a:ext cx="1767254" cy="369332"/>
+          </a:xfrm>
+          <a:prstGeom prst="rect">
+            <a:avLst/>
+          </a:prstGeom>
+          <a:noFill/>
+        </p:spPr>
+        <p:txBody>
+          <a:bodyPr wrap="square" rtlCol="0">
+            <a:spAutoFit/>
+          </a:bodyPr>
+          <a:lstStyle/>
+          <a:p>
+            <a:r>
+              <a:rPr lang="ko-KR" altLang="en-US" dirty="0"/>
+              <a:t>쇼핑몰 추가</a:t>
+            </a:r>
+          </a:p>
+        </p:txBody>
+      </p:sp>
+      <p:sp>
+        <p:nvSpPr>
+          <p:cNvPr id="6" name="직사각형 5">
+            <a:extLst>
+              <a:ext uri="{FF2B5EF4-FFF2-40B4-BE49-F238E27FC236}">
+                <a16:creationId xmlns:a16="http://schemas.microsoft.com/office/drawing/2014/main" id="{E9B7BCB5-A9E6-2354-1851-3E851586DA1B}"/>
+              </a:ext>
+            </a:extLst>
+          </p:cNvPr>
+          <p:cNvSpPr/>
+          <p:nvPr/>
+        </p:nvSpPr>
+        <p:spPr>
+          <a:xfrm>
+            <a:off x="254977" y="1204903"/>
+            <a:ext cx="9275885" cy="4165682"/>
+          </a:xfrm>
+          <a:prstGeom prst="rect">
+            <a:avLst/>
+          </a:prstGeom>
+          <a:noFill/>
+          <a:ln>
+            <a:solidFill>
+              <a:schemeClr val="tx1"/>
+            </a:solidFill>
+          </a:ln>
+        </p:spPr>
+        <p:style>
+          <a:lnRef idx="2">
+            <a:schemeClr val="accent1">
+              <a:shade val="50000"/>
+            </a:schemeClr>
+          </a:lnRef>
+          <a:fillRef idx="1">
+            <a:schemeClr val="accent1"/>
+          </a:fillRef>
+          <a:effectRef idx="0">
+            <a:schemeClr val="accent1"/>
+          </a:effectRef>
+          <a:fontRef idx="minor">
+            <a:schemeClr val="lt1"/>
+          </a:fontRef>
+        </p:style>
+        <p:txBody>
+          <a:bodyPr rtlCol="0" anchor="ctr"/>
+          <a:lstStyle/>
+          <a:p>
+            <a:pPr algn="ctr"/>
+            <a:endParaRPr kumimoji="1" lang="ko-Kore-KR" altLang="en-US"/>
+          </a:p>
+        </p:txBody>
+      </p:sp>
+      <p:sp>
+        <p:nvSpPr>
+          <p:cNvPr id="7" name="TextBox 6">
+            <a:extLst>
+              <a:ext uri="{FF2B5EF4-FFF2-40B4-BE49-F238E27FC236}">
+                <a16:creationId xmlns:a16="http://schemas.microsoft.com/office/drawing/2014/main" id="{0AA9252A-2D58-6B45-83A9-417D5FDE8F65}"/>
+              </a:ext>
+            </a:extLst>
+          </p:cNvPr>
+          <p:cNvSpPr txBox="1"/>
+          <p:nvPr/>
+        </p:nvSpPr>
+        <p:spPr>
+          <a:xfrm>
+            <a:off x="466700" y="1800497"/>
+            <a:ext cx="1555531" cy="246221"/>
+          </a:xfrm>
+          <a:prstGeom prst="rect">
+            <a:avLst/>
+          </a:prstGeom>
+          <a:noFill/>
+        </p:spPr>
+        <p:txBody>
+          <a:bodyPr wrap="square" rtlCol="0">
+            <a:spAutoFit/>
+          </a:bodyPr>
+          <a:lstStyle/>
+          <a:p>
+            <a:r>
+              <a:rPr kumimoji="1" lang="ko-Kore-KR" altLang="en-US" sz="1000" dirty="0"/>
+              <a:t>쇼핌몰이름</a:t>
+            </a:r>
+          </a:p>
+        </p:txBody>
+      </p:sp>
+      <p:sp>
+        <p:nvSpPr>
+          <p:cNvPr id="8" name="직사각형 7">
+            <a:extLst>
+              <a:ext uri="{FF2B5EF4-FFF2-40B4-BE49-F238E27FC236}">
+                <a16:creationId xmlns:a16="http://schemas.microsoft.com/office/drawing/2014/main" id="{ACF948FC-DF13-10E3-729F-E2281D817FA6}"/>
+              </a:ext>
+            </a:extLst>
+          </p:cNvPr>
+          <p:cNvSpPr/>
+          <p:nvPr/>
+        </p:nvSpPr>
+        <p:spPr>
+          <a:xfrm>
+            <a:off x="1349570" y="1800497"/>
+            <a:ext cx="3797465" cy="317552"/>
+          </a:xfrm>
+          <a:prstGeom prst="rect">
+            <a:avLst/>
+          </a:prstGeom>
+          <a:noFill/>
+          <a:ln>
+            <a:solidFill>
+              <a:schemeClr val="tx1"/>
+            </a:solidFill>
+          </a:ln>
+        </p:spPr>
+        <p:style>
+          <a:lnRef idx="2">
+            <a:schemeClr val="accent1">
+              <a:shade val="50000"/>
+            </a:schemeClr>
+          </a:lnRef>
+          <a:fillRef idx="1">
+            <a:schemeClr val="accent1"/>
+          </a:fillRef>
+          <a:effectRef idx="0">
+            <a:schemeClr val="accent1"/>
+          </a:effectRef>
+          <a:fontRef idx="minor">
+            <a:schemeClr val="lt1"/>
+          </a:fontRef>
+        </p:style>
+        <p:txBody>
+          <a:bodyPr rtlCol="0" anchor="ctr"/>
+          <a:lstStyle/>
+          <a:p>
+            <a:pPr algn="ctr"/>
+            <a:endParaRPr kumimoji="1" lang="ko-Kore-KR" altLang="en-US"/>
+          </a:p>
+        </p:txBody>
+      </p:sp>
+      <p:sp>
+        <p:nvSpPr>
+          <p:cNvPr id="11" name="TextBox 10">
+            <a:extLst>
+              <a:ext uri="{FF2B5EF4-FFF2-40B4-BE49-F238E27FC236}">
+                <a16:creationId xmlns:a16="http://schemas.microsoft.com/office/drawing/2014/main" id="{D1CF3D5A-8C44-D6AA-EFAF-D4C74BEC032D}"/>
+              </a:ext>
+            </a:extLst>
+          </p:cNvPr>
+          <p:cNvSpPr txBox="1"/>
+          <p:nvPr/>
+        </p:nvSpPr>
+        <p:spPr>
+          <a:xfrm>
+            <a:off x="466700" y="2389820"/>
+            <a:ext cx="1555531" cy="246221"/>
+          </a:xfrm>
+          <a:prstGeom prst="rect">
+            <a:avLst/>
+          </a:prstGeom>
+          <a:noFill/>
+        </p:spPr>
+        <p:txBody>
+          <a:bodyPr wrap="square" rtlCol="0">
+            <a:spAutoFit/>
+          </a:bodyPr>
+          <a:lstStyle/>
+          <a:p>
+            <a:r>
+              <a:rPr kumimoji="1" lang="ko-Kore-KR" altLang="en-US" sz="1000" dirty="0"/>
+              <a:t>한</a:t>
+            </a:r>
+            <a:r>
+              <a:rPr kumimoji="1" lang="ko-KR" altLang="en-US" sz="1000" dirty="0"/>
+              <a:t> 줄 소개</a:t>
+            </a:r>
+            <a:endParaRPr kumimoji="1" lang="ko-Kore-KR" altLang="en-US" sz="1000" dirty="0"/>
+          </a:p>
+        </p:txBody>
+      </p:sp>
+      <p:sp>
+        <p:nvSpPr>
+          <p:cNvPr id="12" name="직사각형 11">
+            <a:extLst>
+              <a:ext uri="{FF2B5EF4-FFF2-40B4-BE49-F238E27FC236}">
+                <a16:creationId xmlns:a16="http://schemas.microsoft.com/office/drawing/2014/main" id="{51884FF6-6FB2-9DA4-58F1-F9BDB538937C}"/>
+              </a:ext>
+            </a:extLst>
+          </p:cNvPr>
+          <p:cNvSpPr/>
+          <p:nvPr/>
+        </p:nvSpPr>
+        <p:spPr>
+          <a:xfrm>
+            <a:off x="1349570" y="2389820"/>
+            <a:ext cx="4746429" cy="317552"/>
+          </a:xfrm>
+          <a:prstGeom prst="rect">
+            <a:avLst/>
+          </a:prstGeom>
+          <a:noFill/>
+          <a:ln>
+            <a:solidFill>
+              <a:schemeClr val="tx1"/>
+            </a:solidFill>
+          </a:ln>
+        </p:spPr>
+        <p:style>
+          <a:lnRef idx="2">
+            <a:schemeClr val="accent1">
+              <a:shade val="50000"/>
+            </a:schemeClr>
+          </a:lnRef>
+          <a:fillRef idx="1">
+            <a:schemeClr val="accent1"/>
+          </a:fillRef>
+          <a:effectRef idx="0">
+            <a:schemeClr val="accent1"/>
+          </a:effectRef>
+          <a:fontRef idx="minor">
+            <a:schemeClr val="lt1"/>
+          </a:fontRef>
+        </p:style>
+        <p:txBody>
+          <a:bodyPr rtlCol="0" anchor="ctr"/>
+          <a:lstStyle/>
+          <a:p>
+            <a:pPr algn="ctr"/>
+            <a:endParaRPr kumimoji="1" lang="ko-Kore-KR" altLang="en-US"/>
+          </a:p>
+        </p:txBody>
+      </p:sp>
+      <p:sp>
+        <p:nvSpPr>
+          <p:cNvPr id="13" name="TextBox 12">
+            <a:extLst>
+              <a:ext uri="{FF2B5EF4-FFF2-40B4-BE49-F238E27FC236}">
+                <a16:creationId xmlns:a16="http://schemas.microsoft.com/office/drawing/2014/main" id="{4BDE27C5-1D3F-64D8-407D-D309B8A0561F}"/>
+              </a:ext>
+            </a:extLst>
+          </p:cNvPr>
+          <p:cNvSpPr txBox="1"/>
+          <p:nvPr/>
+        </p:nvSpPr>
+        <p:spPr>
+          <a:xfrm>
+            <a:off x="466700" y="2953721"/>
+            <a:ext cx="1555531" cy="246221"/>
+          </a:xfrm>
+          <a:prstGeom prst="rect">
+            <a:avLst/>
+          </a:prstGeom>
+          <a:noFill/>
+        </p:spPr>
+        <p:txBody>
+          <a:bodyPr wrap="square" rtlCol="0">
+            <a:spAutoFit/>
+          </a:bodyPr>
+          <a:lstStyle/>
+          <a:p>
+            <a:r>
+              <a:rPr kumimoji="1" lang="en-US" altLang="ko-Kore-KR" sz="1000" dirty="0" err="1"/>
+              <a:t>url</a:t>
+            </a:r>
+            <a:endParaRPr kumimoji="1" lang="ko-Kore-KR" altLang="en-US" sz="1000" dirty="0"/>
+          </a:p>
+        </p:txBody>
+      </p:sp>
+      <p:sp>
+        <p:nvSpPr>
+          <p:cNvPr id="14" name="직사각형 13">
+            <a:extLst>
+              <a:ext uri="{FF2B5EF4-FFF2-40B4-BE49-F238E27FC236}">
+                <a16:creationId xmlns:a16="http://schemas.microsoft.com/office/drawing/2014/main" id="{D4A53367-8DA0-37C7-C767-1971442472DF}"/>
+              </a:ext>
+            </a:extLst>
+          </p:cNvPr>
+          <p:cNvSpPr/>
+          <p:nvPr/>
+        </p:nvSpPr>
+        <p:spPr>
+          <a:xfrm>
+            <a:off x="1349570" y="2953721"/>
+            <a:ext cx="4746429" cy="317552"/>
+          </a:xfrm>
+          <a:prstGeom prst="rect">
+            <a:avLst/>
+          </a:prstGeom>
+          <a:noFill/>
+          <a:ln>
+            <a:solidFill>
+              <a:schemeClr val="tx1"/>
+            </a:solidFill>
+          </a:ln>
+        </p:spPr>
+        <p:style>
+          <a:lnRef idx="2">
+            <a:schemeClr val="accent1">
+              <a:shade val="50000"/>
+            </a:schemeClr>
+          </a:lnRef>
+          <a:fillRef idx="1">
+            <a:schemeClr val="accent1"/>
+          </a:fillRef>
+          <a:effectRef idx="0">
+            <a:schemeClr val="accent1"/>
+          </a:effectRef>
+          <a:fontRef idx="minor">
+            <a:schemeClr val="lt1"/>
+          </a:fontRef>
+        </p:style>
+        <p:txBody>
+          <a:bodyPr rtlCol="0" anchor="ctr"/>
+          <a:lstStyle/>
+          <a:p>
+            <a:pPr algn="ctr"/>
+            <a:endParaRPr kumimoji="1" lang="ko-Kore-KR" altLang="en-US"/>
+          </a:p>
+        </p:txBody>
+      </p:sp>
+      <p:sp>
+        <p:nvSpPr>
+          <p:cNvPr id="15" name="TextBox 14">
+            <a:extLst>
+              <a:ext uri="{FF2B5EF4-FFF2-40B4-BE49-F238E27FC236}">
+                <a16:creationId xmlns:a16="http://schemas.microsoft.com/office/drawing/2014/main" id="{1C798CB6-FF91-644D-96B4-1AD665F43389}"/>
+              </a:ext>
+            </a:extLst>
+          </p:cNvPr>
+          <p:cNvSpPr txBox="1"/>
+          <p:nvPr/>
+        </p:nvSpPr>
+        <p:spPr>
+          <a:xfrm>
+            <a:off x="466700" y="3515234"/>
+            <a:ext cx="1555531" cy="246221"/>
+          </a:xfrm>
+          <a:prstGeom prst="rect">
+            <a:avLst/>
+          </a:prstGeom>
+          <a:noFill/>
+        </p:spPr>
+        <p:txBody>
+          <a:bodyPr wrap="square" rtlCol="0">
+            <a:spAutoFit/>
+          </a:bodyPr>
+          <a:lstStyle/>
+          <a:p>
+            <a:r>
+              <a:rPr kumimoji="1" lang="en-US" altLang="ko-Kore-KR" sz="1000" dirty="0"/>
+              <a:t>Best code</a:t>
+            </a:r>
+            <a:endParaRPr kumimoji="1" lang="ko-Kore-KR" altLang="en-US" sz="1000" dirty="0"/>
+          </a:p>
+        </p:txBody>
+      </p:sp>
+      <p:sp>
+        <p:nvSpPr>
+          <p:cNvPr id="16" name="직사각형 15">
+            <a:extLst>
+              <a:ext uri="{FF2B5EF4-FFF2-40B4-BE49-F238E27FC236}">
+                <a16:creationId xmlns:a16="http://schemas.microsoft.com/office/drawing/2014/main" id="{3D514EE9-5511-BE21-F51E-14CC63AE0184}"/>
+              </a:ext>
+            </a:extLst>
+          </p:cNvPr>
+          <p:cNvSpPr/>
+          <p:nvPr/>
+        </p:nvSpPr>
+        <p:spPr>
+          <a:xfrm>
+            <a:off x="1349570" y="3515234"/>
+            <a:ext cx="4746429" cy="317552"/>
+          </a:xfrm>
+          <a:prstGeom prst="rect">
+            <a:avLst/>
+          </a:prstGeom>
+          <a:noFill/>
+          <a:ln>
+            <a:solidFill>
+              <a:schemeClr val="tx1"/>
+            </a:solidFill>
+          </a:ln>
+        </p:spPr>
+        <p:style>
+          <a:lnRef idx="2">
+            <a:schemeClr val="accent1">
+              <a:shade val="50000"/>
+            </a:schemeClr>
+          </a:lnRef>
+          <a:fillRef idx="1">
+            <a:schemeClr val="accent1"/>
+          </a:fillRef>
+          <a:effectRef idx="0">
+            <a:schemeClr val="accent1"/>
+          </a:effectRef>
+          <a:fontRef idx="minor">
+            <a:schemeClr val="lt1"/>
+          </a:fontRef>
+        </p:style>
+        <p:txBody>
+          <a:bodyPr rtlCol="0" anchor="ctr"/>
+          <a:lstStyle/>
+          <a:p>
+            <a:pPr algn="ctr"/>
+            <a:endParaRPr kumimoji="1" lang="ko-Kore-KR" altLang="en-US"/>
+          </a:p>
+        </p:txBody>
+      </p:sp>
+      <p:sp>
+        <p:nvSpPr>
+          <p:cNvPr id="17" name="모서리가 둥근 직사각형 16">
+            <a:extLst>
+              <a:ext uri="{FF2B5EF4-FFF2-40B4-BE49-F238E27FC236}">
+                <a16:creationId xmlns:a16="http://schemas.microsoft.com/office/drawing/2014/main" id="{C486C949-7D56-CAD5-43F0-459C011FD8C2}"/>
+              </a:ext>
+            </a:extLst>
+          </p:cNvPr>
+          <p:cNvSpPr/>
+          <p:nvPr/>
+        </p:nvSpPr>
+        <p:spPr>
+          <a:xfrm>
+            <a:off x="466700" y="4264180"/>
+            <a:ext cx="798990" cy="257452"/>
+          </a:xfrm>
+          <a:prstGeom prst="roundRect">
+            <a:avLst/>
+          </a:prstGeom>
+          <a:solidFill>
+            <a:schemeClr val="tx1"/>
+          </a:solidFill>
+          <a:ln>
+            <a:solidFill>
+              <a:schemeClr val="tx1"/>
+            </a:solidFill>
+          </a:ln>
+        </p:spPr>
+        <p:style>
+          <a:lnRef idx="2">
+            <a:schemeClr val="accent1">
+              <a:shade val="50000"/>
+            </a:schemeClr>
+          </a:lnRef>
+          <a:fillRef idx="1">
+            <a:schemeClr val="accent1"/>
+          </a:fillRef>
+          <a:effectRef idx="0">
+            <a:schemeClr val="accent1"/>
+          </a:effectRef>
+          <a:fontRef idx="minor">
+            <a:schemeClr val="lt1"/>
+          </a:fontRef>
+        </p:style>
+        <p:txBody>
+          <a:bodyPr rtlCol="0" anchor="ctr"/>
+          <a:lstStyle/>
+          <a:p>
+            <a:pPr algn="ctr"/>
+            <a:r>
+              <a:rPr kumimoji="1" lang="ko-Kore-KR" altLang="en-US" sz="1000" dirty="0"/>
+              <a:t>취소</a:t>
+            </a:r>
+          </a:p>
+        </p:txBody>
+      </p:sp>
+      <p:sp>
+        <p:nvSpPr>
+          <p:cNvPr id="18" name="모서리가 둥근 직사각형 17">
+            <a:extLst>
+              <a:ext uri="{FF2B5EF4-FFF2-40B4-BE49-F238E27FC236}">
+                <a16:creationId xmlns:a16="http://schemas.microsoft.com/office/drawing/2014/main" id="{69351456-5F3B-742D-7546-DB29D73BFC2B}"/>
+              </a:ext>
+            </a:extLst>
+          </p:cNvPr>
+          <p:cNvSpPr/>
+          <p:nvPr/>
+        </p:nvSpPr>
+        <p:spPr>
+          <a:xfrm>
+            <a:off x="1342955" y="4258355"/>
+            <a:ext cx="798990" cy="257452"/>
+          </a:xfrm>
+          <a:prstGeom prst="roundRect">
+            <a:avLst/>
+          </a:prstGeom>
+          <a:solidFill>
+            <a:schemeClr val="tx1"/>
+          </a:solidFill>
+          <a:ln>
+            <a:solidFill>
+              <a:schemeClr val="tx1"/>
+            </a:solidFill>
+          </a:ln>
+        </p:spPr>
+        <p:style>
+          <a:lnRef idx="2">
+            <a:schemeClr val="accent1">
+              <a:shade val="50000"/>
+            </a:schemeClr>
+          </a:lnRef>
+          <a:fillRef idx="1">
+            <a:schemeClr val="accent1"/>
+          </a:fillRef>
+          <a:effectRef idx="0">
+            <a:schemeClr val="accent1"/>
+          </a:effectRef>
+          <a:fontRef idx="minor">
+            <a:schemeClr val="lt1"/>
+          </a:fontRef>
+        </p:style>
+        <p:txBody>
+          <a:bodyPr rtlCol="0" anchor="ctr"/>
+          <a:lstStyle/>
+          <a:p>
+            <a:pPr algn="ctr"/>
+            <a:r>
+              <a:rPr kumimoji="1" lang="ko-Kore-KR" altLang="en-US" sz="1000" dirty="0"/>
+              <a:t>추가</a:t>
+            </a:r>
+          </a:p>
+        </p:txBody>
+      </p:sp>
+      <p:sp>
+        <p:nvSpPr>
+          <p:cNvPr id="19" name="타원 18">
+            <a:extLst>
+              <a:ext uri="{FF2B5EF4-FFF2-40B4-BE49-F238E27FC236}">
+                <a16:creationId xmlns:a16="http://schemas.microsoft.com/office/drawing/2014/main" id="{14F328F3-D2C8-D4D6-A625-522B890485B3}"/>
+              </a:ext>
+            </a:extLst>
+          </p:cNvPr>
+          <p:cNvSpPr/>
+          <p:nvPr/>
+        </p:nvSpPr>
+        <p:spPr>
+          <a:xfrm>
+            <a:off x="146977" y="122373"/>
+            <a:ext cx="216000" cy="216000"/>
+          </a:xfrm>
+          <a:prstGeom prst="ellipse">
+            <a:avLst/>
+          </a:prstGeom>
+          <a:solidFill>
+            <a:srgbClr val="FF0000"/>
+          </a:solidFill>
+          <a:ln>
+            <a:noFill/>
+          </a:ln>
+        </p:spPr>
+        <p:style>
+          <a:lnRef idx="2">
+            <a:schemeClr val="accent1">
+              <a:shade val="50000"/>
+            </a:schemeClr>
+          </a:lnRef>
+          <a:fillRef idx="1">
+            <a:schemeClr val="accent1"/>
+          </a:fillRef>
+          <a:effectRef idx="0">
+            <a:schemeClr val="accent1"/>
+          </a:effectRef>
+          <a:fontRef idx="minor">
+            <a:schemeClr val="lt1"/>
+          </a:fontRef>
+        </p:style>
+        <p:txBody>
+          <a:bodyPr wrap="none" lIns="0" tIns="0" rIns="0" bIns="0" rtlCol="0" anchor="ctr"/>
+          <a:lstStyle/>
+          <a:p>
+            <a:pPr algn="ctr"/>
+            <a:r>
+              <a:rPr lang="en-US" altLang="ko-KR" sz="1100" dirty="0">
+                <a:solidFill>
+                  <a:schemeClr val="bg1"/>
+                </a:solidFill>
+                <a:latin typeface="타이포_씨고딕 140" panose="02020503020101020101" pitchFamily="18" charset="-127"/>
+                <a:ea typeface="타이포_씨고딕 140" panose="02020503020101020101" pitchFamily="18" charset="-127"/>
+              </a:rPr>
+              <a:t>1</a:t>
+            </a:r>
+            <a:endParaRPr lang="ko-KR" altLang="en-US" sz="1100" dirty="0">
+              <a:solidFill>
+                <a:schemeClr val="bg1"/>
+              </a:solidFill>
+              <a:latin typeface="타이포_씨고딕 140" panose="02020503020101020101" pitchFamily="18" charset="-127"/>
+              <a:ea typeface="타이포_씨고딕 140" panose="02020503020101020101" pitchFamily="18" charset="-127"/>
+            </a:endParaRPr>
+          </a:p>
+        </p:txBody>
+      </p:sp>
+      <p:sp>
+        <p:nvSpPr>
+          <p:cNvPr id="20" name="타원 19">
+            <a:extLst>
+              <a:ext uri="{FF2B5EF4-FFF2-40B4-BE49-F238E27FC236}">
+                <a16:creationId xmlns:a16="http://schemas.microsoft.com/office/drawing/2014/main" id="{1C520CA9-B1D2-CBB2-B9A7-2B09FBD2CAC3}"/>
+              </a:ext>
+            </a:extLst>
+          </p:cNvPr>
+          <p:cNvSpPr/>
+          <p:nvPr/>
+        </p:nvSpPr>
+        <p:spPr>
+          <a:xfrm>
+            <a:off x="2012804" y="4277685"/>
+            <a:ext cx="216000" cy="216000"/>
+          </a:xfrm>
+          <a:prstGeom prst="ellipse">
+            <a:avLst/>
+          </a:prstGeom>
+          <a:solidFill>
+            <a:srgbClr val="FF0000"/>
+          </a:solidFill>
+          <a:ln>
+            <a:noFill/>
+          </a:ln>
+        </p:spPr>
+        <p:style>
+          <a:lnRef idx="2">
+            <a:schemeClr val="accent1">
+              <a:shade val="50000"/>
+            </a:schemeClr>
+          </a:lnRef>
+          <a:fillRef idx="1">
+            <a:schemeClr val="accent1"/>
+          </a:fillRef>
+          <a:effectRef idx="0">
+            <a:schemeClr val="accent1"/>
+          </a:effectRef>
+          <a:fontRef idx="minor">
+            <a:schemeClr val="lt1"/>
+          </a:fontRef>
+        </p:style>
+        <p:txBody>
+          <a:bodyPr wrap="none" lIns="0" tIns="0" rIns="0" bIns="0" rtlCol="0" anchor="ctr"/>
+          <a:lstStyle/>
+          <a:p>
+            <a:pPr algn="ctr"/>
+            <a:r>
+              <a:rPr lang="en-US" altLang="ko-KR" sz="1100" dirty="0">
+                <a:solidFill>
+                  <a:schemeClr val="bg1"/>
+                </a:solidFill>
+                <a:latin typeface="타이포_씨고딕 140" panose="02020503020101020101" pitchFamily="18" charset="-127"/>
+                <a:ea typeface="타이포_씨고딕 140" panose="02020503020101020101" pitchFamily="18" charset="-127"/>
+              </a:rPr>
+              <a:t>3</a:t>
+            </a:r>
+            <a:endParaRPr lang="ko-KR" altLang="en-US" sz="1100" dirty="0">
+              <a:solidFill>
+                <a:schemeClr val="bg1"/>
+              </a:solidFill>
+              <a:latin typeface="타이포_씨고딕 140" panose="02020503020101020101" pitchFamily="18" charset="-127"/>
+              <a:ea typeface="타이포_씨고딕 140" panose="02020503020101020101" pitchFamily="18" charset="-127"/>
+            </a:endParaRPr>
+          </a:p>
+        </p:txBody>
+      </p:sp>
+      <p:sp>
+        <p:nvSpPr>
+          <p:cNvPr id="21" name="TextBox 20">
+            <a:extLst>
+              <a:ext uri="{FF2B5EF4-FFF2-40B4-BE49-F238E27FC236}">
+                <a16:creationId xmlns:a16="http://schemas.microsoft.com/office/drawing/2014/main" id="{63009CF8-9C78-B057-18A0-2B29E2A601E7}"/>
+              </a:ext>
+            </a:extLst>
+          </p:cNvPr>
+          <p:cNvSpPr txBox="1"/>
+          <p:nvPr/>
+        </p:nvSpPr>
+        <p:spPr>
+          <a:xfrm>
+            <a:off x="9803876" y="1046576"/>
+            <a:ext cx="2340990" cy="1785104"/>
+          </a:xfrm>
+          <a:prstGeom prst="rect">
+            <a:avLst/>
+          </a:prstGeom>
+          <a:noFill/>
+        </p:spPr>
+        <p:txBody>
+          <a:bodyPr wrap="square" rtlCol="0">
+            <a:spAutoFit/>
+          </a:bodyPr>
+          <a:lstStyle/>
+          <a:p>
+            <a:r>
+              <a:rPr kumimoji="1" lang="en-US" altLang="ko-Kore-KR" sz="1000" dirty="0"/>
+              <a:t>[1]</a:t>
+            </a:r>
+            <a:r>
+              <a:rPr kumimoji="1" lang="ko-KR" altLang="en-US" sz="1000" dirty="0"/>
+              <a:t> </a:t>
+            </a:r>
+            <a:r>
+              <a:rPr kumimoji="1" lang="ko-Kore-KR" altLang="en-US" sz="1000" dirty="0"/>
+              <a:t>관리자</a:t>
+            </a:r>
+            <a:r>
+              <a:rPr kumimoji="1" lang="ko-KR" altLang="en-US" sz="1000" dirty="0"/>
+              <a:t>페이지 버튼</a:t>
+            </a:r>
+            <a:endParaRPr kumimoji="1" lang="en-US" altLang="ko-KR" sz="1000" dirty="0"/>
+          </a:p>
+          <a:p>
+            <a:r>
+              <a:rPr kumimoji="1" lang="en-US" altLang="ko-Kore-KR" sz="1000" dirty="0"/>
+              <a:t>-</a:t>
+            </a:r>
+            <a:r>
+              <a:rPr kumimoji="1" lang="ko-Kore-KR" altLang="en-US" sz="1000" dirty="0"/>
+              <a:t>클릭시</a:t>
+            </a:r>
+            <a:r>
+              <a:rPr kumimoji="1" lang="ko-KR" altLang="en-US" sz="1000" dirty="0"/>
+              <a:t> 관리자 </a:t>
+            </a:r>
+            <a:r>
+              <a:rPr kumimoji="1" lang="ko-KR" altLang="en-US" sz="1000" dirty="0" err="1"/>
+              <a:t>메인페이지로</a:t>
+            </a:r>
+            <a:r>
+              <a:rPr kumimoji="1" lang="ko-KR" altLang="en-US" sz="1000" dirty="0"/>
+              <a:t> 이동</a:t>
+            </a:r>
+            <a:endParaRPr kumimoji="1" lang="en-US" altLang="ko-KR" sz="1000" dirty="0"/>
+          </a:p>
+          <a:p>
+            <a:r>
+              <a:rPr kumimoji="1" lang="en-US" altLang="ko-KR" sz="1000" dirty="0"/>
+              <a:t>[2]</a:t>
+            </a:r>
+            <a:r>
+              <a:rPr kumimoji="1" lang="ko-KR" altLang="en-US" sz="1000" dirty="0"/>
+              <a:t> </a:t>
+            </a:r>
+            <a:r>
+              <a:rPr kumimoji="1" lang="en-US" altLang="ko-KR" sz="1000" dirty="0"/>
+              <a:t>best</a:t>
+            </a:r>
+            <a:r>
+              <a:rPr kumimoji="1" lang="ko-KR" altLang="en-US" sz="1000" dirty="0"/>
+              <a:t> </a:t>
+            </a:r>
+            <a:r>
+              <a:rPr kumimoji="1" lang="en-US" altLang="ko-KR" sz="1000" dirty="0"/>
+              <a:t>code</a:t>
+            </a:r>
+          </a:p>
+          <a:p>
+            <a:r>
+              <a:rPr kumimoji="1" lang="en-US" altLang="ko-KR" sz="1000" dirty="0"/>
+              <a:t>-</a:t>
+            </a:r>
+            <a:r>
+              <a:rPr kumimoji="1" lang="ko-KR" altLang="en-US" sz="1000" dirty="0"/>
+              <a:t>쇼핑몰 베스트페이지 </a:t>
+            </a:r>
+            <a:r>
+              <a:rPr kumimoji="1" lang="en-US" altLang="ko-KR" sz="1000" dirty="0" err="1"/>
+              <a:t>url</a:t>
+            </a:r>
+            <a:r>
+              <a:rPr kumimoji="1" lang="en-US" altLang="ko-KR" sz="1000" dirty="0"/>
+              <a:t> </a:t>
+            </a:r>
+            <a:r>
+              <a:rPr kumimoji="1" lang="ko-KR" altLang="en-US" sz="1000" dirty="0"/>
+              <a:t>중 </a:t>
+            </a:r>
+            <a:r>
+              <a:rPr kumimoji="1" lang="en" altLang="ko-KR" sz="1000" dirty="0" err="1"/>
+              <a:t>cate_no</a:t>
+            </a:r>
+            <a:r>
+              <a:rPr kumimoji="1" lang="en-US" altLang="ko-KR" sz="1000" dirty="0"/>
+              <a:t>=</a:t>
+            </a:r>
+            <a:r>
+              <a:rPr kumimoji="1" lang="ko-KR" altLang="en-US" sz="1000" dirty="0"/>
+              <a:t>숫자 인데 여기서  숫자를 입력</a:t>
+            </a:r>
+            <a:endParaRPr kumimoji="1" lang="en-US" altLang="ko-KR" sz="1000" dirty="0"/>
+          </a:p>
+          <a:p>
+            <a:r>
+              <a:rPr kumimoji="1" lang="en-US" altLang="ko-KR" sz="1000" dirty="0"/>
+              <a:t>[3]</a:t>
+            </a:r>
+            <a:r>
+              <a:rPr kumimoji="1" lang="ko-KR" altLang="en-US" sz="1000" dirty="0"/>
+              <a:t> 취소</a:t>
+            </a:r>
+            <a:endParaRPr kumimoji="1" lang="en-US" altLang="ko-KR" sz="1000" dirty="0"/>
+          </a:p>
+          <a:p>
+            <a:r>
+              <a:rPr kumimoji="1" lang="en-US" altLang="ko-KR" sz="1000" dirty="0"/>
+              <a:t>-</a:t>
+            </a:r>
+            <a:r>
+              <a:rPr kumimoji="1" lang="ko-KR" altLang="en-US" sz="1000" dirty="0"/>
+              <a:t> 버튼 클릭 시 그 전 페이지인 관리자 메인 페이지로 이동</a:t>
+            </a:r>
+            <a:endParaRPr kumimoji="1" lang="en-US" altLang="ko-KR" sz="1000" dirty="0"/>
+          </a:p>
+          <a:p>
+            <a:r>
+              <a:rPr kumimoji="1" lang="en-US" altLang="ko-KR" sz="1000" dirty="0"/>
+              <a:t>[4]</a:t>
+            </a:r>
+            <a:r>
+              <a:rPr kumimoji="1" lang="ko-KR" altLang="en-US" sz="1000" dirty="0"/>
+              <a:t> 추가</a:t>
+            </a:r>
+            <a:endParaRPr kumimoji="1" lang="en-US" altLang="ko-KR" sz="1000" dirty="0"/>
+          </a:p>
+          <a:p>
+            <a:r>
+              <a:rPr kumimoji="1" lang="en-US" altLang="ko-KR" sz="1000" dirty="0"/>
+              <a:t>-</a:t>
+            </a:r>
+            <a:r>
+              <a:rPr kumimoji="1" lang="ko-KR" altLang="en-US" sz="1000" dirty="0"/>
+              <a:t> </a:t>
+            </a:r>
+            <a:endParaRPr kumimoji="1" lang="en-US" altLang="ko-KR" sz="1000" dirty="0"/>
+          </a:p>
+        </p:txBody>
+      </p:sp>
+      <p:sp>
+        <p:nvSpPr>
+          <p:cNvPr id="22" name="타원 21">
+            <a:extLst>
+              <a:ext uri="{FF2B5EF4-FFF2-40B4-BE49-F238E27FC236}">
+                <a16:creationId xmlns:a16="http://schemas.microsoft.com/office/drawing/2014/main" id="{7C267DDF-2BE0-4AB7-3EC9-CA1E74D40F24}"/>
+              </a:ext>
+            </a:extLst>
+          </p:cNvPr>
+          <p:cNvSpPr/>
+          <p:nvPr/>
+        </p:nvSpPr>
+        <p:spPr>
+          <a:xfrm>
+            <a:off x="358700" y="4279081"/>
+            <a:ext cx="216000" cy="216000"/>
+          </a:xfrm>
+          <a:prstGeom prst="ellipse">
+            <a:avLst/>
+          </a:prstGeom>
+          <a:solidFill>
+            <a:srgbClr val="FF0000"/>
+          </a:solidFill>
+          <a:ln>
+            <a:noFill/>
+          </a:ln>
+        </p:spPr>
+        <p:style>
+          <a:lnRef idx="2">
+            <a:schemeClr val="accent1">
+              <a:shade val="50000"/>
+            </a:schemeClr>
+          </a:lnRef>
+          <a:fillRef idx="1">
+            <a:schemeClr val="accent1"/>
+          </a:fillRef>
+          <a:effectRef idx="0">
+            <a:schemeClr val="accent1"/>
+          </a:effectRef>
+          <a:fontRef idx="minor">
+            <a:schemeClr val="lt1"/>
+          </a:fontRef>
+        </p:style>
+        <p:txBody>
+          <a:bodyPr wrap="none" lIns="0" tIns="0" rIns="0" bIns="0" rtlCol="0" anchor="ctr"/>
+          <a:lstStyle/>
+          <a:p>
+            <a:pPr algn="ctr"/>
+            <a:r>
+              <a:rPr lang="en-US" altLang="ko-KR" sz="1100" dirty="0">
+                <a:solidFill>
+                  <a:schemeClr val="bg1"/>
+                </a:solidFill>
+                <a:latin typeface="타이포_씨고딕 140" panose="02020503020101020101" pitchFamily="18" charset="-127"/>
+                <a:ea typeface="타이포_씨고딕 140" panose="02020503020101020101" pitchFamily="18" charset="-127"/>
+              </a:rPr>
+              <a:t>3</a:t>
+            </a:r>
+            <a:endParaRPr lang="ko-KR" altLang="en-US" sz="1100" dirty="0">
+              <a:solidFill>
+                <a:schemeClr val="bg1"/>
+              </a:solidFill>
+              <a:latin typeface="타이포_씨고딕 140" panose="02020503020101020101" pitchFamily="18" charset="-127"/>
+              <a:ea typeface="타이포_씨고딕 140" panose="02020503020101020101" pitchFamily="18" charset="-127"/>
+            </a:endParaRPr>
+          </a:p>
+        </p:txBody>
+      </p:sp>
+      <p:sp>
+        <p:nvSpPr>
+          <p:cNvPr id="23" name="타원 22">
+            <a:extLst>
+              <a:ext uri="{FF2B5EF4-FFF2-40B4-BE49-F238E27FC236}">
+                <a16:creationId xmlns:a16="http://schemas.microsoft.com/office/drawing/2014/main" id="{5AFF57E1-5220-331E-84B1-05E31ACAF33D}"/>
+              </a:ext>
+            </a:extLst>
+          </p:cNvPr>
+          <p:cNvSpPr/>
+          <p:nvPr/>
+        </p:nvSpPr>
+        <p:spPr>
+          <a:xfrm>
+            <a:off x="321561" y="3537676"/>
+            <a:ext cx="216000" cy="216000"/>
+          </a:xfrm>
+          <a:prstGeom prst="ellipse">
+            <a:avLst/>
+          </a:prstGeom>
+          <a:solidFill>
+            <a:srgbClr val="FF0000"/>
+          </a:solidFill>
+          <a:ln>
+            <a:noFill/>
+          </a:ln>
+        </p:spPr>
+        <p:style>
+          <a:lnRef idx="2">
+            <a:schemeClr val="accent1">
+              <a:shade val="50000"/>
+            </a:schemeClr>
+          </a:lnRef>
+          <a:fillRef idx="1">
+            <a:schemeClr val="accent1"/>
+          </a:fillRef>
+          <a:effectRef idx="0">
+            <a:schemeClr val="accent1"/>
+          </a:effectRef>
+          <a:fontRef idx="minor">
+            <a:schemeClr val="lt1"/>
+          </a:fontRef>
+        </p:style>
+        <p:txBody>
+          <a:bodyPr wrap="none" lIns="0" tIns="0" rIns="0" bIns="0" rtlCol="0" anchor="ctr"/>
+          <a:lstStyle/>
+          <a:p>
+            <a:pPr algn="ctr"/>
+            <a:r>
+              <a:rPr lang="en-US" altLang="ko-KR" sz="1100" dirty="0">
+                <a:solidFill>
+                  <a:schemeClr val="bg1"/>
+                </a:solidFill>
+                <a:latin typeface="타이포_씨고딕 140" panose="02020503020101020101" pitchFamily="18" charset="-127"/>
+                <a:ea typeface="타이포_씨고딕 140" panose="02020503020101020101" pitchFamily="18" charset="-127"/>
+              </a:rPr>
+              <a:t>2</a:t>
+            </a:r>
+            <a:endParaRPr lang="ko-KR" altLang="en-US" sz="1100" dirty="0">
+              <a:solidFill>
+                <a:schemeClr val="bg1"/>
+              </a:solidFill>
+              <a:latin typeface="타이포_씨고딕 140" panose="02020503020101020101" pitchFamily="18" charset="-127"/>
+              <a:ea typeface="타이포_씨고딕 140" panose="02020503020101020101" pitchFamily="18" charset="-127"/>
+            </a:endParaRPr>
+          </a:p>
+        </p:txBody>
+      </p:sp>
+      <p:sp>
+        <p:nvSpPr>
+          <p:cNvPr id="24" name="직사각형 23">
+            <a:extLst>
+              <a:ext uri="{FF2B5EF4-FFF2-40B4-BE49-F238E27FC236}">
+                <a16:creationId xmlns:a16="http://schemas.microsoft.com/office/drawing/2014/main" id="{CE0839A9-60A7-E485-60C2-7B4969DD6D57}"/>
+              </a:ext>
+            </a:extLst>
+          </p:cNvPr>
+          <p:cNvSpPr/>
+          <p:nvPr/>
+        </p:nvSpPr>
+        <p:spPr>
+          <a:xfrm>
+            <a:off x="5243148" y="1804576"/>
+            <a:ext cx="852851" cy="351692"/>
+          </a:xfrm>
+          <a:prstGeom prst="rect">
+            <a:avLst/>
+          </a:prstGeom>
+          <a:solidFill>
+            <a:schemeClr val="tx1"/>
+          </a:solidFill>
+          <a:ln>
+            <a:solidFill>
+              <a:schemeClr val="tx1">
+                <a:lumMod val="85000"/>
+                <a:lumOff val="15000"/>
+              </a:schemeClr>
+            </a:solidFill>
+          </a:ln>
+        </p:spPr>
+        <p:style>
+          <a:lnRef idx="2">
+            <a:schemeClr val="accent1">
+              <a:shade val="50000"/>
+            </a:schemeClr>
+          </a:lnRef>
+          <a:fillRef idx="1">
+            <a:schemeClr val="accent1"/>
+          </a:fillRef>
+          <a:effectRef idx="0">
+            <a:schemeClr val="accent1"/>
+          </a:effectRef>
+          <a:fontRef idx="minor">
+            <a:schemeClr val="lt1"/>
+          </a:fontRef>
+        </p:style>
+        <p:txBody>
+          <a:bodyPr rtlCol="0" anchor="ctr"/>
+          <a:lstStyle/>
+          <a:p>
+            <a:pPr algn="ctr"/>
+            <a:r>
+              <a:rPr lang="ko-KR" altLang="en-US" sz="1000" dirty="0"/>
+              <a:t>중복 확인</a:t>
+            </a:r>
+          </a:p>
+        </p:txBody>
+      </p:sp>
     </p:spTree>
     <p:extLst>
       <p:ext uri="{BB962C8B-B14F-4D97-AF65-F5344CB8AC3E}">
@@ -10298,13 +17213,6 @@
   <p:clrMapOvr>
     <a:masterClrMapping/>
   </p:clrMapOvr>
-  <p:timing>
-    <p:tnLst>
-      <p:par>
-        <p:cTn id="1" dur="indefinite" restart="never" nodeType="tmRoot"/>
-      </p:par>
-    </p:tnLst>
-  </p:timing>
 </p:sld>
 </file>
 

--- a/document/design/MYMALL(쇼핑리스트)_스토리보드.pptx
+++ b/document/design/MYMALL(쇼핑리스트)_스토리보드.pptx
@@ -219,7 +219,7 @@
           <a:p>
             <a:fld id="{587D0301-635D-4096-ABF6-39FF8143A84C}" type="datetimeFigureOut">
               <a:rPr lang="ko-KR" altLang="en-US" smtClean="0"/>
-              <a:t>2022. 9. 30.</a:t>
+              <a:t>2022. 10. 1.</a:t>
             </a:fld>
             <a:endParaRPr lang="ko-KR" altLang="en-US"/>
           </a:p>
@@ -699,7 +699,7 @@
           <a:p>
             <a:fld id="{2073FAFA-3C5F-46E4-9CCD-AE5CC7679C70}" type="datetimeFigureOut">
               <a:rPr lang="ko-KR" altLang="en-US" smtClean="0"/>
-              <a:t>2022. 9. 30.</a:t>
+              <a:t>2022. 10. 1.</a:t>
             </a:fld>
             <a:endParaRPr lang="ko-KR" altLang="en-US"/>
           </a:p>
@@ -867,7 +867,7 @@
           <a:p>
             <a:fld id="{2073FAFA-3C5F-46E4-9CCD-AE5CC7679C70}" type="datetimeFigureOut">
               <a:rPr lang="ko-KR" altLang="en-US" smtClean="0"/>
-              <a:t>2022. 9. 30.</a:t>
+              <a:t>2022. 10. 1.</a:t>
             </a:fld>
             <a:endParaRPr lang="ko-KR" altLang="en-US"/>
           </a:p>
@@ -1045,7 +1045,7 @@
           <a:p>
             <a:fld id="{2073FAFA-3C5F-46E4-9CCD-AE5CC7679C70}" type="datetimeFigureOut">
               <a:rPr lang="ko-KR" altLang="en-US" smtClean="0"/>
-              <a:t>2022. 9. 30.</a:t>
+              <a:t>2022. 10. 1.</a:t>
             </a:fld>
             <a:endParaRPr lang="ko-KR" altLang="en-US"/>
           </a:p>
@@ -1213,7 +1213,7 @@
           <a:p>
             <a:fld id="{2073FAFA-3C5F-46E4-9CCD-AE5CC7679C70}" type="datetimeFigureOut">
               <a:rPr lang="ko-KR" altLang="en-US" smtClean="0"/>
-              <a:t>2022. 9. 30.</a:t>
+              <a:t>2022. 10. 1.</a:t>
             </a:fld>
             <a:endParaRPr lang="ko-KR" altLang="en-US"/>
           </a:p>
@@ -1488,7 +1488,7 @@
           <a:p>
             <a:fld id="{2073FAFA-3C5F-46E4-9CCD-AE5CC7679C70}" type="datetimeFigureOut">
               <a:rPr lang="ko-KR" altLang="en-US" smtClean="0"/>
-              <a:t>2022. 9. 30.</a:t>
+              <a:t>2022. 10. 1.</a:t>
             </a:fld>
             <a:endParaRPr lang="ko-KR" altLang="en-US"/>
           </a:p>
@@ -1717,7 +1717,7 @@
           <a:p>
             <a:fld id="{2073FAFA-3C5F-46E4-9CCD-AE5CC7679C70}" type="datetimeFigureOut">
               <a:rPr lang="ko-KR" altLang="en-US" smtClean="0"/>
-              <a:t>2022. 9. 30.</a:t>
+              <a:t>2022. 10. 1.</a:t>
             </a:fld>
             <a:endParaRPr lang="ko-KR" altLang="en-US"/>
           </a:p>
@@ -2081,7 +2081,7 @@
           <a:p>
             <a:fld id="{2073FAFA-3C5F-46E4-9CCD-AE5CC7679C70}" type="datetimeFigureOut">
               <a:rPr lang="ko-KR" altLang="en-US" smtClean="0"/>
-              <a:t>2022. 9. 30.</a:t>
+              <a:t>2022. 10. 1.</a:t>
             </a:fld>
             <a:endParaRPr lang="ko-KR" altLang="en-US"/>
           </a:p>
@@ -2198,7 +2198,7 @@
           <a:p>
             <a:fld id="{2073FAFA-3C5F-46E4-9CCD-AE5CC7679C70}" type="datetimeFigureOut">
               <a:rPr lang="ko-KR" altLang="en-US" smtClean="0"/>
-              <a:t>2022. 9. 30.</a:t>
+              <a:t>2022. 10. 1.</a:t>
             </a:fld>
             <a:endParaRPr lang="ko-KR" altLang="en-US"/>
           </a:p>
@@ -2293,7 +2293,7 @@
           <a:p>
             <a:fld id="{2073FAFA-3C5F-46E4-9CCD-AE5CC7679C70}" type="datetimeFigureOut">
               <a:rPr lang="ko-KR" altLang="en-US" smtClean="0"/>
-              <a:t>2022. 9. 30.</a:t>
+              <a:t>2022. 10. 1.</a:t>
             </a:fld>
             <a:endParaRPr lang="ko-KR" altLang="en-US"/>
           </a:p>
@@ -2568,7 +2568,7 @@
           <a:p>
             <a:fld id="{2073FAFA-3C5F-46E4-9CCD-AE5CC7679C70}" type="datetimeFigureOut">
               <a:rPr lang="ko-KR" altLang="en-US" smtClean="0"/>
-              <a:t>2022. 9. 30.</a:t>
+              <a:t>2022. 10. 1.</a:t>
             </a:fld>
             <a:endParaRPr lang="ko-KR" altLang="en-US"/>
           </a:p>
@@ -2820,7 +2820,7 @@
           <a:p>
             <a:fld id="{2073FAFA-3C5F-46E4-9CCD-AE5CC7679C70}" type="datetimeFigureOut">
               <a:rPr lang="ko-KR" altLang="en-US" smtClean="0"/>
-              <a:t>2022. 9. 30.</a:t>
+              <a:t>2022. 10. 1.</a:t>
             </a:fld>
             <a:endParaRPr lang="ko-KR" altLang="en-US"/>
           </a:p>
@@ -3031,7 +3031,7 @@
           <a:p>
             <a:fld id="{2073FAFA-3C5F-46E4-9CCD-AE5CC7679C70}" type="datetimeFigureOut">
               <a:rPr lang="ko-KR" altLang="en-US" smtClean="0"/>
-              <a:t>2022. 9. 30.</a:t>
+              <a:t>2022. 10. 1.</a:t>
             </a:fld>
             <a:endParaRPr lang="ko-KR" altLang="en-US"/>
           </a:p>
@@ -4164,6 +4164,339 @@
           </a:p>
         </p:txBody>
       </p:sp>
+      <p:sp>
+        <p:nvSpPr>
+          <p:cNvPr id="12" name="타원 11">
+            <a:extLst>
+              <a:ext uri="{FF2B5EF4-FFF2-40B4-BE49-F238E27FC236}">
+                <a16:creationId xmlns:a16="http://schemas.microsoft.com/office/drawing/2014/main" id="{03B4C52A-8816-34B5-1012-8F070D1B7226}"/>
+              </a:ext>
+            </a:extLst>
+          </p:cNvPr>
+          <p:cNvSpPr/>
+          <p:nvPr/>
+        </p:nvSpPr>
+        <p:spPr>
+          <a:xfrm>
+            <a:off x="38977" y="129417"/>
+            <a:ext cx="216000" cy="216000"/>
+          </a:xfrm>
+          <a:prstGeom prst="ellipse">
+            <a:avLst/>
+          </a:prstGeom>
+          <a:solidFill>
+            <a:srgbClr val="FF0000"/>
+          </a:solidFill>
+          <a:ln>
+            <a:noFill/>
+          </a:ln>
+        </p:spPr>
+        <p:style>
+          <a:lnRef idx="2">
+            <a:schemeClr val="accent1">
+              <a:shade val="50000"/>
+            </a:schemeClr>
+          </a:lnRef>
+          <a:fillRef idx="1">
+            <a:schemeClr val="accent1"/>
+          </a:fillRef>
+          <a:effectRef idx="0">
+            <a:schemeClr val="accent1"/>
+          </a:effectRef>
+          <a:fontRef idx="minor">
+            <a:schemeClr val="lt1"/>
+          </a:fontRef>
+        </p:style>
+        <p:txBody>
+          <a:bodyPr wrap="none" lIns="0" tIns="0" rIns="0" bIns="0" rtlCol="0" anchor="ctr"/>
+          <a:lstStyle/>
+          <a:p>
+            <a:pPr algn="ctr"/>
+            <a:r>
+              <a:rPr lang="en-US" altLang="ko-KR" sz="1100" dirty="0">
+                <a:solidFill>
+                  <a:schemeClr val="bg1"/>
+                </a:solidFill>
+                <a:latin typeface="타이포_씨고딕 140" panose="02020503020101020101" pitchFamily="18" charset="-127"/>
+                <a:ea typeface="타이포_씨고딕 140" panose="02020503020101020101" pitchFamily="18" charset="-127"/>
+              </a:rPr>
+              <a:t>1</a:t>
+            </a:r>
+            <a:endParaRPr lang="ko-KR" altLang="en-US" sz="1100" dirty="0">
+              <a:solidFill>
+                <a:schemeClr val="bg1"/>
+              </a:solidFill>
+              <a:latin typeface="타이포_씨고딕 140" panose="02020503020101020101" pitchFamily="18" charset="-127"/>
+              <a:ea typeface="타이포_씨고딕 140" panose="02020503020101020101" pitchFamily="18" charset="-127"/>
+            </a:endParaRPr>
+          </a:p>
+        </p:txBody>
+      </p:sp>
+      <p:sp>
+        <p:nvSpPr>
+          <p:cNvPr id="13" name="TextBox 12">
+            <a:extLst>
+              <a:ext uri="{FF2B5EF4-FFF2-40B4-BE49-F238E27FC236}">
+                <a16:creationId xmlns:a16="http://schemas.microsoft.com/office/drawing/2014/main" id="{96075D32-F92C-5465-4314-FCB8D54591AA}"/>
+              </a:ext>
+            </a:extLst>
+          </p:cNvPr>
+          <p:cNvSpPr txBox="1"/>
+          <p:nvPr/>
+        </p:nvSpPr>
+        <p:spPr>
+          <a:xfrm>
+            <a:off x="9766168" y="1046576"/>
+            <a:ext cx="2340990" cy="3016210"/>
+          </a:xfrm>
+          <a:prstGeom prst="rect">
+            <a:avLst/>
+          </a:prstGeom>
+          <a:noFill/>
+        </p:spPr>
+        <p:txBody>
+          <a:bodyPr wrap="square" rtlCol="0">
+            <a:spAutoFit/>
+          </a:bodyPr>
+          <a:lstStyle/>
+          <a:p>
+            <a:r>
+              <a:rPr kumimoji="1" lang="en-US" altLang="ko-Kore-KR" sz="1000" dirty="0"/>
+              <a:t>[1]</a:t>
+            </a:r>
+            <a:r>
+              <a:rPr kumimoji="1" lang="ko-KR" altLang="en-US" sz="1000" dirty="0"/>
+              <a:t> </a:t>
+            </a:r>
+            <a:r>
+              <a:rPr kumimoji="1" lang="ko-Kore-KR" altLang="en-US" sz="1000" dirty="0"/>
+              <a:t>로고</a:t>
+            </a:r>
+            <a:endParaRPr kumimoji="1" lang="en-US" altLang="ko-KR" sz="1000" dirty="0"/>
+          </a:p>
+          <a:p>
+            <a:r>
+              <a:rPr kumimoji="1" lang="en-US" altLang="ko-Kore-KR" sz="1000" dirty="0"/>
+              <a:t>-</a:t>
+            </a:r>
+            <a:r>
+              <a:rPr kumimoji="1" lang="ko-Kore-KR" altLang="en-US" sz="1000" dirty="0"/>
+              <a:t>클릭시</a:t>
+            </a:r>
+            <a:r>
+              <a:rPr kumimoji="1" lang="ko-KR" altLang="en-US" sz="1000" dirty="0"/>
+              <a:t> 메인 페이지로 이동</a:t>
+            </a:r>
+            <a:endParaRPr kumimoji="1" lang="en-US" altLang="ko-KR" sz="1000" dirty="0"/>
+          </a:p>
+          <a:p>
+            <a:endParaRPr kumimoji="1" lang="en-US" altLang="ko-KR" sz="1000" dirty="0"/>
+          </a:p>
+          <a:p>
+            <a:r>
+              <a:rPr kumimoji="1" lang="en-US" altLang="ko-KR" sz="1000" dirty="0"/>
+              <a:t>[2]</a:t>
+            </a:r>
+            <a:r>
+              <a:rPr kumimoji="1" lang="ko-KR" altLang="en-US" sz="1000" dirty="0"/>
+              <a:t> 회원가입</a:t>
+            </a:r>
+            <a:endParaRPr kumimoji="1" lang="en-US" altLang="ko-KR" sz="1000" dirty="0"/>
+          </a:p>
+          <a:p>
+            <a:r>
+              <a:rPr kumimoji="1" lang="en-US" altLang="ko-KR" sz="1000" dirty="0"/>
+              <a:t>-</a:t>
+            </a:r>
+            <a:r>
+              <a:rPr kumimoji="1" lang="ko-KR" altLang="en-US" sz="1000" dirty="0"/>
+              <a:t>클릭 시 회원가입 페이지로 이동</a:t>
+            </a:r>
+            <a:endParaRPr kumimoji="1" lang="en-US" altLang="ko-KR" sz="1000" dirty="0"/>
+          </a:p>
+          <a:p>
+            <a:endParaRPr kumimoji="1" lang="en-US" altLang="ko-KR" sz="1000" dirty="0"/>
+          </a:p>
+          <a:p>
+            <a:r>
+              <a:rPr kumimoji="1" lang="en-US" altLang="ko-KR" sz="1000" dirty="0"/>
+              <a:t>[3]</a:t>
+            </a:r>
+            <a:r>
+              <a:rPr kumimoji="1" lang="ko-KR" altLang="en-US" sz="1000" dirty="0"/>
+              <a:t> 아이디 비밀번호 찾기</a:t>
+            </a:r>
+            <a:endParaRPr kumimoji="1" lang="en-US" altLang="ko-KR" sz="1000" dirty="0"/>
+          </a:p>
+          <a:p>
+            <a:r>
+              <a:rPr kumimoji="1" lang="en-US" altLang="ko-KR" sz="1000" dirty="0"/>
+              <a:t>-</a:t>
+            </a:r>
+            <a:r>
+              <a:rPr kumimoji="1" lang="ko-KR" altLang="en-US" sz="1000" dirty="0"/>
+              <a:t>클릭 시 아이디 비밀번호 찾기로 이동</a:t>
+            </a:r>
+            <a:endParaRPr kumimoji="1" lang="en-US" altLang="ko-KR" sz="1000" dirty="0"/>
+          </a:p>
+          <a:p>
+            <a:endParaRPr kumimoji="1" lang="en-US" altLang="ko-KR" sz="1000" dirty="0"/>
+          </a:p>
+          <a:p>
+            <a:r>
+              <a:rPr kumimoji="1" lang="en-US" altLang="ko-KR" sz="1000" dirty="0"/>
+              <a:t>[4]</a:t>
+            </a:r>
+            <a:r>
+              <a:rPr kumimoji="1" lang="ko-KR" altLang="en-US" sz="1000" dirty="0"/>
+              <a:t> 로그인</a:t>
+            </a:r>
+            <a:endParaRPr kumimoji="1" lang="en-US" altLang="ko-KR" sz="1000" dirty="0"/>
+          </a:p>
+          <a:p>
+            <a:r>
+              <a:rPr kumimoji="1" lang="en-US" altLang="ko-KR" sz="1000" dirty="0"/>
+              <a:t>-</a:t>
+            </a:r>
+            <a:r>
+              <a:rPr kumimoji="1" lang="ko-KR" altLang="en-US" sz="1000" dirty="0"/>
+              <a:t>아이디 미 입력</a:t>
+            </a:r>
+            <a:r>
+              <a:rPr kumimoji="1" lang="en-US" altLang="ko-KR" sz="1000" dirty="0"/>
+              <a:t>:</a:t>
+            </a:r>
+          </a:p>
+          <a:p>
+            <a:r>
+              <a:rPr kumimoji="1" lang="en-US" altLang="ko-KR" sz="1000" dirty="0"/>
+              <a:t>‘</a:t>
+            </a:r>
+            <a:r>
+              <a:rPr kumimoji="1" lang="ko-KR" altLang="en-US" sz="1000" dirty="0"/>
+              <a:t>아이디를 입력하세요</a:t>
+            </a:r>
+            <a:r>
+              <a:rPr kumimoji="1" lang="en-US" altLang="ko-KR" sz="1000" dirty="0"/>
+              <a:t>＇</a:t>
+            </a:r>
+            <a:r>
+              <a:rPr kumimoji="1" lang="ko-KR" altLang="en-US" sz="1000" dirty="0"/>
+              <a:t> </a:t>
+            </a:r>
+            <a:r>
+              <a:rPr kumimoji="1" lang="ko-KR" altLang="en-US" sz="1000" dirty="0" err="1"/>
+              <a:t>알림창</a:t>
+            </a:r>
+            <a:r>
+              <a:rPr kumimoji="1" lang="ko-KR" altLang="en-US" sz="1000" dirty="0"/>
+              <a:t> </a:t>
+            </a:r>
+            <a:endParaRPr kumimoji="1" lang="en-US" altLang="ko-KR" sz="1000" dirty="0"/>
+          </a:p>
+          <a:p>
+            <a:r>
+              <a:rPr kumimoji="1" lang="en-US" altLang="ko-KR" sz="1000" dirty="0"/>
+              <a:t>-</a:t>
+            </a:r>
+            <a:r>
+              <a:rPr kumimoji="1" lang="ko-KR" altLang="en-US" sz="1000" dirty="0"/>
+              <a:t>비밀번호 미 입력</a:t>
+            </a:r>
+            <a:r>
+              <a:rPr kumimoji="1" lang="en-US" altLang="ko-KR" sz="1000" dirty="0"/>
+              <a:t>:</a:t>
+            </a:r>
+          </a:p>
+          <a:p>
+            <a:r>
+              <a:rPr kumimoji="1" lang="en-US" altLang="ko-KR" sz="1000" dirty="0"/>
+              <a:t>‘</a:t>
+            </a:r>
+            <a:r>
+              <a:rPr kumimoji="1" lang="ko-KR" altLang="en-US" sz="1000" dirty="0"/>
+              <a:t>비밀번호를 입력하세요</a:t>
+            </a:r>
+            <a:r>
+              <a:rPr kumimoji="1" lang="en-US" altLang="ko-KR" sz="1000" dirty="0"/>
+              <a:t>’</a:t>
+            </a:r>
+            <a:r>
+              <a:rPr kumimoji="1" lang="ko-KR" altLang="en-US" sz="1000" dirty="0"/>
+              <a:t> </a:t>
+            </a:r>
+            <a:r>
+              <a:rPr kumimoji="1" lang="ko-KR" altLang="en-US" sz="1000" dirty="0" err="1"/>
+              <a:t>알림창</a:t>
+            </a:r>
+            <a:endParaRPr kumimoji="1" lang="en-US" altLang="ko-KR" sz="1000" dirty="0"/>
+          </a:p>
+          <a:p>
+            <a:r>
+              <a:rPr kumimoji="1" lang="en-US" altLang="ko-KR" sz="1000" dirty="0"/>
+              <a:t>-</a:t>
+            </a:r>
+            <a:r>
+              <a:rPr kumimoji="1" lang="ko-KR" altLang="en-US" sz="1000" dirty="0"/>
+              <a:t>아이디 비밀번호 불일치</a:t>
+            </a:r>
+            <a:r>
+              <a:rPr kumimoji="1" lang="en-US" altLang="ko-KR" sz="1000" dirty="0"/>
+              <a:t>:</a:t>
+            </a:r>
+          </a:p>
+          <a:p>
+            <a:r>
+              <a:rPr kumimoji="1" lang="en-US" altLang="ko-KR" sz="1000" dirty="0"/>
+              <a:t>‘</a:t>
+            </a:r>
+            <a:r>
+              <a:rPr kumimoji="1" lang="ko-KR" altLang="en-US" sz="1000" dirty="0"/>
+              <a:t>아이디</a:t>
+            </a:r>
+            <a:r>
+              <a:rPr kumimoji="1" lang="en-US" altLang="ko-KR" sz="1000" dirty="0"/>
+              <a:t>/</a:t>
+            </a:r>
+            <a:r>
+              <a:rPr kumimoji="1" lang="ko-KR" altLang="en-US" sz="1000" dirty="0"/>
+              <a:t>비밀번호가 일치하지 않습니다</a:t>
+            </a:r>
+            <a:r>
+              <a:rPr kumimoji="1" lang="en-US" altLang="ko-KR" sz="1000" dirty="0"/>
+              <a:t>’</a:t>
+            </a:r>
+            <a:r>
+              <a:rPr kumimoji="1" lang="ko-KR" altLang="en-US" sz="1000" dirty="0"/>
+              <a:t> </a:t>
+            </a:r>
+            <a:r>
+              <a:rPr kumimoji="1" lang="ko-KR" altLang="en-US" sz="1000" dirty="0" err="1"/>
+              <a:t>알림창</a:t>
+            </a:r>
+            <a:endParaRPr kumimoji="1" lang="en-US" altLang="ko-KR" sz="1000" dirty="0"/>
+          </a:p>
+          <a:p>
+            <a:r>
+              <a:rPr kumimoji="1" lang="en-US" altLang="ko-KR" sz="1000" dirty="0"/>
+              <a:t>-</a:t>
+            </a:r>
+            <a:r>
+              <a:rPr kumimoji="1" lang="ko-KR" altLang="en-US" sz="1000" dirty="0"/>
+              <a:t>완료</a:t>
+            </a:r>
+            <a:r>
+              <a:rPr kumimoji="1" lang="en-US" altLang="ko-KR" sz="1000" dirty="0"/>
+              <a:t>:</a:t>
+            </a:r>
+            <a:r>
+              <a:rPr kumimoji="1" lang="ko-KR" altLang="en-US" sz="1000" dirty="0"/>
+              <a:t> 메인 페이지로 이동</a:t>
+            </a:r>
+            <a:endParaRPr kumimoji="1" lang="en-US" altLang="ko-KR" sz="1000" dirty="0"/>
+          </a:p>
+        </p:txBody>
+      </p:sp>
     </p:spTree>
     <p:extLst>
       <p:ext uri="{BB962C8B-B14F-4D97-AF65-F5344CB8AC3E}">
@@ -4509,6 +4842,190 @@
               <a:latin typeface="타이포_씨고딕 140" panose="02020503020101020101" pitchFamily="18" charset="-127"/>
               <a:ea typeface="타이포_씨고딕 140" panose="02020503020101020101" pitchFamily="18" charset="-127"/>
             </a:endParaRPr>
+          </a:p>
+        </p:txBody>
+      </p:sp>
+      <p:sp>
+        <p:nvSpPr>
+          <p:cNvPr id="9" name="TextBox 8">
+            <a:extLst>
+              <a:ext uri="{FF2B5EF4-FFF2-40B4-BE49-F238E27FC236}">
+                <a16:creationId xmlns:a16="http://schemas.microsoft.com/office/drawing/2014/main" id="{D0CAA14C-9360-98BE-BA45-AEC39F5AAF73}"/>
+              </a:ext>
+            </a:extLst>
+          </p:cNvPr>
+          <p:cNvSpPr txBox="1"/>
+          <p:nvPr/>
+        </p:nvSpPr>
+        <p:spPr>
+          <a:xfrm>
+            <a:off x="9851010" y="918719"/>
+            <a:ext cx="2340990" cy="1631216"/>
+          </a:xfrm>
+          <a:prstGeom prst="rect">
+            <a:avLst/>
+          </a:prstGeom>
+          <a:noFill/>
+        </p:spPr>
+        <p:txBody>
+          <a:bodyPr wrap="square" rtlCol="0">
+            <a:spAutoFit/>
+          </a:bodyPr>
+          <a:lstStyle/>
+          <a:p>
+            <a:r>
+              <a:rPr kumimoji="1" lang="en-US" altLang="ko-Kore-KR" sz="1000" dirty="0"/>
+              <a:t>[1]</a:t>
+            </a:r>
+            <a:r>
+              <a:rPr kumimoji="1" lang="ko-KR" altLang="en-US" sz="1000" dirty="0"/>
+              <a:t> </a:t>
+            </a:r>
+            <a:r>
+              <a:rPr kumimoji="1" lang="ko-Kore-KR" altLang="en-US" sz="1000" dirty="0"/>
+              <a:t>로그인</a:t>
+            </a:r>
+            <a:endParaRPr kumimoji="1" lang="en-US" altLang="ko-KR" sz="1000" dirty="0"/>
+          </a:p>
+          <a:p>
+            <a:r>
+              <a:rPr kumimoji="1" lang="en-US" altLang="ko-Kore-KR" sz="1000" dirty="0"/>
+              <a:t>-</a:t>
+            </a:r>
+            <a:r>
+              <a:rPr kumimoji="1" lang="ko-Kore-KR" altLang="en-US" sz="1000" dirty="0"/>
+              <a:t>아이디</a:t>
+            </a:r>
+            <a:r>
+              <a:rPr kumimoji="1" lang="ko-KR" altLang="en-US" sz="1000" dirty="0"/>
+              <a:t> </a:t>
+            </a:r>
+            <a:r>
+              <a:rPr kumimoji="1" lang="ko-KR" altLang="en-US" sz="1000" dirty="0" err="1"/>
+              <a:t>미입력</a:t>
+            </a:r>
+            <a:endParaRPr kumimoji="1" lang="en-US" altLang="ko-KR" sz="1000" dirty="0"/>
+          </a:p>
+          <a:p>
+            <a:r>
+              <a:rPr kumimoji="1" lang="en-US" altLang="ko-KR" sz="1000" dirty="0"/>
+              <a:t>’</a:t>
+            </a:r>
+            <a:r>
+              <a:rPr kumimoji="1" lang="ko-KR" altLang="en-US" sz="1000" dirty="0"/>
+              <a:t>아이디를 입력해주세요</a:t>
+            </a:r>
+            <a:r>
+              <a:rPr kumimoji="1" lang="en-US" altLang="ko-KR" sz="1000" dirty="0"/>
+              <a:t>’</a:t>
+            </a:r>
+            <a:r>
+              <a:rPr kumimoji="1" lang="ko-KR" altLang="en-US" sz="1000" dirty="0"/>
+              <a:t> </a:t>
+            </a:r>
+            <a:r>
+              <a:rPr kumimoji="1" lang="ko-KR" altLang="en-US" sz="1000" dirty="0" err="1"/>
+              <a:t>알림창</a:t>
+            </a:r>
+            <a:endParaRPr kumimoji="1" lang="en-US" altLang="ko-KR" sz="1000" dirty="0"/>
+          </a:p>
+          <a:p>
+            <a:r>
+              <a:rPr kumimoji="1" lang="en-US" altLang="ko-KR" sz="1000" dirty="0"/>
+              <a:t>-</a:t>
+            </a:r>
+            <a:r>
+              <a:rPr kumimoji="1" lang="ko-KR" altLang="en-US" sz="1000" dirty="0"/>
+              <a:t>비밀번호 </a:t>
+            </a:r>
+            <a:r>
+              <a:rPr kumimoji="1" lang="ko-KR" altLang="en-US" sz="1000" dirty="0" err="1"/>
+              <a:t>미입력</a:t>
+            </a:r>
+            <a:endParaRPr kumimoji="1" lang="en-US" altLang="ko-KR" sz="1000" dirty="0"/>
+          </a:p>
+          <a:p>
+            <a:r>
+              <a:rPr kumimoji="1" lang="en-US" altLang="ko-KR" sz="1000" dirty="0"/>
+              <a:t>‘</a:t>
+            </a:r>
+            <a:r>
+              <a:rPr kumimoji="1" lang="ko-KR" altLang="en-US" sz="1000" dirty="0"/>
+              <a:t>비밀번호를 입력해주세요</a:t>
+            </a:r>
+            <a:r>
+              <a:rPr kumimoji="1" lang="en-US" altLang="ko-KR" sz="1000" dirty="0"/>
+              <a:t>’</a:t>
+            </a:r>
+            <a:r>
+              <a:rPr kumimoji="1" lang="ko-KR" altLang="en-US" sz="1000" dirty="0"/>
+              <a:t> </a:t>
+            </a:r>
+            <a:r>
+              <a:rPr kumimoji="1" lang="ko-KR" altLang="en-US" sz="1000" dirty="0" err="1"/>
+              <a:t>알림창</a:t>
+            </a:r>
+            <a:endParaRPr kumimoji="1" lang="en-US" altLang="ko-KR" sz="1000" dirty="0"/>
+          </a:p>
+          <a:p>
+            <a:r>
+              <a:rPr kumimoji="1" lang="en-US" altLang="ko-KR" sz="1000" dirty="0"/>
+              <a:t>-</a:t>
+            </a:r>
+            <a:r>
+              <a:rPr kumimoji="1" lang="ko-KR" altLang="en-US" sz="1000" dirty="0"/>
+              <a:t> 아이디 비밀번호 불일치</a:t>
+            </a:r>
+            <a:endParaRPr kumimoji="1" lang="en-US" altLang="ko-KR" sz="1000" dirty="0"/>
+          </a:p>
+          <a:p>
+            <a:r>
+              <a:rPr kumimoji="1" lang="en-US" altLang="ko-KR" sz="1000" dirty="0"/>
+              <a:t>‘</a:t>
+            </a:r>
+            <a:r>
+              <a:rPr kumimoji="1" lang="ko-KR" altLang="en-US" sz="1000" dirty="0"/>
+              <a:t>아이디</a:t>
+            </a:r>
+            <a:r>
+              <a:rPr kumimoji="1" lang="en-US" altLang="ko-KR" sz="1000" dirty="0"/>
+              <a:t>/</a:t>
+            </a:r>
+            <a:r>
+              <a:rPr kumimoji="1" lang="ko-KR" altLang="en-US" sz="1000" dirty="0"/>
+              <a:t>비밀번호가 일치하지 않습니다</a:t>
+            </a:r>
+            <a:r>
+              <a:rPr kumimoji="1" lang="en-US" altLang="ko-KR" sz="1000" dirty="0"/>
+              <a:t>’</a:t>
+            </a:r>
+            <a:r>
+              <a:rPr kumimoji="1" lang="ko-KR" altLang="en-US" sz="1000" dirty="0"/>
+              <a:t> </a:t>
+            </a:r>
+            <a:r>
+              <a:rPr kumimoji="1" lang="ko-KR" altLang="en-US" sz="1000" dirty="0" err="1"/>
+              <a:t>알림창</a:t>
+            </a:r>
+            <a:endParaRPr kumimoji="1" lang="en-US" altLang="ko-KR" sz="1000" dirty="0"/>
+          </a:p>
+          <a:p>
+            <a:r>
+              <a:rPr kumimoji="1" lang="en-US" altLang="ko-KR" sz="1000" dirty="0"/>
+              <a:t>-</a:t>
+            </a:r>
+            <a:r>
+              <a:rPr kumimoji="1" lang="ko-KR" altLang="en-US" sz="1000" dirty="0"/>
+              <a:t>완료</a:t>
+            </a:r>
+            <a:endParaRPr kumimoji="1" lang="en-US" altLang="ko-KR" sz="1000" dirty="0"/>
+          </a:p>
+          <a:p>
+            <a:r>
+              <a:rPr kumimoji="1" lang="ko-KR" altLang="en-US" sz="1000" dirty="0"/>
+              <a:t>관리자 메인 페이지로 이동</a:t>
+            </a:r>
+            <a:endParaRPr kumimoji="1" lang="en-US" altLang="ko-KR" sz="1000" dirty="0"/>
           </a:p>
         </p:txBody>
       </p:sp>
@@ -5375,7 +5892,7 @@
                 <a:latin typeface="타이포_씨고딕 140" panose="02020503020101020101" pitchFamily="18" charset="-127"/>
                 <a:ea typeface="타이포_씨고딕 140" panose="02020503020101020101" pitchFamily="18" charset="-127"/>
               </a:rPr>
-              <a:t>1</a:t>
+              <a:t>2</a:t>
             </a:r>
             <a:endParaRPr lang="ko-KR" altLang="en-US" sz="1100" dirty="0">
               <a:solidFill>
@@ -5443,7 +5960,7 @@
                 <a:latin typeface="타이포_씨고딕 140" panose="02020503020101020101" pitchFamily="18" charset="-127"/>
                 <a:ea typeface="타이포_씨고딕 140" panose="02020503020101020101" pitchFamily="18" charset="-127"/>
               </a:rPr>
-              <a:t>1</a:t>
+              <a:t>3</a:t>
             </a:r>
             <a:endParaRPr lang="ko-KR" altLang="en-US" sz="1100" dirty="0">
               <a:solidFill>
@@ -5470,6 +5987,522 @@
         <p:spPr>
           <a:xfrm>
             <a:off x="2531410" y="5064327"/>
+            <a:ext cx="216000" cy="216000"/>
+          </a:xfrm>
+          <a:prstGeom prst="ellipse">
+            <a:avLst/>
+          </a:prstGeom>
+          <a:solidFill>
+            <a:srgbClr val="FF0000"/>
+          </a:solidFill>
+          <a:ln>
+            <a:noFill/>
+          </a:ln>
+        </p:spPr>
+        <p:style>
+          <a:lnRef idx="2">
+            <a:schemeClr val="accent1">
+              <a:shade val="50000"/>
+            </a:schemeClr>
+          </a:lnRef>
+          <a:fillRef idx="1">
+            <a:schemeClr val="accent1"/>
+          </a:fillRef>
+          <a:effectRef idx="0">
+            <a:schemeClr val="accent1"/>
+          </a:effectRef>
+          <a:fontRef idx="minor">
+            <a:schemeClr val="lt1"/>
+          </a:fontRef>
+        </p:style>
+        <p:txBody>
+          <a:bodyPr wrap="none" lIns="0" tIns="0" rIns="0" bIns="0" rtlCol="0" anchor="ctr"/>
+          <a:lstStyle/>
+          <a:p>
+            <a:pPr algn="ctr"/>
+            <a:r>
+              <a:rPr lang="en-US" altLang="ko-KR" sz="1100" dirty="0">
+                <a:solidFill>
+                  <a:schemeClr val="bg1"/>
+                </a:solidFill>
+                <a:latin typeface="타이포_씨고딕 140" panose="02020503020101020101" pitchFamily="18" charset="-127"/>
+                <a:ea typeface="타이포_씨고딕 140" panose="02020503020101020101" pitchFamily="18" charset="-127"/>
+              </a:rPr>
+              <a:t>4</a:t>
+            </a:r>
+            <a:endParaRPr lang="ko-KR" altLang="en-US" sz="1100" dirty="0">
+              <a:solidFill>
+                <a:schemeClr val="bg1"/>
+              </a:solidFill>
+              <a:latin typeface="타이포_씨고딕 140" panose="02020503020101020101" pitchFamily="18" charset="-127"/>
+              <a:ea typeface="타이포_씨고딕 140" panose="02020503020101020101" pitchFamily="18" charset="-127"/>
+            </a:endParaRPr>
+          </a:p>
+        </p:txBody>
+      </p:sp>
+      <p:sp>
+        <p:nvSpPr>
+          <p:cNvPr id="5" name="TextBox 4">
+            <a:extLst>
+              <a:ext uri="{FF2B5EF4-FFF2-40B4-BE49-F238E27FC236}">
+                <a16:creationId xmlns:a16="http://schemas.microsoft.com/office/drawing/2014/main" id="{55CA424F-35F1-45F0-8CB7-2D927DB14719}"/>
+              </a:ext>
+            </a:extLst>
+          </p:cNvPr>
+          <p:cNvSpPr txBox="1"/>
+          <p:nvPr/>
+        </p:nvSpPr>
+        <p:spPr>
+          <a:xfrm>
+            <a:off x="9851010" y="1039678"/>
+            <a:ext cx="2340990" cy="4708981"/>
+          </a:xfrm>
+          <a:prstGeom prst="rect">
+            <a:avLst/>
+          </a:prstGeom>
+          <a:noFill/>
+        </p:spPr>
+        <p:txBody>
+          <a:bodyPr wrap="square" rtlCol="0">
+            <a:spAutoFit/>
+          </a:bodyPr>
+          <a:lstStyle/>
+          <a:p>
+            <a:r>
+              <a:rPr kumimoji="1" lang="en-US" altLang="ko-Kore-KR" sz="1000" dirty="0"/>
+              <a:t>[1]</a:t>
+            </a:r>
+            <a:r>
+              <a:rPr kumimoji="1" lang="ko-KR" altLang="en-US" sz="1000" dirty="0"/>
+              <a:t> </a:t>
+            </a:r>
+            <a:r>
+              <a:rPr kumimoji="1" lang="ko-Kore-KR" altLang="en-US" sz="1000" dirty="0"/>
+              <a:t>로고</a:t>
+            </a:r>
+            <a:endParaRPr kumimoji="1" lang="en-US" altLang="ko-KR" sz="1000" dirty="0"/>
+          </a:p>
+          <a:p>
+            <a:r>
+              <a:rPr kumimoji="1" lang="en-US" altLang="ko-Kore-KR" sz="1000" dirty="0"/>
+              <a:t>-</a:t>
+            </a:r>
+            <a:r>
+              <a:rPr kumimoji="1" lang="ko-Kore-KR" altLang="en-US" sz="1000" dirty="0"/>
+              <a:t>클릭시</a:t>
+            </a:r>
+            <a:r>
+              <a:rPr kumimoji="1" lang="ko-KR" altLang="en-US" sz="1000" dirty="0"/>
+              <a:t> 메인 페이지로 이동</a:t>
+            </a:r>
+            <a:endParaRPr kumimoji="1" lang="en-US" altLang="ko-KR" sz="1000" dirty="0"/>
+          </a:p>
+          <a:p>
+            <a:endParaRPr kumimoji="1" lang="en-US" altLang="ko-Kore-KR" sz="1000" dirty="0"/>
+          </a:p>
+          <a:p>
+            <a:r>
+              <a:rPr kumimoji="1" lang="en-US" altLang="ko-Kore-KR" sz="1000" dirty="0"/>
+              <a:t>[</a:t>
+            </a:r>
+            <a:r>
+              <a:rPr kumimoji="1" lang="en-US" altLang="ko-KR" sz="1000" dirty="0"/>
+              <a:t>2</a:t>
+            </a:r>
+            <a:r>
+              <a:rPr kumimoji="1" lang="en-US" altLang="ko-Kore-KR" sz="1000" dirty="0"/>
+              <a:t>]</a:t>
+            </a:r>
+            <a:r>
+              <a:rPr kumimoji="1" lang="ko-KR" altLang="en-US" sz="1000" dirty="0"/>
+              <a:t> </a:t>
+            </a:r>
+            <a:r>
+              <a:rPr kumimoji="1" lang="ko-Kore-KR" altLang="en-US" sz="1000" dirty="0"/>
+              <a:t>중복확인</a:t>
+            </a:r>
+            <a:endParaRPr kumimoji="1" lang="en-US" altLang="ko-KR" sz="1000" dirty="0"/>
+          </a:p>
+          <a:p>
+            <a:r>
+              <a:rPr kumimoji="1" lang="en-US" altLang="ko-Kore-KR" sz="1000" dirty="0"/>
+              <a:t>-</a:t>
+            </a:r>
+            <a:r>
+              <a:rPr kumimoji="1" lang="ko-Kore-KR" altLang="en-US" sz="1000" dirty="0"/>
+              <a:t>아이디</a:t>
+            </a:r>
+            <a:r>
+              <a:rPr kumimoji="1" lang="ko-KR" altLang="en-US" sz="1000" dirty="0"/>
+              <a:t> 미 입력</a:t>
+            </a:r>
+            <a:endParaRPr kumimoji="1" lang="en-US" altLang="ko-KR" sz="1000" dirty="0"/>
+          </a:p>
+          <a:p>
+            <a:r>
+              <a:rPr kumimoji="1" lang="en-US" altLang="ko-KR" sz="1000" dirty="0"/>
+              <a:t>-</a:t>
+            </a:r>
+            <a:r>
+              <a:rPr kumimoji="1" lang="ko-KR" altLang="en-US" sz="1000" dirty="0"/>
+              <a:t>아이디 중복</a:t>
+            </a:r>
+            <a:endParaRPr kumimoji="1" lang="en-US" altLang="ko-KR" sz="1000" dirty="0"/>
+          </a:p>
+          <a:p>
+            <a:r>
+              <a:rPr kumimoji="1" lang="en-US" altLang="ko-KR" sz="1000" dirty="0"/>
+              <a:t>-</a:t>
+            </a:r>
+            <a:r>
+              <a:rPr kumimoji="1" lang="ko-KR" altLang="en-US" sz="1000" dirty="0"/>
+              <a:t>완료</a:t>
+            </a:r>
+            <a:endParaRPr kumimoji="1" lang="en-US" altLang="ko-KR" sz="1000" dirty="0"/>
+          </a:p>
+          <a:p>
+            <a:endParaRPr kumimoji="1" lang="en-US" altLang="ko-KR" sz="1000" dirty="0"/>
+          </a:p>
+          <a:p>
+            <a:r>
+              <a:rPr kumimoji="1" lang="en-US" altLang="ko-KR" sz="1000" dirty="0"/>
+              <a:t>[3]</a:t>
+            </a:r>
+            <a:r>
+              <a:rPr kumimoji="1" lang="ko-KR" altLang="en-US" sz="1000" dirty="0"/>
+              <a:t> 이메일</a:t>
+            </a:r>
+            <a:endParaRPr kumimoji="1" lang="en-US" altLang="ko-KR" sz="1000" dirty="0"/>
+          </a:p>
+          <a:p>
+            <a:r>
+              <a:rPr kumimoji="1" lang="en-US" altLang="ko-KR" sz="1000" dirty="0"/>
+              <a:t>-</a:t>
+            </a:r>
+            <a:r>
+              <a:rPr kumimoji="1" lang="ko-KR" altLang="en-US" sz="1000" dirty="0"/>
+              <a:t>스크롤 내리면 네이버</a:t>
+            </a:r>
+            <a:r>
+              <a:rPr kumimoji="1" lang="en-US" altLang="ko-KR" sz="1000" dirty="0"/>
+              <a:t>,</a:t>
+            </a:r>
+            <a:r>
+              <a:rPr kumimoji="1" lang="ko-KR" altLang="en-US" sz="1000" dirty="0"/>
+              <a:t>다음</a:t>
+            </a:r>
+            <a:r>
+              <a:rPr kumimoji="1" lang="en-US" altLang="ko-KR" sz="1000" dirty="0"/>
+              <a:t>,</a:t>
+            </a:r>
+            <a:r>
+              <a:rPr kumimoji="1" lang="ko-KR" altLang="en-US" sz="1000" dirty="0"/>
+              <a:t> 네이트</a:t>
+            </a:r>
+            <a:r>
+              <a:rPr kumimoji="1" lang="en-US" altLang="ko-KR" sz="1000" dirty="0"/>
+              <a:t>,</a:t>
+            </a:r>
+            <a:r>
+              <a:rPr kumimoji="1" lang="ko-KR" altLang="en-US" sz="1000" dirty="0"/>
+              <a:t> </a:t>
+            </a:r>
+            <a:r>
+              <a:rPr kumimoji="1" lang="ko-KR" altLang="en-US" sz="1000" dirty="0" err="1"/>
+              <a:t>지메일</a:t>
+            </a:r>
+            <a:r>
+              <a:rPr kumimoji="1" lang="ko-KR" altLang="en-US" sz="1000" dirty="0"/>
+              <a:t> </a:t>
+            </a:r>
+            <a:r>
+              <a:rPr kumimoji="1" lang="en-US" altLang="ko-KR" sz="1000" dirty="0"/>
+              <a:t>,</a:t>
+            </a:r>
+            <a:r>
+              <a:rPr kumimoji="1" lang="ko-KR" altLang="en-US" sz="1000" dirty="0"/>
+              <a:t>직접 입력이 뜬다</a:t>
+            </a:r>
+            <a:endParaRPr kumimoji="1" lang="en-US" altLang="ko-KR" sz="1000" dirty="0"/>
+          </a:p>
+          <a:p>
+            <a:endParaRPr kumimoji="1" lang="en-US" altLang="ko-KR" sz="1000" dirty="0"/>
+          </a:p>
+          <a:p>
+            <a:r>
+              <a:rPr kumimoji="1" lang="en-US" altLang="ko-KR" sz="1000" dirty="0"/>
+              <a:t>[4]</a:t>
+            </a:r>
+            <a:r>
+              <a:rPr kumimoji="1" lang="ko-KR" altLang="en-US" sz="1000" dirty="0"/>
+              <a:t> 회원가입</a:t>
+            </a:r>
+            <a:endParaRPr kumimoji="1" lang="en-US" altLang="ko-KR" sz="1000" dirty="0"/>
+          </a:p>
+          <a:p>
+            <a:r>
+              <a:rPr kumimoji="1" lang="en-US" altLang="ko-KR" sz="1000" dirty="0"/>
+              <a:t>-</a:t>
+            </a:r>
+            <a:r>
+              <a:rPr kumimoji="1" lang="ko-KR" altLang="en-US" sz="1000" dirty="0"/>
+              <a:t>아이디 미 입력</a:t>
+            </a:r>
+            <a:endParaRPr kumimoji="1" lang="en-US" altLang="ko-KR" sz="1000" dirty="0"/>
+          </a:p>
+          <a:p>
+            <a:r>
+              <a:rPr kumimoji="1" lang="en-US" altLang="ko-KR" sz="1000" dirty="0"/>
+              <a:t>‘</a:t>
+            </a:r>
+            <a:r>
+              <a:rPr kumimoji="1" lang="ko-KR" altLang="en-US" sz="1000" dirty="0"/>
+              <a:t>아이디를 입력하세요</a:t>
+            </a:r>
+            <a:r>
+              <a:rPr kumimoji="1" lang="en-US" altLang="ko-KR" sz="1000" dirty="0"/>
+              <a:t>’</a:t>
+            </a:r>
+            <a:r>
+              <a:rPr kumimoji="1" lang="ko-KR" altLang="en-US" sz="1000" dirty="0"/>
+              <a:t> </a:t>
+            </a:r>
+            <a:r>
+              <a:rPr kumimoji="1" lang="ko-KR" altLang="en-US" sz="1000" dirty="0" err="1"/>
+              <a:t>알림창</a:t>
+            </a:r>
+            <a:endParaRPr kumimoji="1" lang="en-US" altLang="ko-KR" sz="1000" dirty="0"/>
+          </a:p>
+          <a:p>
+            <a:r>
+              <a:rPr kumimoji="1" lang="en-US" altLang="ko-KR" sz="1000" dirty="0"/>
+              <a:t>-</a:t>
+            </a:r>
+            <a:r>
+              <a:rPr kumimoji="1" lang="ko-KR" altLang="en-US" sz="1000" dirty="0"/>
+              <a:t>비밀번호 미 입력</a:t>
+            </a:r>
+            <a:endParaRPr kumimoji="1" lang="en-US" altLang="ko-KR" sz="1000" dirty="0"/>
+          </a:p>
+          <a:p>
+            <a:r>
+              <a:rPr kumimoji="1" lang="en-US" altLang="ko-KR" sz="1000" dirty="0"/>
+              <a:t>‘</a:t>
+            </a:r>
+            <a:r>
+              <a:rPr kumimoji="1" lang="ko-KR" altLang="en-US" sz="1000" dirty="0"/>
+              <a:t>비밀번호를 입력하세요</a:t>
+            </a:r>
+            <a:r>
+              <a:rPr kumimoji="1" lang="en-US" altLang="ko-KR" sz="1000" dirty="0"/>
+              <a:t>’</a:t>
+            </a:r>
+            <a:r>
+              <a:rPr kumimoji="1" lang="ko-KR" altLang="en-US" sz="1000" dirty="0"/>
+              <a:t> </a:t>
+            </a:r>
+            <a:r>
+              <a:rPr kumimoji="1" lang="ko-KR" altLang="en-US" sz="1000" dirty="0" err="1"/>
+              <a:t>알림창</a:t>
+            </a:r>
+            <a:endParaRPr kumimoji="1" lang="en-US" altLang="ko-KR" sz="1000" dirty="0"/>
+          </a:p>
+          <a:p>
+            <a:r>
+              <a:rPr kumimoji="1" lang="en-US" altLang="ko-KR" sz="1000" dirty="0"/>
+              <a:t>-</a:t>
+            </a:r>
+            <a:r>
+              <a:rPr kumimoji="1" lang="ko-KR" altLang="en-US" sz="1000" dirty="0"/>
+              <a:t>비밀번호 확인 미 입력</a:t>
+            </a:r>
+            <a:endParaRPr kumimoji="1" lang="en-US" altLang="ko-KR" sz="1000" dirty="0"/>
+          </a:p>
+          <a:p>
+            <a:r>
+              <a:rPr kumimoji="1" lang="ko-KR" altLang="en-US" sz="1000" dirty="0"/>
+              <a:t>비밀번호 확인을 입력하세요</a:t>
+            </a:r>
+            <a:r>
+              <a:rPr kumimoji="1" lang="en-US" altLang="ko-KR" sz="1000" dirty="0"/>
+              <a:t>’</a:t>
+            </a:r>
+            <a:r>
+              <a:rPr kumimoji="1" lang="ko-KR" altLang="en-US" sz="1000" dirty="0"/>
+              <a:t> </a:t>
+            </a:r>
+            <a:r>
+              <a:rPr kumimoji="1" lang="ko-KR" altLang="en-US" sz="1000" dirty="0" err="1"/>
+              <a:t>알림창</a:t>
+            </a:r>
+            <a:endParaRPr kumimoji="1" lang="en-US" altLang="ko-KR" sz="1000" dirty="0"/>
+          </a:p>
+          <a:p>
+            <a:r>
+              <a:rPr kumimoji="1" lang="en-US" altLang="ko-KR" sz="1000" dirty="0"/>
+              <a:t>-</a:t>
+            </a:r>
+            <a:r>
+              <a:rPr kumimoji="1" lang="ko-KR" altLang="en-US" sz="1000" dirty="0"/>
+              <a:t>이름 미 입력</a:t>
+            </a:r>
+            <a:endParaRPr kumimoji="1" lang="en-US" altLang="ko-KR" sz="1000" dirty="0"/>
+          </a:p>
+          <a:p>
+            <a:r>
+              <a:rPr kumimoji="1" lang="en-US" altLang="ko-KR" sz="1000" dirty="0"/>
+              <a:t>‘</a:t>
+            </a:r>
+            <a:r>
+              <a:rPr kumimoji="1" lang="ko-KR" altLang="en-US" sz="1000" dirty="0"/>
+              <a:t>이름을 입력하세요</a:t>
+            </a:r>
+            <a:r>
+              <a:rPr kumimoji="1" lang="en-US" altLang="ko-KR" sz="1000" dirty="0"/>
+              <a:t>’</a:t>
+            </a:r>
+            <a:r>
+              <a:rPr kumimoji="1" lang="ko-KR" altLang="en-US" sz="1000" dirty="0"/>
+              <a:t> </a:t>
+            </a:r>
+            <a:r>
+              <a:rPr kumimoji="1" lang="ko-KR" altLang="en-US" sz="1000" dirty="0" err="1"/>
+              <a:t>알림창</a:t>
+            </a:r>
+            <a:endParaRPr kumimoji="1" lang="en-US" altLang="ko-KR" sz="1000" dirty="0"/>
+          </a:p>
+          <a:p>
+            <a:r>
+              <a:rPr kumimoji="1" lang="en-US" altLang="ko-KR" sz="1000" dirty="0"/>
+              <a:t>-</a:t>
+            </a:r>
+            <a:r>
+              <a:rPr kumimoji="1" lang="ko-KR" altLang="en-US" sz="1000" dirty="0"/>
+              <a:t>이메일 미 입력</a:t>
+            </a:r>
+            <a:endParaRPr kumimoji="1" lang="en-US" altLang="ko-KR" sz="1000" dirty="0"/>
+          </a:p>
+          <a:p>
+            <a:r>
+              <a:rPr kumimoji="1" lang="en-US" altLang="ko-KR" sz="1000" dirty="0"/>
+              <a:t>‘</a:t>
+            </a:r>
+            <a:r>
+              <a:rPr kumimoji="1" lang="ko-KR" altLang="en-US" sz="1000" dirty="0"/>
+              <a:t>이메일을 입력하세요 </a:t>
+            </a:r>
+            <a:r>
+              <a:rPr kumimoji="1" lang="ko-KR" altLang="en-US" sz="1000" dirty="0" err="1"/>
+              <a:t>알림창</a:t>
+            </a:r>
+            <a:endParaRPr kumimoji="1" lang="en-US" altLang="ko-KR" sz="1000" dirty="0"/>
+          </a:p>
+          <a:p>
+            <a:r>
+              <a:rPr kumimoji="1" lang="en-US" altLang="ko-KR" sz="1000" dirty="0"/>
+              <a:t>-</a:t>
+            </a:r>
+            <a:r>
+              <a:rPr kumimoji="1" lang="ko-KR" altLang="en-US" sz="1000" dirty="0"/>
+              <a:t>아이디 중복확인 </a:t>
+            </a:r>
+            <a:r>
+              <a:rPr kumimoji="1" lang="en-US" altLang="ko-KR" sz="1000" dirty="0"/>
+              <a:t>x</a:t>
+            </a:r>
+          </a:p>
+          <a:p>
+            <a:r>
+              <a:rPr kumimoji="1" lang="en-US" altLang="ko-KR" sz="1000" dirty="0"/>
+              <a:t>’</a:t>
+            </a:r>
+            <a:r>
+              <a:rPr kumimoji="1" lang="ko-KR" altLang="en-US" sz="1000" dirty="0"/>
+              <a:t>아이디 중복 확인을 해주세요</a:t>
+            </a:r>
+            <a:r>
+              <a:rPr kumimoji="1" lang="en-US" altLang="ko-KR" sz="1000" dirty="0"/>
+              <a:t>’</a:t>
+            </a:r>
+            <a:r>
+              <a:rPr kumimoji="1" lang="ko-KR" altLang="en-US" sz="1000" dirty="0"/>
+              <a:t> </a:t>
+            </a:r>
+            <a:r>
+              <a:rPr kumimoji="1" lang="ko-KR" altLang="en-US" sz="1000" dirty="0" err="1"/>
+              <a:t>알림창</a:t>
+            </a:r>
+            <a:endParaRPr kumimoji="1" lang="en-US" altLang="ko-KR" sz="1000" dirty="0"/>
+          </a:p>
+          <a:p>
+            <a:r>
+              <a:rPr kumimoji="1" lang="en-US" altLang="ko-KR" sz="1000" dirty="0"/>
+              <a:t>-</a:t>
+            </a:r>
+            <a:r>
+              <a:rPr kumimoji="1" lang="ko-KR" altLang="en-US" sz="1000" dirty="0"/>
+              <a:t>비밀번호 비밀번호 확인 불일치</a:t>
+            </a:r>
+            <a:endParaRPr kumimoji="1" lang="en-US" altLang="ko-KR" sz="1000" dirty="0"/>
+          </a:p>
+          <a:p>
+            <a:r>
+              <a:rPr kumimoji="1" lang="en-US" altLang="ko-KR" sz="1000" dirty="0"/>
+              <a:t>‘</a:t>
+            </a:r>
+            <a:r>
+              <a:rPr kumimoji="1" lang="ko-KR" altLang="en-US" sz="1000" dirty="0"/>
+              <a:t>비밀번호가 일치하지 않습니다</a:t>
+            </a:r>
+            <a:r>
+              <a:rPr kumimoji="1" lang="en-US" altLang="ko-KR" sz="1000" dirty="0"/>
+              <a:t>.’</a:t>
+            </a:r>
+            <a:r>
+              <a:rPr kumimoji="1" lang="ko-KR" altLang="en-US" sz="1000" dirty="0"/>
+              <a:t> </a:t>
+            </a:r>
+            <a:r>
+              <a:rPr kumimoji="1" lang="ko-KR" altLang="en-US" sz="1000" dirty="0" err="1"/>
+              <a:t>알림창</a:t>
+            </a:r>
+            <a:endParaRPr kumimoji="1" lang="en-US" altLang="ko-KR" sz="1000" dirty="0"/>
+          </a:p>
+          <a:p>
+            <a:r>
+              <a:rPr kumimoji="1" lang="en-US" altLang="ko-KR" sz="1000" dirty="0"/>
+              <a:t>-</a:t>
+            </a:r>
+            <a:r>
+              <a:rPr kumimoji="1" lang="ko-KR" altLang="en-US" sz="1000" dirty="0"/>
+              <a:t>완료</a:t>
+            </a:r>
+            <a:endParaRPr kumimoji="1" lang="en-US" altLang="ko-KR" sz="1000" dirty="0"/>
+          </a:p>
+          <a:p>
+            <a:r>
+              <a:rPr kumimoji="1" lang="ko-KR" altLang="en-US" sz="1000" dirty="0"/>
+              <a:t>로그인 페이지로 이동</a:t>
+            </a:r>
+            <a:endParaRPr kumimoji="1" lang="en-US" altLang="ko-KR" sz="1000" dirty="0"/>
+          </a:p>
+        </p:txBody>
+      </p:sp>
+      <p:sp>
+        <p:nvSpPr>
+          <p:cNvPr id="8" name="타원 7">
+            <a:extLst>
+              <a:ext uri="{FF2B5EF4-FFF2-40B4-BE49-F238E27FC236}">
+                <a16:creationId xmlns:a16="http://schemas.microsoft.com/office/drawing/2014/main" id="{00E14FC2-9C6F-9455-78B3-F2BC5C5172C1}"/>
+              </a:ext>
+            </a:extLst>
+          </p:cNvPr>
+          <p:cNvSpPr/>
+          <p:nvPr/>
+        </p:nvSpPr>
+        <p:spPr>
+          <a:xfrm>
+            <a:off x="146977" y="129417"/>
             <a:ext cx="216000" cy="216000"/>
           </a:xfrm>
           <a:prstGeom prst="ellipse">
@@ -7409,7 +8442,7 @@
                 <a:latin typeface="타이포_씨고딕 140" panose="02020503020101020101" pitchFamily="18" charset="-127"/>
                 <a:ea typeface="타이포_씨고딕 140" panose="02020503020101020101" pitchFamily="18" charset="-127"/>
               </a:rPr>
-              <a:t>1</a:t>
+              <a:t>3</a:t>
             </a:r>
             <a:endParaRPr lang="ko-KR" altLang="en-US" sz="1100" dirty="0">
               <a:solidFill>
@@ -7477,7 +8510,7 @@
                 <a:latin typeface="타이포_씨고딕 140" panose="02020503020101020101" pitchFamily="18" charset="-127"/>
                 <a:ea typeface="타이포_씨고딕 140" panose="02020503020101020101" pitchFamily="18" charset="-127"/>
               </a:rPr>
-              <a:t>1</a:t>
+              <a:t>4</a:t>
             </a:r>
             <a:endParaRPr lang="ko-KR" altLang="en-US" sz="1100" dirty="0">
               <a:solidFill>
@@ -7503,7 +8536,75 @@
         </p:nvSpPr>
         <p:spPr>
           <a:xfrm>
-            <a:off x="254977" y="2503351"/>
+            <a:off x="-8719" y="2494206"/>
+            <a:ext cx="216000" cy="216000"/>
+          </a:xfrm>
+          <a:prstGeom prst="ellipse">
+            <a:avLst/>
+          </a:prstGeom>
+          <a:solidFill>
+            <a:srgbClr val="FF0000"/>
+          </a:solidFill>
+          <a:ln>
+            <a:noFill/>
+          </a:ln>
+        </p:spPr>
+        <p:style>
+          <a:lnRef idx="2">
+            <a:schemeClr val="accent1">
+              <a:shade val="50000"/>
+            </a:schemeClr>
+          </a:lnRef>
+          <a:fillRef idx="1">
+            <a:schemeClr val="accent1"/>
+          </a:fillRef>
+          <a:effectRef idx="0">
+            <a:schemeClr val="accent1"/>
+          </a:effectRef>
+          <a:fontRef idx="minor">
+            <a:schemeClr val="lt1"/>
+          </a:fontRef>
+        </p:style>
+        <p:txBody>
+          <a:bodyPr wrap="none" lIns="0" tIns="0" rIns="0" bIns="0" rtlCol="0" anchor="ctr"/>
+          <a:lstStyle/>
+          <a:p>
+            <a:pPr algn="ctr"/>
+            <a:r>
+              <a:rPr lang="en-US" altLang="ko-KR" sz="1100" dirty="0">
+                <a:solidFill>
+                  <a:schemeClr val="bg1"/>
+                </a:solidFill>
+                <a:latin typeface="타이포_씨고딕 140" panose="02020503020101020101" pitchFamily="18" charset="-127"/>
+                <a:ea typeface="타이포_씨고딕 140" panose="02020503020101020101" pitchFamily="18" charset="-127"/>
+              </a:rPr>
+              <a:t>2</a:t>
+            </a:r>
+            <a:endParaRPr lang="ko-KR" altLang="en-US" sz="1100" dirty="0">
+              <a:solidFill>
+                <a:schemeClr val="bg1"/>
+              </a:solidFill>
+              <a:latin typeface="타이포_씨고딕 140" panose="02020503020101020101" pitchFamily="18" charset="-127"/>
+              <a:ea typeface="타이포_씨고딕 140" panose="02020503020101020101" pitchFamily="18" charset="-127"/>
+            </a:endParaRPr>
+          </a:p>
+        </p:txBody>
+      </p:sp>
+      <p:sp>
+        <p:nvSpPr>
+          <p:cNvPr id="11" name="타원 10">
+            <a:extLst>
+              <a:ext uri="{FF2B5EF4-FFF2-40B4-BE49-F238E27FC236}">
+                <a16:creationId xmlns:a16="http://schemas.microsoft.com/office/drawing/2014/main" id="{D79D3D14-7A58-6171-E8B8-A88EF867AA3D}"/>
+              </a:ext>
+            </a:extLst>
+          </p:cNvPr>
+          <p:cNvSpPr/>
+          <p:nvPr/>
+        </p:nvSpPr>
+        <p:spPr>
+          <a:xfrm>
+            <a:off x="109314" y="154050"/>
             <a:ext cx="216000" cy="216000"/>
           </a:xfrm>
           <a:prstGeom prst="ellipse">
@@ -7559,10 +8660,215 @@
       </p:sp>
       <p:sp>
         <p:nvSpPr>
-          <p:cNvPr id="11" name="타원 10">
+          <p:cNvPr id="51" name="TextBox 50">
             <a:extLst>
               <a:ext uri="{FF2B5EF4-FFF2-40B4-BE49-F238E27FC236}">
-                <a16:creationId xmlns:a16="http://schemas.microsoft.com/office/drawing/2014/main" id="{D79D3D14-7A58-6171-E8B8-A88EF867AA3D}"/>
+                <a16:creationId xmlns:a16="http://schemas.microsoft.com/office/drawing/2014/main" id="{E32F50AB-A708-3980-B0DA-F058A6529366}"/>
+              </a:ext>
+            </a:extLst>
+          </p:cNvPr>
+          <p:cNvSpPr txBox="1"/>
+          <p:nvPr/>
+        </p:nvSpPr>
+        <p:spPr>
+          <a:xfrm>
+            <a:off x="9851010" y="1041760"/>
+            <a:ext cx="2340990" cy="2708434"/>
+          </a:xfrm>
+          <a:prstGeom prst="rect">
+            <a:avLst/>
+          </a:prstGeom>
+          <a:noFill/>
+        </p:spPr>
+        <p:txBody>
+          <a:bodyPr wrap="square" rtlCol="0">
+            <a:spAutoFit/>
+          </a:bodyPr>
+          <a:lstStyle/>
+          <a:p>
+            <a:r>
+              <a:rPr kumimoji="1" lang="en-US" altLang="ko-Kore-KR" sz="1000" dirty="0"/>
+              <a:t>[1]</a:t>
+            </a:r>
+            <a:r>
+              <a:rPr kumimoji="1" lang="ko-KR" altLang="en-US" sz="1000" dirty="0"/>
+              <a:t> </a:t>
+            </a:r>
+            <a:r>
+              <a:rPr kumimoji="1" lang="ko-Kore-KR" altLang="en-US" sz="1000" dirty="0"/>
+              <a:t>로고</a:t>
+            </a:r>
+            <a:endParaRPr kumimoji="1" lang="en-US" altLang="ko-KR" sz="1000" dirty="0"/>
+          </a:p>
+          <a:p>
+            <a:r>
+              <a:rPr kumimoji="1" lang="en-US" altLang="ko-Kore-KR" sz="1000" dirty="0"/>
+              <a:t>-</a:t>
+            </a:r>
+            <a:r>
+              <a:rPr kumimoji="1" lang="ko-Kore-KR" altLang="en-US" sz="1000" dirty="0"/>
+              <a:t>클릭시</a:t>
+            </a:r>
+            <a:r>
+              <a:rPr kumimoji="1" lang="ko-KR" altLang="en-US" sz="1000" dirty="0"/>
+              <a:t> </a:t>
+            </a:r>
+            <a:r>
+              <a:rPr kumimoji="1" lang="ko-KR" altLang="en-US" sz="1000" dirty="0" err="1"/>
+              <a:t>메인페이지로</a:t>
+            </a:r>
+            <a:r>
+              <a:rPr kumimoji="1" lang="ko-KR" altLang="en-US" sz="1000" dirty="0"/>
+              <a:t> 이동</a:t>
+            </a:r>
+            <a:endParaRPr kumimoji="1" lang="en-US" altLang="ko-KR" sz="1000" dirty="0"/>
+          </a:p>
+          <a:p>
+            <a:endParaRPr kumimoji="1" lang="en-US" altLang="ko-KR" sz="1000" dirty="0"/>
+          </a:p>
+          <a:p>
+            <a:r>
+              <a:rPr kumimoji="1" lang="en-US" altLang="ko-KR" sz="1000" dirty="0"/>
+              <a:t>[2]</a:t>
+            </a:r>
+            <a:r>
+              <a:rPr kumimoji="1" lang="ko-KR" altLang="en-US" sz="1000" dirty="0"/>
+              <a:t> 베스트 상품 리스트</a:t>
+            </a:r>
+            <a:endParaRPr kumimoji="1" lang="en-US" altLang="ko-KR" sz="1000" dirty="0"/>
+          </a:p>
+          <a:p>
+            <a:r>
+              <a:rPr kumimoji="1" lang="en-US" altLang="ko-KR" sz="1000" dirty="0"/>
+              <a:t>-</a:t>
+            </a:r>
+            <a:r>
+              <a:rPr kumimoji="1" lang="ko-KR" altLang="en-US" sz="1000" dirty="0"/>
+              <a:t>한번에 상품을 </a:t>
+            </a:r>
+            <a:r>
+              <a:rPr kumimoji="1" lang="en-US" altLang="ko-KR" sz="1000" dirty="0"/>
+              <a:t>4</a:t>
+            </a:r>
+            <a:r>
+              <a:rPr kumimoji="1" lang="ko-KR" altLang="en-US" sz="1000" dirty="0"/>
+              <a:t>열 </a:t>
+            </a:r>
+            <a:r>
+              <a:rPr kumimoji="1" lang="en-US" altLang="ko-KR" sz="1000" dirty="0"/>
+              <a:t>10</a:t>
+            </a:r>
+            <a:r>
+              <a:rPr kumimoji="1" lang="ko-KR" altLang="en-US" sz="1000" dirty="0"/>
+              <a:t>행으로 보여줌</a:t>
+            </a:r>
+            <a:endParaRPr kumimoji="1" lang="en-US" altLang="ko-KR" sz="1000" dirty="0"/>
+          </a:p>
+          <a:p>
+            <a:endParaRPr kumimoji="1" lang="en-US" altLang="ko-KR" sz="1000" dirty="0"/>
+          </a:p>
+          <a:p>
+            <a:r>
+              <a:rPr kumimoji="1" lang="en-US" altLang="ko-KR" sz="1000" dirty="0"/>
+              <a:t>[3]</a:t>
+            </a:r>
+            <a:r>
+              <a:rPr kumimoji="1" lang="ko-KR" altLang="en-US" sz="1000" dirty="0"/>
+              <a:t> 베스트 상품</a:t>
+            </a:r>
+            <a:endParaRPr kumimoji="1" lang="en-US" altLang="ko-KR" sz="1000" dirty="0"/>
+          </a:p>
+          <a:p>
+            <a:r>
+              <a:rPr kumimoji="1" lang="en-US" altLang="ko-KR" sz="1000" dirty="0"/>
+              <a:t>-</a:t>
+            </a:r>
+            <a:r>
+              <a:rPr kumimoji="1" lang="ko-KR" altLang="en-US" sz="1000" dirty="0"/>
+              <a:t>사진 상품이름 가격 좋아요 버튼이 있음</a:t>
+            </a:r>
+            <a:endParaRPr kumimoji="1" lang="en-US" altLang="ko-KR" sz="1000" dirty="0"/>
+          </a:p>
+          <a:p>
+            <a:endParaRPr kumimoji="1" lang="en-US" altLang="ko-KR" sz="1000" dirty="0"/>
+          </a:p>
+          <a:p>
+            <a:r>
+              <a:rPr kumimoji="1" lang="en-US" altLang="ko-KR" sz="1000" dirty="0"/>
+              <a:t>[4]</a:t>
+            </a:r>
+            <a:r>
+              <a:rPr kumimoji="1" lang="ko-KR" altLang="en-US" sz="1000" dirty="0"/>
+              <a:t> 사진</a:t>
+            </a:r>
+            <a:endParaRPr kumimoji="1" lang="en-US" altLang="ko-KR" sz="1000" dirty="0"/>
+          </a:p>
+          <a:p>
+            <a:r>
+              <a:rPr kumimoji="1" lang="en-US" altLang="ko-KR" sz="1000" dirty="0"/>
+              <a:t>-</a:t>
+            </a:r>
+            <a:r>
+              <a:rPr kumimoji="1" lang="ko-KR" altLang="en-US" sz="1000" dirty="0"/>
+              <a:t>클릭 시 상품페이지로 이동</a:t>
+            </a:r>
+            <a:endParaRPr kumimoji="1" lang="en-US" altLang="ko-KR" sz="1000" dirty="0"/>
+          </a:p>
+          <a:p>
+            <a:endParaRPr kumimoji="1" lang="en-US" altLang="ko-KR" sz="1000" dirty="0"/>
+          </a:p>
+          <a:p>
+            <a:r>
+              <a:rPr kumimoji="1" lang="en-US" altLang="ko-KR" sz="1000" dirty="0"/>
+              <a:t>[5]</a:t>
+            </a:r>
+            <a:r>
+              <a:rPr kumimoji="1" lang="ko-KR" altLang="en-US" sz="1000" dirty="0"/>
+              <a:t> 찜</a:t>
+            </a:r>
+            <a:endParaRPr kumimoji="1" lang="en-US" altLang="ko-KR" sz="1000" dirty="0"/>
+          </a:p>
+          <a:p>
+            <a:r>
+              <a:rPr kumimoji="1" lang="en-US" altLang="ko-KR" sz="1000" dirty="0"/>
+              <a:t>-</a:t>
+            </a:r>
+            <a:r>
+              <a:rPr kumimoji="1" lang="ko-KR" altLang="en-US" sz="1000" dirty="0"/>
+              <a:t>클릭 시 찜 상품목록에 등록 된다</a:t>
+            </a:r>
+            <a:r>
+              <a:rPr kumimoji="1" lang="en-US" altLang="ko-KR" sz="1000" dirty="0"/>
+              <a:t>.</a:t>
+            </a:r>
+          </a:p>
+          <a:p>
+            <a:r>
+              <a:rPr kumimoji="1" lang="en-US" altLang="ko-KR" sz="1000" dirty="0"/>
+              <a:t>-</a:t>
+            </a:r>
+            <a:r>
+              <a:rPr kumimoji="1" lang="ko-KR" altLang="en-US" sz="1000" dirty="0"/>
+              <a:t>한번 더 클릭 시 상품 목록에 삭제 된다</a:t>
+            </a:r>
+            <a:r>
+              <a:rPr kumimoji="1" lang="en-US" altLang="ko-KR" sz="1000" dirty="0"/>
+              <a:t>.</a:t>
+            </a:r>
+            <a:r>
+              <a:rPr kumimoji="1" lang="ko-KR" altLang="en-US" sz="1000" dirty="0"/>
+              <a:t> </a:t>
+            </a:r>
+            <a:endParaRPr kumimoji="1" lang="en-US" altLang="ko-KR" sz="1000" dirty="0"/>
+          </a:p>
+        </p:txBody>
+      </p:sp>
+      <p:sp>
+        <p:nvSpPr>
+          <p:cNvPr id="52" name="타원 51">
+            <a:extLst>
+              <a:ext uri="{FF2B5EF4-FFF2-40B4-BE49-F238E27FC236}">
+                <a16:creationId xmlns:a16="http://schemas.microsoft.com/office/drawing/2014/main" id="{95DEE4A5-CE9E-93F2-8018-5355B21CB4CC}"/>
               </a:ext>
             </a:extLst>
           </p:cNvPr>
@@ -7571,7 +8877,7 @@
         </p:nvSpPr>
         <p:spPr>
           <a:xfrm>
-            <a:off x="109314" y="154050"/>
+            <a:off x="217314" y="2494206"/>
             <a:ext cx="216000" cy="216000"/>
           </a:xfrm>
           <a:prstGeom prst="ellipse">
@@ -7613,7 +8919,7 @@
                 <a:latin typeface="타이포_씨고딕 140" panose="02020503020101020101" pitchFamily="18" charset="-127"/>
                 <a:ea typeface="타이포_씨고딕 140" panose="02020503020101020101" pitchFamily="18" charset="-127"/>
               </a:rPr>
-              <a:t>1</a:t>
+              <a:t>3</a:t>
             </a:r>
             <a:endParaRPr lang="ko-KR" altLang="en-US" sz="1100" dirty="0">
               <a:solidFill>
@@ -7955,7 +9261,7 @@
         </p:nvSpPr>
         <p:spPr>
           <a:xfrm>
-            <a:off x="5744308" y="2294792"/>
+            <a:off x="5586656" y="2294792"/>
             <a:ext cx="3859823" cy="3349870"/>
           </a:xfrm>
           <a:prstGeom prst="roundRect">
@@ -8003,7 +9309,7 @@
         </p:nvSpPr>
         <p:spPr>
           <a:xfrm>
-            <a:off x="7323991" y="3613584"/>
+            <a:off x="7166339" y="3613584"/>
             <a:ext cx="1195755" cy="369332"/>
           </a:xfrm>
           <a:prstGeom prst="rect">
@@ -8113,7 +9419,7 @@
                 <a:latin typeface="타이포_씨고딕 140" panose="02020503020101020101" pitchFamily="18" charset="-127"/>
                 <a:ea typeface="타이포_씨고딕 140" panose="02020503020101020101" pitchFamily="18" charset="-127"/>
               </a:rPr>
-              <a:t>1</a:t>
+              <a:t>3</a:t>
             </a:r>
             <a:endParaRPr lang="ko-KR" altLang="en-US" sz="1100" dirty="0">
               <a:solidFill>
@@ -8139,7 +9445,75 @@
         </p:nvSpPr>
         <p:spPr>
           <a:xfrm>
-            <a:off x="7107991" y="3690250"/>
+            <a:off x="6950339" y="3690250"/>
+            <a:ext cx="216000" cy="216000"/>
+          </a:xfrm>
+          <a:prstGeom prst="ellipse">
+            <a:avLst/>
+          </a:prstGeom>
+          <a:solidFill>
+            <a:srgbClr val="FF0000"/>
+          </a:solidFill>
+          <a:ln>
+            <a:noFill/>
+          </a:ln>
+        </p:spPr>
+        <p:style>
+          <a:lnRef idx="2">
+            <a:schemeClr val="accent1">
+              <a:shade val="50000"/>
+            </a:schemeClr>
+          </a:lnRef>
+          <a:fillRef idx="1">
+            <a:schemeClr val="accent1"/>
+          </a:fillRef>
+          <a:effectRef idx="0">
+            <a:schemeClr val="accent1"/>
+          </a:effectRef>
+          <a:fontRef idx="minor">
+            <a:schemeClr val="lt1"/>
+          </a:fontRef>
+        </p:style>
+        <p:txBody>
+          <a:bodyPr wrap="none" lIns="0" tIns="0" rIns="0" bIns="0" rtlCol="0" anchor="ctr"/>
+          <a:lstStyle/>
+          <a:p>
+            <a:pPr algn="ctr"/>
+            <a:r>
+              <a:rPr lang="en-US" altLang="ko-KR" sz="1100" dirty="0">
+                <a:solidFill>
+                  <a:schemeClr val="bg1"/>
+                </a:solidFill>
+                <a:latin typeface="타이포_씨고딕 140" panose="02020503020101020101" pitchFamily="18" charset="-127"/>
+                <a:ea typeface="타이포_씨고딕 140" panose="02020503020101020101" pitchFamily="18" charset="-127"/>
+              </a:rPr>
+              <a:t>4</a:t>
+            </a:r>
+            <a:endParaRPr lang="ko-KR" altLang="en-US" sz="1100" dirty="0">
+              <a:solidFill>
+                <a:schemeClr val="bg1"/>
+              </a:solidFill>
+              <a:latin typeface="타이포_씨고딕 140" panose="02020503020101020101" pitchFamily="18" charset="-127"/>
+              <a:ea typeface="타이포_씨고딕 140" panose="02020503020101020101" pitchFamily="18" charset="-127"/>
+            </a:endParaRPr>
+          </a:p>
+        </p:txBody>
+      </p:sp>
+      <p:sp>
+        <p:nvSpPr>
+          <p:cNvPr id="12" name="타원 11">
+            <a:extLst>
+              <a:ext uri="{FF2B5EF4-FFF2-40B4-BE49-F238E27FC236}">
+                <a16:creationId xmlns:a16="http://schemas.microsoft.com/office/drawing/2014/main" id="{29A8A2EE-C47A-F2D2-1225-BC1E5DA21C07}"/>
+              </a:ext>
+            </a:extLst>
+          </p:cNvPr>
+          <p:cNvSpPr/>
+          <p:nvPr/>
+        </p:nvSpPr>
+        <p:spPr>
+          <a:xfrm>
+            <a:off x="73237" y="1111950"/>
             <a:ext cx="216000" cy="216000"/>
           </a:xfrm>
           <a:prstGeom prst="ellipse">
@@ -8190,6 +9564,205 @@
               <a:latin typeface="타이포_씨고딕 140" panose="02020503020101020101" pitchFamily="18" charset="-127"/>
               <a:ea typeface="타이포_씨고딕 140" panose="02020503020101020101" pitchFamily="18" charset="-127"/>
             </a:endParaRPr>
+          </a:p>
+        </p:txBody>
+      </p:sp>
+      <p:sp>
+        <p:nvSpPr>
+          <p:cNvPr id="13" name="타원 12">
+            <a:extLst>
+              <a:ext uri="{FF2B5EF4-FFF2-40B4-BE49-F238E27FC236}">
+                <a16:creationId xmlns:a16="http://schemas.microsoft.com/office/drawing/2014/main" id="{35BB310E-3B71-8B4F-9A73-08995928ACBA}"/>
+              </a:ext>
+            </a:extLst>
+          </p:cNvPr>
+          <p:cNvSpPr/>
+          <p:nvPr/>
+        </p:nvSpPr>
+        <p:spPr>
+          <a:xfrm>
+            <a:off x="75966" y="109771"/>
+            <a:ext cx="216000" cy="216000"/>
+          </a:xfrm>
+          <a:prstGeom prst="ellipse">
+            <a:avLst/>
+          </a:prstGeom>
+          <a:solidFill>
+            <a:srgbClr val="FF0000"/>
+          </a:solidFill>
+          <a:ln>
+            <a:noFill/>
+          </a:ln>
+        </p:spPr>
+        <p:style>
+          <a:lnRef idx="2">
+            <a:schemeClr val="accent1">
+              <a:shade val="50000"/>
+            </a:schemeClr>
+          </a:lnRef>
+          <a:fillRef idx="1">
+            <a:schemeClr val="accent1"/>
+          </a:fillRef>
+          <a:effectRef idx="0">
+            <a:schemeClr val="accent1"/>
+          </a:effectRef>
+          <a:fontRef idx="minor">
+            <a:schemeClr val="lt1"/>
+          </a:fontRef>
+        </p:style>
+        <p:txBody>
+          <a:bodyPr wrap="none" lIns="0" tIns="0" rIns="0" bIns="0" rtlCol="0" anchor="ctr"/>
+          <a:lstStyle/>
+          <a:p>
+            <a:pPr algn="ctr"/>
+            <a:r>
+              <a:rPr lang="en-US" altLang="ko-KR" sz="1100" dirty="0">
+                <a:solidFill>
+                  <a:schemeClr val="bg1"/>
+                </a:solidFill>
+                <a:latin typeface="타이포_씨고딕 140" panose="02020503020101020101" pitchFamily="18" charset="-127"/>
+                <a:ea typeface="타이포_씨고딕 140" panose="02020503020101020101" pitchFamily="18" charset="-127"/>
+              </a:rPr>
+              <a:t>1</a:t>
+            </a:r>
+            <a:endParaRPr lang="ko-KR" altLang="en-US" sz="1100" dirty="0">
+              <a:solidFill>
+                <a:schemeClr val="bg1"/>
+              </a:solidFill>
+              <a:latin typeface="타이포_씨고딕 140" panose="02020503020101020101" pitchFamily="18" charset="-127"/>
+              <a:ea typeface="타이포_씨고딕 140" panose="02020503020101020101" pitchFamily="18" charset="-127"/>
+            </a:endParaRPr>
+          </a:p>
+        </p:txBody>
+      </p:sp>
+      <p:sp>
+        <p:nvSpPr>
+          <p:cNvPr id="14" name="TextBox 13">
+            <a:extLst>
+              <a:ext uri="{FF2B5EF4-FFF2-40B4-BE49-F238E27FC236}">
+                <a16:creationId xmlns:a16="http://schemas.microsoft.com/office/drawing/2014/main" id="{D86B9449-3919-8DDD-9E0F-4856EBB5E27C}"/>
+              </a:ext>
+            </a:extLst>
+          </p:cNvPr>
+          <p:cNvSpPr txBox="1"/>
+          <p:nvPr/>
+        </p:nvSpPr>
+        <p:spPr>
+          <a:xfrm>
+            <a:off x="9766168" y="1046576"/>
+            <a:ext cx="2340990" cy="1631216"/>
+          </a:xfrm>
+          <a:prstGeom prst="rect">
+            <a:avLst/>
+          </a:prstGeom>
+          <a:noFill/>
+        </p:spPr>
+        <p:txBody>
+          <a:bodyPr wrap="square" rtlCol="0">
+            <a:spAutoFit/>
+          </a:bodyPr>
+          <a:lstStyle/>
+          <a:p>
+            <a:r>
+              <a:rPr kumimoji="1" lang="en-US" altLang="ko-Kore-KR" sz="1000" dirty="0"/>
+              <a:t>[1]</a:t>
+            </a:r>
+            <a:r>
+              <a:rPr kumimoji="1" lang="ko-KR" altLang="en-US" sz="1000" dirty="0"/>
+              <a:t> </a:t>
+            </a:r>
+            <a:r>
+              <a:rPr kumimoji="1" lang="ko-Kore-KR" altLang="en-US" sz="1000" dirty="0"/>
+              <a:t>로고</a:t>
+            </a:r>
+            <a:endParaRPr kumimoji="1" lang="en-US" altLang="ko-Kore-KR" sz="1000" dirty="0"/>
+          </a:p>
+          <a:p>
+            <a:r>
+              <a:rPr kumimoji="1" lang="en-US" altLang="ko-Kore-KR" sz="1000" dirty="0"/>
+              <a:t>-</a:t>
+            </a:r>
+            <a:r>
+              <a:rPr kumimoji="1" lang="ko-Kore-KR" altLang="en-US" sz="1000" dirty="0"/>
+              <a:t>메인</a:t>
+            </a:r>
+            <a:r>
+              <a:rPr kumimoji="1" lang="ko-KR" altLang="en-US" sz="1000" dirty="0"/>
+              <a:t> </a:t>
+            </a:r>
+            <a:r>
+              <a:rPr kumimoji="1" lang="ko-Kore-KR" altLang="en-US" sz="1000" dirty="0"/>
+              <a:t>페이지로</a:t>
+            </a:r>
+            <a:r>
+              <a:rPr kumimoji="1" lang="ko-KR" altLang="en-US" sz="1000" dirty="0"/>
+              <a:t> 이동</a:t>
+            </a:r>
+            <a:endParaRPr kumimoji="1" lang="en-US" altLang="ko-KR" sz="1000" dirty="0"/>
+          </a:p>
+          <a:p>
+            <a:endParaRPr kumimoji="1" lang="en-US" altLang="ko-KR" sz="1000" dirty="0"/>
+          </a:p>
+          <a:p>
+            <a:r>
+              <a:rPr kumimoji="1" lang="en-US" altLang="ko-KR" sz="1000" dirty="0"/>
+              <a:t>[2]</a:t>
+            </a:r>
+            <a:r>
+              <a:rPr kumimoji="1" lang="ko-KR" altLang="en-US" sz="1000" dirty="0"/>
+              <a:t> 이름</a:t>
+            </a:r>
+            <a:endParaRPr kumimoji="1" lang="en-US" altLang="ko-KR" sz="1000" dirty="0"/>
+          </a:p>
+          <a:p>
+            <a:r>
+              <a:rPr kumimoji="1" lang="en-US" altLang="ko-KR" sz="1000" dirty="0"/>
+              <a:t>-</a:t>
+            </a:r>
+            <a:r>
+              <a:rPr kumimoji="1" lang="ko-KR" altLang="en-US" sz="1000" dirty="0"/>
+              <a:t>로그인 된 계정의 이름을 보여줌</a:t>
+            </a:r>
+            <a:endParaRPr kumimoji="1" lang="en-US" altLang="ko-KR" sz="1000" dirty="0"/>
+          </a:p>
+          <a:p>
+            <a:endParaRPr kumimoji="1" lang="en-US" altLang="ko-KR" sz="1000" dirty="0"/>
+          </a:p>
+          <a:p>
+            <a:r>
+              <a:rPr kumimoji="1" lang="en-US" altLang="ko-KR" sz="1000" dirty="0"/>
+              <a:t>[3]</a:t>
+            </a:r>
+            <a:r>
+              <a:rPr kumimoji="1" lang="ko-KR" altLang="en-US" sz="1000" dirty="0"/>
+              <a:t> 즐겨찾기</a:t>
+            </a:r>
+            <a:endParaRPr kumimoji="1" lang="en-US" altLang="ko-KR" sz="1000" dirty="0"/>
+          </a:p>
+          <a:p>
+            <a:r>
+              <a:rPr kumimoji="1" lang="en-US" altLang="ko-KR" sz="1000" dirty="0"/>
+              <a:t>-</a:t>
+            </a:r>
+            <a:r>
+              <a:rPr kumimoji="1" lang="ko-KR" altLang="en-US" sz="1000" dirty="0"/>
+              <a:t>즐겨찾기 페이지로 이동</a:t>
+            </a:r>
+            <a:endParaRPr kumimoji="1" lang="en-US" altLang="ko-KR" sz="1000" dirty="0"/>
+          </a:p>
+          <a:p>
+            <a:endParaRPr kumimoji="1" lang="en-US" altLang="ko-KR" sz="1000" dirty="0"/>
+          </a:p>
+          <a:p>
+            <a:r>
+              <a:rPr kumimoji="1" lang="en-US" altLang="ko-KR" sz="1000" dirty="0"/>
+              <a:t>[4]</a:t>
+            </a:r>
+            <a:r>
+              <a:rPr kumimoji="1" lang="ko-KR" altLang="en-US" sz="1000" dirty="0"/>
+              <a:t> 찜 목록으로 이동</a:t>
+            </a:r>
+            <a:endParaRPr kumimoji="1" lang="en-US" altLang="ko-KR" sz="1000" dirty="0"/>
           </a:p>
         </p:txBody>
       </p:sp>
@@ -9577,7 +11150,7 @@
                 <a:latin typeface="타이포_씨고딕 140" panose="02020503020101020101" pitchFamily="18" charset="-127"/>
                 <a:ea typeface="타이포_씨고딕 140" panose="02020503020101020101" pitchFamily="18" charset="-127"/>
               </a:rPr>
-              <a:t>1</a:t>
+              <a:t>3</a:t>
             </a:r>
             <a:endParaRPr lang="ko-KR" altLang="en-US" sz="1100" dirty="0">
               <a:solidFill>
@@ -9645,7 +11218,7 @@
                 <a:latin typeface="타이포_씨고딕 140" panose="02020503020101020101" pitchFamily="18" charset="-127"/>
                 <a:ea typeface="타이포_씨고딕 140" panose="02020503020101020101" pitchFamily="18" charset="-127"/>
               </a:rPr>
-              <a:t>1</a:t>
+              <a:t>4</a:t>
             </a:r>
             <a:endParaRPr lang="ko-KR" altLang="en-US" sz="1100" dirty="0">
               <a:solidFill>
@@ -9713,7 +11286,7 @@
                 <a:latin typeface="타이포_씨고딕 140" panose="02020503020101020101" pitchFamily="18" charset="-127"/>
                 <a:ea typeface="타이포_씨고딕 140" panose="02020503020101020101" pitchFamily="18" charset="-127"/>
               </a:rPr>
-              <a:t>1</a:t>
+              <a:t>5</a:t>
             </a:r>
             <a:endParaRPr lang="ko-KR" altLang="en-US" sz="1100" dirty="0">
               <a:solidFill>
@@ -9842,6 +11415,337 @@
                 <a:ea typeface="타이포_씨고딕 140" panose="02020503020101020101" pitchFamily="18" charset="-127"/>
               </a:rPr>
               <a:t>1</a:t>
+            </a:r>
+            <a:endParaRPr lang="ko-KR" altLang="en-US" sz="1100" dirty="0">
+              <a:solidFill>
+                <a:schemeClr val="bg1"/>
+              </a:solidFill>
+              <a:latin typeface="타이포_씨고딕 140" panose="02020503020101020101" pitchFamily="18" charset="-127"/>
+              <a:ea typeface="타이포_씨고딕 140" panose="02020503020101020101" pitchFamily="18" charset="-127"/>
+            </a:endParaRPr>
+          </a:p>
+        </p:txBody>
+      </p:sp>
+      <p:sp>
+        <p:nvSpPr>
+          <p:cNvPr id="36" name="TextBox 35">
+            <a:extLst>
+              <a:ext uri="{FF2B5EF4-FFF2-40B4-BE49-F238E27FC236}">
+                <a16:creationId xmlns:a16="http://schemas.microsoft.com/office/drawing/2014/main" id="{A8C5F548-981D-94F7-03BB-355C84A1293A}"/>
+              </a:ext>
+            </a:extLst>
+          </p:cNvPr>
+          <p:cNvSpPr txBox="1"/>
+          <p:nvPr/>
+        </p:nvSpPr>
+        <p:spPr>
+          <a:xfrm>
+            <a:off x="9766168" y="1046576"/>
+            <a:ext cx="2340990" cy="2862322"/>
+          </a:xfrm>
+          <a:prstGeom prst="rect">
+            <a:avLst/>
+          </a:prstGeom>
+          <a:noFill/>
+        </p:spPr>
+        <p:txBody>
+          <a:bodyPr wrap="square" rtlCol="0">
+            <a:spAutoFit/>
+          </a:bodyPr>
+          <a:lstStyle/>
+          <a:p>
+            <a:r>
+              <a:rPr kumimoji="1" lang="en-US" altLang="ko-Kore-KR" sz="1000" dirty="0"/>
+              <a:t>[1]</a:t>
+            </a:r>
+            <a:r>
+              <a:rPr kumimoji="1" lang="ko-KR" altLang="en-US" sz="1000" dirty="0"/>
+              <a:t> </a:t>
+            </a:r>
+            <a:r>
+              <a:rPr kumimoji="1" lang="ko-Kore-KR" altLang="en-US" sz="1000" dirty="0"/>
+              <a:t>로고</a:t>
+            </a:r>
+            <a:endParaRPr kumimoji="1" lang="en-US" altLang="ko-KR" sz="1000" dirty="0"/>
+          </a:p>
+          <a:p>
+            <a:r>
+              <a:rPr kumimoji="1" lang="en-US" altLang="ko-Kore-KR" sz="1000" dirty="0"/>
+              <a:t>-</a:t>
+            </a:r>
+            <a:r>
+              <a:rPr kumimoji="1" lang="ko-Kore-KR" altLang="en-US" sz="1000" dirty="0"/>
+              <a:t>클릭시</a:t>
+            </a:r>
+            <a:r>
+              <a:rPr kumimoji="1" lang="ko-KR" altLang="en-US" sz="1000" dirty="0"/>
+              <a:t> 메인 페이지로 이동</a:t>
+            </a:r>
+            <a:endParaRPr kumimoji="1" lang="en-US" altLang="ko-KR" sz="1000" dirty="0"/>
+          </a:p>
+          <a:p>
+            <a:endParaRPr kumimoji="1" lang="en-US" altLang="ko-KR" sz="1000" dirty="0"/>
+          </a:p>
+          <a:p>
+            <a:r>
+              <a:rPr kumimoji="1" lang="en-US" altLang="ko-KR" sz="1000" dirty="0"/>
+              <a:t>[2]</a:t>
+            </a:r>
+            <a:r>
+              <a:rPr kumimoji="1" lang="ko-KR" altLang="en-US" sz="1000" dirty="0"/>
+              <a:t> 리스트</a:t>
+            </a:r>
+            <a:endParaRPr kumimoji="1" lang="en-US" altLang="ko-KR" sz="1000" dirty="0"/>
+          </a:p>
+          <a:p>
+            <a:r>
+              <a:rPr kumimoji="1" lang="en-US" altLang="ko-KR" sz="1000" dirty="0"/>
+              <a:t>-</a:t>
+            </a:r>
+            <a:r>
+              <a:rPr kumimoji="1" lang="ko-KR" altLang="en-US" sz="1000" dirty="0"/>
+              <a:t>모든 쇼핑몰 리스트를 </a:t>
+            </a:r>
+            <a:r>
+              <a:rPr kumimoji="1" lang="en-US" altLang="ko-KR" sz="1000" dirty="0"/>
+              <a:t>10</a:t>
+            </a:r>
+            <a:r>
+              <a:rPr kumimoji="1" lang="ko-KR" altLang="en-US" sz="1000" dirty="0"/>
+              <a:t>개씩 보여준다</a:t>
+            </a:r>
+            <a:r>
+              <a:rPr kumimoji="1" lang="en-US" altLang="ko-KR" sz="1000" dirty="0"/>
+              <a:t>.</a:t>
+            </a:r>
+            <a:r>
+              <a:rPr kumimoji="1" lang="ko-KR" altLang="en-US" sz="1000" dirty="0"/>
+              <a:t> </a:t>
+            </a:r>
+            <a:endParaRPr kumimoji="1" lang="en-US" altLang="ko-KR" sz="1000" dirty="0"/>
+          </a:p>
+          <a:p>
+            <a:endParaRPr kumimoji="1" lang="en-US" altLang="ko-KR" sz="1000" dirty="0"/>
+          </a:p>
+          <a:p>
+            <a:r>
+              <a:rPr kumimoji="1" lang="en-US" altLang="ko-KR" sz="1000" dirty="0"/>
+              <a:t>[3]</a:t>
+            </a:r>
+            <a:r>
+              <a:rPr kumimoji="1" lang="ko-KR" altLang="en-US" sz="1000" dirty="0"/>
+              <a:t>쇼핑몰 한 줄</a:t>
+            </a:r>
+            <a:endParaRPr kumimoji="1" lang="en-US" altLang="ko-KR" sz="1000" dirty="0"/>
+          </a:p>
+          <a:p>
+            <a:r>
+              <a:rPr kumimoji="1" lang="ko-KR" altLang="en-US" sz="1000" dirty="0"/>
+              <a:t>클릭 시 베스트 상품 리스트로 이동 </a:t>
+            </a:r>
+            <a:endParaRPr kumimoji="1" lang="en-US" altLang="ko-KR" sz="1000" dirty="0"/>
+          </a:p>
+          <a:p>
+            <a:endParaRPr kumimoji="1" lang="en-US" altLang="ko-KR" sz="1000" dirty="0"/>
+          </a:p>
+          <a:p>
+            <a:r>
+              <a:rPr kumimoji="1" lang="en-US" altLang="ko-KR" sz="1000" dirty="0"/>
+              <a:t>[4]</a:t>
+            </a:r>
+            <a:r>
+              <a:rPr kumimoji="1" lang="ko-KR" altLang="en-US" sz="1000" dirty="0"/>
+              <a:t>홈페이지로 이동</a:t>
+            </a:r>
+            <a:endParaRPr kumimoji="1" lang="en-US" altLang="ko-KR" sz="1000" dirty="0"/>
+          </a:p>
+          <a:p>
+            <a:r>
+              <a:rPr kumimoji="1" lang="en-US" altLang="ko-KR" sz="1000" dirty="0"/>
+              <a:t>-</a:t>
+            </a:r>
+            <a:r>
+              <a:rPr kumimoji="1" lang="ko-KR" altLang="en-US" sz="1000" dirty="0"/>
+              <a:t>클릭 시 해당되는 쇼핑몰 홈페이지로 이동</a:t>
+            </a:r>
+            <a:endParaRPr kumimoji="1" lang="en-US" altLang="ko-KR" sz="1000" dirty="0"/>
+          </a:p>
+          <a:p>
+            <a:endParaRPr kumimoji="1" lang="en-US" altLang="ko-KR" sz="1000" dirty="0"/>
+          </a:p>
+          <a:p>
+            <a:r>
+              <a:rPr kumimoji="1" lang="en-US" altLang="ko-KR" sz="1000" dirty="0"/>
+              <a:t>[5]</a:t>
+            </a:r>
+            <a:r>
+              <a:rPr kumimoji="1" lang="ko-KR" altLang="en-US" sz="1000" dirty="0"/>
+              <a:t> 즐겨찾기</a:t>
+            </a:r>
+            <a:endParaRPr kumimoji="1" lang="en-US" altLang="ko-KR" sz="1000" dirty="0"/>
+          </a:p>
+          <a:p>
+            <a:r>
+              <a:rPr kumimoji="1" lang="en-US" altLang="ko-KR" sz="1000" dirty="0"/>
+              <a:t>-</a:t>
+            </a:r>
+            <a:r>
+              <a:rPr kumimoji="1" lang="ko-KR" altLang="en-US" sz="1000" dirty="0"/>
+              <a:t> 버튼 클릭 시 즐겨 찾기에 삭제된다</a:t>
+            </a:r>
+            <a:r>
+              <a:rPr kumimoji="1" lang="en-US" altLang="ko-KR" sz="1000" dirty="0"/>
+              <a:t>.</a:t>
+            </a:r>
+          </a:p>
+          <a:p>
+            <a:r>
+              <a:rPr kumimoji="1" lang="en-US" altLang="ko-KR" sz="1000" dirty="0"/>
+              <a:t>[6]</a:t>
+            </a:r>
+            <a:r>
+              <a:rPr kumimoji="1" lang="ko-KR" altLang="en-US" sz="1000" dirty="0"/>
+              <a:t> 홈으로</a:t>
+            </a:r>
+            <a:endParaRPr kumimoji="1" lang="en-US" altLang="ko-KR" sz="1000" dirty="0"/>
+          </a:p>
+          <a:p>
+            <a:r>
+              <a:rPr kumimoji="1" lang="ko-KR" altLang="en-US" sz="1000" dirty="0"/>
+              <a:t>클릭 시 메인 페이지로 이동한다</a:t>
+            </a:r>
+            <a:r>
+              <a:rPr kumimoji="1" lang="en-US" altLang="ko-KR" sz="1000" dirty="0"/>
+              <a:t>.</a:t>
+            </a:r>
+          </a:p>
+        </p:txBody>
+      </p:sp>
+      <p:sp>
+        <p:nvSpPr>
+          <p:cNvPr id="37" name="타원 36">
+            <a:extLst>
+              <a:ext uri="{FF2B5EF4-FFF2-40B4-BE49-F238E27FC236}">
+                <a16:creationId xmlns:a16="http://schemas.microsoft.com/office/drawing/2014/main" id="{FBD4F85D-02F9-7D97-7C33-2A3C4F1521A1}"/>
+              </a:ext>
+            </a:extLst>
+          </p:cNvPr>
+          <p:cNvSpPr/>
+          <p:nvPr/>
+        </p:nvSpPr>
+        <p:spPr>
+          <a:xfrm>
+            <a:off x="4258159" y="5751696"/>
+            <a:ext cx="216000" cy="216000"/>
+          </a:xfrm>
+          <a:prstGeom prst="ellipse">
+            <a:avLst/>
+          </a:prstGeom>
+          <a:solidFill>
+            <a:srgbClr val="FF0000"/>
+          </a:solidFill>
+          <a:ln>
+            <a:noFill/>
+          </a:ln>
+        </p:spPr>
+        <p:style>
+          <a:lnRef idx="2">
+            <a:schemeClr val="accent1">
+              <a:shade val="50000"/>
+            </a:schemeClr>
+          </a:lnRef>
+          <a:fillRef idx="1">
+            <a:schemeClr val="accent1"/>
+          </a:fillRef>
+          <a:effectRef idx="0">
+            <a:schemeClr val="accent1"/>
+          </a:effectRef>
+          <a:fontRef idx="minor">
+            <a:schemeClr val="lt1"/>
+          </a:fontRef>
+        </p:style>
+        <p:txBody>
+          <a:bodyPr wrap="none" lIns="0" tIns="0" rIns="0" bIns="0" rtlCol="0" anchor="ctr"/>
+          <a:lstStyle/>
+          <a:p>
+            <a:pPr algn="ctr"/>
+            <a:r>
+              <a:rPr lang="en-US" altLang="ko-KR" sz="1100" dirty="0">
+                <a:solidFill>
+                  <a:schemeClr val="bg1"/>
+                </a:solidFill>
+                <a:latin typeface="타이포_씨고딕 140" panose="02020503020101020101" pitchFamily="18" charset="-127"/>
+                <a:ea typeface="타이포_씨고딕 140" panose="02020503020101020101" pitchFamily="18" charset="-127"/>
+              </a:rPr>
+              <a:t>6</a:t>
+            </a:r>
+            <a:endParaRPr lang="ko-KR" altLang="en-US" sz="1100" dirty="0">
+              <a:solidFill>
+                <a:schemeClr val="bg1"/>
+              </a:solidFill>
+              <a:latin typeface="타이포_씨고딕 140" panose="02020503020101020101" pitchFamily="18" charset="-127"/>
+              <a:ea typeface="타이포_씨고딕 140" panose="02020503020101020101" pitchFamily="18" charset="-127"/>
+            </a:endParaRPr>
+          </a:p>
+        </p:txBody>
+      </p:sp>
+      <p:sp>
+        <p:nvSpPr>
+          <p:cNvPr id="38" name="타원 37">
+            <a:extLst>
+              <a:ext uri="{FF2B5EF4-FFF2-40B4-BE49-F238E27FC236}">
+                <a16:creationId xmlns:a16="http://schemas.microsoft.com/office/drawing/2014/main" id="{56239E5F-F8A1-4CD2-1BB7-02183F81EB7B}"/>
+              </a:ext>
+            </a:extLst>
+          </p:cNvPr>
+          <p:cNvSpPr/>
+          <p:nvPr/>
+        </p:nvSpPr>
+        <p:spPr>
+          <a:xfrm>
+            <a:off x="170776" y="1255052"/>
+            <a:ext cx="216000" cy="216000"/>
+          </a:xfrm>
+          <a:prstGeom prst="ellipse">
+            <a:avLst/>
+          </a:prstGeom>
+          <a:solidFill>
+            <a:srgbClr val="FF0000"/>
+          </a:solidFill>
+          <a:ln>
+            <a:noFill/>
+          </a:ln>
+        </p:spPr>
+        <p:style>
+          <a:lnRef idx="2">
+            <a:schemeClr val="accent1">
+              <a:shade val="50000"/>
+            </a:schemeClr>
+          </a:lnRef>
+          <a:fillRef idx="1">
+            <a:schemeClr val="accent1"/>
+          </a:fillRef>
+          <a:effectRef idx="0">
+            <a:schemeClr val="accent1"/>
+          </a:effectRef>
+          <a:fontRef idx="minor">
+            <a:schemeClr val="lt1"/>
+          </a:fontRef>
+        </p:style>
+        <p:txBody>
+          <a:bodyPr wrap="none" lIns="0" tIns="0" rIns="0" bIns="0" rtlCol="0" anchor="ctr"/>
+          <a:lstStyle/>
+          <a:p>
+            <a:pPr algn="ctr"/>
+            <a:r>
+              <a:rPr lang="en-US" altLang="ko-KR" sz="1100" dirty="0">
+                <a:solidFill>
+                  <a:schemeClr val="bg1"/>
+                </a:solidFill>
+                <a:latin typeface="타이포_씨고딕 140" panose="02020503020101020101" pitchFamily="18" charset="-127"/>
+                <a:ea typeface="타이포_씨고딕 140" panose="02020503020101020101" pitchFamily="18" charset="-127"/>
+              </a:rPr>
+              <a:t>2</a:t>
             </a:r>
             <a:endParaRPr lang="ko-KR" altLang="en-US" sz="1100" dirty="0">
               <a:solidFill>
@@ -11913,6 +13817,621 @@
           </a:p>
         </p:txBody>
       </p:sp>
+      <p:sp>
+        <p:nvSpPr>
+          <p:cNvPr id="2" name="타원 1">
+            <a:extLst>
+              <a:ext uri="{FF2B5EF4-FFF2-40B4-BE49-F238E27FC236}">
+                <a16:creationId xmlns:a16="http://schemas.microsoft.com/office/drawing/2014/main" id="{75E9FC99-ADB3-14BB-5BA7-A9615051AE0A}"/>
+              </a:ext>
+            </a:extLst>
+          </p:cNvPr>
+          <p:cNvSpPr/>
+          <p:nvPr/>
+        </p:nvSpPr>
+        <p:spPr>
+          <a:xfrm>
+            <a:off x="95400" y="127487"/>
+            <a:ext cx="216000" cy="216000"/>
+          </a:xfrm>
+          <a:prstGeom prst="ellipse">
+            <a:avLst/>
+          </a:prstGeom>
+          <a:solidFill>
+            <a:srgbClr val="FF0000"/>
+          </a:solidFill>
+          <a:ln>
+            <a:noFill/>
+          </a:ln>
+        </p:spPr>
+        <p:style>
+          <a:lnRef idx="2">
+            <a:schemeClr val="accent1">
+              <a:shade val="50000"/>
+            </a:schemeClr>
+          </a:lnRef>
+          <a:fillRef idx="1">
+            <a:schemeClr val="accent1"/>
+          </a:fillRef>
+          <a:effectRef idx="0">
+            <a:schemeClr val="accent1"/>
+          </a:effectRef>
+          <a:fontRef idx="minor">
+            <a:schemeClr val="lt1"/>
+          </a:fontRef>
+        </p:style>
+        <p:txBody>
+          <a:bodyPr wrap="none" lIns="0" tIns="0" rIns="0" bIns="0" rtlCol="0" anchor="ctr"/>
+          <a:lstStyle/>
+          <a:p>
+            <a:pPr algn="ctr"/>
+            <a:r>
+              <a:rPr lang="en-US" altLang="ko-KR" sz="1100" dirty="0">
+                <a:solidFill>
+                  <a:schemeClr val="bg1"/>
+                </a:solidFill>
+                <a:latin typeface="타이포_씨고딕 140" panose="02020503020101020101" pitchFamily="18" charset="-127"/>
+                <a:ea typeface="타이포_씨고딕 140" panose="02020503020101020101" pitchFamily="18" charset="-127"/>
+              </a:rPr>
+              <a:t>1</a:t>
+            </a:r>
+            <a:endParaRPr lang="ko-KR" altLang="en-US" sz="1100" dirty="0">
+              <a:solidFill>
+                <a:schemeClr val="bg1"/>
+              </a:solidFill>
+              <a:latin typeface="타이포_씨고딕 140" panose="02020503020101020101" pitchFamily="18" charset="-127"/>
+              <a:ea typeface="타이포_씨고딕 140" panose="02020503020101020101" pitchFamily="18" charset="-127"/>
+            </a:endParaRPr>
+          </a:p>
+        </p:txBody>
+      </p:sp>
+      <p:sp>
+        <p:nvSpPr>
+          <p:cNvPr id="3" name="타원 2">
+            <a:extLst>
+              <a:ext uri="{FF2B5EF4-FFF2-40B4-BE49-F238E27FC236}">
+                <a16:creationId xmlns:a16="http://schemas.microsoft.com/office/drawing/2014/main" id="{3FE1E608-6BA7-7AD7-E1E3-266C5F114D53}"/>
+              </a:ext>
+            </a:extLst>
+          </p:cNvPr>
+          <p:cNvSpPr/>
+          <p:nvPr/>
+        </p:nvSpPr>
+        <p:spPr>
+          <a:xfrm>
+            <a:off x="254977" y="1263868"/>
+            <a:ext cx="216000" cy="216000"/>
+          </a:xfrm>
+          <a:prstGeom prst="ellipse">
+            <a:avLst/>
+          </a:prstGeom>
+          <a:solidFill>
+            <a:srgbClr val="FF0000"/>
+          </a:solidFill>
+          <a:ln>
+            <a:noFill/>
+          </a:ln>
+        </p:spPr>
+        <p:style>
+          <a:lnRef idx="2">
+            <a:schemeClr val="accent1">
+              <a:shade val="50000"/>
+            </a:schemeClr>
+          </a:lnRef>
+          <a:fillRef idx="1">
+            <a:schemeClr val="accent1"/>
+          </a:fillRef>
+          <a:effectRef idx="0">
+            <a:schemeClr val="accent1"/>
+          </a:effectRef>
+          <a:fontRef idx="minor">
+            <a:schemeClr val="lt1"/>
+          </a:fontRef>
+        </p:style>
+        <p:txBody>
+          <a:bodyPr wrap="none" lIns="0" tIns="0" rIns="0" bIns="0" rtlCol="0" anchor="ctr"/>
+          <a:lstStyle/>
+          <a:p>
+            <a:pPr algn="ctr"/>
+            <a:r>
+              <a:rPr lang="en-US" altLang="ko-KR" sz="1100" dirty="0">
+                <a:solidFill>
+                  <a:schemeClr val="bg1"/>
+                </a:solidFill>
+                <a:latin typeface="타이포_씨고딕 140" panose="02020503020101020101" pitchFamily="18" charset="-127"/>
+                <a:ea typeface="타이포_씨고딕 140" panose="02020503020101020101" pitchFamily="18" charset="-127"/>
+              </a:rPr>
+              <a:t>3</a:t>
+            </a:r>
+            <a:endParaRPr lang="ko-KR" altLang="en-US" sz="1100" dirty="0">
+              <a:solidFill>
+                <a:schemeClr val="bg1"/>
+              </a:solidFill>
+              <a:latin typeface="타이포_씨고딕 140" panose="02020503020101020101" pitchFamily="18" charset="-127"/>
+              <a:ea typeface="타이포_씨고딕 140" panose="02020503020101020101" pitchFamily="18" charset="-127"/>
+            </a:endParaRPr>
+          </a:p>
+        </p:txBody>
+      </p:sp>
+      <p:sp>
+        <p:nvSpPr>
+          <p:cNvPr id="48" name="타원 47">
+            <a:extLst>
+              <a:ext uri="{FF2B5EF4-FFF2-40B4-BE49-F238E27FC236}">
+                <a16:creationId xmlns:a16="http://schemas.microsoft.com/office/drawing/2014/main" id="{AB53571C-8792-40A1-D2B7-2545F52931BE}"/>
+              </a:ext>
+            </a:extLst>
+          </p:cNvPr>
+          <p:cNvSpPr/>
+          <p:nvPr/>
+        </p:nvSpPr>
+        <p:spPr>
+          <a:xfrm>
+            <a:off x="4557288" y="6428145"/>
+            <a:ext cx="216000" cy="216000"/>
+          </a:xfrm>
+          <a:prstGeom prst="ellipse">
+            <a:avLst/>
+          </a:prstGeom>
+          <a:solidFill>
+            <a:srgbClr val="FF0000"/>
+          </a:solidFill>
+          <a:ln>
+            <a:noFill/>
+          </a:ln>
+        </p:spPr>
+        <p:style>
+          <a:lnRef idx="2">
+            <a:schemeClr val="accent1">
+              <a:shade val="50000"/>
+            </a:schemeClr>
+          </a:lnRef>
+          <a:fillRef idx="1">
+            <a:schemeClr val="accent1"/>
+          </a:fillRef>
+          <a:effectRef idx="0">
+            <a:schemeClr val="accent1"/>
+          </a:effectRef>
+          <a:fontRef idx="minor">
+            <a:schemeClr val="lt1"/>
+          </a:fontRef>
+        </p:style>
+        <p:txBody>
+          <a:bodyPr wrap="none" lIns="0" tIns="0" rIns="0" bIns="0" rtlCol="0" anchor="ctr"/>
+          <a:lstStyle/>
+          <a:p>
+            <a:pPr algn="ctr"/>
+            <a:r>
+              <a:rPr lang="en-US" altLang="ko-KR" sz="1100" dirty="0">
+                <a:solidFill>
+                  <a:schemeClr val="bg1"/>
+                </a:solidFill>
+                <a:latin typeface="타이포_씨고딕 140" panose="02020503020101020101" pitchFamily="18" charset="-127"/>
+                <a:ea typeface="타이포_씨고딕 140" panose="02020503020101020101" pitchFamily="18" charset="-127"/>
+              </a:rPr>
+              <a:t>6</a:t>
+            </a:r>
+            <a:endParaRPr lang="ko-KR" altLang="en-US" sz="1100" dirty="0">
+              <a:solidFill>
+                <a:schemeClr val="bg1"/>
+              </a:solidFill>
+              <a:latin typeface="타이포_씨고딕 140" panose="02020503020101020101" pitchFamily="18" charset="-127"/>
+              <a:ea typeface="타이포_씨고딕 140" panose="02020503020101020101" pitchFamily="18" charset="-127"/>
+            </a:endParaRPr>
+          </a:p>
+        </p:txBody>
+      </p:sp>
+      <p:sp>
+        <p:nvSpPr>
+          <p:cNvPr id="49" name="타원 48">
+            <a:extLst>
+              <a:ext uri="{FF2B5EF4-FFF2-40B4-BE49-F238E27FC236}">
+                <a16:creationId xmlns:a16="http://schemas.microsoft.com/office/drawing/2014/main" id="{E204DBF7-F4DF-9DCE-8260-2A22D793A500}"/>
+              </a:ext>
+            </a:extLst>
+          </p:cNvPr>
+          <p:cNvSpPr/>
+          <p:nvPr/>
+        </p:nvSpPr>
+        <p:spPr>
+          <a:xfrm>
+            <a:off x="1675425" y="3332480"/>
+            <a:ext cx="216000" cy="216000"/>
+          </a:xfrm>
+          <a:prstGeom prst="ellipse">
+            <a:avLst/>
+          </a:prstGeom>
+          <a:solidFill>
+            <a:srgbClr val="FF0000"/>
+          </a:solidFill>
+          <a:ln>
+            <a:noFill/>
+          </a:ln>
+        </p:spPr>
+        <p:style>
+          <a:lnRef idx="2">
+            <a:schemeClr val="accent1">
+              <a:shade val="50000"/>
+            </a:schemeClr>
+          </a:lnRef>
+          <a:fillRef idx="1">
+            <a:schemeClr val="accent1"/>
+          </a:fillRef>
+          <a:effectRef idx="0">
+            <a:schemeClr val="accent1"/>
+          </a:effectRef>
+          <a:fontRef idx="minor">
+            <a:schemeClr val="lt1"/>
+          </a:fontRef>
+        </p:style>
+        <p:txBody>
+          <a:bodyPr wrap="none" lIns="0" tIns="0" rIns="0" bIns="0" rtlCol="0" anchor="ctr"/>
+          <a:lstStyle/>
+          <a:p>
+            <a:pPr algn="ctr"/>
+            <a:r>
+              <a:rPr lang="en-US" altLang="ko-KR" sz="1100" dirty="0">
+                <a:solidFill>
+                  <a:schemeClr val="bg1"/>
+                </a:solidFill>
+                <a:latin typeface="타이포_씨고딕 140" panose="02020503020101020101" pitchFamily="18" charset="-127"/>
+                <a:ea typeface="타이포_씨고딕 140" panose="02020503020101020101" pitchFamily="18" charset="-127"/>
+              </a:rPr>
+              <a:t>5</a:t>
+            </a:r>
+            <a:endParaRPr lang="ko-KR" altLang="en-US" sz="1100" dirty="0">
+              <a:solidFill>
+                <a:schemeClr val="bg1"/>
+              </a:solidFill>
+              <a:latin typeface="타이포_씨고딕 140" panose="02020503020101020101" pitchFamily="18" charset="-127"/>
+              <a:ea typeface="타이포_씨고딕 140" panose="02020503020101020101" pitchFamily="18" charset="-127"/>
+            </a:endParaRPr>
+          </a:p>
+        </p:txBody>
+      </p:sp>
+      <p:sp>
+        <p:nvSpPr>
+          <p:cNvPr id="51" name="TextBox 50">
+            <a:extLst>
+              <a:ext uri="{FF2B5EF4-FFF2-40B4-BE49-F238E27FC236}">
+                <a16:creationId xmlns:a16="http://schemas.microsoft.com/office/drawing/2014/main" id="{F3575B73-44B1-13D8-1900-003E22A3903F}"/>
+              </a:ext>
+            </a:extLst>
+          </p:cNvPr>
+          <p:cNvSpPr txBox="1"/>
+          <p:nvPr/>
+        </p:nvSpPr>
+        <p:spPr>
+          <a:xfrm>
+            <a:off x="9851010" y="1041760"/>
+            <a:ext cx="2340990" cy="2862322"/>
+          </a:xfrm>
+          <a:prstGeom prst="rect">
+            <a:avLst/>
+          </a:prstGeom>
+          <a:noFill/>
+        </p:spPr>
+        <p:txBody>
+          <a:bodyPr wrap="square" rtlCol="0">
+            <a:spAutoFit/>
+          </a:bodyPr>
+          <a:lstStyle/>
+          <a:p>
+            <a:r>
+              <a:rPr kumimoji="1" lang="en-US" altLang="ko-Kore-KR" sz="1000" dirty="0"/>
+              <a:t>[1]</a:t>
+            </a:r>
+            <a:r>
+              <a:rPr kumimoji="1" lang="ko-KR" altLang="en-US" sz="1000" dirty="0"/>
+              <a:t> </a:t>
+            </a:r>
+            <a:r>
+              <a:rPr kumimoji="1" lang="ko-Kore-KR" altLang="en-US" sz="1000" dirty="0"/>
+              <a:t>로고</a:t>
+            </a:r>
+            <a:endParaRPr kumimoji="1" lang="en-US" altLang="ko-KR" sz="1000" dirty="0"/>
+          </a:p>
+          <a:p>
+            <a:r>
+              <a:rPr kumimoji="1" lang="en-US" altLang="ko-Kore-KR" sz="1000" dirty="0"/>
+              <a:t>-</a:t>
+            </a:r>
+            <a:r>
+              <a:rPr kumimoji="1" lang="ko-Kore-KR" altLang="en-US" sz="1000" dirty="0"/>
+              <a:t>클릭시</a:t>
+            </a:r>
+            <a:r>
+              <a:rPr kumimoji="1" lang="ko-KR" altLang="en-US" sz="1000" dirty="0"/>
+              <a:t> 메인 페이지로 이동</a:t>
+            </a:r>
+            <a:endParaRPr kumimoji="1" lang="en-US" altLang="ko-KR" sz="1000" dirty="0"/>
+          </a:p>
+          <a:p>
+            <a:endParaRPr kumimoji="1" lang="en-US" altLang="ko-KR" sz="1000" dirty="0"/>
+          </a:p>
+          <a:p>
+            <a:r>
+              <a:rPr kumimoji="1" lang="en-US" altLang="ko-KR" sz="1000" dirty="0"/>
+              <a:t>[2]</a:t>
+            </a:r>
+            <a:r>
+              <a:rPr kumimoji="1" lang="ko-KR" altLang="en-US" sz="1000" dirty="0"/>
+              <a:t> 찜리스트</a:t>
+            </a:r>
+            <a:endParaRPr kumimoji="1" lang="en-US" altLang="ko-KR" sz="1000" dirty="0"/>
+          </a:p>
+          <a:p>
+            <a:r>
+              <a:rPr kumimoji="1" lang="en-US" altLang="ko-KR" sz="1000" dirty="0"/>
+              <a:t>-</a:t>
+            </a:r>
+            <a:r>
+              <a:rPr kumimoji="1" lang="ko-KR" altLang="en-US" sz="1000" dirty="0"/>
+              <a:t>찜 버튼이 눌린 상품들을 보여줌</a:t>
+            </a:r>
+            <a:endParaRPr kumimoji="1" lang="en-US" altLang="ko-KR" sz="1000" dirty="0"/>
+          </a:p>
+          <a:p>
+            <a:r>
+              <a:rPr kumimoji="1" lang="en-US" altLang="ko-KR" sz="1000" dirty="0"/>
+              <a:t>-</a:t>
+            </a:r>
+            <a:r>
+              <a:rPr kumimoji="1" lang="ko-KR" altLang="en-US" sz="1000" dirty="0"/>
+              <a:t>한번에 상품을 </a:t>
+            </a:r>
+            <a:r>
+              <a:rPr kumimoji="1" lang="en-US" altLang="ko-KR" sz="1000" dirty="0"/>
+              <a:t>4</a:t>
+            </a:r>
+            <a:r>
+              <a:rPr kumimoji="1" lang="ko-KR" altLang="en-US" sz="1000" dirty="0"/>
+              <a:t>열 </a:t>
+            </a:r>
+            <a:r>
+              <a:rPr kumimoji="1" lang="en-US" altLang="ko-KR" sz="1000" dirty="0"/>
+              <a:t>10</a:t>
+            </a:r>
+            <a:r>
+              <a:rPr kumimoji="1" lang="ko-KR" altLang="en-US" sz="1000" dirty="0"/>
+              <a:t>행으로 보여줌</a:t>
+            </a:r>
+            <a:endParaRPr kumimoji="1" lang="en-US" altLang="ko-KR" sz="1000" dirty="0"/>
+          </a:p>
+          <a:p>
+            <a:endParaRPr kumimoji="1" lang="en-US" altLang="ko-KR" sz="1000" dirty="0"/>
+          </a:p>
+          <a:p>
+            <a:r>
+              <a:rPr kumimoji="1" lang="en-US" altLang="ko-KR" sz="1000" dirty="0"/>
+              <a:t>[3]</a:t>
+            </a:r>
+            <a:r>
+              <a:rPr kumimoji="1" lang="ko-KR" altLang="en-US" sz="1000" dirty="0"/>
+              <a:t> 베스트 상품</a:t>
+            </a:r>
+            <a:endParaRPr kumimoji="1" lang="en-US" altLang="ko-KR" sz="1000" dirty="0"/>
+          </a:p>
+          <a:p>
+            <a:r>
+              <a:rPr kumimoji="1" lang="en-US" altLang="ko-KR" sz="1000" dirty="0"/>
+              <a:t>-</a:t>
+            </a:r>
+            <a:r>
+              <a:rPr kumimoji="1" lang="ko-KR" altLang="en-US" sz="1000" dirty="0"/>
+              <a:t>사진 상품이름 가격 좋아요 버튼이 있음</a:t>
+            </a:r>
+            <a:endParaRPr kumimoji="1" lang="en-US" altLang="ko-KR" sz="1000" dirty="0"/>
+          </a:p>
+          <a:p>
+            <a:endParaRPr kumimoji="1" lang="en-US" altLang="ko-KR" sz="1000" dirty="0"/>
+          </a:p>
+          <a:p>
+            <a:r>
+              <a:rPr kumimoji="1" lang="en-US" altLang="ko-KR" sz="1000" dirty="0"/>
+              <a:t>[4]</a:t>
+            </a:r>
+            <a:r>
+              <a:rPr kumimoji="1" lang="ko-KR" altLang="en-US" sz="1000" dirty="0"/>
+              <a:t> 사진</a:t>
+            </a:r>
+            <a:endParaRPr kumimoji="1" lang="en-US" altLang="ko-KR" sz="1000" dirty="0"/>
+          </a:p>
+          <a:p>
+            <a:r>
+              <a:rPr kumimoji="1" lang="en-US" altLang="ko-KR" sz="1000" dirty="0"/>
+              <a:t>-</a:t>
+            </a:r>
+            <a:r>
+              <a:rPr kumimoji="1" lang="ko-KR" altLang="en-US" sz="1000" dirty="0"/>
+              <a:t>클릭 시 상품페이지로 이동</a:t>
+            </a:r>
+            <a:endParaRPr kumimoji="1" lang="en-US" altLang="ko-KR" sz="1000" dirty="0"/>
+          </a:p>
+          <a:p>
+            <a:endParaRPr kumimoji="1" lang="en-US" altLang="ko-KR" sz="1000" dirty="0"/>
+          </a:p>
+          <a:p>
+            <a:r>
+              <a:rPr kumimoji="1" lang="en-US" altLang="ko-KR" sz="1000" dirty="0"/>
+              <a:t>[5]</a:t>
+            </a:r>
+            <a:r>
+              <a:rPr kumimoji="1" lang="ko-KR" altLang="en-US" sz="1000" dirty="0"/>
+              <a:t> 찜</a:t>
+            </a:r>
+            <a:endParaRPr kumimoji="1" lang="en-US" altLang="ko-KR" sz="1000" dirty="0"/>
+          </a:p>
+          <a:p>
+            <a:r>
+              <a:rPr kumimoji="1" lang="en-US" altLang="ko-KR" sz="1000" dirty="0"/>
+              <a:t>-</a:t>
+            </a:r>
+            <a:r>
+              <a:rPr kumimoji="1" lang="ko-KR" altLang="en-US" sz="1000" dirty="0"/>
+              <a:t>클릭 시 상품 목록에 삭제 된다</a:t>
+            </a:r>
+            <a:r>
+              <a:rPr kumimoji="1" lang="en-US" altLang="ko-KR" sz="1000" dirty="0"/>
+              <a:t>.</a:t>
+            </a:r>
+          </a:p>
+          <a:p>
+            <a:r>
+              <a:rPr kumimoji="1" lang="en-US" altLang="ko-KR" sz="1000" dirty="0"/>
+              <a:t>[6]</a:t>
+            </a:r>
+            <a:r>
+              <a:rPr kumimoji="1" lang="ko-KR" altLang="en-US" sz="1000" dirty="0"/>
+              <a:t> 홈으로</a:t>
+            </a:r>
+            <a:endParaRPr kumimoji="1" lang="en-US" altLang="ko-KR" sz="1000" dirty="0"/>
+          </a:p>
+          <a:p>
+            <a:r>
+              <a:rPr kumimoji="1" lang="ko-KR" altLang="en-US" sz="1000" dirty="0"/>
+              <a:t>클릭 시 메인 페이지로 이동 </a:t>
+            </a:r>
+            <a:endParaRPr kumimoji="1" lang="en-US" altLang="ko-KR" sz="1000" dirty="0"/>
+          </a:p>
+        </p:txBody>
+      </p:sp>
+      <p:sp>
+        <p:nvSpPr>
+          <p:cNvPr id="53" name="타원 52">
+            <a:extLst>
+              <a:ext uri="{FF2B5EF4-FFF2-40B4-BE49-F238E27FC236}">
+                <a16:creationId xmlns:a16="http://schemas.microsoft.com/office/drawing/2014/main" id="{CB2DDCCD-8E20-3C41-3808-8E4DBE0373EC}"/>
+              </a:ext>
+            </a:extLst>
+          </p:cNvPr>
+          <p:cNvSpPr/>
+          <p:nvPr/>
+        </p:nvSpPr>
+        <p:spPr>
+          <a:xfrm>
+            <a:off x="0" y="1263868"/>
+            <a:ext cx="216000" cy="216000"/>
+          </a:xfrm>
+          <a:prstGeom prst="ellipse">
+            <a:avLst/>
+          </a:prstGeom>
+          <a:solidFill>
+            <a:srgbClr val="FF0000"/>
+          </a:solidFill>
+          <a:ln>
+            <a:noFill/>
+          </a:ln>
+        </p:spPr>
+        <p:style>
+          <a:lnRef idx="2">
+            <a:schemeClr val="accent1">
+              <a:shade val="50000"/>
+            </a:schemeClr>
+          </a:lnRef>
+          <a:fillRef idx="1">
+            <a:schemeClr val="accent1"/>
+          </a:fillRef>
+          <a:effectRef idx="0">
+            <a:schemeClr val="accent1"/>
+          </a:effectRef>
+          <a:fontRef idx="minor">
+            <a:schemeClr val="lt1"/>
+          </a:fontRef>
+        </p:style>
+        <p:txBody>
+          <a:bodyPr wrap="none" lIns="0" tIns="0" rIns="0" bIns="0" rtlCol="0" anchor="ctr"/>
+          <a:lstStyle/>
+          <a:p>
+            <a:pPr algn="ctr"/>
+            <a:r>
+              <a:rPr lang="en-US" altLang="ko-KR" sz="1100" dirty="0">
+                <a:solidFill>
+                  <a:schemeClr val="bg1"/>
+                </a:solidFill>
+                <a:latin typeface="타이포_씨고딕 140" panose="02020503020101020101" pitchFamily="18" charset="-127"/>
+                <a:ea typeface="타이포_씨고딕 140" panose="02020503020101020101" pitchFamily="18" charset="-127"/>
+              </a:rPr>
+              <a:t>2</a:t>
+            </a:r>
+            <a:endParaRPr lang="ko-KR" altLang="en-US" sz="1100" dirty="0">
+              <a:solidFill>
+                <a:schemeClr val="bg1"/>
+              </a:solidFill>
+              <a:latin typeface="타이포_씨고딕 140" panose="02020503020101020101" pitchFamily="18" charset="-127"/>
+              <a:ea typeface="타이포_씨고딕 140" panose="02020503020101020101" pitchFamily="18" charset="-127"/>
+            </a:endParaRPr>
+          </a:p>
+        </p:txBody>
+      </p:sp>
+      <p:sp>
+        <p:nvSpPr>
+          <p:cNvPr id="54" name="타원 53">
+            <a:extLst>
+              <a:ext uri="{FF2B5EF4-FFF2-40B4-BE49-F238E27FC236}">
+                <a16:creationId xmlns:a16="http://schemas.microsoft.com/office/drawing/2014/main" id="{027DE7F4-0D08-2AFA-59CF-4104F726BB38}"/>
+              </a:ext>
+            </a:extLst>
+          </p:cNvPr>
+          <p:cNvSpPr/>
+          <p:nvPr/>
+        </p:nvSpPr>
+        <p:spPr>
+          <a:xfrm>
+            <a:off x="795114" y="2038490"/>
+            <a:ext cx="216000" cy="216000"/>
+          </a:xfrm>
+          <a:prstGeom prst="ellipse">
+            <a:avLst/>
+          </a:prstGeom>
+          <a:solidFill>
+            <a:srgbClr val="FF0000"/>
+          </a:solidFill>
+          <a:ln>
+            <a:noFill/>
+          </a:ln>
+        </p:spPr>
+        <p:style>
+          <a:lnRef idx="2">
+            <a:schemeClr val="accent1">
+              <a:shade val="50000"/>
+            </a:schemeClr>
+          </a:lnRef>
+          <a:fillRef idx="1">
+            <a:schemeClr val="accent1"/>
+          </a:fillRef>
+          <a:effectRef idx="0">
+            <a:schemeClr val="accent1"/>
+          </a:effectRef>
+          <a:fontRef idx="minor">
+            <a:schemeClr val="lt1"/>
+          </a:fontRef>
+        </p:style>
+        <p:txBody>
+          <a:bodyPr wrap="none" lIns="0" tIns="0" rIns="0" bIns="0" rtlCol="0" anchor="ctr"/>
+          <a:lstStyle/>
+          <a:p>
+            <a:pPr algn="ctr"/>
+            <a:r>
+              <a:rPr lang="en-US" altLang="ko-KR" sz="1100" dirty="0">
+                <a:solidFill>
+                  <a:schemeClr val="bg1"/>
+                </a:solidFill>
+                <a:latin typeface="타이포_씨고딕 140" panose="02020503020101020101" pitchFamily="18" charset="-127"/>
+                <a:ea typeface="타이포_씨고딕 140" panose="02020503020101020101" pitchFamily="18" charset="-127"/>
+              </a:rPr>
+              <a:t>4</a:t>
+            </a:r>
+            <a:endParaRPr lang="ko-KR" altLang="en-US" sz="1100" dirty="0">
+              <a:solidFill>
+                <a:schemeClr val="bg1"/>
+              </a:solidFill>
+              <a:latin typeface="타이포_씨고딕 140" panose="02020503020101020101" pitchFamily="18" charset="-127"/>
+              <a:ea typeface="타이포_씨고딕 140" panose="02020503020101020101" pitchFamily="18" charset="-127"/>
+            </a:endParaRPr>
+          </a:p>
+        </p:txBody>
+      </p:sp>
     </p:spTree>
     <p:extLst>
       <p:ext uri="{BB962C8B-B14F-4D97-AF65-F5344CB8AC3E}">
@@ -12278,7 +14797,7 @@
         <p:spPr>
           <a:xfrm>
             <a:off x="9766168" y="1046576"/>
-            <a:ext cx="2340990" cy="707886"/>
+            <a:ext cx="2340990" cy="861774"/>
           </a:xfrm>
           <a:prstGeom prst="rect">
             <a:avLst/>
@@ -12322,6 +14841,9 @@
               <a:rPr kumimoji="1" lang="ko-KR" altLang="en-US" sz="1000" dirty="0"/>
               <a:t> 메인 페이지로 이동</a:t>
             </a:r>
+            <a:endParaRPr kumimoji="1" lang="en-US" altLang="ko-KR" sz="1000" dirty="0"/>
+          </a:p>
+          <a:p>
             <a:endParaRPr kumimoji="1" lang="en-US" altLang="ko-KR" sz="1000" dirty="0"/>
           </a:p>
           <a:p>
@@ -14127,7 +16649,7 @@
         <p:spPr>
           <a:xfrm>
             <a:off x="9766168" y="1046576"/>
-            <a:ext cx="2340990" cy="4401205"/>
+            <a:ext cx="2340990" cy="4862870"/>
           </a:xfrm>
           <a:prstGeom prst="rect">
             <a:avLst/>
@@ -14150,9 +16672,9 @@
             </a:r>
             <a:r>
               <a:rPr kumimoji="1" lang="ko-Kore-KR" altLang="en-US" sz="1000" dirty="0"/>
-              <a:t>홈버튼</a:t>
-            </a:r>
-            <a:endParaRPr kumimoji="1" lang="en-US" altLang="ko-Kore-KR" sz="1000" dirty="0"/>
+              <a:t>로고</a:t>
+            </a:r>
+            <a:endParaRPr kumimoji="1" lang="en-US" altLang="ko-KR" sz="1000" dirty="0"/>
           </a:p>
           <a:p>
             <a:r>
@@ -14323,14 +16845,27 @@
             <a:endParaRPr kumimoji="1" lang="en-US" altLang="ko-KR" sz="1000" dirty="0"/>
           </a:p>
           <a:p>
+            <a:endParaRPr kumimoji="1" lang="en-US" altLang="ko-KR" sz="1000" dirty="0"/>
+          </a:p>
+          <a:p>
             <a:r>
               <a:rPr kumimoji="1" lang="en-US" altLang="ko-KR" sz="1000" dirty="0"/>
               <a:t>[5]</a:t>
             </a:r>
             <a:r>
               <a:rPr kumimoji="1" lang="ko-KR" altLang="en-US" sz="1000" dirty="0"/>
-              <a:t> </a:t>
-            </a:r>
+              <a:t> 쇼핑몰 한 줄</a:t>
+            </a:r>
+            <a:endParaRPr kumimoji="1" lang="en-US" altLang="ko-KR" sz="1000" dirty="0"/>
+          </a:p>
+          <a:p>
+            <a:r>
+              <a:rPr kumimoji="1" lang="ko-KR" altLang="en-US" sz="1000" dirty="0"/>
+              <a:t>클릭 시 베스트 상품 리스트로 이동 </a:t>
+            </a:r>
+            <a:endParaRPr kumimoji="1" lang="en-US" altLang="ko-KR" sz="1000" dirty="0"/>
+          </a:p>
+          <a:p>
             <a:endParaRPr kumimoji="1" lang="en-US" altLang="ko-KR" sz="1000" dirty="0"/>
           </a:p>
           <a:p>
@@ -16279,7 +18814,7 @@
         </p:nvSpPr>
         <p:spPr>
           <a:xfrm>
-            <a:off x="1349570" y="1800497"/>
+            <a:off x="1517735" y="1800497"/>
             <a:ext cx="3797465" cy="317552"/>
           </a:xfrm>
           <a:prstGeom prst="rect">
@@ -16371,7 +18906,7 @@
         </p:nvSpPr>
         <p:spPr>
           <a:xfrm>
-            <a:off x="1349570" y="2389820"/>
+            <a:off x="1517735" y="2389820"/>
             <a:ext cx="4746429" cy="317552"/>
           </a:xfrm>
           <a:prstGeom prst="rect">
@@ -16438,8 +18973,8 @@
           <a:lstStyle/>
           <a:p>
             <a:r>
-              <a:rPr kumimoji="1" lang="en-US" altLang="ko-Kore-KR" sz="1000" dirty="0" err="1"/>
-              <a:t>url</a:t>
+              <a:rPr kumimoji="1" lang="ko-KR" altLang="en-US" sz="1000" dirty="0"/>
+              <a:t>홈페이지 주소 </a:t>
             </a:r>
             <a:endParaRPr kumimoji="1" lang="ko-Kore-KR" altLang="en-US" sz="1000" dirty="0"/>
           </a:p>
@@ -16459,7 +18994,7 @@
         </p:nvSpPr>
         <p:spPr>
           <a:xfrm>
-            <a:off x="1349570" y="2953721"/>
+            <a:off x="1517735" y="2953721"/>
             <a:ext cx="4746429" cy="317552"/>
           </a:xfrm>
           <a:prstGeom prst="rect">
@@ -16547,7 +19082,7 @@
         </p:nvSpPr>
         <p:spPr>
           <a:xfrm>
-            <a:off x="1349570" y="3515234"/>
+            <a:off x="1517735" y="3515234"/>
             <a:ext cx="4746429" cy="317552"/>
           </a:xfrm>
           <a:prstGeom prst="rect">
@@ -16823,7 +19358,7 @@
                 <a:latin typeface="타이포_씨고딕 140" panose="02020503020101020101" pitchFamily="18" charset="-127"/>
                 <a:ea typeface="타이포_씨고딕 140" panose="02020503020101020101" pitchFamily="18" charset="-127"/>
               </a:rPr>
-              <a:t>3</a:t>
+              <a:t>5</a:t>
             </a:r>
             <a:endParaRPr lang="ko-KR" altLang="en-US" sz="1100" dirty="0">
               <a:solidFill>
@@ -16850,7 +19385,7 @@
         <p:spPr>
           <a:xfrm>
             <a:off x="9803876" y="1046576"/>
-            <a:ext cx="2340990" cy="1785104"/>
+            <a:ext cx="2340990" cy="4555093"/>
           </a:xfrm>
           <a:prstGeom prst="rect">
             <a:avLst/>
@@ -16877,7 +19412,7 @@
             </a:r>
             <a:r>
               <a:rPr kumimoji="1" lang="ko-KR" altLang="en-US" sz="1000" dirty="0"/>
-              <a:t>페이지 버튼</a:t>
+              <a:t> 페이지 버튼</a:t>
             </a:r>
             <a:endParaRPr kumimoji="1" lang="en-US" altLang="ko-KR" sz="1000" dirty="0"/>
           </a:p>
@@ -16892,16 +19427,11 @@
             </a:r>
             <a:r>
               <a:rPr kumimoji="1" lang="ko-KR" altLang="en-US" sz="1000" dirty="0"/>
-              <a:t> 관리자 </a:t>
-            </a:r>
-            <a:r>
-              <a:rPr kumimoji="1" lang="ko-KR" altLang="en-US" sz="1000" dirty="0" err="1"/>
-              <a:t>메인페이지로</a:t>
-            </a:r>
-            <a:r>
-              <a:rPr kumimoji="1" lang="ko-KR" altLang="en-US" sz="1000" dirty="0"/>
-              <a:t> 이동</a:t>
-            </a:r>
+              <a:t> 관리자 메인 페이지로 이동</a:t>
+            </a:r>
+            <a:endParaRPr kumimoji="1" lang="en-US" altLang="ko-KR" sz="1000" dirty="0"/>
+          </a:p>
+          <a:p>
             <a:endParaRPr kumimoji="1" lang="en-US" altLang="ko-KR" sz="1000" dirty="0"/>
           </a:p>
           <a:p>
@@ -16911,6 +19441,122 @@
             </a:r>
             <a:r>
               <a:rPr kumimoji="1" lang="ko-KR" altLang="en-US" sz="1000" dirty="0"/>
+              <a:t> 중복확인</a:t>
+            </a:r>
+            <a:endParaRPr kumimoji="1" lang="en-US" altLang="ko-KR" sz="1000" dirty="0"/>
+          </a:p>
+          <a:p>
+            <a:r>
+              <a:rPr kumimoji="1" lang="ko-KR" altLang="en-US" sz="1000" dirty="0"/>
+              <a:t>쇼핑몰 이름 미 입력</a:t>
+            </a:r>
+            <a:r>
+              <a:rPr kumimoji="1" lang="en-US" altLang="ko-KR" sz="1000" dirty="0"/>
+              <a:t>:</a:t>
+            </a:r>
+            <a:r>
+              <a:rPr kumimoji="1" lang="ko-KR" altLang="en-US" sz="1000" dirty="0"/>
+              <a:t> </a:t>
+            </a:r>
+            <a:endParaRPr kumimoji="1" lang="en-US" altLang="ko-KR" sz="1000" dirty="0"/>
+          </a:p>
+          <a:p>
+            <a:r>
+              <a:rPr kumimoji="1" lang="en-US" altLang="ko-KR" sz="1000" dirty="0"/>
+              <a:t>‘</a:t>
+            </a:r>
+            <a:r>
+              <a:rPr kumimoji="1" lang="ko-KR" altLang="en-US" sz="1000" dirty="0"/>
+              <a:t>쇼핑몰이름을 입력해주세요</a:t>
+            </a:r>
+            <a:r>
+              <a:rPr kumimoji="1" lang="en-US" altLang="ko-KR" sz="1000" dirty="0"/>
+              <a:t>’</a:t>
+            </a:r>
+            <a:r>
+              <a:rPr kumimoji="1" lang="ko-KR" altLang="en-US" sz="1000" dirty="0"/>
+              <a:t> </a:t>
+            </a:r>
+            <a:r>
+              <a:rPr kumimoji="1" lang="ko-KR" altLang="en-US" sz="1000" dirty="0" err="1"/>
+              <a:t>알림창</a:t>
+            </a:r>
+            <a:endParaRPr kumimoji="1" lang="en-US" altLang="ko-KR" sz="1000" dirty="0"/>
+          </a:p>
+          <a:p>
+            <a:r>
+              <a:rPr kumimoji="1" lang="ko-KR" altLang="en-US" sz="1000" dirty="0"/>
+              <a:t>쇼핑몰 이름 중복</a:t>
+            </a:r>
+            <a:r>
+              <a:rPr kumimoji="1" lang="en-US" altLang="ko-KR" sz="1000" dirty="0"/>
+              <a:t>:</a:t>
+            </a:r>
+          </a:p>
+          <a:p>
+            <a:r>
+              <a:rPr kumimoji="1" lang="en-US" altLang="ko-KR" sz="1000" dirty="0"/>
+              <a:t>’</a:t>
+            </a:r>
+            <a:r>
+              <a:rPr kumimoji="1" lang="ko-KR" altLang="en-US" sz="1000" dirty="0"/>
+              <a:t>이미 등록한 쇼핑몰 입니다</a:t>
+            </a:r>
+            <a:r>
+              <a:rPr kumimoji="1" lang="en-US" altLang="ko-KR" sz="1000" dirty="0"/>
+              <a:t>.’</a:t>
+            </a:r>
+            <a:r>
+              <a:rPr kumimoji="1" lang="ko-KR" altLang="en-US" sz="1000" dirty="0"/>
+              <a:t> </a:t>
+            </a:r>
+            <a:r>
+              <a:rPr kumimoji="1" lang="ko-KR" altLang="en-US" sz="1000" dirty="0" err="1"/>
+              <a:t>알림창</a:t>
+            </a:r>
+            <a:endParaRPr kumimoji="1" lang="en-US" altLang="ko-KR" sz="1000" dirty="0"/>
+          </a:p>
+          <a:p>
+            <a:r>
+              <a:rPr kumimoji="1" lang="ko-KR" altLang="en-US" sz="1000" dirty="0"/>
+              <a:t>완료</a:t>
+            </a:r>
+            <a:r>
+              <a:rPr kumimoji="1" lang="en-US" altLang="ko-KR" sz="1000" dirty="0"/>
+              <a:t>:</a:t>
+            </a:r>
+            <a:r>
+              <a:rPr kumimoji="1" lang="ko-KR" altLang="en-US" sz="1000" dirty="0"/>
+              <a:t> </a:t>
+            </a:r>
+            <a:r>
+              <a:rPr kumimoji="1" lang="en-US" altLang="ko-KR" sz="1000" dirty="0"/>
+              <a:t>＇</a:t>
+            </a:r>
+            <a:r>
+              <a:rPr kumimoji="1" lang="ko-KR" altLang="en-US" sz="1000" dirty="0"/>
+              <a:t>등록하지 않은 쇼핑몰 입니다</a:t>
+            </a:r>
+            <a:r>
+              <a:rPr kumimoji="1" lang="en-US" altLang="ko-KR" sz="1000" dirty="0"/>
+              <a:t>’</a:t>
+            </a:r>
+            <a:r>
+              <a:rPr kumimoji="1" lang="ko-KR" altLang="en-US" sz="1000" dirty="0" err="1"/>
+              <a:t>알림창</a:t>
+            </a:r>
+            <a:endParaRPr kumimoji="1" lang="en-US" altLang="ko-KR" sz="1000" dirty="0"/>
+          </a:p>
+          <a:p>
+            <a:endParaRPr kumimoji="1" lang="en-US" altLang="ko-KR" sz="1000" dirty="0"/>
+          </a:p>
+          <a:p>
+            <a:r>
+              <a:rPr kumimoji="1" lang="en-US" altLang="ko-KR" sz="1000" dirty="0"/>
+              <a:t>[3]</a:t>
+            </a:r>
+            <a:r>
+              <a:rPr kumimoji="1" lang="ko-KR" altLang="en-US" sz="1000" dirty="0"/>
               <a:t> </a:t>
             </a:r>
             <a:r>
@@ -16962,9 +19608,12 @@
             <a:endParaRPr kumimoji="1" lang="en-US" altLang="ko-KR" sz="1000" dirty="0"/>
           </a:p>
           <a:p>
+            <a:endParaRPr kumimoji="1" lang="en-US" altLang="ko-KR" sz="1000" dirty="0"/>
+          </a:p>
+          <a:p>
             <a:r>
               <a:rPr kumimoji="1" lang="en-US" altLang="ko-KR" sz="1000" dirty="0"/>
-              <a:t>[3]</a:t>
+              <a:t>[4]</a:t>
             </a:r>
             <a:r>
               <a:rPr kumimoji="1" lang="ko-KR" altLang="en-US" sz="1000" dirty="0"/>
@@ -16984,9 +19633,12 @@
             <a:endParaRPr kumimoji="1" lang="en-US" altLang="ko-KR" sz="1000" dirty="0"/>
           </a:p>
           <a:p>
+            <a:endParaRPr kumimoji="1" lang="en-US" altLang="ko-KR" sz="1000" dirty="0"/>
+          </a:p>
+          <a:p>
             <a:r>
               <a:rPr kumimoji="1" lang="en-US" altLang="ko-KR" sz="1000" dirty="0"/>
-              <a:t>[4]</a:t>
+              <a:t>[5]</a:t>
             </a:r>
             <a:r>
               <a:rPr kumimoji="1" lang="ko-KR" altLang="en-US" sz="1000" dirty="0"/>
@@ -17001,7 +19653,114 @@
             </a:r>
             <a:r>
               <a:rPr kumimoji="1" lang="ko-KR" altLang="en-US" sz="1000" dirty="0"/>
+              <a:t> 쇼핑몰 이름 미 입력 </a:t>
+            </a:r>
+            <a:endParaRPr kumimoji="1" lang="en-US" altLang="ko-KR" sz="1000" dirty="0"/>
+          </a:p>
+          <a:p>
+            <a:r>
+              <a:rPr kumimoji="1" lang="en-US" altLang="ko-KR" sz="1000" dirty="0"/>
+              <a:t>‘</a:t>
+            </a:r>
+            <a:r>
+              <a:rPr kumimoji="1" lang="ko-KR" altLang="en-US" sz="1000" dirty="0"/>
+              <a:t>쇼핑몰 이름을 입력해주세요</a:t>
+            </a:r>
+            <a:r>
+              <a:rPr kumimoji="1" lang="en-US" altLang="ko-KR" sz="1000" dirty="0"/>
+              <a:t>’</a:t>
+            </a:r>
+            <a:r>
+              <a:rPr kumimoji="1" lang="ko-KR" altLang="en-US" sz="1000" dirty="0"/>
+              <a:t>  </a:t>
+            </a:r>
+            <a:r>
+              <a:rPr kumimoji="1" lang="ko-KR" altLang="en-US" sz="1000" dirty="0" err="1"/>
+              <a:t>알림창</a:t>
+            </a:r>
+            <a:endParaRPr kumimoji="1" lang="en-US" altLang="ko-KR" sz="1000" dirty="0"/>
+          </a:p>
+          <a:p>
+            <a:r>
+              <a:rPr kumimoji="1" lang="en-US" altLang="ko-KR" sz="1000" dirty="0"/>
+              <a:t>-</a:t>
+            </a:r>
+            <a:r>
+              <a:rPr kumimoji="1" lang="ko-KR" altLang="en-US" sz="1000" dirty="0"/>
+              <a:t>홈페이지 주소 미 입력 </a:t>
+            </a:r>
+            <a:r>
+              <a:rPr kumimoji="1" lang="en-US" altLang="ko-KR" sz="1000" dirty="0"/>
+              <a:t>:</a:t>
+            </a:r>
+          </a:p>
+          <a:p>
+            <a:r>
+              <a:rPr kumimoji="1" lang="ko-KR" altLang="en-US" sz="1000" dirty="0"/>
+              <a:t>홈페이지 주소를 입력해 주세요</a:t>
+            </a:r>
+            <a:endParaRPr kumimoji="1" lang="en-US" altLang="ko-KR" sz="1000" dirty="0"/>
+          </a:p>
+          <a:p>
+            <a:r>
+              <a:rPr kumimoji="1" lang="en-US" altLang="ko-KR" sz="1000" dirty="0"/>
+              <a:t>-Best</a:t>
+            </a:r>
+            <a:r>
+              <a:rPr kumimoji="1" lang="ko-KR" altLang="en-US" sz="1000" dirty="0"/>
               <a:t> </a:t>
+            </a:r>
+            <a:r>
+              <a:rPr kumimoji="1" lang="en-US" altLang="ko-KR" sz="1000" dirty="0"/>
+              <a:t>code </a:t>
+            </a:r>
+            <a:r>
+              <a:rPr kumimoji="1" lang="ko-KR" altLang="en-US" sz="1000" dirty="0"/>
+              <a:t>미 입력</a:t>
+            </a:r>
+            <a:endParaRPr kumimoji="1" lang="en-US" altLang="ko-KR" sz="1000" dirty="0"/>
+          </a:p>
+          <a:p>
+            <a:r>
+              <a:rPr kumimoji="1" lang="en-US" altLang="ko-KR" sz="1000" dirty="0"/>
+              <a:t>‘Best code</a:t>
+            </a:r>
+            <a:r>
+              <a:rPr kumimoji="1" lang="ko-KR" altLang="en-US" sz="1000" dirty="0" err="1"/>
+              <a:t>를</a:t>
+            </a:r>
+            <a:r>
+              <a:rPr kumimoji="1" lang="ko-KR" altLang="en-US" sz="1000" dirty="0"/>
+              <a:t> 입력 해 주세요</a:t>
+            </a:r>
+            <a:r>
+              <a:rPr kumimoji="1" lang="en-US" altLang="ko-KR" sz="1000" dirty="0"/>
+              <a:t>’</a:t>
+            </a:r>
+            <a:r>
+              <a:rPr kumimoji="1" lang="ko-KR" altLang="en-US" sz="1000" dirty="0"/>
+              <a:t> </a:t>
+            </a:r>
+            <a:r>
+              <a:rPr kumimoji="1" lang="ko-KR" altLang="en-US" sz="1000" dirty="0" err="1"/>
+              <a:t>알림창</a:t>
+            </a:r>
+            <a:endParaRPr kumimoji="1" lang="en-US" altLang="ko-KR" sz="1000" dirty="0"/>
+          </a:p>
+          <a:p>
+            <a:r>
+              <a:rPr kumimoji="1" lang="ko-KR" altLang="en-US" sz="1000" dirty="0"/>
+              <a:t>완료</a:t>
+            </a:r>
+            <a:r>
+              <a:rPr kumimoji="1" lang="en-US" altLang="ko-KR" sz="1000" dirty="0"/>
+              <a:t>:</a:t>
+            </a:r>
+          </a:p>
+          <a:p>
+            <a:r>
+              <a:rPr kumimoji="1" lang="ko-KR" altLang="en-US" sz="1000" dirty="0"/>
+              <a:t>관리자 메인 페이지로 이동 </a:t>
             </a:r>
             <a:endParaRPr kumimoji="1" lang="en-US" altLang="ko-KR" sz="1000" dirty="0"/>
           </a:p>
@@ -17063,7 +19822,7 @@
                 <a:latin typeface="타이포_씨고딕 140" panose="02020503020101020101" pitchFamily="18" charset="-127"/>
                 <a:ea typeface="타이포_씨고딕 140" panose="02020503020101020101" pitchFamily="18" charset="-127"/>
               </a:rPr>
-              <a:t>3</a:t>
+              <a:t>4</a:t>
             </a:r>
             <a:endParaRPr lang="ko-KR" altLang="en-US" sz="1100" dirty="0">
               <a:solidFill>
@@ -17089,7 +19848,7 @@
         </p:nvSpPr>
         <p:spPr>
           <a:xfrm>
-            <a:off x="321561" y="3537676"/>
+            <a:off x="291765" y="3515234"/>
             <a:ext cx="216000" cy="216000"/>
           </a:xfrm>
           <a:prstGeom prst="ellipse">
@@ -17131,7 +19890,7 @@
                 <a:latin typeface="타이포_씨고딕 140" panose="02020503020101020101" pitchFamily="18" charset="-127"/>
                 <a:ea typeface="타이포_씨고딕 140" panose="02020503020101020101" pitchFamily="18" charset="-127"/>
               </a:rPr>
-              <a:t>2</a:t>
+              <a:t>3</a:t>
             </a:r>
             <a:endParaRPr lang="ko-KR" altLang="en-US" sz="1100" dirty="0">
               <a:solidFill>
@@ -17157,7 +19916,7 @@
         </p:nvSpPr>
         <p:spPr>
           <a:xfrm>
-            <a:off x="5243148" y="1804576"/>
+            <a:off x="5411313" y="1804576"/>
             <a:ext cx="852851" cy="351692"/>
           </a:xfrm>
           <a:prstGeom prst="rect">
@@ -17200,6 +19959,74 @@
               <a:rPr lang="ko-KR" altLang="en-US" sz="1000" dirty="0"/>
               <a:t>중복 확인</a:t>
             </a:r>
+          </a:p>
+        </p:txBody>
+      </p:sp>
+      <p:sp>
+        <p:nvSpPr>
+          <p:cNvPr id="4" name="타원 3">
+            <a:extLst>
+              <a:ext uri="{FF2B5EF4-FFF2-40B4-BE49-F238E27FC236}">
+                <a16:creationId xmlns:a16="http://schemas.microsoft.com/office/drawing/2014/main" id="{D55E8A37-822D-F35D-8D88-9C6BC3F57FC6}"/>
+              </a:ext>
+            </a:extLst>
+          </p:cNvPr>
+          <p:cNvSpPr/>
+          <p:nvPr/>
+        </p:nvSpPr>
+        <p:spPr>
+          <a:xfrm>
+            <a:off x="6184671" y="1851273"/>
+            <a:ext cx="216000" cy="216000"/>
+          </a:xfrm>
+          <a:prstGeom prst="ellipse">
+            <a:avLst/>
+          </a:prstGeom>
+          <a:solidFill>
+            <a:srgbClr val="FF0000"/>
+          </a:solidFill>
+          <a:ln>
+            <a:noFill/>
+          </a:ln>
+        </p:spPr>
+        <p:style>
+          <a:lnRef idx="2">
+            <a:schemeClr val="accent1">
+              <a:shade val="50000"/>
+            </a:schemeClr>
+          </a:lnRef>
+          <a:fillRef idx="1">
+            <a:schemeClr val="accent1"/>
+          </a:fillRef>
+          <a:effectRef idx="0">
+            <a:schemeClr val="accent1"/>
+          </a:effectRef>
+          <a:fontRef idx="minor">
+            <a:schemeClr val="lt1"/>
+          </a:fontRef>
+        </p:style>
+        <p:txBody>
+          <a:bodyPr wrap="none" lIns="0" tIns="0" rIns="0" bIns="0" rtlCol="0" anchor="ctr"/>
+          <a:lstStyle/>
+          <a:p>
+            <a:pPr algn="ctr"/>
+            <a:r>
+              <a:rPr lang="en-US" altLang="ko-KR" sz="1100" dirty="0">
+                <a:solidFill>
+                  <a:schemeClr val="bg1"/>
+                </a:solidFill>
+                <a:latin typeface="타이포_씨고딕 140" panose="02020503020101020101" pitchFamily="18" charset="-127"/>
+                <a:ea typeface="타이포_씨고딕 140" panose="02020503020101020101" pitchFamily="18" charset="-127"/>
+              </a:rPr>
+              <a:t>2</a:t>
+            </a:r>
+            <a:endParaRPr lang="ko-KR" altLang="en-US" sz="1100" dirty="0">
+              <a:solidFill>
+                <a:schemeClr val="bg1"/>
+              </a:solidFill>
+              <a:latin typeface="타이포_씨고딕 140" panose="02020503020101020101" pitchFamily="18" charset="-127"/>
+              <a:ea typeface="타이포_씨고딕 140" panose="02020503020101020101" pitchFamily="18" charset="-127"/>
+            </a:endParaRPr>
           </a:p>
         </p:txBody>
       </p:sp>

--- a/document/design/MYMALL(쇼핑리스트)_스토리보드.pptx
+++ b/document/design/MYMALL(쇼핑리스트)_스토리보드.pptx
@@ -219,7 +219,7 @@
           <a:p>
             <a:fld id="{587D0301-635D-4096-ABF6-39FF8143A84C}" type="datetimeFigureOut">
               <a:rPr lang="ko-KR" altLang="en-US" smtClean="0"/>
-              <a:t>2022. 10. 1.</a:t>
+              <a:t>2022-10-04</a:t>
             </a:fld>
             <a:endParaRPr lang="ko-KR" altLang="en-US"/>
           </a:p>
@@ -699,7 +699,7 @@
           <a:p>
             <a:fld id="{2073FAFA-3C5F-46E4-9CCD-AE5CC7679C70}" type="datetimeFigureOut">
               <a:rPr lang="ko-KR" altLang="en-US" smtClean="0"/>
-              <a:t>2022. 10. 1.</a:t>
+              <a:t>2022-10-04</a:t>
             </a:fld>
             <a:endParaRPr lang="ko-KR" altLang="en-US"/>
           </a:p>
@@ -867,7 +867,7 @@
           <a:p>
             <a:fld id="{2073FAFA-3C5F-46E4-9CCD-AE5CC7679C70}" type="datetimeFigureOut">
               <a:rPr lang="ko-KR" altLang="en-US" smtClean="0"/>
-              <a:t>2022. 10. 1.</a:t>
+              <a:t>2022-10-04</a:t>
             </a:fld>
             <a:endParaRPr lang="ko-KR" altLang="en-US"/>
           </a:p>
@@ -1045,7 +1045,7 @@
           <a:p>
             <a:fld id="{2073FAFA-3C5F-46E4-9CCD-AE5CC7679C70}" type="datetimeFigureOut">
               <a:rPr lang="ko-KR" altLang="en-US" smtClean="0"/>
-              <a:t>2022. 10. 1.</a:t>
+              <a:t>2022-10-04</a:t>
             </a:fld>
             <a:endParaRPr lang="ko-KR" altLang="en-US"/>
           </a:p>
@@ -1213,7 +1213,7 @@
           <a:p>
             <a:fld id="{2073FAFA-3C5F-46E4-9CCD-AE5CC7679C70}" type="datetimeFigureOut">
               <a:rPr lang="ko-KR" altLang="en-US" smtClean="0"/>
-              <a:t>2022. 10. 1.</a:t>
+              <a:t>2022-10-04</a:t>
             </a:fld>
             <a:endParaRPr lang="ko-KR" altLang="en-US"/>
           </a:p>
@@ -1488,7 +1488,7 @@
           <a:p>
             <a:fld id="{2073FAFA-3C5F-46E4-9CCD-AE5CC7679C70}" type="datetimeFigureOut">
               <a:rPr lang="ko-KR" altLang="en-US" smtClean="0"/>
-              <a:t>2022. 10. 1.</a:t>
+              <a:t>2022-10-04</a:t>
             </a:fld>
             <a:endParaRPr lang="ko-KR" altLang="en-US"/>
           </a:p>
@@ -1717,7 +1717,7 @@
           <a:p>
             <a:fld id="{2073FAFA-3C5F-46E4-9CCD-AE5CC7679C70}" type="datetimeFigureOut">
               <a:rPr lang="ko-KR" altLang="en-US" smtClean="0"/>
-              <a:t>2022. 10. 1.</a:t>
+              <a:t>2022-10-04</a:t>
             </a:fld>
             <a:endParaRPr lang="ko-KR" altLang="en-US"/>
           </a:p>
@@ -2081,7 +2081,7 @@
           <a:p>
             <a:fld id="{2073FAFA-3C5F-46E4-9CCD-AE5CC7679C70}" type="datetimeFigureOut">
               <a:rPr lang="ko-KR" altLang="en-US" smtClean="0"/>
-              <a:t>2022. 10. 1.</a:t>
+              <a:t>2022-10-04</a:t>
             </a:fld>
             <a:endParaRPr lang="ko-KR" altLang="en-US"/>
           </a:p>
@@ -2198,7 +2198,7 @@
           <a:p>
             <a:fld id="{2073FAFA-3C5F-46E4-9CCD-AE5CC7679C70}" type="datetimeFigureOut">
               <a:rPr lang="ko-KR" altLang="en-US" smtClean="0"/>
-              <a:t>2022. 10. 1.</a:t>
+              <a:t>2022-10-04</a:t>
             </a:fld>
             <a:endParaRPr lang="ko-KR" altLang="en-US"/>
           </a:p>
@@ -2293,7 +2293,7 @@
           <a:p>
             <a:fld id="{2073FAFA-3C5F-46E4-9CCD-AE5CC7679C70}" type="datetimeFigureOut">
               <a:rPr lang="ko-KR" altLang="en-US" smtClean="0"/>
-              <a:t>2022. 10. 1.</a:t>
+              <a:t>2022-10-04</a:t>
             </a:fld>
             <a:endParaRPr lang="ko-KR" altLang="en-US"/>
           </a:p>
@@ -2568,7 +2568,7 @@
           <a:p>
             <a:fld id="{2073FAFA-3C5F-46E4-9CCD-AE5CC7679C70}" type="datetimeFigureOut">
               <a:rPr lang="ko-KR" altLang="en-US" smtClean="0"/>
-              <a:t>2022. 10. 1.</a:t>
+              <a:t>2022-10-04</a:t>
             </a:fld>
             <a:endParaRPr lang="ko-KR" altLang="en-US"/>
           </a:p>
@@ -2820,7 +2820,7 @@
           <a:p>
             <a:fld id="{2073FAFA-3C5F-46E4-9CCD-AE5CC7679C70}" type="datetimeFigureOut">
               <a:rPr lang="ko-KR" altLang="en-US" smtClean="0"/>
-              <a:t>2022. 10. 1.</a:t>
+              <a:t>2022-10-04</a:t>
             </a:fld>
             <a:endParaRPr lang="ko-KR" altLang="en-US"/>
           </a:p>
@@ -3031,7 +3031,7 @@
           <a:p>
             <a:fld id="{2073FAFA-3C5F-46E4-9CCD-AE5CC7679C70}" type="datetimeFigureOut">
               <a:rPr lang="ko-KR" altLang="en-US" smtClean="0"/>
-              <a:t>2022. 10. 1.</a:t>
+              <a:t>2022-10-04</a:t>
             </a:fld>
             <a:endParaRPr lang="ko-KR" altLang="en-US"/>
           </a:p>
@@ -16783,12 +16783,16 @@
               <a:t> </a:t>
             </a:r>
             <a:r>
-              <a:rPr kumimoji="1" lang="ko-KR" altLang="en-US" sz="1000" dirty="0" err="1"/>
-              <a:t>쇼핌몰이름을</a:t>
+              <a:rPr kumimoji="1" lang="ko-KR" altLang="en-US" sz="1000" dirty="0" err="1" smtClean="0"/>
+              <a:t>쇼핌몰</a:t>
+            </a:r>
+            <a:r>
+              <a:rPr kumimoji="1" lang="ko-KR" altLang="en-US" sz="1000" dirty="0" smtClean="0"/>
+              <a:t> 이름을 </a:t>
             </a:r>
             <a:r>
               <a:rPr kumimoji="1" lang="ko-KR" altLang="en-US" sz="1000" dirty="0"/>
-              <a:t> 넣고 검색 버튼 누리면 해당되는 쇼핑몰리스트가 보여진다</a:t>
+              <a:t>넣고 검색 버튼 누리면 해당되는 쇼핑몰리스트가 보여진다</a:t>
             </a:r>
             <a:endParaRPr kumimoji="1" lang="en-US" altLang="ko-KR" sz="1000" dirty="0"/>
           </a:p>
